--- a/slides/functions.pptx
+++ b/slides/functions.pptx
@@ -5,13 +5,17 @@
     <p:sldMasterId id="2147483672" r:id="rId1"/>
   </p:sldMasterIdLst>
   <p:notesMasterIdLst>
-    <p:notesMasterId r:id="rId3"/>
+    <p:notesMasterId r:id="rId7"/>
   </p:notesMasterIdLst>
   <p:handoutMasterIdLst>
-    <p:handoutMasterId r:id="rId4"/>
+    <p:handoutMasterId r:id="rId8"/>
   </p:handoutMasterIdLst>
   <p:sldIdLst>
     <p:sldId id="256" r:id="rId2"/>
+    <p:sldId id="260" r:id="rId3"/>
+    <p:sldId id="259" r:id="rId4"/>
+    <p:sldId id="257" r:id="rId5"/>
+    <p:sldId id="258" r:id="rId6"/>
   </p:sldIdLst>
   <p:sldSz cx="12192000" cy="6858000"/>
   <p:notesSz cx="9144000" cy="6858000"/>
@@ -206,7 +210,7 @@
           <a:p>
             <a:fld id="{8A1B613A-EFF1-404F-BEE8-EFAE84A4E5E2}" type="datetimeFigureOut">
               <a:rPr lang="en-US" smtClean="0"/>
-              <a:t>6/9/21</a:t>
+              <a:t>6/10/21</a:t>
             </a:fld>
             <a:endParaRPr lang="en-US"/>
           </a:p>
@@ -371,7 +375,7 @@
           <a:p>
             <a:fld id="{690847EA-AC25-3D4E-89E1-FD3F6A9702B6}" type="datetimeFigureOut">
               <a:rPr lang="en-US" smtClean="0"/>
-              <a:t>6/9/21</a:t>
+              <a:t>6/10/21</a:t>
             </a:fld>
             <a:endParaRPr lang="en-US"/>
           </a:p>
@@ -785,7 +789,7 @@
           <a:p>
             <a:fld id="{BE5295ED-3BAF-1140-8495-3D368771D6B1}" type="datetimeFigureOut">
               <a:rPr lang="en-US" smtClean="0"/>
-              <a:t>6/9/21</a:t>
+              <a:t>6/10/21</a:t>
             </a:fld>
             <a:endParaRPr lang="en-US"/>
           </a:p>
@@ -983,7 +987,7 @@
           <a:p>
             <a:fld id="{BE5295ED-3BAF-1140-8495-3D368771D6B1}" type="datetimeFigureOut">
               <a:rPr lang="en-US" smtClean="0"/>
-              <a:t>6/9/21</a:t>
+              <a:t>6/10/21</a:t>
             </a:fld>
             <a:endParaRPr lang="en-US"/>
           </a:p>
@@ -1191,7 +1195,7 @@
           <a:p>
             <a:fld id="{BE5295ED-3BAF-1140-8495-3D368771D6B1}" type="datetimeFigureOut">
               <a:rPr lang="en-US" smtClean="0"/>
-              <a:t>6/9/21</a:t>
+              <a:t>6/10/21</a:t>
             </a:fld>
             <a:endParaRPr lang="en-US"/>
           </a:p>
@@ -1389,7 +1393,7 @@
           <a:p>
             <a:fld id="{BE5295ED-3BAF-1140-8495-3D368771D6B1}" type="datetimeFigureOut">
               <a:rPr lang="en-US" smtClean="0"/>
-              <a:t>6/9/21</a:t>
+              <a:t>6/10/21</a:t>
             </a:fld>
             <a:endParaRPr lang="en-US"/>
           </a:p>
@@ -1664,7 +1668,7 @@
           <a:p>
             <a:fld id="{BE5295ED-3BAF-1140-8495-3D368771D6B1}" type="datetimeFigureOut">
               <a:rPr lang="en-US" smtClean="0"/>
-              <a:t>6/9/21</a:t>
+              <a:t>6/10/21</a:t>
             </a:fld>
             <a:endParaRPr lang="en-US"/>
           </a:p>
@@ -1929,7 +1933,7 @@
           <a:p>
             <a:fld id="{BE5295ED-3BAF-1140-8495-3D368771D6B1}" type="datetimeFigureOut">
               <a:rPr lang="en-US" smtClean="0"/>
-              <a:t>6/9/21</a:t>
+              <a:t>6/10/21</a:t>
             </a:fld>
             <a:endParaRPr lang="en-US"/>
           </a:p>
@@ -2341,7 +2345,7 @@
           <a:p>
             <a:fld id="{BE5295ED-3BAF-1140-8495-3D368771D6B1}" type="datetimeFigureOut">
               <a:rPr lang="en-US" smtClean="0"/>
-              <a:t>6/9/21</a:t>
+              <a:t>6/10/21</a:t>
             </a:fld>
             <a:endParaRPr lang="en-US"/>
           </a:p>
@@ -2482,7 +2486,7 @@
           <a:p>
             <a:fld id="{BE5295ED-3BAF-1140-8495-3D368771D6B1}" type="datetimeFigureOut">
               <a:rPr lang="en-US" smtClean="0"/>
-              <a:t>6/9/21</a:t>
+              <a:t>6/10/21</a:t>
             </a:fld>
             <a:endParaRPr lang="en-US"/>
           </a:p>
@@ -2595,7 +2599,7 @@
           <a:p>
             <a:fld id="{BE5295ED-3BAF-1140-8495-3D368771D6B1}" type="datetimeFigureOut">
               <a:rPr lang="en-US" smtClean="0"/>
-              <a:t>6/9/21</a:t>
+              <a:t>6/10/21</a:t>
             </a:fld>
             <a:endParaRPr lang="en-US"/>
           </a:p>
@@ -2906,7 +2910,7 @@
           <a:p>
             <a:fld id="{BE5295ED-3BAF-1140-8495-3D368771D6B1}" type="datetimeFigureOut">
               <a:rPr lang="en-US" smtClean="0"/>
-              <a:t>6/9/21</a:t>
+              <a:t>6/10/21</a:t>
             </a:fld>
             <a:endParaRPr lang="en-US"/>
           </a:p>
@@ -3197,7 +3201,7 @@
           <a:p>
             <a:fld id="{BE5295ED-3BAF-1140-8495-3D368771D6B1}" type="datetimeFigureOut">
               <a:rPr lang="en-US" smtClean="0"/>
-              <a:t>6/9/21</a:t>
+              <a:t>6/10/21</a:t>
             </a:fld>
             <a:endParaRPr lang="en-US"/>
           </a:p>
@@ -3438,7 +3442,7 @@
           <a:p>
             <a:fld id="{BE5295ED-3BAF-1140-8495-3D368771D6B1}" type="datetimeFigureOut">
               <a:rPr lang="en-US" smtClean="0"/>
-              <a:t>6/9/21</a:t>
+              <a:t>6/10/21</a:t>
             </a:fld>
             <a:endParaRPr lang="en-US"/>
           </a:p>
@@ -4002,6 +4006,579 @@
     <p:extLst>
       <p:ext uri="{BB962C8B-B14F-4D97-AF65-F5344CB8AC3E}">
         <p14:creationId xmlns:p14="http://schemas.microsoft.com/office/powerpoint/2010/main" val="1593366124"/>
+      </p:ext>
+    </p:extLst>
+  </p:cSld>
+  <p:clrMapOvr>
+    <a:masterClrMapping/>
+  </p:clrMapOvr>
+</p:sld>
+</file>
+
+<file path=ppt/slides/slide2.xml><?xml version="1.0" encoding="utf-8"?>
+<p:sld xmlns:a="http://schemas.openxmlformats.org/drawingml/2006/main" xmlns:r="http://schemas.openxmlformats.org/officeDocument/2006/relationships" xmlns:p="http://schemas.openxmlformats.org/presentationml/2006/main">
+  <p:cSld>
+    <p:spTree>
+      <p:nvGrpSpPr>
+        <p:cNvPr id="1" name=""/>
+        <p:cNvGrpSpPr/>
+        <p:nvPr/>
+      </p:nvGrpSpPr>
+      <p:grpSpPr>
+        <a:xfrm>
+          <a:off x="0" y="0"/>
+          <a:ext cx="0" cy="0"/>
+          <a:chOff x="0" y="0"/>
+          <a:chExt cx="0" cy="0"/>
+        </a:xfrm>
+      </p:grpSpPr>
+      <p:sp>
+        <p:nvSpPr>
+          <p:cNvPr id="2" name="Title 1">
+            <a:extLst>
+              <a:ext uri="{FF2B5EF4-FFF2-40B4-BE49-F238E27FC236}">
+                <a16:creationId xmlns:a16="http://schemas.microsoft.com/office/drawing/2014/main" id="{85E172B0-24D1-2F46-9932-F7E1550419B4}"/>
+              </a:ext>
+            </a:extLst>
+          </p:cNvPr>
+          <p:cNvSpPr>
+            <a:spLocks noGrp="1"/>
+          </p:cNvSpPr>
+          <p:nvPr>
+            <p:ph type="title"/>
+          </p:nvPr>
+        </p:nvSpPr>
+        <p:spPr/>
+        <p:txBody>
+          <a:bodyPr/>
+          <a:lstStyle/>
+          <a:p>
+            <a:r>
+              <a:rPr lang="en-US" dirty="0"/>
+              <a:t>What’s a function?</a:t>
+            </a:r>
+          </a:p>
+        </p:txBody>
+      </p:sp>
+      <p:sp>
+        <p:nvSpPr>
+          <p:cNvPr id="3" name="Content Placeholder 2">
+            <a:extLst>
+              <a:ext uri="{FF2B5EF4-FFF2-40B4-BE49-F238E27FC236}">
+                <a16:creationId xmlns:a16="http://schemas.microsoft.com/office/drawing/2014/main" id="{E5E02195-86F4-7148-A40D-4D20F3637BB2}"/>
+              </a:ext>
+            </a:extLst>
+          </p:cNvPr>
+          <p:cNvSpPr>
+            <a:spLocks noGrp="1"/>
+          </p:cNvSpPr>
+          <p:nvPr>
+            <p:ph idx="1"/>
+          </p:nvPr>
+        </p:nvSpPr>
+        <p:spPr/>
+        <p:txBody>
+          <a:bodyPr/>
+          <a:lstStyle/>
+          <a:p>
+            <a:r>
+              <a:rPr lang="en-US" dirty="0"/>
+              <a:t>We’re already familiar with functions from mathematics like sin, cos, max, </a:t>
+            </a:r>
+            <a:r>
+              <a:rPr lang="en-US" dirty="0" err="1"/>
+              <a:t>etc</a:t>
+            </a:r>
+            <a:r>
+              <a:rPr lang="en-US" dirty="0"/>
+              <a:t>…</a:t>
+            </a:r>
+          </a:p>
+          <a:p>
+            <a:r>
+              <a:rPr lang="en-US" dirty="0"/>
+              <a:t>A function is just a sequence of operations grouped into a single, named entity</a:t>
+            </a:r>
+          </a:p>
+          <a:p>
+            <a:r>
+              <a:rPr lang="en-US" dirty="0"/>
+              <a:t>Functions are like mini programs or subprograms that we can build just like full programs</a:t>
+            </a:r>
+          </a:p>
+          <a:p>
+            <a:r>
+              <a:rPr lang="en-US" dirty="0"/>
+              <a:t>Like a book is organized into multiple chapters, the program is best organized into multiple functions</a:t>
+            </a:r>
+          </a:p>
+        </p:txBody>
+      </p:sp>
+    </p:spTree>
+    <p:extLst>
+      <p:ext uri="{BB962C8B-B14F-4D97-AF65-F5344CB8AC3E}">
+        <p14:creationId xmlns:p14="http://schemas.microsoft.com/office/powerpoint/2010/main" val="360019897"/>
+      </p:ext>
+    </p:extLst>
+  </p:cSld>
+  <p:clrMapOvr>
+    <a:masterClrMapping/>
+  </p:clrMapOvr>
+</p:sld>
+</file>
+
+<file path=ppt/slides/slide3.xml><?xml version="1.0" encoding="utf-8"?>
+<p:sld xmlns:a="http://schemas.openxmlformats.org/drawingml/2006/main" xmlns:r="http://schemas.openxmlformats.org/officeDocument/2006/relationships" xmlns:p="http://schemas.openxmlformats.org/presentationml/2006/main">
+  <p:cSld>
+    <p:spTree>
+      <p:nvGrpSpPr>
+        <p:cNvPr id="1" name=""/>
+        <p:cNvGrpSpPr/>
+        <p:nvPr/>
+      </p:nvGrpSpPr>
+      <p:grpSpPr>
+        <a:xfrm>
+          <a:off x="0" y="0"/>
+          <a:ext cx="0" cy="0"/>
+          <a:chOff x="0" y="0"/>
+          <a:chExt cx="0" cy="0"/>
+        </a:xfrm>
+      </p:grpSpPr>
+      <p:sp>
+        <p:nvSpPr>
+          <p:cNvPr id="2" name="Title 1">
+            <a:extLst>
+              <a:ext uri="{FF2B5EF4-FFF2-40B4-BE49-F238E27FC236}">
+                <a16:creationId xmlns:a16="http://schemas.microsoft.com/office/drawing/2014/main" id="{703294C7-766E-B945-84FE-211970FDC537}"/>
+              </a:ext>
+            </a:extLst>
+          </p:cNvPr>
+          <p:cNvSpPr>
+            <a:spLocks noGrp="1"/>
+          </p:cNvSpPr>
+          <p:nvPr>
+            <p:ph type="title"/>
+          </p:nvPr>
+        </p:nvSpPr>
+        <p:spPr/>
+        <p:txBody>
+          <a:bodyPr/>
+          <a:lstStyle/>
+          <a:p>
+            <a:r>
+              <a:rPr lang="en-US" dirty="0"/>
+              <a:t>A cooking analogy to functions</a:t>
+            </a:r>
+          </a:p>
+        </p:txBody>
+      </p:sp>
+      <p:sp>
+        <p:nvSpPr>
+          <p:cNvPr id="3" name="Content Placeholder 2">
+            <a:extLst>
+              <a:ext uri="{FF2B5EF4-FFF2-40B4-BE49-F238E27FC236}">
+                <a16:creationId xmlns:a16="http://schemas.microsoft.com/office/drawing/2014/main" id="{FD96409E-1F51-3C4B-AE5F-6A2F9A9AAAE7}"/>
+              </a:ext>
+            </a:extLst>
+          </p:cNvPr>
+          <p:cNvSpPr>
+            <a:spLocks noGrp="1"/>
+          </p:cNvSpPr>
+          <p:nvPr>
+            <p:ph idx="1"/>
+          </p:nvPr>
+        </p:nvSpPr>
+        <p:spPr>
+          <a:xfrm>
+            <a:off x="838200" y="1690688"/>
+            <a:ext cx="8017565" cy="4486275"/>
+          </a:xfrm>
+        </p:spPr>
+        <p:txBody>
+          <a:bodyPr/>
+          <a:lstStyle/>
+          <a:p>
+            <a:r>
+              <a:rPr lang="en-US" dirty="0"/>
+              <a:t>A pasta recipe might have several high level tasks:</a:t>
+            </a:r>
+          </a:p>
+          <a:p>
+            <a:pPr marL="914400" lvl="1" indent="-457200">
+              <a:buFont typeface="+mj-lt"/>
+              <a:buAutoNum type="arabicPeriod"/>
+            </a:pPr>
+            <a:r>
+              <a:rPr lang="en-US" dirty="0"/>
+              <a:t>Chop veggies</a:t>
+            </a:r>
+          </a:p>
+          <a:p>
+            <a:pPr marL="914400" lvl="1" indent="-457200">
+              <a:buFont typeface="+mj-lt"/>
+              <a:buAutoNum type="arabicPeriod"/>
+            </a:pPr>
+            <a:r>
+              <a:rPr lang="en-US" dirty="0"/>
+              <a:t>Create sauce</a:t>
+            </a:r>
+          </a:p>
+          <a:p>
+            <a:pPr marL="914400" lvl="1" indent="-457200">
+              <a:buFont typeface="+mj-lt"/>
+              <a:buAutoNum type="arabicPeriod"/>
+            </a:pPr>
+            <a:r>
+              <a:rPr lang="en-US" dirty="0"/>
+              <a:t>Cook pasta</a:t>
+            </a:r>
+          </a:p>
+          <a:p>
+            <a:r>
+              <a:rPr lang="en-US" dirty="0"/>
+              <a:t>As we proceed through the recipe we have to go off and perform the indicated task, come back, and continue to the next task</a:t>
+            </a:r>
+          </a:p>
+          <a:p>
+            <a:r>
+              <a:rPr lang="en-US" dirty="0"/>
+              <a:t>Top-down design: solve overall problem with high-level tasks, then design those subtasks</a:t>
+            </a:r>
+          </a:p>
+        </p:txBody>
+      </p:sp>
+      <p:pic>
+        <p:nvPicPr>
+          <p:cNvPr id="4" name="Picture 3">
+            <a:extLst>
+              <a:ext uri="{FF2B5EF4-FFF2-40B4-BE49-F238E27FC236}">
+                <a16:creationId xmlns:a16="http://schemas.microsoft.com/office/drawing/2014/main" id="{54035E02-8934-1C4B-9B02-DEDF790783A0}"/>
+              </a:ext>
+            </a:extLst>
+          </p:cNvPr>
+          <p:cNvPicPr>
+            <a:picLocks noChangeAspect="1"/>
+          </p:cNvPicPr>
+          <p:nvPr/>
+        </p:nvPicPr>
+        <p:blipFill>
+          <a:blip r:embed="rId2"/>
+          <a:stretch>
+            <a:fillRect/>
+          </a:stretch>
+        </p:blipFill>
+        <p:spPr>
+          <a:xfrm>
+            <a:off x="9534938" y="1224446"/>
+            <a:ext cx="2045253" cy="4061288"/>
+          </a:xfrm>
+          <a:prstGeom prst="rect">
+            <a:avLst/>
+          </a:prstGeom>
+        </p:spPr>
+      </p:pic>
+    </p:spTree>
+    <p:extLst>
+      <p:ext uri="{BB962C8B-B14F-4D97-AF65-F5344CB8AC3E}">
+        <p14:creationId xmlns:p14="http://schemas.microsoft.com/office/powerpoint/2010/main" val="2535916213"/>
+      </p:ext>
+    </p:extLst>
+  </p:cSld>
+  <p:clrMapOvr>
+    <a:masterClrMapping/>
+  </p:clrMapOvr>
+</p:sld>
+</file>
+
+<file path=ppt/slides/slide4.xml><?xml version="1.0" encoding="utf-8"?>
+<p:sld xmlns:a="http://schemas.openxmlformats.org/drawingml/2006/main" xmlns:r="http://schemas.openxmlformats.org/officeDocument/2006/relationships" xmlns:p="http://schemas.openxmlformats.org/presentationml/2006/main">
+  <p:cSld>
+    <p:spTree>
+      <p:nvGrpSpPr>
+        <p:cNvPr id="1" name=""/>
+        <p:cNvGrpSpPr/>
+        <p:nvPr/>
+      </p:nvGrpSpPr>
+      <p:grpSpPr>
+        <a:xfrm>
+          <a:off x="0" y="0"/>
+          <a:ext cx="0" cy="0"/>
+          <a:chOff x="0" y="0"/>
+          <a:chExt cx="0" cy="0"/>
+        </a:xfrm>
+      </p:grpSpPr>
+      <p:sp>
+        <p:nvSpPr>
+          <p:cNvPr id="2" name="Title 1">
+            <a:extLst>
+              <a:ext uri="{FF2B5EF4-FFF2-40B4-BE49-F238E27FC236}">
+                <a16:creationId xmlns:a16="http://schemas.microsoft.com/office/drawing/2014/main" id="{020E53E1-851D-C645-A59F-FEA87B5ED714}"/>
+              </a:ext>
+            </a:extLst>
+          </p:cNvPr>
+          <p:cNvSpPr>
+            <a:spLocks noGrp="1"/>
+          </p:cNvSpPr>
+          <p:nvPr>
+            <p:ph type="title"/>
+          </p:nvPr>
+        </p:nvSpPr>
+        <p:spPr/>
+        <p:txBody>
+          <a:bodyPr/>
+          <a:lstStyle/>
+          <a:p>
+            <a:endParaRPr lang="en-US"/>
+          </a:p>
+        </p:txBody>
+      </p:sp>
+      <p:sp>
+        <p:nvSpPr>
+          <p:cNvPr id="3" name="Content Placeholder 2">
+            <a:extLst>
+              <a:ext uri="{FF2B5EF4-FFF2-40B4-BE49-F238E27FC236}">
+                <a16:creationId xmlns:a16="http://schemas.microsoft.com/office/drawing/2014/main" id="{C420561A-9EF6-114F-AC25-B0FEAEFC5884}"/>
+              </a:ext>
+            </a:extLst>
+          </p:cNvPr>
+          <p:cNvSpPr>
+            <a:spLocks noGrp="1"/>
+          </p:cNvSpPr>
+          <p:nvPr>
+            <p:ph idx="1"/>
+          </p:nvPr>
+        </p:nvSpPr>
+        <p:spPr/>
+        <p:txBody>
+          <a:bodyPr/>
+          <a:lstStyle/>
+          <a:p>
+            <a:r>
+              <a:rPr lang="en-US" dirty="0"/>
+              <a:t>d</a:t>
+            </a:r>
+          </a:p>
+        </p:txBody>
+      </p:sp>
+      <p:pic>
+        <p:nvPicPr>
+          <p:cNvPr id="4" name="Picture 3">
+            <a:extLst>
+              <a:ext uri="{FF2B5EF4-FFF2-40B4-BE49-F238E27FC236}">
+                <a16:creationId xmlns:a16="http://schemas.microsoft.com/office/drawing/2014/main" id="{D457D2C9-5FCE-AA44-954C-75FDEC6A4C9B}"/>
+              </a:ext>
+            </a:extLst>
+          </p:cNvPr>
+          <p:cNvPicPr>
+            <a:picLocks noChangeAspect="1"/>
+          </p:cNvPicPr>
+          <p:nvPr/>
+        </p:nvPicPr>
+        <p:blipFill>
+          <a:blip r:embed="rId2"/>
+          <a:stretch>
+            <a:fillRect/>
+          </a:stretch>
+        </p:blipFill>
+        <p:spPr>
+          <a:xfrm>
+            <a:off x="5336137" y="1896751"/>
+            <a:ext cx="2057430" cy="4048491"/>
+          </a:xfrm>
+          <a:prstGeom prst="rect">
+            <a:avLst/>
+          </a:prstGeom>
+        </p:spPr>
+      </p:pic>
+      <p:pic>
+        <p:nvPicPr>
+          <p:cNvPr id="6" name="Picture 5">
+            <a:extLst>
+              <a:ext uri="{FF2B5EF4-FFF2-40B4-BE49-F238E27FC236}">
+                <a16:creationId xmlns:a16="http://schemas.microsoft.com/office/drawing/2014/main" id="{3DAAA638-252B-084B-9155-0FE572105C91}"/>
+              </a:ext>
+            </a:extLst>
+          </p:cNvPr>
+          <p:cNvPicPr>
+            <a:picLocks noChangeAspect="1"/>
+          </p:cNvPicPr>
+          <p:nvPr/>
+        </p:nvPicPr>
+        <p:blipFill>
+          <a:blip r:embed="rId3"/>
+          <a:stretch>
+            <a:fillRect/>
+          </a:stretch>
+        </p:blipFill>
+        <p:spPr>
+          <a:xfrm>
+            <a:off x="8148430" y="1690688"/>
+            <a:ext cx="3011274" cy="4048490"/>
+          </a:xfrm>
+          <a:prstGeom prst="rect">
+            <a:avLst/>
+          </a:prstGeom>
+        </p:spPr>
+      </p:pic>
+    </p:spTree>
+    <p:extLst>
+      <p:ext uri="{BB962C8B-B14F-4D97-AF65-F5344CB8AC3E}">
+        <p14:creationId xmlns:p14="http://schemas.microsoft.com/office/powerpoint/2010/main" val="2106986205"/>
+      </p:ext>
+    </p:extLst>
+  </p:cSld>
+  <p:clrMapOvr>
+    <a:masterClrMapping/>
+  </p:clrMapOvr>
+</p:sld>
+</file>
+
+<file path=ppt/slides/slide5.xml><?xml version="1.0" encoding="utf-8"?>
+<p:sld xmlns:a="http://schemas.openxmlformats.org/drawingml/2006/main" xmlns:r="http://schemas.openxmlformats.org/officeDocument/2006/relationships" xmlns:p="http://schemas.openxmlformats.org/presentationml/2006/main">
+  <p:cSld>
+    <p:spTree>
+      <p:nvGrpSpPr>
+        <p:cNvPr id="1" name=""/>
+        <p:cNvGrpSpPr/>
+        <p:nvPr/>
+      </p:nvGrpSpPr>
+      <p:grpSpPr>
+        <a:xfrm>
+          <a:off x="0" y="0"/>
+          <a:ext cx="0" cy="0"/>
+          <a:chOff x="0" y="0"/>
+          <a:chExt cx="0" cy="0"/>
+        </a:xfrm>
+      </p:grpSpPr>
+      <p:sp>
+        <p:nvSpPr>
+          <p:cNvPr id="2" name="Title 1">
+            <a:extLst>
+              <a:ext uri="{FF2B5EF4-FFF2-40B4-BE49-F238E27FC236}">
+                <a16:creationId xmlns:a16="http://schemas.microsoft.com/office/drawing/2014/main" id="{2B6998A0-E4D0-B649-A2ED-D1DB39B50720}"/>
+              </a:ext>
+            </a:extLst>
+          </p:cNvPr>
+          <p:cNvSpPr>
+            <a:spLocks noGrp="1"/>
+          </p:cNvSpPr>
+          <p:nvPr>
+            <p:ph type="title"/>
+          </p:nvPr>
+        </p:nvSpPr>
+        <p:spPr/>
+        <p:txBody>
+          <a:bodyPr/>
+          <a:lstStyle/>
+          <a:p>
+            <a:r>
+              <a:rPr lang="en-US" dirty="0"/>
+              <a:t>Code organization is important</a:t>
+            </a:r>
+          </a:p>
+        </p:txBody>
+      </p:sp>
+      <p:sp>
+        <p:nvSpPr>
+          <p:cNvPr id="3" name="Content Placeholder 2">
+            <a:extLst>
+              <a:ext uri="{FF2B5EF4-FFF2-40B4-BE49-F238E27FC236}">
+                <a16:creationId xmlns:a16="http://schemas.microsoft.com/office/drawing/2014/main" id="{91A597C8-FA08-DF4D-A821-4F93FF967BF1}"/>
+              </a:ext>
+            </a:extLst>
+          </p:cNvPr>
+          <p:cNvSpPr>
+            <a:spLocks noGrp="1"/>
+          </p:cNvSpPr>
+          <p:nvPr>
+            <p:ph idx="1"/>
+          </p:nvPr>
+        </p:nvSpPr>
+        <p:spPr/>
+        <p:txBody>
+          <a:bodyPr/>
+          <a:lstStyle/>
+          <a:p>
+            <a:r>
+              <a:rPr lang="en-US" dirty="0"/>
+              <a:t>Programs quickly become an incomprehensible rats nest if we are not strict about style and organization</a:t>
+            </a:r>
+          </a:p>
+          <a:p>
+            <a:r>
+              <a:rPr lang="en-US" dirty="0"/>
+              <a:t>Here’s a general structure for Python programs:</a:t>
+            </a:r>
+            <a:br>
+              <a:rPr lang="en-US" dirty="0"/>
+            </a:br>
+            <a:endParaRPr lang="en-US" dirty="0"/>
+          </a:p>
+          <a:p>
+            <a:endParaRPr lang="en-US" dirty="0"/>
+          </a:p>
+        </p:txBody>
+      </p:sp>
+      <p:sp>
+        <p:nvSpPr>
+          <p:cNvPr id="4" name="Rectangle 3">
+            <a:extLst>
+              <a:ext uri="{FF2B5EF4-FFF2-40B4-BE49-F238E27FC236}">
+                <a16:creationId xmlns:a16="http://schemas.microsoft.com/office/drawing/2014/main" id="{2D29A910-3114-E74F-9373-419327731318}"/>
+              </a:ext>
+            </a:extLst>
+          </p:cNvPr>
+          <p:cNvSpPr/>
+          <p:nvPr/>
+        </p:nvSpPr>
+        <p:spPr>
+          <a:xfrm>
+            <a:off x="3048000" y="3733297"/>
+            <a:ext cx="6096000" cy="1569660"/>
+          </a:xfrm>
+          <a:prstGeom prst="rect">
+            <a:avLst/>
+          </a:prstGeom>
+        </p:spPr>
+        <p:txBody>
+          <a:bodyPr>
+            <a:spAutoFit/>
+          </a:bodyPr>
+          <a:lstStyle/>
+          <a:p>
+            <a:r>
+              <a:rPr lang="en-US" sz="2400" i="1" dirty="0"/>
+              <a:t>import any libraries</a:t>
+            </a:r>
+            <a:br>
+              <a:rPr lang="en-US" sz="2400" dirty="0"/>
+            </a:br>
+            <a:r>
+              <a:rPr lang="en-US" sz="2400" i="1" dirty="0"/>
+              <a:t>define any constants, simple data values</a:t>
+            </a:r>
+            <a:br>
+              <a:rPr lang="en-US" sz="2400" dirty="0"/>
+            </a:br>
+            <a:r>
+              <a:rPr lang="en-US" sz="2400" i="1" dirty="0"/>
+              <a:t>define any functions</a:t>
+            </a:r>
+            <a:br>
+              <a:rPr lang="en-US" sz="2400" dirty="0"/>
+            </a:br>
+            <a:r>
+              <a:rPr lang="en-US" sz="2400" i="1" dirty="0"/>
+              <a:t>main program body</a:t>
+            </a:r>
+            <a:endParaRPr lang="en-US" sz="2400" dirty="0"/>
+          </a:p>
+        </p:txBody>
+      </p:sp>
+    </p:spTree>
+    <p:extLst>
+      <p:ext uri="{BB962C8B-B14F-4D97-AF65-F5344CB8AC3E}">
+        <p14:creationId xmlns:p14="http://schemas.microsoft.com/office/powerpoint/2010/main" val="3711799391"/>
       </p:ext>
     </p:extLst>
   </p:cSld>

--- a/slides/functions.pptx
+++ b/slides/functions.pptx
@@ -5,17 +5,30 @@
     <p:sldMasterId id="2147483672" r:id="rId1"/>
   </p:sldMasterIdLst>
   <p:notesMasterIdLst>
-    <p:notesMasterId r:id="rId7"/>
+    <p:notesMasterId r:id="rId20"/>
   </p:notesMasterIdLst>
   <p:handoutMasterIdLst>
-    <p:handoutMasterId r:id="rId8"/>
+    <p:handoutMasterId r:id="rId21"/>
   </p:handoutMasterIdLst>
   <p:sldIdLst>
     <p:sldId id="256" r:id="rId2"/>
     <p:sldId id="260" r:id="rId3"/>
     <p:sldId id="259" r:id="rId4"/>
-    <p:sldId id="257" r:id="rId5"/>
-    <p:sldId id="258" r:id="rId6"/>
+    <p:sldId id="261" r:id="rId5"/>
+    <p:sldId id="262" r:id="rId6"/>
+    <p:sldId id="263" r:id="rId7"/>
+    <p:sldId id="265" r:id="rId8"/>
+    <p:sldId id="266" r:id="rId9"/>
+    <p:sldId id="268" r:id="rId10"/>
+    <p:sldId id="269" r:id="rId11"/>
+    <p:sldId id="270" r:id="rId12"/>
+    <p:sldId id="271" r:id="rId13"/>
+    <p:sldId id="272" r:id="rId14"/>
+    <p:sldId id="273" r:id="rId15"/>
+    <p:sldId id="274" r:id="rId16"/>
+    <p:sldId id="264" r:id="rId17"/>
+    <p:sldId id="257" r:id="rId18"/>
+    <p:sldId id="258" r:id="rId19"/>
   </p:sldIdLst>
   <p:sldSz cx="12192000" cy="6858000"/>
   <p:notesSz cx="9144000" cy="6858000"/>
@@ -210,7 +223,7 @@
           <a:p>
             <a:fld id="{8A1B613A-EFF1-404F-BEE8-EFAE84A4E5E2}" type="datetimeFigureOut">
               <a:rPr lang="en-US" smtClean="0"/>
-              <a:t>6/10/21</a:t>
+              <a:t>6/14/21</a:t>
             </a:fld>
             <a:endParaRPr lang="en-US"/>
           </a:p>
@@ -375,7 +388,7 @@
           <a:p>
             <a:fld id="{690847EA-AC25-3D4E-89E1-FD3F6A9702B6}" type="datetimeFigureOut">
               <a:rPr lang="en-US" smtClean="0"/>
-              <a:t>6/10/21</a:t>
+              <a:t>6/14/21</a:t>
             </a:fld>
             <a:endParaRPr lang="en-US"/>
           </a:p>
@@ -789,7 +802,7 @@
           <a:p>
             <a:fld id="{BE5295ED-3BAF-1140-8495-3D368771D6B1}" type="datetimeFigureOut">
               <a:rPr lang="en-US" smtClean="0"/>
-              <a:t>6/10/21</a:t>
+              <a:t>6/14/21</a:t>
             </a:fld>
             <a:endParaRPr lang="en-US"/>
           </a:p>
@@ -987,7 +1000,7 @@
           <a:p>
             <a:fld id="{BE5295ED-3BAF-1140-8495-3D368771D6B1}" type="datetimeFigureOut">
               <a:rPr lang="en-US" smtClean="0"/>
-              <a:t>6/10/21</a:t>
+              <a:t>6/14/21</a:t>
             </a:fld>
             <a:endParaRPr lang="en-US"/>
           </a:p>
@@ -1195,7 +1208,7 @@
           <a:p>
             <a:fld id="{BE5295ED-3BAF-1140-8495-3D368771D6B1}" type="datetimeFigureOut">
               <a:rPr lang="en-US" smtClean="0"/>
-              <a:t>6/10/21</a:t>
+              <a:t>6/14/21</a:t>
             </a:fld>
             <a:endParaRPr lang="en-US"/>
           </a:p>
@@ -1393,7 +1406,7 @@
           <a:p>
             <a:fld id="{BE5295ED-3BAF-1140-8495-3D368771D6B1}" type="datetimeFigureOut">
               <a:rPr lang="en-US" smtClean="0"/>
-              <a:t>6/10/21</a:t>
+              <a:t>6/14/21</a:t>
             </a:fld>
             <a:endParaRPr lang="en-US"/>
           </a:p>
@@ -1668,7 +1681,7 @@
           <a:p>
             <a:fld id="{BE5295ED-3BAF-1140-8495-3D368771D6B1}" type="datetimeFigureOut">
               <a:rPr lang="en-US" smtClean="0"/>
-              <a:t>6/10/21</a:t>
+              <a:t>6/14/21</a:t>
             </a:fld>
             <a:endParaRPr lang="en-US"/>
           </a:p>
@@ -1933,7 +1946,7 @@
           <a:p>
             <a:fld id="{BE5295ED-3BAF-1140-8495-3D368771D6B1}" type="datetimeFigureOut">
               <a:rPr lang="en-US" smtClean="0"/>
-              <a:t>6/10/21</a:t>
+              <a:t>6/14/21</a:t>
             </a:fld>
             <a:endParaRPr lang="en-US"/>
           </a:p>
@@ -2345,7 +2358,7 @@
           <a:p>
             <a:fld id="{BE5295ED-3BAF-1140-8495-3D368771D6B1}" type="datetimeFigureOut">
               <a:rPr lang="en-US" smtClean="0"/>
-              <a:t>6/10/21</a:t>
+              <a:t>6/14/21</a:t>
             </a:fld>
             <a:endParaRPr lang="en-US"/>
           </a:p>
@@ -2486,7 +2499,7 @@
           <a:p>
             <a:fld id="{BE5295ED-3BAF-1140-8495-3D368771D6B1}" type="datetimeFigureOut">
               <a:rPr lang="en-US" smtClean="0"/>
-              <a:t>6/10/21</a:t>
+              <a:t>6/14/21</a:t>
             </a:fld>
             <a:endParaRPr lang="en-US"/>
           </a:p>
@@ -2599,7 +2612,7 @@
           <a:p>
             <a:fld id="{BE5295ED-3BAF-1140-8495-3D368771D6B1}" type="datetimeFigureOut">
               <a:rPr lang="en-US" smtClean="0"/>
-              <a:t>6/10/21</a:t>
+              <a:t>6/14/21</a:t>
             </a:fld>
             <a:endParaRPr lang="en-US"/>
           </a:p>
@@ -2910,7 +2923,7 @@
           <a:p>
             <a:fld id="{BE5295ED-3BAF-1140-8495-3D368771D6B1}" type="datetimeFigureOut">
               <a:rPr lang="en-US" smtClean="0"/>
-              <a:t>6/10/21</a:t>
+              <a:t>6/14/21</a:t>
             </a:fld>
             <a:endParaRPr lang="en-US"/>
           </a:p>
@@ -3201,7 +3214,7 @@
           <a:p>
             <a:fld id="{BE5295ED-3BAF-1140-8495-3D368771D6B1}" type="datetimeFigureOut">
               <a:rPr lang="en-US" smtClean="0"/>
-              <a:t>6/10/21</a:t>
+              <a:t>6/14/21</a:t>
             </a:fld>
             <a:endParaRPr lang="en-US"/>
           </a:p>
@@ -3442,7 +3455,7 @@
           <a:p>
             <a:fld id="{BE5295ED-3BAF-1140-8495-3D368771D6B1}" type="datetimeFigureOut">
               <a:rPr lang="en-US" smtClean="0"/>
-              <a:t>6/10/21</a:t>
+              <a:t>6/14/21</a:t>
             </a:fld>
             <a:endParaRPr lang="en-US"/>
           </a:p>
@@ -4015,6 +4028,1936 @@
 </p:sld>
 </file>
 
+<file path=ppt/slides/slide10.xml><?xml version="1.0" encoding="utf-8"?>
+<p:sld xmlns:a="http://schemas.openxmlformats.org/drawingml/2006/main" xmlns:r="http://schemas.openxmlformats.org/officeDocument/2006/relationships" xmlns:p="http://schemas.openxmlformats.org/presentationml/2006/main">
+  <p:cSld>
+    <p:spTree>
+      <p:nvGrpSpPr>
+        <p:cNvPr id="1" name=""/>
+        <p:cNvGrpSpPr/>
+        <p:nvPr/>
+      </p:nvGrpSpPr>
+      <p:grpSpPr>
+        <a:xfrm>
+          <a:off x="0" y="0"/>
+          <a:ext cx="0" cy="0"/>
+          <a:chOff x="0" y="0"/>
+          <a:chExt cx="0" cy="0"/>
+        </a:xfrm>
+      </p:grpSpPr>
+      <p:sp>
+        <p:nvSpPr>
+          <p:cNvPr id="2" name="Title 1">
+            <a:extLst>
+              <a:ext uri="{FF2B5EF4-FFF2-40B4-BE49-F238E27FC236}">
+                <a16:creationId xmlns:a16="http://schemas.microsoft.com/office/drawing/2014/main" id="{06BFE738-B95D-3748-BAED-65F01B5BFEBB}"/>
+              </a:ext>
+            </a:extLst>
+          </p:cNvPr>
+          <p:cNvSpPr>
+            <a:spLocks noGrp="1"/>
+          </p:cNvSpPr>
+          <p:nvPr>
+            <p:ph type="title"/>
+          </p:nvPr>
+        </p:nvSpPr>
+        <p:spPr/>
+        <p:txBody>
+          <a:bodyPr/>
+          <a:lstStyle/>
+          <a:p>
+            <a:r>
+              <a:rPr lang="en-US" dirty="0"/>
+              <a:t>Functions with side effects</a:t>
+            </a:r>
+          </a:p>
+        </p:txBody>
+      </p:sp>
+      <p:sp>
+        <p:nvSpPr>
+          <p:cNvPr id="3" name="Content Placeholder 2">
+            <a:extLst>
+              <a:ext uri="{FF2B5EF4-FFF2-40B4-BE49-F238E27FC236}">
+                <a16:creationId xmlns:a16="http://schemas.microsoft.com/office/drawing/2014/main" id="{C4FA2B27-EACF-4E4E-8A7E-99CD128B8297}"/>
+              </a:ext>
+            </a:extLst>
+          </p:cNvPr>
+          <p:cNvSpPr>
+            <a:spLocks noGrp="1"/>
+          </p:cNvSpPr>
+          <p:nvPr>
+            <p:ph idx="1"/>
+          </p:nvPr>
+        </p:nvSpPr>
+        <p:spPr>
+          <a:xfrm>
+            <a:off x="838200" y="1825625"/>
+            <a:ext cx="8385313" cy="4351338"/>
+          </a:xfrm>
+        </p:spPr>
+        <p:txBody>
+          <a:bodyPr/>
+          <a:lstStyle/>
+          <a:p>
+            <a:r>
+              <a:rPr lang="en-US" dirty="0"/>
+              <a:t>Some functions don't have return values; e.g., they might update a GUI, alter a database, delete records from a data frame, or simply print</a:t>
+            </a:r>
+          </a:p>
+          <a:p>
+            <a:r>
+              <a:rPr lang="en-US" dirty="0"/>
+              <a:t>The </a:t>
+            </a:r>
+            <a:r>
+              <a:rPr lang="en-US" b="1" dirty="0"/>
+              <a:t>return</a:t>
+            </a:r>
+            <a:r>
+              <a:rPr lang="en-US" dirty="0"/>
+              <a:t> statement is omitted if the function does not return a value</a:t>
+            </a:r>
+          </a:p>
+          <a:p>
+            <a:r>
+              <a:rPr lang="en-US" dirty="0"/>
+              <a:t>Such functions have </a:t>
+            </a:r>
+            <a:r>
+              <a:rPr lang="en-US" i="1" dirty="0"/>
+              <a:t>side effects</a:t>
+            </a:r>
+          </a:p>
+          <a:p>
+            <a:r>
+              <a:rPr lang="en-US" dirty="0"/>
+              <a:t>The value of a function w/o a </a:t>
+            </a:r>
+            <a:r>
+              <a:rPr lang="en-US" b="1" dirty="0"/>
+              <a:t>return</a:t>
+            </a:r>
+            <a:r>
+              <a:rPr lang="en-US" dirty="0"/>
+              <a:t> is </a:t>
+            </a:r>
+            <a:r>
+              <a:rPr lang="en-US" b="1" dirty="0"/>
+              <a:t>None</a:t>
+            </a:r>
+          </a:p>
+          <a:p>
+            <a:endParaRPr lang="en-US" i="1" u="sng" dirty="0"/>
+          </a:p>
+        </p:txBody>
+      </p:sp>
+      <p:pic>
+        <p:nvPicPr>
+          <p:cNvPr id="5" name="Picture 4" descr="Graphical user interface, text, application&#10;&#10;Description automatically generated">
+            <a:extLst>
+              <a:ext uri="{FF2B5EF4-FFF2-40B4-BE49-F238E27FC236}">
+                <a16:creationId xmlns:a16="http://schemas.microsoft.com/office/drawing/2014/main" id="{81494D43-5221-7B41-9257-587272613D9B}"/>
+              </a:ext>
+            </a:extLst>
+          </p:cNvPr>
+          <p:cNvPicPr>
+            <a:picLocks noChangeAspect="1"/>
+          </p:cNvPicPr>
+          <p:nvPr/>
+        </p:nvPicPr>
+        <p:blipFill>
+          <a:blip r:embed="rId2"/>
+          <a:stretch>
+            <a:fillRect/>
+          </a:stretch>
+        </p:blipFill>
+        <p:spPr>
+          <a:xfrm>
+            <a:off x="9481930" y="1690688"/>
+            <a:ext cx="2485889" cy="2141459"/>
+          </a:xfrm>
+          <a:prstGeom prst="rect">
+            <a:avLst/>
+          </a:prstGeom>
+        </p:spPr>
+      </p:pic>
+      <p:pic>
+        <p:nvPicPr>
+          <p:cNvPr id="7" name="Picture 6" descr="Graphical user interface, text, application&#10;&#10;Description automatically generated">
+            <a:extLst>
+              <a:ext uri="{FF2B5EF4-FFF2-40B4-BE49-F238E27FC236}">
+                <a16:creationId xmlns:a16="http://schemas.microsoft.com/office/drawing/2014/main" id="{E010C734-F74C-B840-B9FD-65E8044BBEC0}"/>
+              </a:ext>
+            </a:extLst>
+          </p:cNvPr>
+          <p:cNvPicPr>
+            <a:picLocks noChangeAspect="1"/>
+          </p:cNvPicPr>
+          <p:nvPr/>
+        </p:nvPicPr>
+        <p:blipFill>
+          <a:blip r:embed="rId3"/>
+          <a:stretch>
+            <a:fillRect/>
+          </a:stretch>
+        </p:blipFill>
+        <p:spPr>
+          <a:xfrm>
+            <a:off x="9481930" y="4235825"/>
+            <a:ext cx="1659458" cy="1862976"/>
+          </a:xfrm>
+          <a:prstGeom prst="rect">
+            <a:avLst/>
+          </a:prstGeom>
+        </p:spPr>
+      </p:pic>
+      <p:cxnSp>
+        <p:nvCxnSpPr>
+          <p:cNvPr id="9" name="Straight Arrow Connector 8">
+            <a:extLst>
+              <a:ext uri="{FF2B5EF4-FFF2-40B4-BE49-F238E27FC236}">
+                <a16:creationId xmlns:a16="http://schemas.microsoft.com/office/drawing/2014/main" id="{2816D5A7-F00F-7844-94B2-18BCFA15A489}"/>
+              </a:ext>
+            </a:extLst>
+          </p:cNvPr>
+          <p:cNvCxnSpPr>
+            <a:cxnSpLocks/>
+          </p:cNvCxnSpPr>
+          <p:nvPr/>
+        </p:nvCxnSpPr>
+        <p:spPr>
+          <a:xfrm>
+            <a:off x="8309113" y="4701761"/>
+            <a:ext cx="1172817" cy="0"/>
+          </a:xfrm>
+          <a:prstGeom prst="straightConnector1">
+            <a:avLst/>
+          </a:prstGeom>
+          <a:ln>
+            <a:tailEnd type="triangle"/>
+          </a:ln>
+        </p:spPr>
+        <p:style>
+          <a:lnRef idx="1">
+            <a:schemeClr val="accent1"/>
+          </a:lnRef>
+          <a:fillRef idx="0">
+            <a:schemeClr val="accent1"/>
+          </a:fillRef>
+          <a:effectRef idx="0">
+            <a:schemeClr val="accent1"/>
+          </a:effectRef>
+          <a:fontRef idx="minor">
+            <a:schemeClr val="tx1"/>
+          </a:fontRef>
+        </p:style>
+      </p:cxnSp>
+      <p:sp>
+        <p:nvSpPr>
+          <p:cNvPr id="12" name="TextBox 11">
+            <a:extLst>
+              <a:ext uri="{FF2B5EF4-FFF2-40B4-BE49-F238E27FC236}">
+                <a16:creationId xmlns:a16="http://schemas.microsoft.com/office/drawing/2014/main" id="{65A281BD-C48A-C14A-8BBA-09B9FCDD9055}"/>
+              </a:ext>
+            </a:extLst>
+          </p:cNvPr>
+          <p:cNvSpPr txBox="1"/>
+          <p:nvPr/>
+        </p:nvSpPr>
+        <p:spPr>
+          <a:xfrm>
+            <a:off x="0" y="6492875"/>
+            <a:ext cx="2877711" cy="369332"/>
+          </a:xfrm>
+          <a:prstGeom prst="rect">
+            <a:avLst/>
+          </a:prstGeom>
+          <a:noFill/>
+        </p:spPr>
+        <p:txBody>
+          <a:bodyPr wrap="none" rtlCol="0">
+            <a:spAutoFit/>
+          </a:bodyPr>
+          <a:lstStyle/>
+          <a:p>
+            <a:r>
+              <a:rPr lang="en-US" dirty="0">
+                <a:hlinkClick r:id="rId4"/>
+              </a:rPr>
+              <a:t>Experiment in </a:t>
+            </a:r>
+            <a:r>
+              <a:rPr lang="en-US" dirty="0" err="1">
+                <a:hlinkClick r:id="rId4"/>
+              </a:rPr>
+              <a:t>pythontutor</a:t>
+            </a:r>
+            <a:endParaRPr lang="en-US" dirty="0"/>
+          </a:p>
+        </p:txBody>
+      </p:sp>
+    </p:spTree>
+    <p:extLst>
+      <p:ext uri="{BB962C8B-B14F-4D97-AF65-F5344CB8AC3E}">
+        <p14:creationId xmlns:p14="http://schemas.microsoft.com/office/powerpoint/2010/main" val="3162096180"/>
+      </p:ext>
+    </p:extLst>
+  </p:cSld>
+  <p:clrMapOvr>
+    <a:masterClrMapping/>
+  </p:clrMapOvr>
+</p:sld>
+</file>
+
+<file path=ppt/slides/slide11.xml><?xml version="1.0" encoding="utf-8"?>
+<p:sld xmlns:a="http://schemas.openxmlformats.org/drawingml/2006/main" xmlns:r="http://schemas.openxmlformats.org/officeDocument/2006/relationships" xmlns:p="http://schemas.openxmlformats.org/presentationml/2006/main">
+  <p:cSld>
+    <p:spTree>
+      <p:nvGrpSpPr>
+        <p:cNvPr id="1" name=""/>
+        <p:cNvGrpSpPr/>
+        <p:nvPr/>
+      </p:nvGrpSpPr>
+      <p:grpSpPr>
+        <a:xfrm>
+          <a:off x="0" y="0"/>
+          <a:ext cx="0" cy="0"/>
+          <a:chOff x="0" y="0"/>
+          <a:chExt cx="0" cy="0"/>
+        </a:xfrm>
+      </p:grpSpPr>
+      <p:sp>
+        <p:nvSpPr>
+          <p:cNvPr id="2" name="Title 1">
+            <a:extLst>
+              <a:ext uri="{FF2B5EF4-FFF2-40B4-BE49-F238E27FC236}">
+                <a16:creationId xmlns:a16="http://schemas.microsoft.com/office/drawing/2014/main" id="{9C9096EA-AB32-834D-972E-7626B7DA6C4D}"/>
+              </a:ext>
+            </a:extLst>
+          </p:cNvPr>
+          <p:cNvSpPr>
+            <a:spLocks noGrp="1"/>
+          </p:cNvSpPr>
+          <p:nvPr>
+            <p:ph type="title"/>
+          </p:nvPr>
+        </p:nvSpPr>
+        <p:spPr/>
+        <p:txBody>
+          <a:bodyPr/>
+          <a:lstStyle/>
+          <a:p>
+            <a:r>
+              <a:rPr lang="en-US" dirty="0"/>
+              <a:t>Functions with multiple return values</a:t>
+            </a:r>
+          </a:p>
+        </p:txBody>
+      </p:sp>
+      <p:sp>
+        <p:nvSpPr>
+          <p:cNvPr id="3" name="Content Placeholder 2">
+            <a:extLst>
+              <a:ext uri="{FF2B5EF4-FFF2-40B4-BE49-F238E27FC236}">
+                <a16:creationId xmlns:a16="http://schemas.microsoft.com/office/drawing/2014/main" id="{F8DBFE17-B15F-414B-BF85-B6BFD7A2C666}"/>
+              </a:ext>
+            </a:extLst>
+          </p:cNvPr>
+          <p:cNvSpPr>
+            <a:spLocks noGrp="1"/>
+          </p:cNvSpPr>
+          <p:nvPr>
+            <p:ph idx="1"/>
+          </p:nvPr>
+        </p:nvSpPr>
+        <p:spPr/>
+        <p:txBody>
+          <a:bodyPr/>
+          <a:lstStyle/>
+          <a:p>
+            <a:r>
+              <a:rPr lang="en-US" dirty="0"/>
+              <a:t>We can return any Python object, not just numbers</a:t>
+            </a:r>
+          </a:p>
+          <a:p>
+            <a:r>
+              <a:rPr lang="en-US" dirty="0"/>
+              <a:t>We can return multiple values as well</a:t>
+            </a:r>
+          </a:p>
+        </p:txBody>
+      </p:sp>
+      <p:pic>
+        <p:nvPicPr>
+          <p:cNvPr id="5" name="Picture 4" descr="Graphical user interface, text&#10;&#10;Description automatically generated">
+            <a:extLst>
+              <a:ext uri="{FF2B5EF4-FFF2-40B4-BE49-F238E27FC236}">
+                <a16:creationId xmlns:a16="http://schemas.microsoft.com/office/drawing/2014/main" id="{DB287722-D90C-D64C-A26C-05CCA7F95AA6}"/>
+              </a:ext>
+            </a:extLst>
+          </p:cNvPr>
+          <p:cNvPicPr>
+            <a:picLocks noChangeAspect="1"/>
+          </p:cNvPicPr>
+          <p:nvPr/>
+        </p:nvPicPr>
+        <p:blipFill>
+          <a:blip r:embed="rId2"/>
+          <a:stretch>
+            <a:fillRect/>
+          </a:stretch>
+        </p:blipFill>
+        <p:spPr>
+          <a:xfrm>
+            <a:off x="3862457" y="3122818"/>
+            <a:ext cx="4072284" cy="2850599"/>
+          </a:xfrm>
+          <a:prstGeom prst="rect">
+            <a:avLst/>
+          </a:prstGeom>
+        </p:spPr>
+      </p:pic>
+      <p:sp>
+        <p:nvSpPr>
+          <p:cNvPr id="6" name="TextBox 5">
+            <a:extLst>
+              <a:ext uri="{FF2B5EF4-FFF2-40B4-BE49-F238E27FC236}">
+                <a16:creationId xmlns:a16="http://schemas.microsoft.com/office/drawing/2014/main" id="{5731E2A1-0499-1F4F-B073-DFC7AFA7A404}"/>
+              </a:ext>
+            </a:extLst>
+          </p:cNvPr>
+          <p:cNvSpPr txBox="1"/>
+          <p:nvPr/>
+        </p:nvSpPr>
+        <p:spPr>
+          <a:xfrm>
+            <a:off x="9090992" y="4001294"/>
+            <a:ext cx="3101008" cy="923330"/>
+          </a:xfrm>
+          <a:prstGeom prst="rect">
+            <a:avLst/>
+          </a:prstGeom>
+          <a:noFill/>
+        </p:spPr>
+        <p:txBody>
+          <a:bodyPr wrap="square" rtlCol="0">
+            <a:spAutoFit/>
+          </a:bodyPr>
+          <a:lstStyle/>
+          <a:p>
+            <a:r>
+              <a:rPr lang="en-US" dirty="0"/>
+              <a:t>Multiple return values are assigned to multiple variables</a:t>
+            </a:r>
+          </a:p>
+        </p:txBody>
+      </p:sp>
+      <p:cxnSp>
+        <p:nvCxnSpPr>
+          <p:cNvPr id="8" name="Straight Arrow Connector 7">
+            <a:extLst>
+              <a:ext uri="{FF2B5EF4-FFF2-40B4-BE49-F238E27FC236}">
+                <a16:creationId xmlns:a16="http://schemas.microsoft.com/office/drawing/2014/main" id="{5DA25DD7-9725-3F47-BB13-372137E2D758}"/>
+              </a:ext>
+            </a:extLst>
+          </p:cNvPr>
+          <p:cNvCxnSpPr>
+            <a:cxnSpLocks/>
+          </p:cNvCxnSpPr>
+          <p:nvPr/>
+        </p:nvCxnSpPr>
+        <p:spPr>
+          <a:xfrm flipH="1">
+            <a:off x="7106478" y="4214191"/>
+            <a:ext cx="1984514" cy="248768"/>
+          </a:xfrm>
+          <a:prstGeom prst="straightConnector1">
+            <a:avLst/>
+          </a:prstGeom>
+          <a:ln>
+            <a:tailEnd type="triangle"/>
+          </a:ln>
+        </p:spPr>
+        <p:style>
+          <a:lnRef idx="1">
+            <a:schemeClr val="accent1"/>
+          </a:lnRef>
+          <a:fillRef idx="0">
+            <a:schemeClr val="accent1"/>
+          </a:fillRef>
+          <a:effectRef idx="0">
+            <a:schemeClr val="accent1"/>
+          </a:effectRef>
+          <a:fontRef idx="minor">
+            <a:schemeClr val="tx1"/>
+          </a:fontRef>
+        </p:style>
+      </p:cxnSp>
+    </p:spTree>
+    <p:extLst>
+      <p:ext uri="{BB962C8B-B14F-4D97-AF65-F5344CB8AC3E}">
+        <p14:creationId xmlns:p14="http://schemas.microsoft.com/office/powerpoint/2010/main" val="957553703"/>
+      </p:ext>
+    </p:extLst>
+  </p:cSld>
+  <p:clrMapOvr>
+    <a:masterClrMapping/>
+  </p:clrMapOvr>
+</p:sld>
+</file>
+
+<file path=ppt/slides/slide12.xml><?xml version="1.0" encoding="utf-8"?>
+<p:sld xmlns:a="http://schemas.openxmlformats.org/drawingml/2006/main" xmlns:r="http://schemas.openxmlformats.org/officeDocument/2006/relationships" xmlns:p="http://schemas.openxmlformats.org/presentationml/2006/main">
+  <p:cSld>
+    <p:spTree>
+      <p:nvGrpSpPr>
+        <p:cNvPr id="1" name=""/>
+        <p:cNvGrpSpPr/>
+        <p:nvPr/>
+      </p:nvGrpSpPr>
+      <p:grpSpPr>
+        <a:xfrm>
+          <a:off x="0" y="0"/>
+          <a:ext cx="0" cy="0"/>
+          <a:chOff x="0" y="0"/>
+          <a:chExt cx="0" cy="0"/>
+        </a:xfrm>
+      </p:grpSpPr>
+      <p:sp>
+        <p:nvSpPr>
+          <p:cNvPr id="2" name="Title 1">
+            <a:extLst>
+              <a:ext uri="{FF2B5EF4-FFF2-40B4-BE49-F238E27FC236}">
+                <a16:creationId xmlns:a16="http://schemas.microsoft.com/office/drawing/2014/main" id="{56EC58E4-5DEF-364C-9C74-CDC0B8413B09}"/>
+              </a:ext>
+            </a:extLst>
+          </p:cNvPr>
+          <p:cNvSpPr>
+            <a:spLocks noGrp="1"/>
+          </p:cNvSpPr>
+          <p:nvPr>
+            <p:ph type="title"/>
+          </p:nvPr>
+        </p:nvSpPr>
+        <p:spPr/>
+        <p:txBody>
+          <a:bodyPr/>
+          <a:lstStyle/>
+          <a:p>
+            <a:r>
+              <a:rPr lang="en-US" dirty="0"/>
+              <a:t>Functions with arguments</a:t>
+            </a:r>
+          </a:p>
+        </p:txBody>
+      </p:sp>
+      <p:sp>
+        <p:nvSpPr>
+          <p:cNvPr id="3" name="Content Placeholder 2">
+            <a:extLst>
+              <a:ext uri="{FF2B5EF4-FFF2-40B4-BE49-F238E27FC236}">
+                <a16:creationId xmlns:a16="http://schemas.microsoft.com/office/drawing/2014/main" id="{66E24397-9E6B-E44C-A465-597EC04B211B}"/>
+              </a:ext>
+            </a:extLst>
+          </p:cNvPr>
+          <p:cNvSpPr>
+            <a:spLocks noGrp="1"/>
+          </p:cNvSpPr>
+          <p:nvPr>
+            <p:ph idx="1"/>
+          </p:nvPr>
+        </p:nvSpPr>
+        <p:spPr/>
+        <p:txBody>
+          <a:bodyPr/>
+          <a:lstStyle/>
+          <a:p>
+            <a:r>
+              <a:rPr lang="en-US" dirty="0"/>
+              <a:t>Here is a function template with </a:t>
+            </a:r>
+            <a:r>
+              <a:rPr lang="en-US" i="1" dirty="0"/>
+              <a:t>N</a:t>
+            </a:r>
+            <a:r>
+              <a:rPr lang="en-US" dirty="0"/>
+              <a:t> arguments</a:t>
+            </a:r>
+          </a:p>
+          <a:p>
+            <a:endParaRPr lang="en-US" dirty="0"/>
+          </a:p>
+          <a:p>
+            <a:endParaRPr lang="en-US" dirty="0"/>
+          </a:p>
+          <a:p>
+            <a:endParaRPr lang="en-US" dirty="0"/>
+          </a:p>
+          <a:p>
+            <a:endParaRPr lang="en-US" dirty="0"/>
+          </a:p>
+          <a:p>
+            <a:endParaRPr lang="en-US" dirty="0"/>
+          </a:p>
+          <a:p>
+            <a:r>
+              <a:rPr lang="en-US" dirty="0"/>
+              <a:t>Function calls look like:  </a:t>
+            </a:r>
+            <a:r>
+              <a:rPr lang="en-US" sz="2400" i="1" dirty="0" err="1">
+                <a:latin typeface="Consolas" panose="020B0609020204030204" pitchFamily="49" charset="0"/>
+                <a:cs typeface="Consolas" panose="020B0609020204030204" pitchFamily="49" charset="0"/>
+              </a:rPr>
+              <a:t>funcname</a:t>
+            </a:r>
+            <a:r>
+              <a:rPr lang="en-US" sz="2400" dirty="0">
+                <a:latin typeface="Consolas" panose="020B0609020204030204" pitchFamily="49" charset="0"/>
+                <a:cs typeface="Consolas" panose="020B0609020204030204" pitchFamily="49" charset="0"/>
+              </a:rPr>
+              <a:t>(</a:t>
+            </a:r>
+            <a:r>
+              <a:rPr lang="en-US" sz="2400" i="1" dirty="0">
+                <a:latin typeface="Consolas" panose="020B0609020204030204" pitchFamily="49" charset="0"/>
+                <a:cs typeface="Consolas" panose="020B0609020204030204" pitchFamily="49" charset="0"/>
+              </a:rPr>
+              <a:t>expr1,expr2,expr3,…,</a:t>
+            </a:r>
+            <a:r>
+              <a:rPr lang="en-US" sz="2400" i="1" dirty="0" err="1">
+                <a:latin typeface="Consolas" panose="020B0609020204030204" pitchFamily="49" charset="0"/>
+                <a:cs typeface="Consolas" panose="020B0609020204030204" pitchFamily="49" charset="0"/>
+              </a:rPr>
+              <a:t>exprN</a:t>
+            </a:r>
+            <a:r>
+              <a:rPr lang="en-US" sz="2400" i="1" dirty="0">
+                <a:latin typeface="Consolas" panose="020B0609020204030204" pitchFamily="49" charset="0"/>
+                <a:cs typeface="Consolas" panose="020B0609020204030204" pitchFamily="49" charset="0"/>
+              </a:rPr>
+              <a:t>)</a:t>
+            </a:r>
+            <a:r>
+              <a:rPr lang="en-US" dirty="0"/>
+              <a:t> </a:t>
+            </a:r>
+          </a:p>
+          <a:p>
+            <a:r>
+              <a:rPr lang="en-US" dirty="0"/>
+              <a:t>The order of the arguments matters, matching </a:t>
+            </a:r>
+            <a:r>
+              <a:rPr lang="en-US" dirty="0" err="1"/>
+              <a:t>expr_i</a:t>
+            </a:r>
+            <a:r>
+              <a:rPr lang="en-US" dirty="0"/>
+              <a:t> to </a:t>
+            </a:r>
+            <a:r>
+              <a:rPr lang="en-US" dirty="0" err="1"/>
+              <a:t>arg_i</a:t>
+            </a:r>
+            <a:endParaRPr lang="en-US" dirty="0"/>
+          </a:p>
+        </p:txBody>
+      </p:sp>
+      <p:sp>
+        <p:nvSpPr>
+          <p:cNvPr id="4" name="Rectangle 3">
+            <a:extLst>
+              <a:ext uri="{FF2B5EF4-FFF2-40B4-BE49-F238E27FC236}">
+                <a16:creationId xmlns:a16="http://schemas.microsoft.com/office/drawing/2014/main" id="{1B5C8349-1556-9141-9121-BA14A5BFE79A}"/>
+              </a:ext>
+            </a:extLst>
+          </p:cNvPr>
+          <p:cNvSpPr/>
+          <p:nvPr/>
+        </p:nvSpPr>
+        <p:spPr>
+          <a:xfrm>
+            <a:off x="2544417" y="2459504"/>
+            <a:ext cx="7305261" cy="1938992"/>
+          </a:xfrm>
+          <a:prstGeom prst="rect">
+            <a:avLst/>
+          </a:prstGeom>
+        </p:spPr>
+        <p:txBody>
+          <a:bodyPr wrap="square">
+            <a:spAutoFit/>
+          </a:bodyPr>
+          <a:lstStyle/>
+          <a:p>
+            <a:r>
+              <a:rPr lang="en-US" sz="2400" dirty="0">
+                <a:latin typeface="Consolas" panose="020B0609020204030204" pitchFamily="49" charset="0"/>
+                <a:cs typeface="Consolas" panose="020B0609020204030204" pitchFamily="49" charset="0"/>
+              </a:rPr>
+              <a:t>def </a:t>
+            </a:r>
+            <a:r>
+              <a:rPr lang="en-US" sz="2400" i="1" dirty="0" err="1">
+                <a:latin typeface="Consolas" panose="020B0609020204030204" pitchFamily="49" charset="0"/>
+                <a:cs typeface="Consolas" panose="020B0609020204030204" pitchFamily="49" charset="0"/>
+              </a:rPr>
+              <a:t>funcname</a:t>
+            </a:r>
+            <a:r>
+              <a:rPr lang="en-US" sz="2400" dirty="0">
+                <a:latin typeface="Consolas" panose="020B0609020204030204" pitchFamily="49" charset="0"/>
+                <a:cs typeface="Consolas" panose="020B0609020204030204" pitchFamily="49" charset="0"/>
+              </a:rPr>
+              <a:t>(</a:t>
+            </a:r>
+            <a:r>
+              <a:rPr lang="en-US" sz="2400" i="1" dirty="0">
+                <a:latin typeface="Consolas" panose="020B0609020204030204" pitchFamily="49" charset="0"/>
+                <a:cs typeface="Consolas" panose="020B0609020204030204" pitchFamily="49" charset="0"/>
+              </a:rPr>
+              <a:t>arg1, arg2, arg3, …, </a:t>
+            </a:r>
+            <a:r>
+              <a:rPr lang="en-US" sz="2400" i="1" dirty="0" err="1">
+                <a:latin typeface="Consolas" panose="020B0609020204030204" pitchFamily="49" charset="0"/>
+                <a:cs typeface="Consolas" panose="020B0609020204030204" pitchFamily="49" charset="0"/>
+              </a:rPr>
+              <a:t>argN</a:t>
+            </a:r>
+            <a:r>
+              <a:rPr lang="en-US" sz="2400" dirty="0">
+                <a:latin typeface="Consolas" panose="020B0609020204030204" pitchFamily="49" charset="0"/>
+                <a:cs typeface="Consolas" panose="020B0609020204030204" pitchFamily="49" charset="0"/>
+              </a:rPr>
+              <a:t>):</a:t>
+            </a:r>
+            <a:br>
+              <a:rPr lang="en-US" sz="2400" dirty="0">
+                <a:latin typeface="Consolas" panose="020B0609020204030204" pitchFamily="49" charset="0"/>
+                <a:cs typeface="Consolas" panose="020B0609020204030204" pitchFamily="49" charset="0"/>
+              </a:rPr>
+            </a:br>
+            <a:r>
+              <a:rPr lang="en-US" sz="2400" dirty="0">
+                <a:latin typeface="Consolas" panose="020B0609020204030204" pitchFamily="49" charset="0"/>
+                <a:cs typeface="Consolas" panose="020B0609020204030204" pitchFamily="49" charset="0"/>
+              </a:rPr>
+              <a:t>    </a:t>
+            </a:r>
+            <a:r>
+              <a:rPr lang="en-US" sz="2400" i="1" dirty="0">
+                <a:latin typeface="Consolas" panose="020B0609020204030204" pitchFamily="49" charset="0"/>
+                <a:cs typeface="Consolas" panose="020B0609020204030204" pitchFamily="49" charset="0"/>
+              </a:rPr>
+              <a:t>statement 1</a:t>
+            </a:r>
+            <a:br>
+              <a:rPr lang="en-US" sz="2400" dirty="0">
+                <a:latin typeface="Consolas" panose="020B0609020204030204" pitchFamily="49" charset="0"/>
+                <a:cs typeface="Consolas" panose="020B0609020204030204" pitchFamily="49" charset="0"/>
+              </a:rPr>
+            </a:br>
+            <a:r>
+              <a:rPr lang="en-US" sz="2400" dirty="0">
+                <a:latin typeface="Consolas" panose="020B0609020204030204" pitchFamily="49" charset="0"/>
+                <a:cs typeface="Consolas" panose="020B0609020204030204" pitchFamily="49" charset="0"/>
+              </a:rPr>
+              <a:t>    </a:t>
+            </a:r>
+            <a:r>
+              <a:rPr lang="en-US" sz="2400" i="1" dirty="0">
+                <a:latin typeface="Consolas" panose="020B0609020204030204" pitchFamily="49" charset="0"/>
+                <a:cs typeface="Consolas" panose="020B0609020204030204" pitchFamily="49" charset="0"/>
+              </a:rPr>
+              <a:t>statement 2</a:t>
+            </a:r>
+            <a:br>
+              <a:rPr lang="en-US" sz="2400" dirty="0">
+                <a:latin typeface="Consolas" panose="020B0609020204030204" pitchFamily="49" charset="0"/>
+                <a:cs typeface="Consolas" panose="020B0609020204030204" pitchFamily="49" charset="0"/>
+              </a:rPr>
+            </a:br>
+            <a:r>
+              <a:rPr lang="en-US" sz="2400" dirty="0">
+                <a:latin typeface="Consolas" panose="020B0609020204030204" pitchFamily="49" charset="0"/>
+                <a:cs typeface="Consolas" panose="020B0609020204030204" pitchFamily="49" charset="0"/>
+              </a:rPr>
+              <a:t>    </a:t>
+            </a:r>
+            <a:r>
+              <a:rPr lang="en-US" sz="2400" i="1" dirty="0">
+                <a:latin typeface="Consolas" panose="020B0609020204030204" pitchFamily="49" charset="0"/>
+                <a:cs typeface="Consolas" panose="020B0609020204030204" pitchFamily="49" charset="0"/>
+              </a:rPr>
+              <a:t>...</a:t>
+            </a:r>
+            <a:br>
+              <a:rPr lang="en-US" sz="2400" dirty="0">
+                <a:latin typeface="Consolas" panose="020B0609020204030204" pitchFamily="49" charset="0"/>
+                <a:cs typeface="Consolas" panose="020B0609020204030204" pitchFamily="49" charset="0"/>
+              </a:rPr>
+            </a:br>
+            <a:r>
+              <a:rPr lang="en-US" sz="2400" dirty="0">
+                <a:latin typeface="Consolas" panose="020B0609020204030204" pitchFamily="49" charset="0"/>
+                <a:cs typeface="Consolas" panose="020B0609020204030204" pitchFamily="49" charset="0"/>
+              </a:rPr>
+              <a:t>    return </a:t>
+            </a:r>
+            <a:r>
+              <a:rPr lang="en-US" sz="2400" i="1" dirty="0">
+                <a:latin typeface="Consolas" panose="020B0609020204030204" pitchFamily="49" charset="0"/>
+                <a:cs typeface="Consolas" panose="020B0609020204030204" pitchFamily="49" charset="0"/>
+              </a:rPr>
+              <a:t>expression</a:t>
+            </a:r>
+            <a:endParaRPr lang="en-US" sz="2400" dirty="0">
+              <a:latin typeface="Consolas" panose="020B0609020204030204" pitchFamily="49" charset="0"/>
+              <a:cs typeface="Consolas" panose="020B0609020204030204" pitchFamily="49" charset="0"/>
+            </a:endParaRPr>
+          </a:p>
+        </p:txBody>
+      </p:sp>
+    </p:spTree>
+    <p:extLst>
+      <p:ext uri="{BB962C8B-B14F-4D97-AF65-F5344CB8AC3E}">
+        <p14:creationId xmlns:p14="http://schemas.microsoft.com/office/powerpoint/2010/main" val="3128951533"/>
+      </p:ext>
+    </p:extLst>
+  </p:cSld>
+  <p:clrMapOvr>
+    <a:masterClrMapping/>
+  </p:clrMapOvr>
+</p:sld>
+</file>
+
+<file path=ppt/slides/slide13.xml><?xml version="1.0" encoding="utf-8"?>
+<p:sld xmlns:a="http://schemas.openxmlformats.org/drawingml/2006/main" xmlns:r="http://schemas.openxmlformats.org/officeDocument/2006/relationships" xmlns:p="http://schemas.openxmlformats.org/presentationml/2006/main">
+  <p:cSld>
+    <p:spTree>
+      <p:nvGrpSpPr>
+        <p:cNvPr id="1" name=""/>
+        <p:cNvGrpSpPr/>
+        <p:nvPr/>
+      </p:nvGrpSpPr>
+      <p:grpSpPr>
+        <a:xfrm>
+          <a:off x="0" y="0"/>
+          <a:ext cx="0" cy="0"/>
+          <a:chOff x="0" y="0"/>
+          <a:chExt cx="0" cy="0"/>
+        </a:xfrm>
+      </p:grpSpPr>
+      <p:sp>
+        <p:nvSpPr>
+          <p:cNvPr id="2" name="Title 1">
+            <a:extLst>
+              <a:ext uri="{FF2B5EF4-FFF2-40B4-BE49-F238E27FC236}">
+                <a16:creationId xmlns:a16="http://schemas.microsoft.com/office/drawing/2014/main" id="{3EFE4B0C-C6FA-404B-BBF0-0E7CAA9BFF5F}"/>
+              </a:ext>
+            </a:extLst>
+          </p:cNvPr>
+          <p:cNvSpPr>
+            <a:spLocks noGrp="1"/>
+          </p:cNvSpPr>
+          <p:nvPr>
+            <p:ph type="title"/>
+          </p:nvPr>
+        </p:nvSpPr>
+        <p:spPr/>
+        <p:txBody>
+          <a:bodyPr/>
+          <a:lstStyle/>
+          <a:p>
+            <a:r>
+              <a:rPr lang="en-US" dirty="0"/>
+              <a:t>Example: summation of numbers in list</a:t>
+            </a:r>
+          </a:p>
+        </p:txBody>
+      </p:sp>
+      <p:sp>
+        <p:nvSpPr>
+          <p:cNvPr id="3" name="Content Placeholder 2">
+            <a:extLst>
+              <a:ext uri="{FF2B5EF4-FFF2-40B4-BE49-F238E27FC236}">
+                <a16:creationId xmlns:a16="http://schemas.microsoft.com/office/drawing/2014/main" id="{35705327-DF30-0247-8183-B40DA66B504C}"/>
+              </a:ext>
+            </a:extLst>
+          </p:cNvPr>
+          <p:cNvSpPr>
+            <a:spLocks noGrp="1"/>
+          </p:cNvSpPr>
+          <p:nvPr>
+            <p:ph idx="1"/>
+          </p:nvPr>
+        </p:nvSpPr>
+        <p:spPr>
+          <a:xfrm>
+            <a:off x="838200" y="1580322"/>
+            <a:ext cx="10515600" cy="4596641"/>
+          </a:xfrm>
+        </p:spPr>
+        <p:txBody>
+          <a:bodyPr/>
+          <a:lstStyle/>
+          <a:p>
+            <a:r>
+              <a:rPr lang="en-US" dirty="0"/>
+              <a:t>Here’s a code snippet to some the numbers in a list</a:t>
+            </a:r>
+          </a:p>
+          <a:p>
+            <a:endParaRPr lang="en-US" dirty="0"/>
+          </a:p>
+          <a:p>
+            <a:endParaRPr lang="en-US" dirty="0"/>
+          </a:p>
+          <a:p>
+            <a:endParaRPr lang="en-US" dirty="0"/>
+          </a:p>
+          <a:p>
+            <a:endParaRPr lang="en-US" dirty="0"/>
+          </a:p>
+          <a:p>
+            <a:r>
+              <a:rPr lang="en-US" dirty="0"/>
+              <a:t>This works, but there’s an issue here; any ideas?</a:t>
+            </a:r>
+          </a:p>
+        </p:txBody>
+      </p:sp>
+      <p:pic>
+        <p:nvPicPr>
+          <p:cNvPr id="5" name="Picture 4" descr="Text&#10;&#10;Description automatically generated with low confidence">
+            <a:extLst>
+              <a:ext uri="{FF2B5EF4-FFF2-40B4-BE49-F238E27FC236}">
+                <a16:creationId xmlns:a16="http://schemas.microsoft.com/office/drawing/2014/main" id="{9076C828-AF9C-9A45-9309-CE741D0128C9}"/>
+              </a:ext>
+            </a:extLst>
+          </p:cNvPr>
+          <p:cNvPicPr>
+            <a:picLocks noChangeAspect="1"/>
+          </p:cNvPicPr>
+          <p:nvPr/>
+        </p:nvPicPr>
+        <p:blipFill>
+          <a:blip r:embed="rId2"/>
+          <a:stretch>
+            <a:fillRect/>
+          </a:stretch>
+        </p:blipFill>
+        <p:spPr>
+          <a:xfrm>
+            <a:off x="1082261" y="2106819"/>
+            <a:ext cx="5892800" cy="1968500"/>
+          </a:xfrm>
+          <a:prstGeom prst="rect">
+            <a:avLst/>
+          </a:prstGeom>
+        </p:spPr>
+      </p:pic>
+      <p:sp>
+        <p:nvSpPr>
+          <p:cNvPr id="10" name="TextBox 9">
+            <a:extLst>
+              <a:ext uri="{FF2B5EF4-FFF2-40B4-BE49-F238E27FC236}">
+                <a16:creationId xmlns:a16="http://schemas.microsoft.com/office/drawing/2014/main" id="{2F100E10-9223-B044-BAD0-D2D45E5D215F}"/>
+              </a:ext>
+            </a:extLst>
+          </p:cNvPr>
+          <p:cNvSpPr txBox="1"/>
+          <p:nvPr/>
+        </p:nvSpPr>
+        <p:spPr>
+          <a:xfrm>
+            <a:off x="3826566" y="4908346"/>
+            <a:ext cx="3557384" cy="461665"/>
+          </a:xfrm>
+          <a:prstGeom prst="rect">
+            <a:avLst/>
+          </a:prstGeom>
+          <a:noFill/>
+        </p:spPr>
+        <p:txBody>
+          <a:bodyPr wrap="none" rtlCol="0">
+            <a:spAutoFit/>
+          </a:bodyPr>
+          <a:lstStyle/>
+          <a:p>
+            <a:r>
+              <a:rPr lang="en-US" sz="2400" dirty="0"/>
+              <a:t>The code is not reusable</a:t>
+            </a:r>
+          </a:p>
+        </p:txBody>
+      </p:sp>
+    </p:spTree>
+    <p:extLst>
+      <p:ext uri="{BB962C8B-B14F-4D97-AF65-F5344CB8AC3E}">
+        <p14:creationId xmlns:p14="http://schemas.microsoft.com/office/powerpoint/2010/main" val="3751219880"/>
+      </p:ext>
+    </p:extLst>
+  </p:cSld>
+  <p:clrMapOvr>
+    <a:masterClrMapping/>
+  </p:clrMapOvr>
+  <p:timing>
+    <p:tnLst>
+      <p:par>
+        <p:cTn id="1" dur="indefinite" restart="never" nodeType="tmRoot">
+          <p:childTnLst>
+            <p:seq concurrent="1" nextAc="seek">
+              <p:cTn id="2" dur="indefinite" nodeType="mainSeq">
+                <p:childTnLst>
+                  <p:par>
+                    <p:cTn id="3" fill="hold">
+                      <p:stCondLst>
+                        <p:cond delay="indefinite"/>
+                      </p:stCondLst>
+                      <p:childTnLst>
+                        <p:par>
+                          <p:cTn id="4" fill="hold">
+                            <p:stCondLst>
+                              <p:cond delay="0"/>
+                            </p:stCondLst>
+                            <p:childTnLst>
+                              <p:par>
+                                <p:cTn id="5" presetID="1" presetClass="entr" presetSubtype="0" fill="hold" grpId="0" nodeType="clickEffect">
+                                  <p:stCondLst>
+                                    <p:cond delay="0"/>
+                                  </p:stCondLst>
+                                  <p:childTnLst>
+                                    <p:set>
+                                      <p:cBhvr>
+                                        <p:cTn id="6" dur="1" fill="hold">
+                                          <p:stCondLst>
+                                            <p:cond delay="0"/>
+                                          </p:stCondLst>
+                                        </p:cTn>
+                                        <p:tgtEl>
+                                          <p:spTgt spid="10"/>
+                                        </p:tgtEl>
+                                        <p:attrNameLst>
+                                          <p:attrName>style.visibility</p:attrName>
+                                        </p:attrNameLst>
+                                      </p:cBhvr>
+                                      <p:to>
+                                        <p:strVal val="visible"/>
+                                      </p:to>
+                                    </p:set>
+                                  </p:childTnLst>
+                                </p:cTn>
+                              </p:par>
+                            </p:childTnLst>
+                          </p:cTn>
+                        </p:par>
+                      </p:childTnLst>
+                    </p:cTn>
+                  </p:par>
+                </p:childTnLst>
+              </p:cTn>
+              <p:prevCondLst>
+                <p:cond evt="onPrev" delay="0">
+                  <p:tgtEl>
+                    <p:sldTgt/>
+                  </p:tgtEl>
+                </p:cond>
+              </p:prevCondLst>
+              <p:nextCondLst>
+                <p:cond evt="onNext" delay="0">
+                  <p:tgtEl>
+                    <p:sldTgt/>
+                  </p:tgtEl>
+                </p:cond>
+              </p:nextCondLst>
+            </p:seq>
+          </p:childTnLst>
+        </p:cTn>
+      </p:par>
+    </p:tnLst>
+    <p:bldLst>
+      <p:bldP spid="10" grpId="0"/>
+    </p:bldLst>
+  </p:timing>
+</p:sld>
+</file>
+
+<file path=ppt/slides/slide14.xml><?xml version="1.0" encoding="utf-8"?>
+<p:sld xmlns:a="http://schemas.openxmlformats.org/drawingml/2006/main" xmlns:r="http://schemas.openxmlformats.org/officeDocument/2006/relationships" xmlns:p="http://schemas.openxmlformats.org/presentationml/2006/main">
+  <p:cSld>
+    <p:spTree>
+      <p:nvGrpSpPr>
+        <p:cNvPr id="1" name=""/>
+        <p:cNvGrpSpPr/>
+        <p:nvPr/>
+      </p:nvGrpSpPr>
+      <p:grpSpPr>
+        <a:xfrm>
+          <a:off x="0" y="0"/>
+          <a:ext cx="0" cy="0"/>
+          <a:chOff x="0" y="0"/>
+          <a:chExt cx="0" cy="0"/>
+        </a:xfrm>
+      </p:grpSpPr>
+      <p:sp>
+        <p:nvSpPr>
+          <p:cNvPr id="2" name="Title 1">
+            <a:extLst>
+              <a:ext uri="{FF2B5EF4-FFF2-40B4-BE49-F238E27FC236}">
+                <a16:creationId xmlns:a16="http://schemas.microsoft.com/office/drawing/2014/main" id="{91882DDF-2091-844C-B516-A80BFAE1409D}"/>
+              </a:ext>
+            </a:extLst>
+          </p:cNvPr>
+          <p:cNvSpPr>
+            <a:spLocks noGrp="1"/>
+          </p:cNvSpPr>
+          <p:nvPr>
+            <p:ph type="title"/>
+          </p:nvPr>
+        </p:nvSpPr>
+        <p:spPr/>
+        <p:txBody>
+          <a:bodyPr/>
+          <a:lstStyle/>
+          <a:p>
+            <a:r>
+              <a:rPr lang="en-US" dirty="0"/>
+              <a:t>Encapsulating in a function; version 1</a:t>
+            </a:r>
+          </a:p>
+        </p:txBody>
+      </p:sp>
+      <p:sp>
+        <p:nvSpPr>
+          <p:cNvPr id="3" name="Content Placeholder 2">
+            <a:extLst>
+              <a:ext uri="{FF2B5EF4-FFF2-40B4-BE49-F238E27FC236}">
+                <a16:creationId xmlns:a16="http://schemas.microsoft.com/office/drawing/2014/main" id="{0F264DFB-DCFB-A140-99B4-B963E83F29C5}"/>
+              </a:ext>
+            </a:extLst>
+          </p:cNvPr>
+          <p:cNvSpPr>
+            <a:spLocks noGrp="1"/>
+          </p:cNvSpPr>
+          <p:nvPr>
+            <p:ph idx="1"/>
+          </p:nvPr>
+        </p:nvSpPr>
+        <p:spPr/>
+        <p:txBody>
+          <a:bodyPr/>
+          <a:lstStyle/>
+          <a:p>
+            <a:r>
+              <a:rPr lang="en-US" dirty="0"/>
+              <a:t>By wrapping in a function, we strive for a reusable ”recipe”</a:t>
+            </a:r>
+          </a:p>
+          <a:p>
+            <a:r>
+              <a:rPr lang="en-US" dirty="0"/>
+              <a:t>Add the function header with, shift the statements to the right and add a return statement:</a:t>
+            </a:r>
+          </a:p>
+        </p:txBody>
+      </p:sp>
+      <p:pic>
+        <p:nvPicPr>
+          <p:cNvPr id="6" name="Picture 5" descr="Text&#10;&#10;Description automatically generated">
+            <a:extLst>
+              <a:ext uri="{FF2B5EF4-FFF2-40B4-BE49-F238E27FC236}">
+                <a16:creationId xmlns:a16="http://schemas.microsoft.com/office/drawing/2014/main" id="{ADA2F2B6-C3D6-004E-8A6A-898D03FE2D29}"/>
+              </a:ext>
+            </a:extLst>
+          </p:cNvPr>
+          <p:cNvPicPr>
+            <a:picLocks noChangeAspect="1"/>
+          </p:cNvPicPr>
+          <p:nvPr/>
+        </p:nvPicPr>
+        <p:blipFill>
+          <a:blip r:embed="rId2"/>
+          <a:stretch>
+            <a:fillRect/>
+          </a:stretch>
+        </p:blipFill>
+        <p:spPr>
+          <a:xfrm>
+            <a:off x="3318565" y="3289300"/>
+            <a:ext cx="5892800" cy="3022600"/>
+          </a:xfrm>
+          <a:prstGeom prst="rect">
+            <a:avLst/>
+          </a:prstGeom>
+        </p:spPr>
+      </p:pic>
+      <p:sp>
+        <p:nvSpPr>
+          <p:cNvPr id="7" name="TextBox 6">
+            <a:extLst>
+              <a:ext uri="{FF2B5EF4-FFF2-40B4-BE49-F238E27FC236}">
+                <a16:creationId xmlns:a16="http://schemas.microsoft.com/office/drawing/2014/main" id="{4C670DA8-CC31-9A41-A199-0A00BDC7396D}"/>
+              </a:ext>
+            </a:extLst>
+          </p:cNvPr>
+          <p:cNvSpPr txBox="1"/>
+          <p:nvPr/>
+        </p:nvSpPr>
+        <p:spPr>
+          <a:xfrm>
+            <a:off x="0" y="6492875"/>
+            <a:ext cx="2877711" cy="369332"/>
+          </a:xfrm>
+          <a:prstGeom prst="rect">
+            <a:avLst/>
+          </a:prstGeom>
+          <a:noFill/>
+        </p:spPr>
+        <p:txBody>
+          <a:bodyPr wrap="none" rtlCol="0">
+            <a:spAutoFit/>
+          </a:bodyPr>
+          <a:lstStyle/>
+          <a:p>
+            <a:r>
+              <a:rPr lang="en-US" dirty="0">
+                <a:hlinkClick r:id="rId3"/>
+              </a:rPr>
+              <a:t>Experiment in </a:t>
+            </a:r>
+            <a:r>
+              <a:rPr lang="en-US" dirty="0" err="1">
+                <a:hlinkClick r:id="rId3"/>
+              </a:rPr>
+              <a:t>pythontutor</a:t>
+            </a:r>
+            <a:endParaRPr lang="en-US" dirty="0"/>
+          </a:p>
+        </p:txBody>
+      </p:sp>
+    </p:spTree>
+    <p:extLst>
+      <p:ext uri="{BB962C8B-B14F-4D97-AF65-F5344CB8AC3E}">
+        <p14:creationId xmlns:p14="http://schemas.microsoft.com/office/powerpoint/2010/main" val="4087533009"/>
+      </p:ext>
+    </p:extLst>
+  </p:cSld>
+  <p:clrMapOvr>
+    <a:masterClrMapping/>
+  </p:clrMapOvr>
+</p:sld>
+</file>
+
+<file path=ppt/slides/slide15.xml><?xml version="1.0" encoding="utf-8"?>
+<p:sld xmlns:a="http://schemas.openxmlformats.org/drawingml/2006/main" xmlns:r="http://schemas.openxmlformats.org/officeDocument/2006/relationships" xmlns:p="http://schemas.openxmlformats.org/presentationml/2006/main">
+  <p:cSld>
+    <p:spTree>
+      <p:nvGrpSpPr>
+        <p:cNvPr id="1" name=""/>
+        <p:cNvGrpSpPr/>
+        <p:nvPr/>
+      </p:nvGrpSpPr>
+      <p:grpSpPr>
+        <a:xfrm>
+          <a:off x="0" y="0"/>
+          <a:ext cx="0" cy="0"/>
+          <a:chOff x="0" y="0"/>
+          <a:chExt cx="0" cy="0"/>
+        </a:xfrm>
+      </p:grpSpPr>
+      <p:sp>
+        <p:nvSpPr>
+          <p:cNvPr id="2" name="Title 1">
+            <a:extLst>
+              <a:ext uri="{FF2B5EF4-FFF2-40B4-BE49-F238E27FC236}">
+                <a16:creationId xmlns:a16="http://schemas.microsoft.com/office/drawing/2014/main" id="{91882DDF-2091-844C-B516-A80BFAE1409D}"/>
+              </a:ext>
+            </a:extLst>
+          </p:cNvPr>
+          <p:cNvSpPr>
+            <a:spLocks noGrp="1"/>
+          </p:cNvSpPr>
+          <p:nvPr>
+            <p:ph type="title"/>
+          </p:nvPr>
+        </p:nvSpPr>
+        <p:spPr/>
+        <p:txBody>
+          <a:bodyPr/>
+          <a:lstStyle/>
+          <a:p>
+            <a:r>
+              <a:rPr lang="en-US" dirty="0"/>
+              <a:t>Encapsulating in a function; version 2</a:t>
+            </a:r>
+          </a:p>
+        </p:txBody>
+      </p:sp>
+      <p:sp>
+        <p:nvSpPr>
+          <p:cNvPr id="3" name="Content Placeholder 2">
+            <a:extLst>
+              <a:ext uri="{FF2B5EF4-FFF2-40B4-BE49-F238E27FC236}">
+                <a16:creationId xmlns:a16="http://schemas.microsoft.com/office/drawing/2014/main" id="{0F264DFB-DCFB-A140-99B4-B963E83F29C5}"/>
+              </a:ext>
+            </a:extLst>
+          </p:cNvPr>
+          <p:cNvSpPr>
+            <a:spLocks noGrp="1"/>
+          </p:cNvSpPr>
+          <p:nvPr>
+            <p:ph idx="1"/>
+          </p:nvPr>
+        </p:nvSpPr>
+        <p:spPr/>
+        <p:txBody>
+          <a:bodyPr/>
+          <a:lstStyle/>
+          <a:p>
+            <a:r>
+              <a:rPr lang="en-US" dirty="0"/>
+              <a:t>Functions should focus on the parameters and avoid global variables if possible</a:t>
+            </a:r>
+          </a:p>
+          <a:p>
+            <a:r>
+              <a:rPr lang="en-US" dirty="0"/>
+              <a:t>This version now works with</a:t>
+            </a:r>
+            <a:br>
+              <a:rPr lang="en-US" dirty="0"/>
+            </a:br>
+            <a:r>
+              <a:rPr lang="en-US" dirty="0"/>
+              <a:t>any list of numbers, not just</a:t>
+            </a:r>
+            <a:br>
+              <a:rPr lang="en-US" dirty="0"/>
+            </a:br>
+            <a:r>
+              <a:rPr lang="en-US" dirty="0"/>
+              <a:t>Quantity</a:t>
+            </a:r>
+          </a:p>
+          <a:p>
+            <a:endParaRPr lang="en-US" dirty="0"/>
+          </a:p>
+        </p:txBody>
+      </p:sp>
+      <p:pic>
+        <p:nvPicPr>
+          <p:cNvPr id="4" name="Picture 3" descr="Text&#10;&#10;Description automatically generated">
+            <a:extLst>
+              <a:ext uri="{FF2B5EF4-FFF2-40B4-BE49-F238E27FC236}">
+                <a16:creationId xmlns:a16="http://schemas.microsoft.com/office/drawing/2014/main" id="{E3793FF9-E47A-7746-8863-9707C936FD6D}"/>
+              </a:ext>
+            </a:extLst>
+          </p:cNvPr>
+          <p:cNvPicPr>
+            <a:picLocks noChangeAspect="1"/>
+          </p:cNvPicPr>
+          <p:nvPr/>
+        </p:nvPicPr>
+        <p:blipFill>
+          <a:blip r:embed="rId2"/>
+          <a:stretch>
+            <a:fillRect/>
+          </a:stretch>
+        </p:blipFill>
+        <p:spPr>
+          <a:xfrm>
+            <a:off x="5779053" y="2379663"/>
+            <a:ext cx="6299200" cy="3797300"/>
+          </a:xfrm>
+          <a:prstGeom prst="rect">
+            <a:avLst/>
+          </a:prstGeom>
+        </p:spPr>
+      </p:pic>
+      <p:sp>
+        <p:nvSpPr>
+          <p:cNvPr id="5" name="TextBox 4">
+            <a:extLst>
+              <a:ext uri="{FF2B5EF4-FFF2-40B4-BE49-F238E27FC236}">
+                <a16:creationId xmlns:a16="http://schemas.microsoft.com/office/drawing/2014/main" id="{38A954DC-2DE4-A844-9946-F52173514EDD}"/>
+              </a:ext>
+            </a:extLst>
+          </p:cNvPr>
+          <p:cNvSpPr txBox="1"/>
+          <p:nvPr/>
+        </p:nvSpPr>
+        <p:spPr>
+          <a:xfrm>
+            <a:off x="0" y="6492875"/>
+            <a:ext cx="2877711" cy="369332"/>
+          </a:xfrm>
+          <a:prstGeom prst="rect">
+            <a:avLst/>
+          </a:prstGeom>
+          <a:noFill/>
+        </p:spPr>
+        <p:txBody>
+          <a:bodyPr wrap="none" rtlCol="0">
+            <a:spAutoFit/>
+          </a:bodyPr>
+          <a:lstStyle/>
+          <a:p>
+            <a:r>
+              <a:rPr lang="en-US" dirty="0">
+                <a:hlinkClick r:id="rId3"/>
+              </a:rPr>
+              <a:t>Experiment in </a:t>
+            </a:r>
+            <a:r>
+              <a:rPr lang="en-US" dirty="0" err="1">
+                <a:hlinkClick r:id="rId3"/>
+              </a:rPr>
+              <a:t>pythontutor</a:t>
+            </a:r>
+            <a:endParaRPr lang="en-US" dirty="0"/>
+          </a:p>
+        </p:txBody>
+      </p:sp>
+      <p:pic>
+        <p:nvPicPr>
+          <p:cNvPr id="7" name="Picture 6" descr="Graphical user interface, text, application, chat or text message&#10;&#10;Description automatically generated">
+            <a:extLst>
+              <a:ext uri="{FF2B5EF4-FFF2-40B4-BE49-F238E27FC236}">
+                <a16:creationId xmlns:a16="http://schemas.microsoft.com/office/drawing/2014/main" id="{00BBB453-152A-8343-AC64-69E3A57EEC66}"/>
+              </a:ext>
+            </a:extLst>
+          </p:cNvPr>
+          <p:cNvPicPr>
+            <a:picLocks noChangeAspect="1"/>
+          </p:cNvPicPr>
+          <p:nvPr/>
+        </p:nvPicPr>
+        <p:blipFill>
+          <a:blip r:embed="rId4"/>
+          <a:stretch>
+            <a:fillRect/>
+          </a:stretch>
+        </p:blipFill>
+        <p:spPr>
+          <a:xfrm>
+            <a:off x="2226365" y="4065277"/>
+            <a:ext cx="1936438" cy="1232279"/>
+          </a:xfrm>
+          <a:prstGeom prst="rect">
+            <a:avLst/>
+          </a:prstGeom>
+        </p:spPr>
+      </p:pic>
+      <p:sp>
+        <p:nvSpPr>
+          <p:cNvPr id="8" name="Rectangle 7">
+            <a:extLst>
+              <a:ext uri="{FF2B5EF4-FFF2-40B4-BE49-F238E27FC236}">
+                <a16:creationId xmlns:a16="http://schemas.microsoft.com/office/drawing/2014/main" id="{EDD304E5-0C16-6B47-BABD-3BA7A14F2653}"/>
+              </a:ext>
+            </a:extLst>
+          </p:cNvPr>
+          <p:cNvSpPr/>
+          <p:nvPr/>
+        </p:nvSpPr>
+        <p:spPr>
+          <a:xfrm>
+            <a:off x="6813153" y="2518237"/>
+            <a:ext cx="655982" cy="337930"/>
+          </a:xfrm>
+          <a:prstGeom prst="rect">
+            <a:avLst/>
+          </a:prstGeom>
+          <a:noFill/>
+          <a:ln w="25400">
+            <a:solidFill>
+              <a:srgbClr val="E4754F"/>
+            </a:solidFill>
+          </a:ln>
+        </p:spPr>
+        <p:style>
+          <a:lnRef idx="2">
+            <a:schemeClr val="accent1">
+              <a:shade val="50000"/>
+            </a:schemeClr>
+          </a:lnRef>
+          <a:fillRef idx="1">
+            <a:schemeClr val="accent1"/>
+          </a:fillRef>
+          <a:effectRef idx="0">
+            <a:schemeClr val="accent1"/>
+          </a:effectRef>
+          <a:fontRef idx="minor">
+            <a:schemeClr val="lt1"/>
+          </a:fontRef>
+        </p:style>
+        <p:txBody>
+          <a:bodyPr rtlCol="0" anchor="ctr"/>
+          <a:lstStyle/>
+          <a:p>
+            <a:pPr algn="ctr"/>
+            <a:endParaRPr lang="en-US"/>
+          </a:p>
+        </p:txBody>
+      </p:sp>
+      <p:sp>
+        <p:nvSpPr>
+          <p:cNvPr id="9" name="Rectangle 8">
+            <a:extLst>
+              <a:ext uri="{FF2B5EF4-FFF2-40B4-BE49-F238E27FC236}">
+                <a16:creationId xmlns:a16="http://schemas.microsoft.com/office/drawing/2014/main" id="{63D6484D-4C5A-DF4D-BC46-082608CED8E4}"/>
+              </a:ext>
+            </a:extLst>
+          </p:cNvPr>
+          <p:cNvSpPr/>
+          <p:nvPr/>
+        </p:nvSpPr>
+        <p:spPr>
+          <a:xfrm>
+            <a:off x="7469135" y="3013156"/>
+            <a:ext cx="655982" cy="337930"/>
+          </a:xfrm>
+          <a:prstGeom prst="rect">
+            <a:avLst/>
+          </a:prstGeom>
+          <a:noFill/>
+          <a:ln w="25400">
+            <a:solidFill>
+              <a:srgbClr val="E4754F"/>
+            </a:solidFill>
+          </a:ln>
+        </p:spPr>
+        <p:style>
+          <a:lnRef idx="2">
+            <a:schemeClr val="accent1">
+              <a:shade val="50000"/>
+            </a:schemeClr>
+          </a:lnRef>
+          <a:fillRef idx="1">
+            <a:schemeClr val="accent1"/>
+          </a:fillRef>
+          <a:effectRef idx="0">
+            <a:schemeClr val="accent1"/>
+          </a:effectRef>
+          <a:fontRef idx="minor">
+            <a:schemeClr val="lt1"/>
+          </a:fontRef>
+        </p:style>
+        <p:txBody>
+          <a:bodyPr rtlCol="0" anchor="ctr"/>
+          <a:lstStyle/>
+          <a:p>
+            <a:pPr algn="ctr"/>
+            <a:endParaRPr lang="en-US"/>
+          </a:p>
+        </p:txBody>
+      </p:sp>
+    </p:spTree>
+    <p:extLst>
+      <p:ext uri="{BB962C8B-B14F-4D97-AF65-F5344CB8AC3E}">
+        <p14:creationId xmlns:p14="http://schemas.microsoft.com/office/powerpoint/2010/main" val="3881274184"/>
+      </p:ext>
+    </p:extLst>
+  </p:cSld>
+  <p:clrMapOvr>
+    <a:masterClrMapping/>
+  </p:clrMapOvr>
+</p:sld>
+</file>
+
+<file path=ppt/slides/slide16.xml><?xml version="1.0" encoding="utf-8"?>
+<p:sld xmlns:a="http://schemas.openxmlformats.org/drawingml/2006/main" xmlns:r="http://schemas.openxmlformats.org/officeDocument/2006/relationships" xmlns:p="http://schemas.openxmlformats.org/presentationml/2006/main">
+  <p:cSld>
+    <p:spTree>
+      <p:nvGrpSpPr>
+        <p:cNvPr id="1" name=""/>
+        <p:cNvGrpSpPr/>
+        <p:nvPr/>
+      </p:nvGrpSpPr>
+      <p:grpSpPr>
+        <a:xfrm>
+          <a:off x="0" y="0"/>
+          <a:ext cx="0" cy="0"/>
+          <a:chOff x="0" y="0"/>
+          <a:chExt cx="0" cy="0"/>
+        </a:xfrm>
+      </p:grpSpPr>
+      <p:sp>
+        <p:nvSpPr>
+          <p:cNvPr id="2" name="Title 1">
+            <a:extLst>
+              <a:ext uri="{FF2B5EF4-FFF2-40B4-BE49-F238E27FC236}">
+                <a16:creationId xmlns:a16="http://schemas.microsoft.com/office/drawing/2014/main" id="{690BDB73-8A02-E447-B5C8-A5AE301ABA66}"/>
+              </a:ext>
+            </a:extLst>
+          </p:cNvPr>
+          <p:cNvSpPr>
+            <a:spLocks noGrp="1"/>
+          </p:cNvSpPr>
+          <p:nvPr>
+            <p:ph type="title"/>
+          </p:nvPr>
+        </p:nvSpPr>
+        <p:spPr/>
+        <p:txBody>
+          <a:bodyPr/>
+          <a:lstStyle/>
+          <a:p>
+            <a:r>
+              <a:rPr lang="en-US" dirty="0"/>
+              <a:t>Restricting data accessed by functions</a:t>
+            </a:r>
+          </a:p>
+        </p:txBody>
+      </p:sp>
+      <p:sp>
+        <p:nvSpPr>
+          <p:cNvPr id="3" name="Content Placeholder 2">
+            <a:extLst>
+              <a:ext uri="{FF2B5EF4-FFF2-40B4-BE49-F238E27FC236}">
+                <a16:creationId xmlns:a16="http://schemas.microsoft.com/office/drawing/2014/main" id="{EF116208-6D27-1446-97A6-1F17CA939BD1}"/>
+              </a:ext>
+            </a:extLst>
+          </p:cNvPr>
+          <p:cNvSpPr>
+            <a:spLocks noGrp="1"/>
+          </p:cNvSpPr>
+          <p:nvPr>
+            <p:ph idx="1"/>
+          </p:nvPr>
+        </p:nvSpPr>
+        <p:spPr/>
+        <p:txBody>
+          <a:bodyPr/>
+          <a:lstStyle/>
+          <a:p>
+            <a:r>
+              <a:rPr lang="en-US" dirty="0"/>
+              <a:t>The operations should be purely a function of the data passed to them as parameters---functions should be completely ignorant of any other data.</a:t>
+            </a:r>
+          </a:p>
+        </p:txBody>
+      </p:sp>
+    </p:spTree>
+    <p:extLst>
+      <p:ext uri="{BB962C8B-B14F-4D97-AF65-F5344CB8AC3E}">
+        <p14:creationId xmlns:p14="http://schemas.microsoft.com/office/powerpoint/2010/main" val="1024493727"/>
+      </p:ext>
+    </p:extLst>
+  </p:cSld>
+  <p:clrMapOvr>
+    <a:masterClrMapping/>
+  </p:clrMapOvr>
+</p:sld>
+</file>
+
+<file path=ppt/slides/slide17.xml><?xml version="1.0" encoding="utf-8"?>
+<p:sld xmlns:a="http://schemas.openxmlformats.org/drawingml/2006/main" xmlns:r="http://schemas.openxmlformats.org/officeDocument/2006/relationships" xmlns:p="http://schemas.openxmlformats.org/presentationml/2006/main">
+  <p:cSld>
+    <p:spTree>
+      <p:nvGrpSpPr>
+        <p:cNvPr id="1" name=""/>
+        <p:cNvGrpSpPr/>
+        <p:nvPr/>
+      </p:nvGrpSpPr>
+      <p:grpSpPr>
+        <a:xfrm>
+          <a:off x="0" y="0"/>
+          <a:ext cx="0" cy="0"/>
+          <a:chOff x="0" y="0"/>
+          <a:chExt cx="0" cy="0"/>
+        </a:xfrm>
+      </p:grpSpPr>
+      <p:sp>
+        <p:nvSpPr>
+          <p:cNvPr id="2" name="Title 1">
+            <a:extLst>
+              <a:ext uri="{FF2B5EF4-FFF2-40B4-BE49-F238E27FC236}">
+                <a16:creationId xmlns:a16="http://schemas.microsoft.com/office/drawing/2014/main" id="{020E53E1-851D-C645-A59F-FEA87B5ED714}"/>
+              </a:ext>
+            </a:extLst>
+          </p:cNvPr>
+          <p:cNvSpPr>
+            <a:spLocks noGrp="1"/>
+          </p:cNvSpPr>
+          <p:nvPr>
+            <p:ph type="title"/>
+          </p:nvPr>
+        </p:nvSpPr>
+        <p:spPr/>
+        <p:txBody>
+          <a:bodyPr/>
+          <a:lstStyle/>
+          <a:p>
+            <a:r>
+              <a:rPr lang="en-US" dirty="0"/>
+              <a:t>Nested function calls</a:t>
+            </a:r>
+          </a:p>
+        </p:txBody>
+      </p:sp>
+      <p:sp>
+        <p:nvSpPr>
+          <p:cNvPr id="3" name="Content Placeholder 2">
+            <a:extLst>
+              <a:ext uri="{FF2B5EF4-FFF2-40B4-BE49-F238E27FC236}">
+                <a16:creationId xmlns:a16="http://schemas.microsoft.com/office/drawing/2014/main" id="{C420561A-9EF6-114F-AC25-B0FEAEFC5884}"/>
+              </a:ext>
+            </a:extLst>
+          </p:cNvPr>
+          <p:cNvSpPr>
+            <a:spLocks noGrp="1"/>
+          </p:cNvSpPr>
+          <p:nvPr>
+            <p:ph idx="1"/>
+          </p:nvPr>
+        </p:nvSpPr>
+        <p:spPr/>
+        <p:txBody>
+          <a:bodyPr/>
+          <a:lstStyle/>
+          <a:p>
+            <a:r>
+              <a:rPr lang="en-US" dirty="0"/>
+              <a:t>d</a:t>
+            </a:r>
+          </a:p>
+        </p:txBody>
+      </p:sp>
+      <p:pic>
+        <p:nvPicPr>
+          <p:cNvPr id="4" name="Picture 3">
+            <a:extLst>
+              <a:ext uri="{FF2B5EF4-FFF2-40B4-BE49-F238E27FC236}">
+                <a16:creationId xmlns:a16="http://schemas.microsoft.com/office/drawing/2014/main" id="{D457D2C9-5FCE-AA44-954C-75FDEC6A4C9B}"/>
+              </a:ext>
+            </a:extLst>
+          </p:cNvPr>
+          <p:cNvPicPr>
+            <a:picLocks noChangeAspect="1"/>
+          </p:cNvPicPr>
+          <p:nvPr/>
+        </p:nvPicPr>
+        <p:blipFill>
+          <a:blip r:embed="rId2"/>
+          <a:stretch>
+            <a:fillRect/>
+          </a:stretch>
+        </p:blipFill>
+        <p:spPr>
+          <a:xfrm>
+            <a:off x="5336137" y="1896751"/>
+            <a:ext cx="2057430" cy="4048491"/>
+          </a:xfrm>
+          <a:prstGeom prst="rect">
+            <a:avLst/>
+          </a:prstGeom>
+        </p:spPr>
+      </p:pic>
+      <p:pic>
+        <p:nvPicPr>
+          <p:cNvPr id="6" name="Picture 5">
+            <a:extLst>
+              <a:ext uri="{FF2B5EF4-FFF2-40B4-BE49-F238E27FC236}">
+                <a16:creationId xmlns:a16="http://schemas.microsoft.com/office/drawing/2014/main" id="{3DAAA638-252B-084B-9155-0FE572105C91}"/>
+              </a:ext>
+            </a:extLst>
+          </p:cNvPr>
+          <p:cNvPicPr>
+            <a:picLocks noChangeAspect="1"/>
+          </p:cNvPicPr>
+          <p:nvPr/>
+        </p:nvPicPr>
+        <p:blipFill>
+          <a:blip r:embed="rId3"/>
+          <a:stretch>
+            <a:fillRect/>
+          </a:stretch>
+        </p:blipFill>
+        <p:spPr>
+          <a:xfrm>
+            <a:off x="8148430" y="1690688"/>
+            <a:ext cx="3011274" cy="4048490"/>
+          </a:xfrm>
+          <a:prstGeom prst="rect">
+            <a:avLst/>
+          </a:prstGeom>
+        </p:spPr>
+      </p:pic>
+    </p:spTree>
+    <p:extLst>
+      <p:ext uri="{BB962C8B-B14F-4D97-AF65-F5344CB8AC3E}">
+        <p14:creationId xmlns:p14="http://schemas.microsoft.com/office/powerpoint/2010/main" val="2106986205"/>
+      </p:ext>
+    </p:extLst>
+  </p:cSld>
+  <p:clrMapOvr>
+    <a:masterClrMapping/>
+  </p:clrMapOvr>
+</p:sld>
+</file>
+
+<file path=ppt/slides/slide18.xml><?xml version="1.0" encoding="utf-8"?>
+<p:sld xmlns:a="http://schemas.openxmlformats.org/drawingml/2006/main" xmlns:r="http://schemas.openxmlformats.org/officeDocument/2006/relationships" xmlns:p="http://schemas.openxmlformats.org/presentationml/2006/main">
+  <p:cSld>
+    <p:spTree>
+      <p:nvGrpSpPr>
+        <p:cNvPr id="1" name=""/>
+        <p:cNvGrpSpPr/>
+        <p:nvPr/>
+      </p:nvGrpSpPr>
+      <p:grpSpPr>
+        <a:xfrm>
+          <a:off x="0" y="0"/>
+          <a:ext cx="0" cy="0"/>
+          <a:chOff x="0" y="0"/>
+          <a:chExt cx="0" cy="0"/>
+        </a:xfrm>
+      </p:grpSpPr>
+      <p:sp>
+        <p:nvSpPr>
+          <p:cNvPr id="2" name="Title 1">
+            <a:extLst>
+              <a:ext uri="{FF2B5EF4-FFF2-40B4-BE49-F238E27FC236}">
+                <a16:creationId xmlns:a16="http://schemas.microsoft.com/office/drawing/2014/main" id="{2B6998A0-E4D0-B649-A2ED-D1DB39B50720}"/>
+              </a:ext>
+            </a:extLst>
+          </p:cNvPr>
+          <p:cNvSpPr>
+            <a:spLocks noGrp="1"/>
+          </p:cNvSpPr>
+          <p:nvPr>
+            <p:ph type="title"/>
+          </p:nvPr>
+        </p:nvSpPr>
+        <p:spPr/>
+        <p:txBody>
+          <a:bodyPr/>
+          <a:lstStyle/>
+          <a:p>
+            <a:r>
+              <a:rPr lang="en-US" dirty="0"/>
+              <a:t>Code organization is important</a:t>
+            </a:r>
+          </a:p>
+        </p:txBody>
+      </p:sp>
+      <p:sp>
+        <p:nvSpPr>
+          <p:cNvPr id="3" name="Content Placeholder 2">
+            <a:extLst>
+              <a:ext uri="{FF2B5EF4-FFF2-40B4-BE49-F238E27FC236}">
+                <a16:creationId xmlns:a16="http://schemas.microsoft.com/office/drawing/2014/main" id="{91A597C8-FA08-DF4D-A821-4F93FF967BF1}"/>
+              </a:ext>
+            </a:extLst>
+          </p:cNvPr>
+          <p:cNvSpPr>
+            <a:spLocks noGrp="1"/>
+          </p:cNvSpPr>
+          <p:nvPr>
+            <p:ph idx="1"/>
+          </p:nvPr>
+        </p:nvSpPr>
+        <p:spPr/>
+        <p:txBody>
+          <a:bodyPr/>
+          <a:lstStyle/>
+          <a:p>
+            <a:r>
+              <a:rPr lang="en-US" dirty="0"/>
+              <a:t>Programs quickly become an incomprehensible rats nest if we are not strict about style and organization</a:t>
+            </a:r>
+          </a:p>
+          <a:p>
+            <a:r>
+              <a:rPr lang="en-US" dirty="0"/>
+              <a:t>Here’s a general structure for Python programs:</a:t>
+            </a:r>
+            <a:br>
+              <a:rPr lang="en-US" dirty="0"/>
+            </a:br>
+            <a:endParaRPr lang="en-US" dirty="0"/>
+          </a:p>
+          <a:p>
+            <a:endParaRPr lang="en-US" dirty="0"/>
+          </a:p>
+        </p:txBody>
+      </p:sp>
+      <p:sp>
+        <p:nvSpPr>
+          <p:cNvPr id="4" name="Rectangle 3">
+            <a:extLst>
+              <a:ext uri="{FF2B5EF4-FFF2-40B4-BE49-F238E27FC236}">
+                <a16:creationId xmlns:a16="http://schemas.microsoft.com/office/drawing/2014/main" id="{2D29A910-3114-E74F-9373-419327731318}"/>
+              </a:ext>
+            </a:extLst>
+          </p:cNvPr>
+          <p:cNvSpPr/>
+          <p:nvPr/>
+        </p:nvSpPr>
+        <p:spPr>
+          <a:xfrm>
+            <a:off x="3048000" y="3733297"/>
+            <a:ext cx="6096000" cy="1569660"/>
+          </a:xfrm>
+          <a:prstGeom prst="rect">
+            <a:avLst/>
+          </a:prstGeom>
+        </p:spPr>
+        <p:txBody>
+          <a:bodyPr>
+            <a:spAutoFit/>
+          </a:bodyPr>
+          <a:lstStyle/>
+          <a:p>
+            <a:r>
+              <a:rPr lang="en-US" sz="2400" i="1" dirty="0"/>
+              <a:t>import any libraries</a:t>
+            </a:r>
+            <a:br>
+              <a:rPr lang="en-US" sz="2400" dirty="0"/>
+            </a:br>
+            <a:r>
+              <a:rPr lang="en-US" sz="2400" i="1" dirty="0"/>
+              <a:t>define any constants, simple data values</a:t>
+            </a:r>
+            <a:br>
+              <a:rPr lang="en-US" sz="2400" dirty="0"/>
+            </a:br>
+            <a:r>
+              <a:rPr lang="en-US" sz="2400" i="1" dirty="0"/>
+              <a:t>define any functions</a:t>
+            </a:r>
+            <a:br>
+              <a:rPr lang="en-US" sz="2400" dirty="0"/>
+            </a:br>
+            <a:r>
+              <a:rPr lang="en-US" sz="2400" i="1" dirty="0"/>
+              <a:t>main program body</a:t>
+            </a:r>
+            <a:endParaRPr lang="en-US" sz="2400" dirty="0"/>
+          </a:p>
+        </p:txBody>
+      </p:sp>
+    </p:spTree>
+    <p:extLst>
+      <p:ext uri="{BB962C8B-B14F-4D97-AF65-F5344CB8AC3E}">
+        <p14:creationId xmlns:p14="http://schemas.microsoft.com/office/powerpoint/2010/main" val="3711799391"/>
+      </p:ext>
+    </p:extLst>
+  </p:cSld>
+  <p:clrMapOvr>
+    <a:masterClrMapping/>
+  </p:clrMapOvr>
+</p:sld>
+</file>
+
 <file path=ppt/slides/slide2.xml><?xml version="1.0" encoding="utf-8"?>
 <p:sld xmlns:a="http://schemas.openxmlformats.org/drawingml/2006/main" xmlns:r="http://schemas.openxmlformats.org/officeDocument/2006/relationships" xmlns:p="http://schemas.openxmlformats.org/presentationml/2006/main">
   <p:cSld>
@@ -4097,7 +6040,7 @@
           <a:p>
             <a:r>
               <a:rPr lang="en-US" dirty="0"/>
-              <a:t>A function is just a sequence of operations grouped into a single, named entity</a:t>
+              <a:t>A function is just a sequence of operations grouped into a single, named entity that we can invoke to perform a task</a:t>
             </a:r>
           </a:p>
           <a:p>
@@ -4109,7 +6052,53 @@
           <a:p>
             <a:r>
               <a:rPr lang="en-US" dirty="0"/>
-              <a:t>Like a book is organized into multiple chapters, the program is best organized into multiple functions</a:t>
+              <a:t>Just like a book is organized into multiple chapters, programs are best organized into multiple functions; the main program can then just call the appropriate functions</a:t>
+            </a:r>
+          </a:p>
+        </p:txBody>
+      </p:sp>
+      <p:sp>
+        <p:nvSpPr>
+          <p:cNvPr id="5" name="Rectangle 4">
+            <a:extLst>
+              <a:ext uri="{FF2B5EF4-FFF2-40B4-BE49-F238E27FC236}">
+                <a16:creationId xmlns:a16="http://schemas.microsoft.com/office/drawing/2014/main" id="{E32B0F08-7111-414A-9271-B4A7D1D61710}"/>
+              </a:ext>
+            </a:extLst>
+          </p:cNvPr>
+          <p:cNvSpPr/>
+          <p:nvPr/>
+        </p:nvSpPr>
+        <p:spPr>
+          <a:xfrm>
+            <a:off x="7132982" y="550852"/>
+            <a:ext cx="6096000" cy="954107"/>
+          </a:xfrm>
+          <a:prstGeom prst="rect">
+            <a:avLst/>
+          </a:prstGeom>
+        </p:spPr>
+        <p:txBody>
+          <a:bodyPr>
+            <a:spAutoFit/>
+          </a:bodyPr>
+          <a:lstStyle/>
+          <a:p>
+            <a:r>
+              <a:rPr lang="en-US" sz="2800" dirty="0">
+                <a:latin typeface="Consolas" panose="020B0609020204030204" pitchFamily="49" charset="0"/>
+                <a:cs typeface="Consolas" panose="020B0609020204030204" pitchFamily="49" charset="0"/>
+              </a:rPr>
+              <a:t>def pi():</a:t>
+            </a:r>
+          </a:p>
+          <a:p>
+            <a:r>
+              <a:rPr lang="en-US" sz="2800" dirty="0">
+                <a:latin typeface="Consolas" panose="020B0609020204030204" pitchFamily="49" charset="0"/>
+                <a:cs typeface="Consolas" panose="020B0609020204030204" pitchFamily="49" charset="0"/>
+              </a:rPr>
+              <a:t>    return 3.14159</a:t>
             </a:r>
           </a:p>
         </p:txBody>
@@ -4191,7 +6180,7 @@
         <p:spPr>
           <a:xfrm>
             <a:off x="838200" y="1690688"/>
-            <a:ext cx="8017565" cy="4486275"/>
+            <a:ext cx="8470347" cy="4486275"/>
           </a:xfrm>
         </p:spPr>
         <p:txBody>
@@ -4242,7 +6231,7 @@
           <a:p>
             <a:r>
               <a:rPr lang="en-US" dirty="0"/>
-              <a:t>Top-down design: solve overall problem with high-level tasks, then design those subtasks</a:t>
+              <a:t>We jump from the main path to the subtask and back just like the computer processor in code</a:t>
             </a:r>
           </a:p>
         </p:txBody>
@@ -4312,7 +6301,7 @@
           <p:cNvPr id="2" name="Title 1">
             <a:extLst>
               <a:ext uri="{FF2B5EF4-FFF2-40B4-BE49-F238E27FC236}">
-                <a16:creationId xmlns:a16="http://schemas.microsoft.com/office/drawing/2014/main" id="{020E53E1-851D-C645-A59F-FEA87B5ED714}"/>
+                <a16:creationId xmlns:a16="http://schemas.microsoft.com/office/drawing/2014/main" id="{F8FB7C8F-CD4A-0048-938C-8E0E081D3C5D}"/>
               </a:ext>
             </a:extLst>
           </p:cNvPr>
@@ -4328,7 +6317,10 @@
           <a:bodyPr/>
           <a:lstStyle/>
           <a:p>
-            <a:endParaRPr lang="en-US"/>
+            <a:r>
+              <a:rPr lang="en-US" dirty="0"/>
+              <a:t>Data science example</a:t>
+            </a:r>
           </a:p>
         </p:txBody>
       </p:sp>
@@ -4337,7 +6329,7 @@
           <p:cNvPr id="3" name="Content Placeholder 2">
             <a:extLst>
               <a:ext uri="{FF2B5EF4-FFF2-40B4-BE49-F238E27FC236}">
-                <a16:creationId xmlns:a16="http://schemas.microsoft.com/office/drawing/2014/main" id="{C420561A-9EF6-114F-AC25-B0FEAEFC5884}"/>
+                <a16:creationId xmlns:a16="http://schemas.microsoft.com/office/drawing/2014/main" id="{F39B1A2E-C248-7F4C-828C-8E23B7596C44}"/>
               </a:ext>
             </a:extLst>
           </p:cNvPr>
@@ -4348,24 +6340,100 @@
             <p:ph idx="1"/>
           </p:nvPr>
         </p:nvSpPr>
-        <p:spPr/>
+        <p:spPr>
+          <a:xfrm>
+            <a:off x="838200" y="1825625"/>
+            <a:ext cx="8777909" cy="4351338"/>
+          </a:xfrm>
+        </p:spPr>
         <p:txBody>
           <a:bodyPr/>
           <a:lstStyle/>
           <a:p>
             <a:r>
               <a:rPr lang="en-US" dirty="0"/>
-              <a:t>d</a:t>
-            </a:r>
+              <a:t>The overall program is often a sequence of function calls that perform the subtasks; you might have something like:</a:t>
+            </a:r>
+          </a:p>
+          <a:p>
+            <a:pPr marL="914400" lvl="1" indent="-457200">
+              <a:buFont typeface="+mj-lt"/>
+              <a:buAutoNum type="arabicPeriod"/>
+            </a:pPr>
+            <a:r>
+              <a:rPr lang="en-US" dirty="0"/>
+              <a:t>Acquire data</a:t>
+            </a:r>
+          </a:p>
+          <a:p>
+            <a:pPr marL="914400" lvl="1" indent="-457200">
+              <a:buFont typeface="+mj-lt"/>
+              <a:buAutoNum type="arabicPeriod"/>
+            </a:pPr>
+            <a:r>
+              <a:rPr lang="en-US" dirty="0"/>
+              <a:t>Clean data</a:t>
+            </a:r>
+          </a:p>
+          <a:p>
+            <a:pPr marL="914400" lvl="1" indent="-457200">
+              <a:buFont typeface="+mj-lt"/>
+              <a:buAutoNum type="arabicPeriod"/>
+            </a:pPr>
+            <a:r>
+              <a:rPr lang="en-US" dirty="0"/>
+              <a:t>Compute statistics</a:t>
+            </a:r>
+          </a:p>
+          <a:p>
+            <a:pPr marL="914400" lvl="1" indent="-457200">
+              <a:buFont typeface="+mj-lt"/>
+              <a:buAutoNum type="arabicPeriod"/>
+            </a:pPr>
+            <a:r>
+              <a:rPr lang="en-US" dirty="0"/>
+              <a:t>Visualize results</a:t>
+            </a:r>
+          </a:p>
+          <a:p>
+            <a:r>
+              <a:rPr lang="en-US" dirty="0"/>
+              <a:t>Top-down design: solve overall problem with high-level tasks, then design those subtasks</a:t>
+            </a:r>
+          </a:p>
+          <a:p>
+            <a:r>
+              <a:rPr lang="en-US" dirty="0"/>
+              <a:t>Subtasks might be broken into </a:t>
+            </a:r>
+            <a:r>
+              <a:rPr lang="en-US" dirty="0" err="1"/>
+              <a:t>subsubtasks</a:t>
+            </a:r>
+            <a:r>
+              <a:rPr lang="en-US" dirty="0"/>
+              <a:t> </a:t>
+            </a:r>
+            <a:r>
+              <a:rPr lang="en-US" dirty="0" err="1"/>
+              <a:t>etc</a:t>
+            </a:r>
+            <a:r>
+              <a:rPr lang="en-US" dirty="0"/>
+              <a:t>…</a:t>
+            </a:r>
+          </a:p>
+          <a:p>
+            <a:endParaRPr lang="en-US" dirty="0"/>
           </a:p>
         </p:txBody>
       </p:sp>
       <p:pic>
         <p:nvPicPr>
-          <p:cNvPr id="4" name="Picture 3">
-            <a:extLst>
-              <a:ext uri="{FF2B5EF4-FFF2-40B4-BE49-F238E27FC236}">
-                <a16:creationId xmlns:a16="http://schemas.microsoft.com/office/drawing/2014/main" id="{D457D2C9-5FCE-AA44-954C-75FDEC6A4C9B}"/>
+          <p:cNvPr id="5" name="Picture 4">
+            <a:extLst>
+              <a:ext uri="{FF2B5EF4-FFF2-40B4-BE49-F238E27FC236}">
+                <a16:creationId xmlns:a16="http://schemas.microsoft.com/office/drawing/2014/main" id="{6D4B8E62-AF0A-E943-9EF7-85A71ADE06B9}"/>
               </a:ext>
             </a:extLst>
           </p:cNvPr>
@@ -4382,38 +6450,8 @@
         </p:blipFill>
         <p:spPr>
           <a:xfrm>
-            <a:off x="5336137" y="1896751"/>
-            <a:ext cx="2057430" cy="4048491"/>
-          </a:xfrm>
-          <a:prstGeom prst="rect">
-            <a:avLst/>
-          </a:prstGeom>
-        </p:spPr>
-      </p:pic>
-      <p:pic>
-        <p:nvPicPr>
-          <p:cNvPr id="6" name="Picture 5">
-            <a:extLst>
-              <a:ext uri="{FF2B5EF4-FFF2-40B4-BE49-F238E27FC236}">
-                <a16:creationId xmlns:a16="http://schemas.microsoft.com/office/drawing/2014/main" id="{3DAAA638-252B-084B-9155-0FE572105C91}"/>
-              </a:ext>
-            </a:extLst>
-          </p:cNvPr>
-          <p:cNvPicPr>
-            <a:picLocks noChangeAspect="1"/>
-          </p:cNvPicPr>
-          <p:nvPr/>
-        </p:nvPicPr>
-        <p:blipFill>
-          <a:blip r:embed="rId3"/>
-          <a:stretch>
-            <a:fillRect/>
-          </a:stretch>
-        </p:blipFill>
-        <p:spPr>
-          <a:xfrm>
-            <a:off x="8148430" y="1690688"/>
-            <a:ext cx="3011274" cy="4048490"/>
+            <a:off x="9894888" y="448041"/>
+            <a:ext cx="2014613" cy="5494399"/>
           </a:xfrm>
           <a:prstGeom prst="rect">
             <a:avLst/>
@@ -4423,7 +6461,7 @@
     </p:spTree>
     <p:extLst>
       <p:ext uri="{BB962C8B-B14F-4D97-AF65-F5344CB8AC3E}">
-        <p14:creationId xmlns:p14="http://schemas.microsoft.com/office/powerpoint/2010/main" val="2106986205"/>
+        <p14:creationId xmlns:p14="http://schemas.microsoft.com/office/powerpoint/2010/main" val="2828748015"/>
       </p:ext>
     </p:extLst>
   </p:cSld>
@@ -4455,7 +6493,7 @@
           <p:cNvPr id="2" name="Title 1">
             <a:extLst>
               <a:ext uri="{FF2B5EF4-FFF2-40B4-BE49-F238E27FC236}">
-                <a16:creationId xmlns:a16="http://schemas.microsoft.com/office/drawing/2014/main" id="{2B6998A0-E4D0-B649-A2ED-D1DB39B50720}"/>
+                <a16:creationId xmlns:a16="http://schemas.microsoft.com/office/drawing/2014/main" id="{FCDF0F6A-F3CA-974E-9800-BAEE112858A1}"/>
               </a:ext>
             </a:extLst>
           </p:cNvPr>
@@ -4473,7 +6511,7 @@
           <a:p>
             <a:r>
               <a:rPr lang="en-US" dirty="0"/>
-              <a:t>Code organization is important</a:t>
+              <a:t> The motivation to define functions</a:t>
             </a:r>
           </a:p>
         </p:txBody>
@@ -4483,7 +6521,7 @@
           <p:cNvPr id="3" name="Content Placeholder 2">
             <a:extLst>
               <a:ext uri="{FF2B5EF4-FFF2-40B4-BE49-F238E27FC236}">
-                <a16:creationId xmlns:a16="http://schemas.microsoft.com/office/drawing/2014/main" id="{91A597C8-FA08-DF4D-A821-4F93FF967BF1}"/>
+                <a16:creationId xmlns:a16="http://schemas.microsoft.com/office/drawing/2014/main" id="{D579D632-56C9-914D-A40E-AEF331B1904D}"/>
               </a:ext>
             </a:extLst>
           </p:cNvPr>
@@ -4501,30 +6539,329 @@
           <a:p>
             <a:r>
               <a:rPr lang="en-US" dirty="0"/>
-              <a:t>Programs quickly become an incomprehensible rats nest if we are not strict about style and organization</a:t>
-            </a:r>
-          </a:p>
-          <a:p>
-            <a:r>
-              <a:rPr lang="en-US" dirty="0"/>
-              <a:t>Here’s a general structure for Python programs:</a:t>
-            </a:r>
-            <a:br>
-              <a:rPr lang="en-US" dirty="0"/>
-            </a:br>
+              <a:t>Helps organize our programs, which really helps readability</a:t>
+            </a:r>
+          </a:p>
+          <a:p>
+            <a:r>
+              <a:rPr lang="en-US" dirty="0"/>
+              <a:t>Fosters code reuse, thus, increasing productivity</a:t>
+            </a:r>
+          </a:p>
+          <a:p>
+            <a:r>
+              <a:rPr lang="en-US" dirty="0"/>
+              <a:t>Lets us focus on just the functionality inside the function, which helps reduce what we have to think about at once</a:t>
+            </a:r>
+          </a:p>
+          <a:p>
+            <a:r>
+              <a:rPr lang="en-US" dirty="0"/>
+              <a:t>Functions have well-established input and output (arguments and return values), which can make debugging easier and improves reusability</a:t>
+            </a:r>
+          </a:p>
+          <a:p>
             <a:endParaRPr lang="en-US" dirty="0"/>
           </a:p>
+        </p:txBody>
+      </p:sp>
+    </p:spTree>
+    <p:extLst>
+      <p:ext uri="{BB962C8B-B14F-4D97-AF65-F5344CB8AC3E}">
+        <p14:creationId xmlns:p14="http://schemas.microsoft.com/office/powerpoint/2010/main" val="3674231122"/>
+      </p:ext>
+    </p:extLst>
+  </p:cSld>
+  <p:clrMapOvr>
+    <a:masterClrMapping/>
+  </p:clrMapOvr>
+</p:sld>
+</file>
+
+<file path=ppt/slides/slide6.xml><?xml version="1.0" encoding="utf-8"?>
+<p:sld xmlns:a="http://schemas.openxmlformats.org/drawingml/2006/main" xmlns:r="http://schemas.openxmlformats.org/officeDocument/2006/relationships" xmlns:p="http://schemas.openxmlformats.org/presentationml/2006/main">
+  <p:cSld>
+    <p:spTree>
+      <p:nvGrpSpPr>
+        <p:cNvPr id="1" name=""/>
+        <p:cNvGrpSpPr/>
+        <p:nvPr/>
+      </p:nvGrpSpPr>
+      <p:grpSpPr>
+        <a:xfrm>
+          <a:off x="0" y="0"/>
+          <a:ext cx="0" cy="0"/>
+          <a:chOff x="0" y="0"/>
+          <a:chExt cx="0" cy="0"/>
+        </a:xfrm>
+      </p:grpSpPr>
+      <p:sp>
+        <p:nvSpPr>
+          <p:cNvPr id="2" name="Title 1">
+            <a:extLst>
+              <a:ext uri="{FF2B5EF4-FFF2-40B4-BE49-F238E27FC236}">
+                <a16:creationId xmlns:a16="http://schemas.microsoft.com/office/drawing/2014/main" id="{8567B75D-2D10-7242-8CE6-E53E6A51DD19}"/>
+              </a:ext>
+            </a:extLst>
+          </p:cNvPr>
+          <p:cNvSpPr>
+            <a:spLocks noGrp="1"/>
+          </p:cNvSpPr>
+          <p:nvPr>
+            <p:ph type="title"/>
+          </p:nvPr>
+        </p:nvSpPr>
+        <p:spPr>
+          <a:xfrm>
+            <a:off x="838200" y="365126"/>
+            <a:ext cx="10515600" cy="807692"/>
+          </a:xfrm>
+        </p:spPr>
+        <p:txBody>
+          <a:bodyPr/>
+          <a:lstStyle/>
+          <a:p>
+            <a:r>
+              <a:rPr lang="en-US" dirty="0"/>
+              <a:t>How to plan out a function</a:t>
+            </a:r>
+          </a:p>
+        </p:txBody>
+      </p:sp>
+      <p:sp>
+        <p:nvSpPr>
+          <p:cNvPr id="3" name="Content Placeholder 2">
+            <a:extLst>
+              <a:ext uri="{FF2B5EF4-FFF2-40B4-BE49-F238E27FC236}">
+                <a16:creationId xmlns:a16="http://schemas.microsoft.com/office/drawing/2014/main" id="{01334F47-9150-274D-B29E-7980F0736C02}"/>
+              </a:ext>
+            </a:extLst>
+          </p:cNvPr>
+          <p:cNvSpPr>
+            <a:spLocks noGrp="1"/>
+          </p:cNvSpPr>
+          <p:nvPr>
+            <p:ph idx="1"/>
+          </p:nvPr>
+        </p:nvSpPr>
+        <p:spPr>
+          <a:xfrm>
+            <a:off x="838200" y="1172818"/>
+            <a:ext cx="10515600" cy="5188225"/>
+          </a:xfrm>
+        </p:spPr>
+        <p:txBody>
+          <a:bodyPr>
+            <a:normAutofit fontScale="92500" lnSpcReduction="10000"/>
+          </a:bodyPr>
+          <a:lstStyle/>
+          <a:p>
+            <a:r>
+              <a:rPr lang="en-US" dirty="0"/>
+              <a:t>First, identify:</a:t>
+            </a:r>
+          </a:p>
+          <a:p>
+            <a:pPr marL="914400" lvl="1" indent="-457200">
+              <a:buFont typeface="+mj-lt"/>
+              <a:buAutoNum type="arabicPeriod"/>
+            </a:pPr>
+            <a:r>
+              <a:rPr lang="en-US" dirty="0"/>
+              <a:t>a descriptive function name</a:t>
+            </a:r>
+          </a:p>
+          <a:p>
+            <a:pPr marL="914400" lvl="1" indent="-457200">
+              <a:buFont typeface="+mj-lt"/>
+              <a:buAutoNum type="arabicPeriod"/>
+            </a:pPr>
+            <a:r>
+              <a:rPr lang="en-US" dirty="0"/>
+              <a:t>the kind of value(s) it operates on (parameter types)</a:t>
+            </a:r>
+          </a:p>
+          <a:p>
+            <a:pPr marL="914400" lvl="1" indent="-457200">
+              <a:buFont typeface="+mj-lt"/>
+              <a:buAutoNum type="arabicPeriod"/>
+            </a:pPr>
+            <a:r>
+              <a:rPr lang="en-US" dirty="0"/>
+              <a:t>the kind of value(s) it returns (return type)</a:t>
+            </a:r>
+          </a:p>
+          <a:p>
+            <a:pPr marL="914400" lvl="1" indent="-457200">
+              <a:buFont typeface="+mj-lt"/>
+              <a:buAutoNum type="arabicPeriod"/>
+            </a:pPr>
+            <a:r>
+              <a:rPr lang="en-US" dirty="0"/>
+              <a:t>what the function does and the value(s) it returns</a:t>
+            </a:r>
+          </a:p>
+          <a:p>
+            <a:r>
+              <a:rPr lang="en-US" dirty="0"/>
+              <a:t>If we can't specify exactly what goes in and out of the function, there's no hope of determining the processing steps, let alone Python code, to implement that function</a:t>
+            </a:r>
+          </a:p>
+          <a:p>
+            <a:r>
+              <a:rPr lang="en-US" dirty="0"/>
+              <a:t>Write some sample function invocations to show what data goes in and what data comes out</a:t>
+            </a:r>
+          </a:p>
+          <a:p>
+            <a:r>
+              <a:rPr lang="en-US" dirty="0"/>
+              <a:t>Then try to work out the steps, possibly working from the return value backwards</a:t>
+            </a:r>
+          </a:p>
+          <a:p>
+            <a:r>
+              <a:rPr lang="en-US" dirty="0"/>
+              <a:t>Then write the code that implements the steps</a:t>
+            </a:r>
+          </a:p>
           <a:p>
             <a:endParaRPr lang="en-US" dirty="0"/>
           </a:p>
         </p:txBody>
       </p:sp>
+    </p:spTree>
+    <p:extLst>
+      <p:ext uri="{BB962C8B-B14F-4D97-AF65-F5344CB8AC3E}">
+        <p14:creationId xmlns:p14="http://schemas.microsoft.com/office/powerpoint/2010/main" val="2829785760"/>
+      </p:ext>
+    </p:extLst>
+  </p:cSld>
+  <p:clrMapOvr>
+    <a:masterClrMapping/>
+  </p:clrMapOvr>
+</p:sld>
+</file>
+
+<file path=ppt/slides/slide7.xml><?xml version="1.0" encoding="utf-8"?>
+<p:sld xmlns:a="http://schemas.openxmlformats.org/drawingml/2006/main" xmlns:r="http://schemas.openxmlformats.org/officeDocument/2006/relationships" xmlns:p="http://schemas.openxmlformats.org/presentationml/2006/main">
+  <p:cSld>
+    <p:spTree>
+      <p:nvGrpSpPr>
+        <p:cNvPr id="1" name=""/>
+        <p:cNvGrpSpPr/>
+        <p:nvPr/>
+      </p:nvGrpSpPr>
+      <p:grpSpPr>
+        <a:xfrm>
+          <a:off x="0" y="0"/>
+          <a:ext cx="0" cy="0"/>
+          <a:chOff x="0" y="0"/>
+          <a:chExt cx="0" cy="0"/>
+        </a:xfrm>
+      </p:grpSpPr>
+      <p:sp>
+        <p:nvSpPr>
+          <p:cNvPr id="2" name="Title 1">
+            <a:extLst>
+              <a:ext uri="{FF2B5EF4-FFF2-40B4-BE49-F238E27FC236}">
+                <a16:creationId xmlns:a16="http://schemas.microsoft.com/office/drawing/2014/main" id="{7D941651-D312-C345-B38B-BB682D871E38}"/>
+              </a:ext>
+            </a:extLst>
+          </p:cNvPr>
+          <p:cNvSpPr>
+            <a:spLocks noGrp="1"/>
+          </p:cNvSpPr>
+          <p:nvPr>
+            <p:ph type="title"/>
+          </p:nvPr>
+        </p:nvSpPr>
+        <p:spPr>
+          <a:xfrm>
+            <a:off x="838200" y="365125"/>
+            <a:ext cx="10515600" cy="1165501"/>
+          </a:xfrm>
+        </p:spPr>
+        <p:txBody>
+          <a:bodyPr/>
+          <a:lstStyle/>
+          <a:p>
+            <a:r>
+              <a:rPr lang="en-US" dirty="0"/>
+              <a:t>Coding a function</a:t>
+            </a:r>
+          </a:p>
+        </p:txBody>
+      </p:sp>
+      <p:sp>
+        <p:nvSpPr>
+          <p:cNvPr id="3" name="Content Placeholder 2">
+            <a:extLst>
+              <a:ext uri="{FF2B5EF4-FFF2-40B4-BE49-F238E27FC236}">
+                <a16:creationId xmlns:a16="http://schemas.microsoft.com/office/drawing/2014/main" id="{39A5FAF8-591F-0C42-82CC-DA8BE12B17DF}"/>
+              </a:ext>
+            </a:extLst>
+          </p:cNvPr>
+          <p:cNvSpPr>
+            <a:spLocks noGrp="1"/>
+          </p:cNvSpPr>
+          <p:nvPr>
+            <p:ph idx="1"/>
+          </p:nvPr>
+        </p:nvSpPr>
+        <p:spPr>
+          <a:xfrm>
+            <a:off x="838200" y="1825624"/>
+            <a:ext cx="10515600" cy="4555297"/>
+          </a:xfrm>
+        </p:spPr>
+        <p:txBody>
+          <a:bodyPr>
+            <a:normAutofit/>
+          </a:bodyPr>
+          <a:lstStyle/>
+          <a:p>
+            <a:r>
+              <a:rPr lang="en-US" dirty="0"/>
+              <a:t>The code template for a function with no arguments is:</a:t>
+            </a:r>
+          </a:p>
+          <a:p>
+            <a:endParaRPr lang="en-US" dirty="0"/>
+          </a:p>
+          <a:p>
+            <a:endParaRPr lang="en-US" dirty="0"/>
+          </a:p>
+          <a:p>
+            <a:endParaRPr lang="en-US" dirty="0"/>
+          </a:p>
+          <a:p>
+            <a:endParaRPr lang="en-US" dirty="0"/>
+          </a:p>
+          <a:p>
+            <a:endParaRPr lang="en-US" dirty="0"/>
+          </a:p>
+          <a:p>
+            <a:r>
+              <a:rPr lang="en-US" dirty="0"/>
+              <a:t>Recall: we associate statements with a function by indentation</a:t>
+            </a:r>
+          </a:p>
+          <a:p>
+            <a:r>
+              <a:rPr lang="en-US" dirty="0"/>
+              <a:t>The function definition does not execute the code inside; it just defines the function for our use</a:t>
+            </a:r>
+            <a:endParaRPr lang="en-US" b="1" dirty="0"/>
+          </a:p>
+        </p:txBody>
+      </p:sp>
       <p:sp>
         <p:nvSpPr>
           <p:cNvPr id="4" name="Rectangle 3">
             <a:extLst>
               <a:ext uri="{FF2B5EF4-FFF2-40B4-BE49-F238E27FC236}">
-                <a16:creationId xmlns:a16="http://schemas.microsoft.com/office/drawing/2014/main" id="{2D29A910-3114-E74F-9373-419327731318}"/>
+                <a16:creationId xmlns:a16="http://schemas.microsoft.com/office/drawing/2014/main" id="{68429EC3-EDC8-E549-92ED-B3F3A56DBCB2}"/>
               </a:ext>
             </a:extLst>
           </p:cNvPr>
@@ -4533,8 +6870,8 @@
         </p:nvSpPr>
         <p:spPr>
           <a:xfrm>
-            <a:off x="3048000" y="3733297"/>
-            <a:ext cx="6096000" cy="1569660"/>
+            <a:off x="1131405" y="2455064"/>
+            <a:ext cx="6096000" cy="2246769"/>
           </a:xfrm>
           <a:prstGeom prst="rect">
             <a:avLst/>
@@ -4547,38 +6884,1062 @@
           <a:lstStyle/>
           <a:p>
             <a:r>
-              <a:rPr lang="en-US" sz="2400" i="1" dirty="0"/>
-              <a:t>import any libraries</a:t>
+              <a:rPr lang="en-US" sz="2800" dirty="0">
+                <a:latin typeface="Consolas" panose="020B0609020204030204" pitchFamily="49" charset="0"/>
+                <a:cs typeface="Consolas" panose="020B0609020204030204" pitchFamily="49" charset="0"/>
+              </a:rPr>
+              <a:t>def</a:t>
+            </a:r>
+            <a:r>
+              <a:rPr lang="en-US" sz="2800" dirty="0">
+                <a:solidFill>
+                  <a:srgbClr val="000000"/>
+                </a:solidFill>
+                <a:latin typeface="Consolas" panose="020B0609020204030204" pitchFamily="49" charset="0"/>
+                <a:cs typeface="Consolas" panose="020B0609020204030204" pitchFamily="49" charset="0"/>
+              </a:rPr>
+              <a:t> </a:t>
+            </a:r>
+            <a:r>
+              <a:rPr lang="en-US" sz="2800" i="1" dirty="0" err="1">
+                <a:solidFill>
+                  <a:srgbClr val="000000"/>
+                </a:solidFill>
+                <a:latin typeface="Consolas" panose="020B0609020204030204" pitchFamily="49" charset="0"/>
+                <a:cs typeface="Consolas" panose="020B0609020204030204" pitchFamily="49" charset="0"/>
+              </a:rPr>
+              <a:t>funcname</a:t>
+            </a:r>
+            <a:r>
+              <a:rPr lang="en-US" sz="2800" dirty="0">
+                <a:latin typeface="Consolas" panose="020B0609020204030204" pitchFamily="49" charset="0"/>
+                <a:cs typeface="Consolas" panose="020B0609020204030204" pitchFamily="49" charset="0"/>
+              </a:rPr>
+              <a:t>()</a:t>
+            </a:r>
+            <a:r>
+              <a:rPr lang="en-US" sz="2800" dirty="0">
+                <a:solidFill>
+                  <a:srgbClr val="000000"/>
+                </a:solidFill>
+                <a:latin typeface="Consolas" panose="020B0609020204030204" pitchFamily="49" charset="0"/>
+                <a:cs typeface="Consolas" panose="020B0609020204030204" pitchFamily="49" charset="0"/>
+              </a:rPr>
+              <a:t>:</a:t>
             </a:r>
             <a:br>
-              <a:rPr lang="en-US" sz="2400" dirty="0"/>
+              <a:rPr lang="en-US" sz="2800" dirty="0">
+                <a:latin typeface="Consolas" panose="020B0609020204030204" pitchFamily="49" charset="0"/>
+                <a:cs typeface="Consolas" panose="020B0609020204030204" pitchFamily="49" charset="0"/>
+              </a:rPr>
             </a:br>
             <a:r>
-              <a:rPr lang="en-US" sz="2400" i="1" dirty="0"/>
-              <a:t>define any constants, simple data values</a:t>
+              <a:rPr lang="en-US" sz="2800" dirty="0">
+                <a:solidFill>
+                  <a:srgbClr val="000000"/>
+                </a:solidFill>
+                <a:latin typeface="Consolas" panose="020B0609020204030204" pitchFamily="49" charset="0"/>
+                <a:cs typeface="Consolas" panose="020B0609020204030204" pitchFamily="49" charset="0"/>
+              </a:rPr>
+              <a:t>    </a:t>
+            </a:r>
+            <a:r>
+              <a:rPr lang="en-US" sz="2800" i="1" dirty="0">
+                <a:solidFill>
+                  <a:srgbClr val="000000"/>
+                </a:solidFill>
+                <a:latin typeface="Consolas" panose="020B0609020204030204" pitchFamily="49" charset="0"/>
+                <a:cs typeface="Consolas" panose="020B0609020204030204" pitchFamily="49" charset="0"/>
+              </a:rPr>
+              <a:t>statement 1</a:t>
             </a:r>
             <a:br>
-              <a:rPr lang="en-US" sz="2400" dirty="0"/>
+              <a:rPr lang="en-US" sz="2800" dirty="0">
+                <a:latin typeface="Consolas" panose="020B0609020204030204" pitchFamily="49" charset="0"/>
+                <a:cs typeface="Consolas" panose="020B0609020204030204" pitchFamily="49" charset="0"/>
+              </a:rPr>
             </a:br>
             <a:r>
-              <a:rPr lang="en-US" sz="2400" i="1" dirty="0"/>
-              <a:t>define any functions</a:t>
+              <a:rPr lang="en-US" sz="2800" dirty="0">
+                <a:solidFill>
+                  <a:srgbClr val="000000"/>
+                </a:solidFill>
+                <a:latin typeface="Consolas" panose="020B0609020204030204" pitchFamily="49" charset="0"/>
+                <a:cs typeface="Consolas" panose="020B0609020204030204" pitchFamily="49" charset="0"/>
+              </a:rPr>
+              <a:t>    </a:t>
+            </a:r>
+            <a:r>
+              <a:rPr lang="en-US" sz="2800" i="1" dirty="0">
+                <a:solidFill>
+                  <a:srgbClr val="000000"/>
+                </a:solidFill>
+                <a:latin typeface="Consolas" panose="020B0609020204030204" pitchFamily="49" charset="0"/>
+                <a:cs typeface="Consolas" panose="020B0609020204030204" pitchFamily="49" charset="0"/>
+              </a:rPr>
+              <a:t>statement 2</a:t>
             </a:r>
             <a:br>
-              <a:rPr lang="en-US" sz="2400" dirty="0"/>
+              <a:rPr lang="en-US" sz="2800" dirty="0">
+                <a:latin typeface="Consolas" panose="020B0609020204030204" pitchFamily="49" charset="0"/>
+                <a:cs typeface="Consolas" panose="020B0609020204030204" pitchFamily="49" charset="0"/>
+              </a:rPr>
             </a:br>
             <a:r>
-              <a:rPr lang="en-US" sz="2400" i="1" dirty="0"/>
-              <a:t>main program body</a:t>
-            </a:r>
-            <a:endParaRPr lang="en-US" sz="2400" dirty="0"/>
-          </a:p>
-        </p:txBody>
-      </p:sp>
+              <a:rPr lang="en-US" sz="2800" dirty="0">
+                <a:solidFill>
+                  <a:srgbClr val="000000"/>
+                </a:solidFill>
+                <a:latin typeface="Consolas" panose="020B0609020204030204" pitchFamily="49" charset="0"/>
+                <a:cs typeface="Consolas" panose="020B0609020204030204" pitchFamily="49" charset="0"/>
+              </a:rPr>
+              <a:t>    </a:t>
+            </a:r>
+            <a:r>
+              <a:rPr lang="en-US" sz="2800" i="1" dirty="0">
+                <a:solidFill>
+                  <a:srgbClr val="000000"/>
+                </a:solidFill>
+                <a:latin typeface="Consolas" panose="020B0609020204030204" pitchFamily="49" charset="0"/>
+                <a:cs typeface="Consolas" panose="020B0609020204030204" pitchFamily="49" charset="0"/>
+              </a:rPr>
+              <a:t>...</a:t>
+            </a:r>
+            <a:br>
+              <a:rPr lang="en-US" sz="2800" dirty="0">
+                <a:latin typeface="Consolas" panose="020B0609020204030204" pitchFamily="49" charset="0"/>
+                <a:cs typeface="Consolas" panose="020B0609020204030204" pitchFamily="49" charset="0"/>
+              </a:rPr>
+            </a:br>
+            <a:r>
+              <a:rPr lang="en-US" sz="2800" dirty="0">
+                <a:solidFill>
+                  <a:srgbClr val="000000"/>
+                </a:solidFill>
+                <a:latin typeface="Consolas" panose="020B0609020204030204" pitchFamily="49" charset="0"/>
+                <a:cs typeface="Consolas" panose="020B0609020204030204" pitchFamily="49" charset="0"/>
+              </a:rPr>
+              <a:t>    </a:t>
+            </a:r>
+            <a:r>
+              <a:rPr lang="en-US" sz="2800" dirty="0">
+                <a:latin typeface="Consolas" panose="020B0609020204030204" pitchFamily="49" charset="0"/>
+                <a:cs typeface="Consolas" panose="020B0609020204030204" pitchFamily="49" charset="0"/>
+              </a:rPr>
+              <a:t>return</a:t>
+            </a:r>
+            <a:r>
+              <a:rPr lang="en-US" sz="2800" dirty="0">
+                <a:solidFill>
+                  <a:srgbClr val="000000"/>
+                </a:solidFill>
+                <a:latin typeface="Consolas" panose="020B0609020204030204" pitchFamily="49" charset="0"/>
+                <a:cs typeface="Consolas" panose="020B0609020204030204" pitchFamily="49" charset="0"/>
+              </a:rPr>
+              <a:t> </a:t>
+            </a:r>
+            <a:r>
+              <a:rPr lang="en-US" sz="2800" i="1" dirty="0">
+                <a:solidFill>
+                  <a:srgbClr val="000000"/>
+                </a:solidFill>
+                <a:latin typeface="Consolas" panose="020B0609020204030204" pitchFamily="49" charset="0"/>
+                <a:cs typeface="Consolas" panose="020B0609020204030204" pitchFamily="49" charset="0"/>
+              </a:rPr>
+              <a:t>expression</a:t>
+            </a:r>
+            <a:endParaRPr lang="en-US" sz="2800" dirty="0">
+              <a:latin typeface="Consolas" panose="020B0609020204030204" pitchFamily="49" charset="0"/>
+              <a:cs typeface="Consolas" panose="020B0609020204030204" pitchFamily="49" charset="0"/>
+            </a:endParaRPr>
+          </a:p>
+        </p:txBody>
+      </p:sp>
+      <p:sp>
+        <p:nvSpPr>
+          <p:cNvPr id="5" name="Rectangle 4">
+            <a:extLst>
+              <a:ext uri="{FF2B5EF4-FFF2-40B4-BE49-F238E27FC236}">
+                <a16:creationId xmlns:a16="http://schemas.microsoft.com/office/drawing/2014/main" id="{B01057F7-FC90-6349-A611-FDC910FA1BF5}"/>
+              </a:ext>
+            </a:extLst>
+          </p:cNvPr>
+          <p:cNvSpPr/>
+          <p:nvPr/>
+        </p:nvSpPr>
+        <p:spPr>
+          <a:xfrm>
+            <a:off x="6496879" y="2474893"/>
+            <a:ext cx="3737112" cy="954107"/>
+          </a:xfrm>
+          <a:prstGeom prst="rect">
+            <a:avLst/>
+          </a:prstGeom>
+        </p:spPr>
+        <p:txBody>
+          <a:bodyPr wrap="square">
+            <a:spAutoFit/>
+          </a:bodyPr>
+          <a:lstStyle/>
+          <a:p>
+            <a:r>
+              <a:rPr lang="en-US" sz="2800" dirty="0">
+                <a:latin typeface="Consolas" panose="020B0609020204030204" pitchFamily="49" charset="0"/>
+                <a:cs typeface="Consolas" panose="020B0609020204030204" pitchFamily="49" charset="0"/>
+              </a:rPr>
+              <a:t>def pi():</a:t>
+            </a:r>
+          </a:p>
+          <a:p>
+            <a:r>
+              <a:rPr lang="en-US" sz="2800" dirty="0">
+                <a:latin typeface="Consolas" panose="020B0609020204030204" pitchFamily="49" charset="0"/>
+                <a:cs typeface="Consolas" panose="020B0609020204030204" pitchFamily="49" charset="0"/>
+              </a:rPr>
+              <a:t>    return 3.14159</a:t>
+            </a:r>
+          </a:p>
+        </p:txBody>
+      </p:sp>
+      <p:cxnSp>
+        <p:nvCxnSpPr>
+          <p:cNvPr id="7" name="Straight Arrow Connector 6">
+            <a:extLst>
+              <a:ext uri="{FF2B5EF4-FFF2-40B4-BE49-F238E27FC236}">
+                <a16:creationId xmlns:a16="http://schemas.microsoft.com/office/drawing/2014/main" id="{EA94AC3C-B7C3-EC4C-A412-9F511DF458B8}"/>
+              </a:ext>
+            </a:extLst>
+          </p:cNvPr>
+          <p:cNvCxnSpPr>
+            <a:cxnSpLocks/>
+          </p:cNvCxnSpPr>
+          <p:nvPr/>
+        </p:nvCxnSpPr>
+        <p:spPr>
+          <a:xfrm flipV="1">
+            <a:off x="1580322" y="4611757"/>
+            <a:ext cx="377686" cy="377687"/>
+          </a:xfrm>
+          <a:prstGeom prst="straightConnector1">
+            <a:avLst/>
+          </a:prstGeom>
+          <a:ln>
+            <a:tailEnd type="triangle"/>
+          </a:ln>
+        </p:spPr>
+        <p:style>
+          <a:lnRef idx="1">
+            <a:schemeClr val="accent1"/>
+          </a:lnRef>
+          <a:fillRef idx="0">
+            <a:schemeClr val="accent1"/>
+          </a:fillRef>
+          <a:effectRef idx="0">
+            <a:schemeClr val="accent1"/>
+          </a:effectRef>
+          <a:fontRef idx="minor">
+            <a:schemeClr val="tx1"/>
+          </a:fontRef>
+        </p:style>
+      </p:cxnSp>
+      <p:cxnSp>
+        <p:nvCxnSpPr>
+          <p:cNvPr id="13" name="Straight Connector 12">
+            <a:extLst>
+              <a:ext uri="{FF2B5EF4-FFF2-40B4-BE49-F238E27FC236}">
+                <a16:creationId xmlns:a16="http://schemas.microsoft.com/office/drawing/2014/main" id="{1A2D193F-54AC-5C4D-B44F-4C26126142D0}"/>
+              </a:ext>
+            </a:extLst>
+          </p:cNvPr>
+          <p:cNvCxnSpPr>
+            <a:cxnSpLocks/>
+          </p:cNvCxnSpPr>
+          <p:nvPr/>
+        </p:nvCxnSpPr>
+        <p:spPr>
+          <a:xfrm>
+            <a:off x="1958008" y="3051314"/>
+            <a:ext cx="0" cy="1480931"/>
+          </a:xfrm>
+          <a:prstGeom prst="line">
+            <a:avLst/>
+          </a:prstGeom>
+        </p:spPr>
+        <p:style>
+          <a:lnRef idx="1">
+            <a:schemeClr val="accent1"/>
+          </a:lnRef>
+          <a:fillRef idx="0">
+            <a:schemeClr val="accent1"/>
+          </a:fillRef>
+          <a:effectRef idx="0">
+            <a:schemeClr val="accent1"/>
+          </a:effectRef>
+          <a:fontRef idx="minor">
+            <a:schemeClr val="tx1"/>
+          </a:fontRef>
+        </p:style>
+      </p:cxnSp>
     </p:spTree>
     <p:extLst>
       <p:ext uri="{BB962C8B-B14F-4D97-AF65-F5344CB8AC3E}">
-        <p14:creationId xmlns:p14="http://schemas.microsoft.com/office/powerpoint/2010/main" val="3711799391"/>
+        <p14:creationId xmlns:p14="http://schemas.microsoft.com/office/powerpoint/2010/main" val="852483636"/>
+      </p:ext>
+    </p:extLst>
+  </p:cSld>
+  <p:clrMapOvr>
+    <a:masterClrMapping/>
+  </p:clrMapOvr>
+</p:sld>
+</file>
+
+<file path=ppt/slides/slide8.xml><?xml version="1.0" encoding="utf-8"?>
+<p:sld xmlns:a="http://schemas.openxmlformats.org/drawingml/2006/main" xmlns:r="http://schemas.openxmlformats.org/officeDocument/2006/relationships" xmlns:p="http://schemas.openxmlformats.org/presentationml/2006/main">
+  <p:cSld>
+    <p:spTree>
+      <p:nvGrpSpPr>
+        <p:cNvPr id="1" name=""/>
+        <p:cNvGrpSpPr/>
+        <p:nvPr/>
+      </p:nvGrpSpPr>
+      <p:grpSpPr>
+        <a:xfrm>
+          <a:off x="0" y="0"/>
+          <a:ext cx="0" cy="0"/>
+          <a:chOff x="0" y="0"/>
+          <a:chExt cx="0" cy="0"/>
+        </a:xfrm>
+      </p:grpSpPr>
+      <p:sp>
+        <p:nvSpPr>
+          <p:cNvPr id="2" name="Title 1">
+            <a:extLst>
+              <a:ext uri="{FF2B5EF4-FFF2-40B4-BE49-F238E27FC236}">
+                <a16:creationId xmlns:a16="http://schemas.microsoft.com/office/drawing/2014/main" id="{9BC7682D-022C-964E-B5A5-BAEB6945A1B4}"/>
+              </a:ext>
+            </a:extLst>
+          </p:cNvPr>
+          <p:cNvSpPr>
+            <a:spLocks noGrp="1"/>
+          </p:cNvSpPr>
+          <p:nvPr>
+            <p:ph type="title"/>
+          </p:nvPr>
+        </p:nvSpPr>
+        <p:spPr/>
+        <p:txBody>
+          <a:bodyPr/>
+          <a:lstStyle/>
+          <a:p>
+            <a:r>
+              <a:rPr lang="en-US" dirty="0"/>
+              <a:t>Calling a function</a:t>
+            </a:r>
+          </a:p>
+        </p:txBody>
+      </p:sp>
+      <p:sp>
+        <p:nvSpPr>
+          <p:cNvPr id="3" name="Content Placeholder 2">
+            <a:extLst>
+              <a:ext uri="{FF2B5EF4-FFF2-40B4-BE49-F238E27FC236}">
+                <a16:creationId xmlns:a16="http://schemas.microsoft.com/office/drawing/2014/main" id="{21EBB609-588B-B14A-A288-F2DB8FEF64C7}"/>
+              </a:ext>
+            </a:extLst>
+          </p:cNvPr>
+          <p:cNvSpPr>
+            <a:spLocks noGrp="1"/>
+          </p:cNvSpPr>
+          <p:nvPr>
+            <p:ph idx="1"/>
+          </p:nvPr>
+        </p:nvSpPr>
+        <p:spPr>
+          <a:xfrm>
+            <a:off x="838200" y="1690688"/>
+            <a:ext cx="10515600" cy="4486275"/>
+          </a:xfrm>
+        </p:spPr>
+        <p:txBody>
+          <a:bodyPr>
+            <a:normAutofit/>
+          </a:bodyPr>
+          <a:lstStyle/>
+          <a:p>
+            <a:r>
+              <a:rPr lang="en-US" dirty="0"/>
+              <a:t>The definition of a function is different than calling a function</a:t>
+            </a:r>
+          </a:p>
+          <a:p>
+            <a:r>
+              <a:rPr lang="en-US" dirty="0"/>
+              <a:t>Calling a function requires the function name and any argument values; here, we don't have any arguments so we can do this:</a:t>
+            </a:r>
+          </a:p>
+          <a:p>
+            <a:endParaRPr lang="en-US" dirty="0"/>
+          </a:p>
+          <a:p>
+            <a:endParaRPr lang="en-US" dirty="0"/>
+          </a:p>
+          <a:p>
+            <a:endParaRPr lang="en-US" dirty="0"/>
+          </a:p>
+          <a:p>
+            <a:endParaRPr lang="en-US" dirty="0"/>
+          </a:p>
+          <a:p>
+            <a:endParaRPr lang="en-US" dirty="0"/>
+          </a:p>
+        </p:txBody>
+      </p:sp>
+      <p:pic>
+        <p:nvPicPr>
+          <p:cNvPr id="5" name="Picture 4" descr="Graphical user interface, text, application&#10;&#10;Description automatically generated">
+            <a:extLst>
+              <a:ext uri="{FF2B5EF4-FFF2-40B4-BE49-F238E27FC236}">
+                <a16:creationId xmlns:a16="http://schemas.microsoft.com/office/drawing/2014/main" id="{E1E22882-EFF8-E943-A2A0-01577E329420}"/>
+              </a:ext>
+            </a:extLst>
+          </p:cNvPr>
+          <p:cNvPicPr>
+            <a:picLocks noChangeAspect="1"/>
+          </p:cNvPicPr>
+          <p:nvPr/>
+        </p:nvPicPr>
+        <p:blipFill>
+          <a:blip r:embed="rId2"/>
+          <a:stretch>
+            <a:fillRect/>
+          </a:stretch>
+        </p:blipFill>
+        <p:spPr>
+          <a:xfrm>
+            <a:off x="2435144" y="3162057"/>
+            <a:ext cx="3681807" cy="2264708"/>
+          </a:xfrm>
+          <a:prstGeom prst="rect">
+            <a:avLst/>
+          </a:prstGeom>
+        </p:spPr>
+      </p:pic>
+      <p:sp>
+        <p:nvSpPr>
+          <p:cNvPr id="6" name="TextBox 5">
+            <a:extLst>
+              <a:ext uri="{FF2B5EF4-FFF2-40B4-BE49-F238E27FC236}">
+                <a16:creationId xmlns:a16="http://schemas.microsoft.com/office/drawing/2014/main" id="{8A4C77C0-8705-104D-97E8-05AFB95EFC93}"/>
+              </a:ext>
+            </a:extLst>
+          </p:cNvPr>
+          <p:cNvSpPr txBox="1"/>
+          <p:nvPr/>
+        </p:nvSpPr>
+        <p:spPr>
+          <a:xfrm>
+            <a:off x="6496850" y="3472160"/>
+            <a:ext cx="3448878" cy="923330"/>
+          </a:xfrm>
+          <a:prstGeom prst="rect">
+            <a:avLst/>
+          </a:prstGeom>
+          <a:noFill/>
+        </p:spPr>
+        <p:txBody>
+          <a:bodyPr wrap="square" rtlCol="0">
+            <a:spAutoFit/>
+          </a:bodyPr>
+          <a:lstStyle/>
+          <a:p>
+            <a:r>
+              <a:rPr lang="en-US" dirty="0"/>
+              <a:t>(We don't need a print statement here because we are executing inside a notebook)</a:t>
+            </a:r>
+          </a:p>
+        </p:txBody>
+      </p:sp>
+      <p:sp>
+        <p:nvSpPr>
+          <p:cNvPr id="8" name="Rectangle 7">
+            <a:extLst>
+              <a:ext uri="{FF2B5EF4-FFF2-40B4-BE49-F238E27FC236}">
+                <a16:creationId xmlns:a16="http://schemas.microsoft.com/office/drawing/2014/main" id="{156DBD54-F67A-D44A-B145-558240583D8D}"/>
+              </a:ext>
+            </a:extLst>
+          </p:cNvPr>
+          <p:cNvSpPr/>
+          <p:nvPr/>
+        </p:nvSpPr>
+        <p:spPr>
+          <a:xfrm>
+            <a:off x="8454888" y="405107"/>
+            <a:ext cx="3737112" cy="954107"/>
+          </a:xfrm>
+          <a:prstGeom prst="rect">
+            <a:avLst/>
+          </a:prstGeom>
+        </p:spPr>
+        <p:txBody>
+          <a:bodyPr wrap="square">
+            <a:spAutoFit/>
+          </a:bodyPr>
+          <a:lstStyle/>
+          <a:p>
+            <a:r>
+              <a:rPr lang="en-US" sz="2800" dirty="0">
+                <a:latin typeface="Consolas" panose="020B0609020204030204" pitchFamily="49" charset="0"/>
+                <a:cs typeface="Consolas" panose="020B0609020204030204" pitchFamily="49" charset="0"/>
+              </a:rPr>
+              <a:t>def pi():</a:t>
+            </a:r>
+          </a:p>
+          <a:p>
+            <a:r>
+              <a:rPr lang="en-US" sz="2800" dirty="0">
+                <a:latin typeface="Consolas" panose="020B0609020204030204" pitchFamily="49" charset="0"/>
+                <a:cs typeface="Consolas" panose="020B0609020204030204" pitchFamily="49" charset="0"/>
+              </a:rPr>
+              <a:t>    return 3.14159</a:t>
+            </a:r>
+          </a:p>
+        </p:txBody>
+      </p:sp>
+      <p:pic>
+        <p:nvPicPr>
+          <p:cNvPr id="10" name="Picture 9">
+            <a:extLst>
+              <a:ext uri="{FF2B5EF4-FFF2-40B4-BE49-F238E27FC236}">
+                <a16:creationId xmlns:a16="http://schemas.microsoft.com/office/drawing/2014/main" id="{2C98187C-7B54-294B-8BC4-33A82FDBF632}"/>
+              </a:ext>
+            </a:extLst>
+          </p:cNvPr>
+          <p:cNvPicPr>
+            <a:picLocks noChangeAspect="1"/>
+          </p:cNvPicPr>
+          <p:nvPr/>
+        </p:nvPicPr>
+        <p:blipFill>
+          <a:blip r:embed="rId3"/>
+          <a:stretch>
+            <a:fillRect/>
+          </a:stretch>
+        </p:blipFill>
+        <p:spPr>
+          <a:xfrm>
+            <a:off x="5725768" y="106908"/>
+            <a:ext cx="2436506" cy="1550504"/>
+          </a:xfrm>
+          <a:prstGeom prst="rect">
+            <a:avLst/>
+          </a:prstGeom>
+        </p:spPr>
+      </p:pic>
+    </p:spTree>
+    <p:extLst>
+      <p:ext uri="{BB962C8B-B14F-4D97-AF65-F5344CB8AC3E}">
+        <p14:creationId xmlns:p14="http://schemas.microsoft.com/office/powerpoint/2010/main" val="2813702703"/>
+      </p:ext>
+    </p:extLst>
+  </p:cSld>
+  <p:clrMapOvr>
+    <a:masterClrMapping/>
+  </p:clrMapOvr>
+</p:sld>
+</file>
+
+<file path=ppt/slides/slide9.xml><?xml version="1.0" encoding="utf-8"?>
+<p:sld xmlns:a="http://schemas.openxmlformats.org/drawingml/2006/main" xmlns:r="http://schemas.openxmlformats.org/officeDocument/2006/relationships" xmlns:p="http://schemas.openxmlformats.org/presentationml/2006/main">
+  <p:cSld>
+    <p:spTree>
+      <p:nvGrpSpPr>
+        <p:cNvPr id="1" name=""/>
+        <p:cNvGrpSpPr/>
+        <p:nvPr/>
+      </p:nvGrpSpPr>
+      <p:grpSpPr>
+        <a:xfrm>
+          <a:off x="0" y="0"/>
+          <a:ext cx="0" cy="0"/>
+          <a:chOff x="0" y="0"/>
+          <a:chExt cx="0" cy="0"/>
+        </a:xfrm>
+      </p:grpSpPr>
+      <p:sp>
+        <p:nvSpPr>
+          <p:cNvPr id="2" name="Title 1">
+            <a:extLst>
+              <a:ext uri="{FF2B5EF4-FFF2-40B4-BE49-F238E27FC236}">
+                <a16:creationId xmlns:a16="http://schemas.microsoft.com/office/drawing/2014/main" id="{85279B38-0191-1844-8143-4EB2B9E27495}"/>
+              </a:ext>
+            </a:extLst>
+          </p:cNvPr>
+          <p:cNvSpPr>
+            <a:spLocks noGrp="1"/>
+          </p:cNvSpPr>
+          <p:nvPr>
+            <p:ph type="title"/>
+          </p:nvPr>
+        </p:nvSpPr>
+        <p:spPr/>
+        <p:txBody>
+          <a:bodyPr/>
+          <a:lstStyle/>
+          <a:p>
+            <a:r>
+              <a:rPr lang="en-US" dirty="0"/>
+              <a:t>Saving return values</a:t>
+            </a:r>
+          </a:p>
+        </p:txBody>
+      </p:sp>
+      <p:sp>
+        <p:nvSpPr>
+          <p:cNvPr id="3" name="Content Placeholder 2">
+            <a:extLst>
+              <a:ext uri="{FF2B5EF4-FFF2-40B4-BE49-F238E27FC236}">
+                <a16:creationId xmlns:a16="http://schemas.microsoft.com/office/drawing/2014/main" id="{FC59C547-AC02-3A4C-BB9F-402EEF483F6B}"/>
+              </a:ext>
+            </a:extLst>
+          </p:cNvPr>
+          <p:cNvSpPr>
+            <a:spLocks noGrp="1"/>
+          </p:cNvSpPr>
+          <p:nvPr>
+            <p:ph idx="1"/>
+          </p:nvPr>
+        </p:nvSpPr>
+        <p:spPr>
+          <a:xfrm>
+            <a:off x="838199" y="1825625"/>
+            <a:ext cx="10770705" cy="4351338"/>
+          </a:xfrm>
+        </p:spPr>
+        <p:txBody>
+          <a:bodyPr>
+            <a:normAutofit/>
+          </a:bodyPr>
+          <a:lstStyle/>
+          <a:p>
+            <a:r>
+              <a:rPr lang="en-US" dirty="0"/>
+              <a:t>Every invocation of that function evaluates to the value 3.14159</a:t>
+            </a:r>
+          </a:p>
+          <a:p>
+            <a:r>
+              <a:rPr lang="en-US" dirty="0"/>
+              <a:t>We can save the return value in a variable like </a:t>
+            </a:r>
+            <a:r>
+              <a:rPr lang="en-US" b="1" dirty="0"/>
+              <a:t>x = pi()</a:t>
+            </a:r>
+          </a:p>
+          <a:p>
+            <a:r>
+              <a:rPr lang="en-US" dirty="0"/>
+              <a:t>Or even use it in an expression like </a:t>
+            </a:r>
+            <a:r>
+              <a:rPr lang="en-US" b="1" dirty="0"/>
+              <a:t>x = pi() * 4</a:t>
+            </a:r>
+          </a:p>
+          <a:p>
+            <a:endParaRPr lang="en-US" dirty="0"/>
+          </a:p>
+        </p:txBody>
+      </p:sp>
+      <p:sp>
+        <p:nvSpPr>
+          <p:cNvPr id="4" name="Rectangle 3">
+            <a:extLst>
+              <a:ext uri="{FF2B5EF4-FFF2-40B4-BE49-F238E27FC236}">
+                <a16:creationId xmlns:a16="http://schemas.microsoft.com/office/drawing/2014/main" id="{E7472578-3F2E-2C43-8818-1918DD3EC611}"/>
+              </a:ext>
+            </a:extLst>
+          </p:cNvPr>
+          <p:cNvSpPr/>
+          <p:nvPr/>
+        </p:nvSpPr>
+        <p:spPr>
+          <a:xfrm>
+            <a:off x="8454888" y="405107"/>
+            <a:ext cx="3737112" cy="954107"/>
+          </a:xfrm>
+          <a:prstGeom prst="rect">
+            <a:avLst/>
+          </a:prstGeom>
+        </p:spPr>
+        <p:txBody>
+          <a:bodyPr wrap="square">
+            <a:spAutoFit/>
+          </a:bodyPr>
+          <a:lstStyle/>
+          <a:p>
+            <a:r>
+              <a:rPr lang="en-US" sz="2800" dirty="0">
+                <a:latin typeface="Consolas" panose="020B0609020204030204" pitchFamily="49" charset="0"/>
+                <a:cs typeface="Consolas" panose="020B0609020204030204" pitchFamily="49" charset="0"/>
+              </a:rPr>
+              <a:t>def pi():</a:t>
+            </a:r>
+          </a:p>
+          <a:p>
+            <a:r>
+              <a:rPr lang="en-US" sz="2800" dirty="0">
+                <a:latin typeface="Consolas" panose="020B0609020204030204" pitchFamily="49" charset="0"/>
+                <a:cs typeface="Consolas" panose="020B0609020204030204" pitchFamily="49" charset="0"/>
+              </a:rPr>
+              <a:t>    return 3.14159</a:t>
+            </a:r>
+          </a:p>
+        </p:txBody>
+      </p:sp>
+      <p:pic>
+        <p:nvPicPr>
+          <p:cNvPr id="5" name="Picture 4">
+            <a:extLst>
+              <a:ext uri="{FF2B5EF4-FFF2-40B4-BE49-F238E27FC236}">
+                <a16:creationId xmlns:a16="http://schemas.microsoft.com/office/drawing/2014/main" id="{0074987D-380A-5A44-A871-99E1A35EFBF5}"/>
+              </a:ext>
+            </a:extLst>
+          </p:cNvPr>
+          <p:cNvPicPr>
+            <a:picLocks noChangeAspect="1"/>
+          </p:cNvPicPr>
+          <p:nvPr/>
+        </p:nvPicPr>
+        <p:blipFill>
+          <a:blip r:embed="rId2"/>
+          <a:stretch>
+            <a:fillRect/>
+          </a:stretch>
+        </p:blipFill>
+        <p:spPr>
+          <a:xfrm>
+            <a:off x="6699803" y="140184"/>
+            <a:ext cx="2436506" cy="1550504"/>
+          </a:xfrm>
+          <a:prstGeom prst="rect">
+            <a:avLst/>
+          </a:prstGeom>
+        </p:spPr>
+      </p:pic>
+      <p:pic>
+        <p:nvPicPr>
+          <p:cNvPr id="8" name="Picture 7" descr="Graphical user interface, application, Teams&#10;&#10;Description automatically generated">
+            <a:extLst>
+              <a:ext uri="{FF2B5EF4-FFF2-40B4-BE49-F238E27FC236}">
+                <a16:creationId xmlns:a16="http://schemas.microsoft.com/office/drawing/2014/main" id="{C90D8494-5598-874D-A8D7-AFD94E848AA6}"/>
+              </a:ext>
+            </a:extLst>
+          </p:cNvPr>
+          <p:cNvPicPr>
+            <a:picLocks noChangeAspect="1"/>
+          </p:cNvPicPr>
+          <p:nvPr/>
+        </p:nvPicPr>
+        <p:blipFill>
+          <a:blip r:embed="rId3"/>
+          <a:stretch>
+            <a:fillRect/>
+          </a:stretch>
+        </p:blipFill>
+        <p:spPr>
+          <a:xfrm>
+            <a:off x="9581322" y="3627783"/>
+            <a:ext cx="2168754" cy="2122281"/>
+          </a:xfrm>
+          <a:prstGeom prst="rect">
+            <a:avLst/>
+          </a:prstGeom>
+        </p:spPr>
+      </p:pic>
+      <p:sp>
+        <p:nvSpPr>
+          <p:cNvPr id="9" name="TextBox 8">
+            <a:extLst>
+              <a:ext uri="{FF2B5EF4-FFF2-40B4-BE49-F238E27FC236}">
+                <a16:creationId xmlns:a16="http://schemas.microsoft.com/office/drawing/2014/main" id="{917B804E-81C3-8A4C-8A71-2AFB3A0260DB}"/>
+              </a:ext>
+            </a:extLst>
+          </p:cNvPr>
+          <p:cNvSpPr txBox="1"/>
+          <p:nvPr/>
+        </p:nvSpPr>
+        <p:spPr>
+          <a:xfrm rot="19917117">
+            <a:off x="3916018" y="5709865"/>
+            <a:ext cx="1851789" cy="369332"/>
+          </a:xfrm>
+          <a:prstGeom prst="rect">
+            <a:avLst/>
+          </a:prstGeom>
+          <a:noFill/>
+        </p:spPr>
+        <p:txBody>
+          <a:bodyPr wrap="none" rtlCol="0">
+            <a:spAutoFit/>
+          </a:bodyPr>
+          <a:lstStyle/>
+          <a:p>
+            <a:r>
+              <a:rPr lang="en-US" dirty="0">
+                <a:solidFill>
+                  <a:srgbClr val="FF0000"/>
+                </a:solidFill>
+              </a:rPr>
+              <a:t>Confusion point!</a:t>
+            </a:r>
+          </a:p>
+        </p:txBody>
+      </p:sp>
+      <p:sp>
+        <p:nvSpPr>
+          <p:cNvPr id="10" name="Content Placeholder 2">
+            <a:extLst>
+              <a:ext uri="{FF2B5EF4-FFF2-40B4-BE49-F238E27FC236}">
+                <a16:creationId xmlns:a16="http://schemas.microsoft.com/office/drawing/2014/main" id="{5CE8C80B-2EE0-264F-B861-98FE49CA3EDB}"/>
+              </a:ext>
+            </a:extLst>
+          </p:cNvPr>
+          <p:cNvSpPr txBox="1">
+            <a:spLocks/>
+          </p:cNvSpPr>
+          <p:nvPr/>
+        </p:nvSpPr>
+        <p:spPr>
+          <a:xfrm>
+            <a:off x="843761" y="3806857"/>
+            <a:ext cx="8262731" cy="2370106"/>
+          </a:xfrm>
+          <a:prstGeom prst="rect">
+            <a:avLst/>
+          </a:prstGeom>
+        </p:spPr>
+        <p:txBody>
+          <a:bodyPr vert="horz" lIns="91440" tIns="45720" rIns="91440" bIns="45720" rtlCol="0">
+            <a:normAutofit/>
+          </a:bodyPr>
+          <a:lstStyle>
+            <a:lvl1pPr marL="228600" indent="-228600" algn="l" defTabSz="914400" rtl="0" eaLnBrk="1" latinLnBrk="0" hangingPunct="1">
+              <a:lnSpc>
+                <a:spcPct val="90000"/>
+              </a:lnSpc>
+              <a:spcBef>
+                <a:spcPts val="1000"/>
+              </a:spcBef>
+              <a:buFont typeface="Arial" panose="020B0604020202020204" pitchFamily="34" charset="0"/>
+              <a:buChar char="•"/>
+              <a:defRPr sz="2800" kern="1200">
+                <a:solidFill>
+                  <a:schemeClr val="tx1"/>
+                </a:solidFill>
+                <a:latin typeface="+mn-lt"/>
+                <a:ea typeface="+mn-ea"/>
+                <a:cs typeface="+mn-cs"/>
+              </a:defRPr>
+            </a:lvl1pPr>
+            <a:lvl2pPr marL="685800" indent="-228600" algn="l" defTabSz="914400" rtl="0" eaLnBrk="1" latinLnBrk="0" hangingPunct="1">
+              <a:lnSpc>
+                <a:spcPct val="90000"/>
+              </a:lnSpc>
+              <a:spcBef>
+                <a:spcPts val="500"/>
+              </a:spcBef>
+              <a:buFont typeface="Arial" panose="020B0604020202020204" pitchFamily="34" charset="0"/>
+              <a:buChar char="•"/>
+              <a:defRPr sz="2400" kern="1200">
+                <a:solidFill>
+                  <a:schemeClr val="tx1"/>
+                </a:solidFill>
+                <a:latin typeface="+mn-lt"/>
+                <a:ea typeface="+mn-ea"/>
+                <a:cs typeface="+mn-cs"/>
+              </a:defRPr>
+            </a:lvl2pPr>
+            <a:lvl3pPr marL="1143000" indent="-228600" algn="l" defTabSz="914400" rtl="0" eaLnBrk="1" latinLnBrk="0" hangingPunct="1">
+              <a:lnSpc>
+                <a:spcPct val="90000"/>
+              </a:lnSpc>
+              <a:spcBef>
+                <a:spcPts val="500"/>
+              </a:spcBef>
+              <a:buFont typeface="Arial" panose="020B0604020202020204" pitchFamily="34" charset="0"/>
+              <a:buChar char="•"/>
+              <a:defRPr sz="2000" kern="1200">
+                <a:solidFill>
+                  <a:schemeClr val="tx1"/>
+                </a:solidFill>
+                <a:latin typeface="+mn-lt"/>
+                <a:ea typeface="+mn-ea"/>
+                <a:cs typeface="+mn-cs"/>
+              </a:defRPr>
+            </a:lvl3pPr>
+            <a:lvl4pPr marL="1600200" indent="-228600" algn="l" defTabSz="914400" rtl="0" eaLnBrk="1" latinLnBrk="0" hangingPunct="1">
+              <a:lnSpc>
+                <a:spcPct val="90000"/>
+              </a:lnSpc>
+              <a:spcBef>
+                <a:spcPts val="500"/>
+              </a:spcBef>
+              <a:buFont typeface="Arial" panose="020B0604020202020204" pitchFamily="34" charset="0"/>
+              <a:buChar char="•"/>
+              <a:defRPr sz="1800" kern="1200">
+                <a:solidFill>
+                  <a:schemeClr val="tx1"/>
+                </a:solidFill>
+                <a:latin typeface="+mn-lt"/>
+                <a:ea typeface="+mn-ea"/>
+                <a:cs typeface="+mn-cs"/>
+              </a:defRPr>
+            </a:lvl4pPr>
+            <a:lvl5pPr marL="2057400" indent="-228600" algn="l" defTabSz="914400" rtl="0" eaLnBrk="1" latinLnBrk="0" hangingPunct="1">
+              <a:lnSpc>
+                <a:spcPct val="90000"/>
+              </a:lnSpc>
+              <a:spcBef>
+                <a:spcPts val="500"/>
+              </a:spcBef>
+              <a:buFont typeface="Arial" panose="020B0604020202020204" pitchFamily="34" charset="0"/>
+              <a:buChar char="•"/>
+              <a:defRPr sz="1800" kern="1200">
+                <a:solidFill>
+                  <a:schemeClr val="tx1"/>
+                </a:solidFill>
+                <a:latin typeface="+mn-lt"/>
+                <a:ea typeface="+mn-ea"/>
+                <a:cs typeface="+mn-cs"/>
+              </a:defRPr>
+            </a:lvl5pPr>
+            <a:lvl6pPr marL="2514600" indent="-228600" algn="l" defTabSz="914400" rtl="0" eaLnBrk="1" latinLnBrk="0" hangingPunct="1">
+              <a:lnSpc>
+                <a:spcPct val="90000"/>
+              </a:lnSpc>
+              <a:spcBef>
+                <a:spcPts val="500"/>
+              </a:spcBef>
+              <a:buFont typeface="Arial" panose="020B0604020202020204" pitchFamily="34" charset="0"/>
+              <a:buChar char="•"/>
+              <a:defRPr sz="1800" kern="1200">
+                <a:solidFill>
+                  <a:schemeClr val="tx1"/>
+                </a:solidFill>
+                <a:latin typeface="+mn-lt"/>
+                <a:ea typeface="+mn-ea"/>
+                <a:cs typeface="+mn-cs"/>
+              </a:defRPr>
+            </a:lvl6pPr>
+            <a:lvl7pPr marL="2971800" indent="-228600" algn="l" defTabSz="914400" rtl="0" eaLnBrk="1" latinLnBrk="0" hangingPunct="1">
+              <a:lnSpc>
+                <a:spcPct val="90000"/>
+              </a:lnSpc>
+              <a:spcBef>
+                <a:spcPts val="500"/>
+              </a:spcBef>
+              <a:buFont typeface="Arial" panose="020B0604020202020204" pitchFamily="34" charset="0"/>
+              <a:buChar char="•"/>
+              <a:defRPr sz="1800" kern="1200">
+                <a:solidFill>
+                  <a:schemeClr val="tx1"/>
+                </a:solidFill>
+                <a:latin typeface="+mn-lt"/>
+                <a:ea typeface="+mn-ea"/>
+                <a:cs typeface="+mn-cs"/>
+              </a:defRPr>
+            </a:lvl7pPr>
+            <a:lvl8pPr marL="3429000" indent="-228600" algn="l" defTabSz="914400" rtl="0" eaLnBrk="1" latinLnBrk="0" hangingPunct="1">
+              <a:lnSpc>
+                <a:spcPct val="90000"/>
+              </a:lnSpc>
+              <a:spcBef>
+                <a:spcPts val="500"/>
+              </a:spcBef>
+              <a:buFont typeface="Arial" panose="020B0604020202020204" pitchFamily="34" charset="0"/>
+              <a:buChar char="•"/>
+              <a:defRPr sz="1800" kern="1200">
+                <a:solidFill>
+                  <a:schemeClr val="tx1"/>
+                </a:solidFill>
+                <a:latin typeface="+mn-lt"/>
+                <a:ea typeface="+mn-ea"/>
+                <a:cs typeface="+mn-cs"/>
+              </a:defRPr>
+            </a:lvl8pPr>
+            <a:lvl9pPr marL="3886200" indent="-228600" algn="l" defTabSz="914400" rtl="0" eaLnBrk="1" latinLnBrk="0" hangingPunct="1">
+              <a:lnSpc>
+                <a:spcPct val="90000"/>
+              </a:lnSpc>
+              <a:spcBef>
+                <a:spcPts val="500"/>
+              </a:spcBef>
+              <a:buFont typeface="Arial" panose="020B0604020202020204" pitchFamily="34" charset="0"/>
+              <a:buChar char="•"/>
+              <a:defRPr sz="1800" kern="1200">
+                <a:solidFill>
+                  <a:schemeClr val="tx1"/>
+                </a:solidFill>
+                <a:latin typeface="+mn-lt"/>
+                <a:ea typeface="+mn-ea"/>
+                <a:cs typeface="+mn-cs"/>
+              </a:defRPr>
+            </a:lvl9pPr>
+          </a:lstStyle>
+          <a:p>
+            <a:r>
+              <a:rPr lang="en-US" dirty="0"/>
+              <a:t>Note: </a:t>
+            </a:r>
+            <a:r>
+              <a:rPr lang="en-US" dirty="0" err="1"/>
+              <a:t>Jupyter</a:t>
+            </a:r>
+            <a:r>
+              <a:rPr lang="en-US" dirty="0"/>
+              <a:t> notebooks do not print results for assignments (just for expressions)</a:t>
+            </a:r>
+          </a:p>
+          <a:p>
+            <a:r>
+              <a:rPr lang="en-US" dirty="0"/>
+              <a:t>The </a:t>
+            </a:r>
+            <a:r>
+              <a:rPr lang="en-US" b="1" dirty="0"/>
+              <a:t>pi</a:t>
+            </a:r>
+            <a:r>
+              <a:rPr lang="en-US" dirty="0"/>
+              <a:t> function </a:t>
+            </a:r>
+            <a:r>
+              <a:rPr lang="en-US" i="1" dirty="0"/>
+              <a:t>returns</a:t>
+            </a:r>
+            <a:r>
+              <a:rPr lang="en-US" dirty="0"/>
+              <a:t> a value but </a:t>
+            </a:r>
+            <a:r>
+              <a:rPr lang="en-US" i="1" dirty="0"/>
+              <a:t>prints</a:t>
+            </a:r>
+            <a:r>
+              <a:rPr lang="en-US" dirty="0"/>
+              <a:t> nothing; e.g., even in a notebook, there is no output if we save the return value</a:t>
+            </a:r>
+          </a:p>
+          <a:p>
+            <a:endParaRPr lang="en-US" dirty="0"/>
+          </a:p>
+        </p:txBody>
+      </p:sp>
+    </p:spTree>
+    <p:extLst>
+      <p:ext uri="{BB962C8B-B14F-4D97-AF65-F5344CB8AC3E}">
+        <p14:creationId xmlns:p14="http://schemas.microsoft.com/office/powerpoint/2010/main" val="2220627449"/>
       </p:ext>
     </p:extLst>
   </p:cSld>

--- a/slides/functions.pptx
+++ b/slides/functions.pptx
@@ -5,30 +5,38 @@
     <p:sldMasterId id="2147483672" r:id="rId1"/>
   </p:sldMasterIdLst>
   <p:notesMasterIdLst>
-    <p:notesMasterId r:id="rId20"/>
+    <p:notesMasterId r:id="rId28"/>
   </p:notesMasterIdLst>
   <p:handoutMasterIdLst>
-    <p:handoutMasterId r:id="rId21"/>
+    <p:handoutMasterId r:id="rId29"/>
   </p:handoutMasterIdLst>
   <p:sldIdLst>
     <p:sldId id="256" r:id="rId2"/>
     <p:sldId id="260" r:id="rId3"/>
-    <p:sldId id="259" r:id="rId4"/>
-    <p:sldId id="261" r:id="rId5"/>
-    <p:sldId id="262" r:id="rId6"/>
-    <p:sldId id="263" r:id="rId7"/>
-    <p:sldId id="265" r:id="rId8"/>
-    <p:sldId id="266" r:id="rId9"/>
-    <p:sldId id="268" r:id="rId10"/>
+    <p:sldId id="275" r:id="rId4"/>
+    <p:sldId id="259" r:id="rId5"/>
+    <p:sldId id="261" r:id="rId6"/>
+    <p:sldId id="262" r:id="rId7"/>
+    <p:sldId id="263" r:id="rId8"/>
+    <p:sldId id="265" r:id="rId9"/>
+    <p:sldId id="266" r:id="rId10"/>
     <p:sldId id="269" r:id="rId11"/>
-    <p:sldId id="270" r:id="rId12"/>
-    <p:sldId id="271" r:id="rId13"/>
-    <p:sldId id="272" r:id="rId14"/>
-    <p:sldId id="273" r:id="rId15"/>
-    <p:sldId id="274" r:id="rId16"/>
-    <p:sldId id="264" r:id="rId17"/>
-    <p:sldId id="257" r:id="rId18"/>
-    <p:sldId id="258" r:id="rId19"/>
+    <p:sldId id="276" r:id="rId12"/>
+    <p:sldId id="268" r:id="rId13"/>
+    <p:sldId id="270" r:id="rId14"/>
+    <p:sldId id="271" r:id="rId15"/>
+    <p:sldId id="272" r:id="rId16"/>
+    <p:sldId id="273" r:id="rId17"/>
+    <p:sldId id="274" r:id="rId18"/>
+    <p:sldId id="277" r:id="rId19"/>
+    <p:sldId id="278" r:id="rId20"/>
+    <p:sldId id="279" r:id="rId21"/>
+    <p:sldId id="264" r:id="rId22"/>
+    <p:sldId id="280" r:id="rId23"/>
+    <p:sldId id="282" r:id="rId24"/>
+    <p:sldId id="281" r:id="rId25"/>
+    <p:sldId id="257" r:id="rId26"/>
+    <p:sldId id="258" r:id="rId27"/>
   </p:sldIdLst>
   <p:sldSz cx="12192000" cy="6858000"/>
   <p:notesSz cx="9144000" cy="6858000"/>
@@ -223,7 +231,7 @@
           <a:p>
             <a:fld id="{8A1B613A-EFF1-404F-BEE8-EFAE84A4E5E2}" type="datetimeFigureOut">
               <a:rPr lang="en-US" smtClean="0"/>
-              <a:t>6/14/21</a:t>
+              <a:t>6/15/21</a:t>
             </a:fld>
             <a:endParaRPr lang="en-US"/>
           </a:p>
@@ -388,7 +396,7 @@
           <a:p>
             <a:fld id="{690847EA-AC25-3D4E-89E1-FD3F6A9702B6}" type="datetimeFigureOut">
               <a:rPr lang="en-US" smtClean="0"/>
-              <a:t>6/14/21</a:t>
+              <a:t>6/15/21</a:t>
             </a:fld>
             <a:endParaRPr lang="en-US"/>
           </a:p>
@@ -802,7 +810,7 @@
           <a:p>
             <a:fld id="{BE5295ED-3BAF-1140-8495-3D368771D6B1}" type="datetimeFigureOut">
               <a:rPr lang="en-US" smtClean="0"/>
-              <a:t>6/14/21</a:t>
+              <a:t>6/15/21</a:t>
             </a:fld>
             <a:endParaRPr lang="en-US"/>
           </a:p>
@@ -1000,7 +1008,7 @@
           <a:p>
             <a:fld id="{BE5295ED-3BAF-1140-8495-3D368771D6B1}" type="datetimeFigureOut">
               <a:rPr lang="en-US" smtClean="0"/>
-              <a:t>6/14/21</a:t>
+              <a:t>6/15/21</a:t>
             </a:fld>
             <a:endParaRPr lang="en-US"/>
           </a:p>
@@ -1208,7 +1216,7 @@
           <a:p>
             <a:fld id="{BE5295ED-3BAF-1140-8495-3D368771D6B1}" type="datetimeFigureOut">
               <a:rPr lang="en-US" smtClean="0"/>
-              <a:t>6/14/21</a:t>
+              <a:t>6/15/21</a:t>
             </a:fld>
             <a:endParaRPr lang="en-US"/>
           </a:p>
@@ -1406,7 +1414,7 @@
           <a:p>
             <a:fld id="{BE5295ED-3BAF-1140-8495-3D368771D6B1}" type="datetimeFigureOut">
               <a:rPr lang="en-US" smtClean="0"/>
-              <a:t>6/14/21</a:t>
+              <a:t>6/15/21</a:t>
             </a:fld>
             <a:endParaRPr lang="en-US"/>
           </a:p>
@@ -1681,7 +1689,7 @@
           <a:p>
             <a:fld id="{BE5295ED-3BAF-1140-8495-3D368771D6B1}" type="datetimeFigureOut">
               <a:rPr lang="en-US" smtClean="0"/>
-              <a:t>6/14/21</a:t>
+              <a:t>6/15/21</a:t>
             </a:fld>
             <a:endParaRPr lang="en-US"/>
           </a:p>
@@ -1946,7 +1954,7 @@
           <a:p>
             <a:fld id="{BE5295ED-3BAF-1140-8495-3D368771D6B1}" type="datetimeFigureOut">
               <a:rPr lang="en-US" smtClean="0"/>
-              <a:t>6/14/21</a:t>
+              <a:t>6/15/21</a:t>
             </a:fld>
             <a:endParaRPr lang="en-US"/>
           </a:p>
@@ -2358,7 +2366,7 @@
           <a:p>
             <a:fld id="{BE5295ED-3BAF-1140-8495-3D368771D6B1}" type="datetimeFigureOut">
               <a:rPr lang="en-US" smtClean="0"/>
-              <a:t>6/14/21</a:t>
+              <a:t>6/15/21</a:t>
             </a:fld>
             <a:endParaRPr lang="en-US"/>
           </a:p>
@@ -2499,7 +2507,7 @@
           <a:p>
             <a:fld id="{BE5295ED-3BAF-1140-8495-3D368771D6B1}" type="datetimeFigureOut">
               <a:rPr lang="en-US" smtClean="0"/>
-              <a:t>6/14/21</a:t>
+              <a:t>6/15/21</a:t>
             </a:fld>
             <a:endParaRPr lang="en-US"/>
           </a:p>
@@ -2612,7 +2620,7 @@
           <a:p>
             <a:fld id="{BE5295ED-3BAF-1140-8495-3D368771D6B1}" type="datetimeFigureOut">
               <a:rPr lang="en-US" smtClean="0"/>
-              <a:t>6/14/21</a:t>
+              <a:t>6/15/21</a:t>
             </a:fld>
             <a:endParaRPr lang="en-US"/>
           </a:p>
@@ -2923,7 +2931,7 @@
           <a:p>
             <a:fld id="{BE5295ED-3BAF-1140-8495-3D368771D6B1}" type="datetimeFigureOut">
               <a:rPr lang="en-US" smtClean="0"/>
-              <a:t>6/14/21</a:t>
+              <a:t>6/15/21</a:t>
             </a:fld>
             <a:endParaRPr lang="en-US"/>
           </a:p>
@@ -3214,7 +3222,7 @@
           <a:p>
             <a:fld id="{BE5295ED-3BAF-1140-8495-3D368771D6B1}" type="datetimeFigureOut">
               <a:rPr lang="en-US" smtClean="0"/>
-              <a:t>6/14/21</a:t>
+              <a:t>6/15/21</a:t>
             </a:fld>
             <a:endParaRPr lang="en-US"/>
           </a:p>
@@ -3455,7 +3463,7 @@
           <a:p>
             <a:fld id="{BE5295ED-3BAF-1140-8495-3D368771D6B1}" type="datetimeFigureOut">
               <a:rPr lang="en-US" smtClean="0"/>
-              <a:t>6/14/21</a:t>
+              <a:t>6/15/21</a:t>
             </a:fld>
             <a:endParaRPr lang="en-US"/>
           </a:p>
@@ -4015,6 +4023,51 @@
           </a:p>
         </p:txBody>
       </p:sp>
+      <p:sp>
+        <p:nvSpPr>
+          <p:cNvPr id="4" name="TextBox 3">
+            <a:extLst>
+              <a:ext uri="{FF2B5EF4-FFF2-40B4-BE49-F238E27FC236}">
+                <a16:creationId xmlns:a16="http://schemas.microsoft.com/office/drawing/2014/main" id="{FE619FA3-092B-5845-BB4D-5E6C2CEC3117}"/>
+              </a:ext>
+            </a:extLst>
+          </p:cNvPr>
+          <p:cNvSpPr txBox="1"/>
+          <p:nvPr/>
+        </p:nvSpPr>
+        <p:spPr>
+          <a:xfrm>
+            <a:off x="2141034" y="5550971"/>
+            <a:ext cx="8661345" cy="369332"/>
+          </a:xfrm>
+          <a:prstGeom prst="rect">
+            <a:avLst/>
+          </a:prstGeom>
+          <a:noFill/>
+        </p:spPr>
+        <p:txBody>
+          <a:bodyPr wrap="none" rtlCol="0">
+            <a:spAutoFit/>
+          </a:bodyPr>
+          <a:lstStyle/>
+          <a:p>
+            <a:r>
+              <a:rPr lang="en-US" dirty="0"/>
+              <a:t>See notebook: </a:t>
+            </a:r>
+            <a:r>
+              <a:rPr lang="en-US" dirty="0">
+                <a:hlinkClick r:id="rId2"/>
+              </a:rPr>
+              <a:t>https://github.com/parrt/msds501/blob/master/notes/functions.ipynb</a:t>
+            </a:r>
+            <a:r>
+              <a:rPr lang="en-US" dirty="0"/>
+              <a:t> </a:t>
+            </a:r>
+          </a:p>
+        </p:txBody>
+      </p:sp>
     </p:spTree>
     <p:extLst>
       <p:ext uri="{BB962C8B-B14F-4D97-AF65-F5344CB8AC3E}">
@@ -4107,6 +4160,16 @@
           <a:p>
             <a:r>
               <a:rPr lang="en-US" dirty="0"/>
+              <a:t>Such functions have </a:t>
+            </a:r>
+            <a:r>
+              <a:rPr lang="en-US" i="1" dirty="0"/>
+              <a:t>side effects</a:t>
+            </a:r>
+          </a:p>
+          <a:p>
+            <a:r>
+              <a:rPr lang="en-US" dirty="0"/>
               <a:t>The </a:t>
             </a:r>
             <a:r>
@@ -4121,16 +4184,6 @@
           <a:p>
             <a:r>
               <a:rPr lang="en-US" dirty="0"/>
-              <a:t>Such functions have </a:t>
-            </a:r>
-            <a:r>
-              <a:rPr lang="en-US" i="1" dirty="0"/>
-              <a:t>side effects</a:t>
-            </a:r>
-          </a:p>
-          <a:p>
-            <a:r>
-              <a:rPr lang="en-US" dirty="0"/>
               <a:t>The value of a function w/o a </a:t>
             </a:r>
             <a:r>
@@ -4145,6 +4198,7 @@
               <a:rPr lang="en-US" b="1" dirty="0"/>
               <a:t>None</a:t>
             </a:r>
+            <a:endParaRPr lang="en-US" dirty="0"/>
           </a:p>
           <a:p>
             <a:endParaRPr lang="en-US" i="1" u="sng" dirty="0"/>
@@ -4181,77 +4235,6 @@
           </a:prstGeom>
         </p:spPr>
       </p:pic>
-      <p:pic>
-        <p:nvPicPr>
-          <p:cNvPr id="7" name="Picture 6" descr="Graphical user interface, text, application&#10;&#10;Description automatically generated">
-            <a:extLst>
-              <a:ext uri="{FF2B5EF4-FFF2-40B4-BE49-F238E27FC236}">
-                <a16:creationId xmlns:a16="http://schemas.microsoft.com/office/drawing/2014/main" id="{E010C734-F74C-B840-B9FD-65E8044BBEC0}"/>
-              </a:ext>
-            </a:extLst>
-          </p:cNvPr>
-          <p:cNvPicPr>
-            <a:picLocks noChangeAspect="1"/>
-          </p:cNvPicPr>
-          <p:nvPr/>
-        </p:nvPicPr>
-        <p:blipFill>
-          <a:blip r:embed="rId3"/>
-          <a:stretch>
-            <a:fillRect/>
-          </a:stretch>
-        </p:blipFill>
-        <p:spPr>
-          <a:xfrm>
-            <a:off x="9481930" y="4235825"/>
-            <a:ext cx="1659458" cy="1862976"/>
-          </a:xfrm>
-          <a:prstGeom prst="rect">
-            <a:avLst/>
-          </a:prstGeom>
-        </p:spPr>
-      </p:pic>
-      <p:cxnSp>
-        <p:nvCxnSpPr>
-          <p:cNvPr id="9" name="Straight Arrow Connector 8">
-            <a:extLst>
-              <a:ext uri="{FF2B5EF4-FFF2-40B4-BE49-F238E27FC236}">
-                <a16:creationId xmlns:a16="http://schemas.microsoft.com/office/drawing/2014/main" id="{2816D5A7-F00F-7844-94B2-18BCFA15A489}"/>
-              </a:ext>
-            </a:extLst>
-          </p:cNvPr>
-          <p:cNvCxnSpPr>
-            <a:cxnSpLocks/>
-          </p:cNvCxnSpPr>
-          <p:nvPr/>
-        </p:nvCxnSpPr>
-        <p:spPr>
-          <a:xfrm>
-            <a:off x="8309113" y="4701761"/>
-            <a:ext cx="1172817" cy="0"/>
-          </a:xfrm>
-          <a:prstGeom prst="straightConnector1">
-            <a:avLst/>
-          </a:prstGeom>
-          <a:ln>
-            <a:tailEnd type="triangle"/>
-          </a:ln>
-        </p:spPr>
-        <p:style>
-          <a:lnRef idx="1">
-            <a:schemeClr val="accent1"/>
-          </a:lnRef>
-          <a:fillRef idx="0">
-            <a:schemeClr val="accent1"/>
-          </a:fillRef>
-          <a:effectRef idx="0">
-            <a:schemeClr val="accent1"/>
-          </a:effectRef>
-          <a:fontRef idx="minor">
-            <a:schemeClr val="tx1"/>
-          </a:fontRef>
-        </p:style>
-      </p:cxnSp>
       <p:sp>
         <p:nvSpPr>
           <p:cNvPr id="12" name="TextBox 11">
@@ -4282,13 +4265,13 @@
           <a:p>
             <a:r>
               <a:rPr lang="en-US" dirty="0">
-                <a:hlinkClick r:id="rId4"/>
+                <a:hlinkClick r:id="rId3"/>
               </a:rPr>
               <a:t>Experiment in </a:t>
             </a:r>
             <a:r>
               <a:rPr lang="en-US" dirty="0" err="1">
-                <a:hlinkClick r:id="rId4"/>
+                <a:hlinkClick r:id="rId3"/>
               </a:rPr>
               <a:t>pythontutor</a:t>
             </a:r>
@@ -4331,7 +4314,7 @@
           <p:cNvPr id="2" name="Title 1">
             <a:extLst>
               <a:ext uri="{FF2B5EF4-FFF2-40B4-BE49-F238E27FC236}">
-                <a16:creationId xmlns:a16="http://schemas.microsoft.com/office/drawing/2014/main" id="{9C9096EA-AB32-834D-972E-7626B7DA6C4D}"/>
+                <a16:creationId xmlns:a16="http://schemas.microsoft.com/office/drawing/2014/main" id="{8E25CD39-9C47-3B4D-8B83-353E8F9B93A0}"/>
               </a:ext>
             </a:extLst>
           </p:cNvPr>
@@ -4349,7 +4332,7 @@
           <a:p>
             <a:r>
               <a:rPr lang="en-US" dirty="0"/>
-              <a:t>Functions with multiple return values</a:t>
+              <a:t>Return values versus printing</a:t>
             </a:r>
           </a:p>
         </p:txBody>
@@ -4359,7 +4342,7 @@
           <p:cNvPr id="3" name="Content Placeholder 2">
             <a:extLst>
               <a:ext uri="{FF2B5EF4-FFF2-40B4-BE49-F238E27FC236}">
-                <a16:creationId xmlns:a16="http://schemas.microsoft.com/office/drawing/2014/main" id="{F8DBFE17-B15F-414B-BF85-B6BFD7A2C666}"/>
+                <a16:creationId xmlns:a16="http://schemas.microsoft.com/office/drawing/2014/main" id="{B95D8160-7258-404C-B250-804266630AD9}"/>
               </a:ext>
             </a:extLst>
           </p:cNvPr>
@@ -4370,30 +4353,88 @@
             <p:ph idx="1"/>
           </p:nvPr>
         </p:nvSpPr>
-        <p:spPr/>
+        <p:spPr>
+          <a:xfrm>
+            <a:off x="838200" y="1690688"/>
+            <a:ext cx="10515600" cy="4486275"/>
+          </a:xfrm>
+        </p:spPr>
         <p:txBody>
           <a:bodyPr/>
           <a:lstStyle/>
           <a:p>
             <a:r>
               <a:rPr lang="en-US" dirty="0"/>
-              <a:t>We can return any Python object, not just numbers</a:t>
-            </a:r>
-          </a:p>
-          <a:p>
-            <a:r>
-              <a:rPr lang="en-US" dirty="0"/>
-              <a:t>We can return multiple values as well</a:t>
-            </a:r>
+              <a:t>Functions compute and return values to their callers</a:t>
+            </a:r>
+          </a:p>
+          <a:p>
+            <a:r>
+              <a:rPr lang="en-US" dirty="0"/>
+              <a:t>Functions do NOT print anything unless explicitly asked to do so with a print statement</a:t>
+            </a:r>
+          </a:p>
+          <a:p>
+            <a:r>
+              <a:rPr lang="en-US" dirty="0"/>
+              <a:t>What does this print?</a:t>
+            </a:r>
+          </a:p>
+          <a:p>
+            <a:endParaRPr lang="en-US" dirty="0"/>
+          </a:p>
+        </p:txBody>
+      </p:sp>
+      <p:sp>
+        <p:nvSpPr>
+          <p:cNvPr id="8" name="TextBox 7">
+            <a:extLst>
+              <a:ext uri="{FF2B5EF4-FFF2-40B4-BE49-F238E27FC236}">
+                <a16:creationId xmlns:a16="http://schemas.microsoft.com/office/drawing/2014/main" id="{9DFEAA84-9BB2-AD4E-9E86-A2DC598E4CBE}"/>
+              </a:ext>
+            </a:extLst>
+          </p:cNvPr>
+          <p:cNvSpPr txBox="1"/>
+          <p:nvPr/>
+        </p:nvSpPr>
+        <p:spPr>
+          <a:xfrm>
+            <a:off x="0" y="6492875"/>
+            <a:ext cx="2877711" cy="369332"/>
+          </a:xfrm>
+          <a:prstGeom prst="rect">
+            <a:avLst/>
+          </a:prstGeom>
+          <a:noFill/>
+        </p:spPr>
+        <p:txBody>
+          <a:bodyPr wrap="none" rtlCol="0">
+            <a:spAutoFit/>
+          </a:bodyPr>
+          <a:lstStyle/>
+          <a:p>
+            <a:r>
+              <a:rPr lang="en-US" dirty="0">
+                <a:hlinkClick r:id="rId2"/>
+              </a:rPr>
+              <a:t>Experiment in </a:t>
+            </a:r>
+            <a:r>
+              <a:rPr lang="en-US" dirty="0" err="1">
+                <a:hlinkClick r:id="rId2"/>
+              </a:rPr>
+              <a:t>pythontutor</a:t>
+            </a:r>
+            <a:endParaRPr lang="en-US" dirty="0"/>
           </a:p>
         </p:txBody>
       </p:sp>
       <p:pic>
         <p:nvPicPr>
-          <p:cNvPr id="5" name="Picture 4" descr="Graphical user interface, text&#10;&#10;Description automatically generated">
-            <a:extLst>
-              <a:ext uri="{FF2B5EF4-FFF2-40B4-BE49-F238E27FC236}">
-                <a16:creationId xmlns:a16="http://schemas.microsoft.com/office/drawing/2014/main" id="{DB287722-D90C-D64C-A26C-05CCA7F95AA6}"/>
+          <p:cNvPr id="10" name="Picture 9" descr="A picture containing text&#10;&#10;Description automatically generated">
+            <a:extLst>
+              <a:ext uri="{FF2B5EF4-FFF2-40B4-BE49-F238E27FC236}">
+                <a16:creationId xmlns:a16="http://schemas.microsoft.com/office/drawing/2014/main" id="{78D02A75-8A70-7A4F-8D9A-AD78CD208478}"/>
               </a:ext>
             </a:extLst>
           </p:cNvPr>
@@ -4403,541 +4444,27 @@
           <p:nvPr/>
         </p:nvPicPr>
         <p:blipFill>
-          <a:blip r:embed="rId2"/>
+          <a:blip r:embed="rId3"/>
           <a:stretch>
             <a:fillRect/>
           </a:stretch>
         </p:blipFill>
         <p:spPr>
           <a:xfrm>
-            <a:off x="3862457" y="3122818"/>
-            <a:ext cx="4072284" cy="2850599"/>
+            <a:off x="2172736" y="3665228"/>
+            <a:ext cx="7846527" cy="1662146"/>
           </a:xfrm>
           <a:prstGeom prst="rect">
             <a:avLst/>
           </a:prstGeom>
         </p:spPr>
       </p:pic>
-      <p:sp>
-        <p:nvSpPr>
-          <p:cNvPr id="6" name="TextBox 5">
-            <a:extLst>
-              <a:ext uri="{FF2B5EF4-FFF2-40B4-BE49-F238E27FC236}">
-                <a16:creationId xmlns:a16="http://schemas.microsoft.com/office/drawing/2014/main" id="{5731E2A1-0499-1F4F-B073-DFC7AFA7A404}"/>
-              </a:ext>
-            </a:extLst>
-          </p:cNvPr>
-          <p:cNvSpPr txBox="1"/>
-          <p:nvPr/>
-        </p:nvSpPr>
-        <p:spPr>
-          <a:xfrm>
-            <a:off x="9090992" y="4001294"/>
-            <a:ext cx="3101008" cy="923330"/>
-          </a:xfrm>
-          <a:prstGeom prst="rect">
-            <a:avLst/>
-          </a:prstGeom>
-          <a:noFill/>
-        </p:spPr>
-        <p:txBody>
-          <a:bodyPr wrap="square" rtlCol="0">
-            <a:spAutoFit/>
-          </a:bodyPr>
-          <a:lstStyle/>
-          <a:p>
-            <a:r>
-              <a:rPr lang="en-US" dirty="0"/>
-              <a:t>Multiple return values are assigned to multiple variables</a:t>
-            </a:r>
-          </a:p>
-        </p:txBody>
-      </p:sp>
-      <p:cxnSp>
-        <p:nvCxnSpPr>
-          <p:cNvPr id="8" name="Straight Arrow Connector 7">
-            <a:extLst>
-              <a:ext uri="{FF2B5EF4-FFF2-40B4-BE49-F238E27FC236}">
-                <a16:creationId xmlns:a16="http://schemas.microsoft.com/office/drawing/2014/main" id="{5DA25DD7-9725-3F47-BB13-372137E2D758}"/>
-              </a:ext>
-            </a:extLst>
-          </p:cNvPr>
-          <p:cNvCxnSpPr>
-            <a:cxnSpLocks/>
-          </p:cNvCxnSpPr>
-          <p:nvPr/>
-        </p:nvCxnSpPr>
-        <p:spPr>
-          <a:xfrm flipH="1">
-            <a:off x="7106478" y="4214191"/>
-            <a:ext cx="1984514" cy="248768"/>
-          </a:xfrm>
-          <a:prstGeom prst="straightConnector1">
-            <a:avLst/>
-          </a:prstGeom>
-          <a:ln>
-            <a:tailEnd type="triangle"/>
-          </a:ln>
-        </p:spPr>
-        <p:style>
-          <a:lnRef idx="1">
-            <a:schemeClr val="accent1"/>
-          </a:lnRef>
-          <a:fillRef idx="0">
-            <a:schemeClr val="accent1"/>
-          </a:fillRef>
-          <a:effectRef idx="0">
-            <a:schemeClr val="accent1"/>
-          </a:effectRef>
-          <a:fontRef idx="minor">
-            <a:schemeClr val="tx1"/>
-          </a:fontRef>
-        </p:style>
-      </p:cxnSp>
-    </p:spTree>
-    <p:extLst>
-      <p:ext uri="{BB962C8B-B14F-4D97-AF65-F5344CB8AC3E}">
-        <p14:creationId xmlns:p14="http://schemas.microsoft.com/office/powerpoint/2010/main" val="957553703"/>
-      </p:ext>
-    </p:extLst>
-  </p:cSld>
-  <p:clrMapOvr>
-    <a:masterClrMapping/>
-  </p:clrMapOvr>
-</p:sld>
-</file>
-
-<file path=ppt/slides/slide12.xml><?xml version="1.0" encoding="utf-8"?>
-<p:sld xmlns:a="http://schemas.openxmlformats.org/drawingml/2006/main" xmlns:r="http://schemas.openxmlformats.org/officeDocument/2006/relationships" xmlns:p="http://schemas.openxmlformats.org/presentationml/2006/main">
-  <p:cSld>
-    <p:spTree>
-      <p:nvGrpSpPr>
-        <p:cNvPr id="1" name=""/>
-        <p:cNvGrpSpPr/>
-        <p:nvPr/>
-      </p:nvGrpSpPr>
-      <p:grpSpPr>
-        <a:xfrm>
-          <a:off x="0" y="0"/>
-          <a:ext cx="0" cy="0"/>
-          <a:chOff x="0" y="0"/>
-          <a:chExt cx="0" cy="0"/>
-        </a:xfrm>
-      </p:grpSpPr>
-      <p:sp>
-        <p:nvSpPr>
-          <p:cNvPr id="2" name="Title 1">
-            <a:extLst>
-              <a:ext uri="{FF2B5EF4-FFF2-40B4-BE49-F238E27FC236}">
-                <a16:creationId xmlns:a16="http://schemas.microsoft.com/office/drawing/2014/main" id="{56EC58E4-5DEF-364C-9C74-CDC0B8413B09}"/>
-              </a:ext>
-            </a:extLst>
-          </p:cNvPr>
-          <p:cNvSpPr>
-            <a:spLocks noGrp="1"/>
-          </p:cNvSpPr>
-          <p:nvPr>
-            <p:ph type="title"/>
-          </p:nvPr>
-        </p:nvSpPr>
-        <p:spPr/>
-        <p:txBody>
-          <a:bodyPr/>
-          <a:lstStyle/>
-          <a:p>
-            <a:r>
-              <a:rPr lang="en-US" dirty="0"/>
-              <a:t>Functions with arguments</a:t>
-            </a:r>
-          </a:p>
-        </p:txBody>
-      </p:sp>
-      <p:sp>
-        <p:nvSpPr>
-          <p:cNvPr id="3" name="Content Placeholder 2">
-            <a:extLst>
-              <a:ext uri="{FF2B5EF4-FFF2-40B4-BE49-F238E27FC236}">
-                <a16:creationId xmlns:a16="http://schemas.microsoft.com/office/drawing/2014/main" id="{66E24397-9E6B-E44C-A465-597EC04B211B}"/>
-              </a:ext>
-            </a:extLst>
-          </p:cNvPr>
-          <p:cNvSpPr>
-            <a:spLocks noGrp="1"/>
-          </p:cNvSpPr>
-          <p:nvPr>
-            <p:ph idx="1"/>
-          </p:nvPr>
-        </p:nvSpPr>
-        <p:spPr/>
-        <p:txBody>
-          <a:bodyPr/>
-          <a:lstStyle/>
-          <a:p>
-            <a:r>
-              <a:rPr lang="en-US" dirty="0"/>
-              <a:t>Here is a function template with </a:t>
-            </a:r>
-            <a:r>
-              <a:rPr lang="en-US" i="1" dirty="0"/>
-              <a:t>N</a:t>
-            </a:r>
-            <a:r>
-              <a:rPr lang="en-US" dirty="0"/>
-              <a:t> arguments</a:t>
-            </a:r>
-          </a:p>
-          <a:p>
-            <a:endParaRPr lang="en-US" dirty="0"/>
-          </a:p>
-          <a:p>
-            <a:endParaRPr lang="en-US" dirty="0"/>
-          </a:p>
-          <a:p>
-            <a:endParaRPr lang="en-US" dirty="0"/>
-          </a:p>
-          <a:p>
-            <a:endParaRPr lang="en-US" dirty="0"/>
-          </a:p>
-          <a:p>
-            <a:endParaRPr lang="en-US" dirty="0"/>
-          </a:p>
-          <a:p>
-            <a:r>
-              <a:rPr lang="en-US" dirty="0"/>
-              <a:t>Function calls look like:  </a:t>
-            </a:r>
-            <a:r>
-              <a:rPr lang="en-US" sz="2400" i="1" dirty="0" err="1">
-                <a:latin typeface="Consolas" panose="020B0609020204030204" pitchFamily="49" charset="0"/>
-                <a:cs typeface="Consolas" panose="020B0609020204030204" pitchFamily="49" charset="0"/>
-              </a:rPr>
-              <a:t>funcname</a:t>
-            </a:r>
-            <a:r>
-              <a:rPr lang="en-US" sz="2400" dirty="0">
-                <a:latin typeface="Consolas" panose="020B0609020204030204" pitchFamily="49" charset="0"/>
-                <a:cs typeface="Consolas" panose="020B0609020204030204" pitchFamily="49" charset="0"/>
-              </a:rPr>
-              <a:t>(</a:t>
-            </a:r>
-            <a:r>
-              <a:rPr lang="en-US" sz="2400" i="1" dirty="0">
-                <a:latin typeface="Consolas" panose="020B0609020204030204" pitchFamily="49" charset="0"/>
-                <a:cs typeface="Consolas" panose="020B0609020204030204" pitchFamily="49" charset="0"/>
-              </a:rPr>
-              <a:t>expr1,expr2,expr3,…,</a:t>
-            </a:r>
-            <a:r>
-              <a:rPr lang="en-US" sz="2400" i="1" dirty="0" err="1">
-                <a:latin typeface="Consolas" panose="020B0609020204030204" pitchFamily="49" charset="0"/>
-                <a:cs typeface="Consolas" panose="020B0609020204030204" pitchFamily="49" charset="0"/>
-              </a:rPr>
-              <a:t>exprN</a:t>
-            </a:r>
-            <a:r>
-              <a:rPr lang="en-US" sz="2400" i="1" dirty="0">
-                <a:latin typeface="Consolas" panose="020B0609020204030204" pitchFamily="49" charset="0"/>
-                <a:cs typeface="Consolas" panose="020B0609020204030204" pitchFamily="49" charset="0"/>
-              </a:rPr>
-              <a:t>)</a:t>
-            </a:r>
-            <a:r>
-              <a:rPr lang="en-US" dirty="0"/>
-              <a:t> </a:t>
-            </a:r>
-          </a:p>
-          <a:p>
-            <a:r>
-              <a:rPr lang="en-US" dirty="0"/>
-              <a:t>The order of the arguments matters, matching </a:t>
-            </a:r>
-            <a:r>
-              <a:rPr lang="en-US" dirty="0" err="1"/>
-              <a:t>expr_i</a:t>
-            </a:r>
-            <a:r>
-              <a:rPr lang="en-US" dirty="0"/>
-              <a:t> to </a:t>
-            </a:r>
-            <a:r>
-              <a:rPr lang="en-US" dirty="0" err="1"/>
-              <a:t>arg_i</a:t>
-            </a:r>
-            <a:endParaRPr lang="en-US" dirty="0"/>
-          </a:p>
-        </p:txBody>
-      </p:sp>
-      <p:sp>
-        <p:nvSpPr>
-          <p:cNvPr id="4" name="Rectangle 3">
-            <a:extLst>
-              <a:ext uri="{FF2B5EF4-FFF2-40B4-BE49-F238E27FC236}">
-                <a16:creationId xmlns:a16="http://schemas.microsoft.com/office/drawing/2014/main" id="{1B5C8349-1556-9141-9121-BA14A5BFE79A}"/>
-              </a:ext>
-            </a:extLst>
-          </p:cNvPr>
-          <p:cNvSpPr/>
-          <p:nvPr/>
-        </p:nvSpPr>
-        <p:spPr>
-          <a:xfrm>
-            <a:off x="2544417" y="2459504"/>
-            <a:ext cx="7305261" cy="1938992"/>
-          </a:xfrm>
-          <a:prstGeom prst="rect">
-            <a:avLst/>
-          </a:prstGeom>
-        </p:spPr>
-        <p:txBody>
-          <a:bodyPr wrap="square">
-            <a:spAutoFit/>
-          </a:bodyPr>
-          <a:lstStyle/>
-          <a:p>
-            <a:r>
-              <a:rPr lang="en-US" sz="2400" dirty="0">
-                <a:latin typeface="Consolas" panose="020B0609020204030204" pitchFamily="49" charset="0"/>
-                <a:cs typeface="Consolas" panose="020B0609020204030204" pitchFamily="49" charset="0"/>
-              </a:rPr>
-              <a:t>def </a:t>
-            </a:r>
-            <a:r>
-              <a:rPr lang="en-US" sz="2400" i="1" dirty="0" err="1">
-                <a:latin typeface="Consolas" panose="020B0609020204030204" pitchFamily="49" charset="0"/>
-                <a:cs typeface="Consolas" panose="020B0609020204030204" pitchFamily="49" charset="0"/>
-              </a:rPr>
-              <a:t>funcname</a:t>
-            </a:r>
-            <a:r>
-              <a:rPr lang="en-US" sz="2400" dirty="0">
-                <a:latin typeface="Consolas" panose="020B0609020204030204" pitchFamily="49" charset="0"/>
-                <a:cs typeface="Consolas" panose="020B0609020204030204" pitchFamily="49" charset="0"/>
-              </a:rPr>
-              <a:t>(</a:t>
-            </a:r>
-            <a:r>
-              <a:rPr lang="en-US" sz="2400" i="1" dirty="0">
-                <a:latin typeface="Consolas" panose="020B0609020204030204" pitchFamily="49" charset="0"/>
-                <a:cs typeface="Consolas" panose="020B0609020204030204" pitchFamily="49" charset="0"/>
-              </a:rPr>
-              <a:t>arg1, arg2, arg3, …, </a:t>
-            </a:r>
-            <a:r>
-              <a:rPr lang="en-US" sz="2400" i="1" dirty="0" err="1">
-                <a:latin typeface="Consolas" panose="020B0609020204030204" pitchFamily="49" charset="0"/>
-                <a:cs typeface="Consolas" panose="020B0609020204030204" pitchFamily="49" charset="0"/>
-              </a:rPr>
-              <a:t>argN</a:t>
-            </a:r>
-            <a:r>
-              <a:rPr lang="en-US" sz="2400" dirty="0">
-                <a:latin typeface="Consolas" panose="020B0609020204030204" pitchFamily="49" charset="0"/>
-                <a:cs typeface="Consolas" panose="020B0609020204030204" pitchFamily="49" charset="0"/>
-              </a:rPr>
-              <a:t>):</a:t>
-            </a:r>
-            <a:br>
-              <a:rPr lang="en-US" sz="2400" dirty="0">
-                <a:latin typeface="Consolas" panose="020B0609020204030204" pitchFamily="49" charset="0"/>
-                <a:cs typeface="Consolas" panose="020B0609020204030204" pitchFamily="49" charset="0"/>
-              </a:rPr>
-            </a:br>
-            <a:r>
-              <a:rPr lang="en-US" sz="2400" dirty="0">
-                <a:latin typeface="Consolas" panose="020B0609020204030204" pitchFamily="49" charset="0"/>
-                <a:cs typeface="Consolas" panose="020B0609020204030204" pitchFamily="49" charset="0"/>
-              </a:rPr>
-              <a:t>    </a:t>
-            </a:r>
-            <a:r>
-              <a:rPr lang="en-US" sz="2400" i="1" dirty="0">
-                <a:latin typeface="Consolas" panose="020B0609020204030204" pitchFamily="49" charset="0"/>
-                <a:cs typeface="Consolas" panose="020B0609020204030204" pitchFamily="49" charset="0"/>
-              </a:rPr>
-              <a:t>statement 1</a:t>
-            </a:r>
-            <a:br>
-              <a:rPr lang="en-US" sz="2400" dirty="0">
-                <a:latin typeface="Consolas" panose="020B0609020204030204" pitchFamily="49" charset="0"/>
-                <a:cs typeface="Consolas" panose="020B0609020204030204" pitchFamily="49" charset="0"/>
-              </a:rPr>
-            </a:br>
-            <a:r>
-              <a:rPr lang="en-US" sz="2400" dirty="0">
-                <a:latin typeface="Consolas" panose="020B0609020204030204" pitchFamily="49" charset="0"/>
-                <a:cs typeface="Consolas" panose="020B0609020204030204" pitchFamily="49" charset="0"/>
-              </a:rPr>
-              <a:t>    </a:t>
-            </a:r>
-            <a:r>
-              <a:rPr lang="en-US" sz="2400" i="1" dirty="0">
-                <a:latin typeface="Consolas" panose="020B0609020204030204" pitchFamily="49" charset="0"/>
-                <a:cs typeface="Consolas" panose="020B0609020204030204" pitchFamily="49" charset="0"/>
-              </a:rPr>
-              <a:t>statement 2</a:t>
-            </a:r>
-            <a:br>
-              <a:rPr lang="en-US" sz="2400" dirty="0">
-                <a:latin typeface="Consolas" panose="020B0609020204030204" pitchFamily="49" charset="0"/>
-                <a:cs typeface="Consolas" panose="020B0609020204030204" pitchFamily="49" charset="0"/>
-              </a:rPr>
-            </a:br>
-            <a:r>
-              <a:rPr lang="en-US" sz="2400" dirty="0">
-                <a:latin typeface="Consolas" panose="020B0609020204030204" pitchFamily="49" charset="0"/>
-                <a:cs typeface="Consolas" panose="020B0609020204030204" pitchFamily="49" charset="0"/>
-              </a:rPr>
-              <a:t>    </a:t>
-            </a:r>
-            <a:r>
-              <a:rPr lang="en-US" sz="2400" i="1" dirty="0">
-                <a:latin typeface="Consolas" panose="020B0609020204030204" pitchFamily="49" charset="0"/>
-                <a:cs typeface="Consolas" panose="020B0609020204030204" pitchFamily="49" charset="0"/>
-              </a:rPr>
-              <a:t>...</a:t>
-            </a:r>
-            <a:br>
-              <a:rPr lang="en-US" sz="2400" dirty="0">
-                <a:latin typeface="Consolas" panose="020B0609020204030204" pitchFamily="49" charset="0"/>
-                <a:cs typeface="Consolas" panose="020B0609020204030204" pitchFamily="49" charset="0"/>
-              </a:rPr>
-            </a:br>
-            <a:r>
-              <a:rPr lang="en-US" sz="2400" dirty="0">
-                <a:latin typeface="Consolas" panose="020B0609020204030204" pitchFamily="49" charset="0"/>
-                <a:cs typeface="Consolas" panose="020B0609020204030204" pitchFamily="49" charset="0"/>
-              </a:rPr>
-              <a:t>    return </a:t>
-            </a:r>
-            <a:r>
-              <a:rPr lang="en-US" sz="2400" i="1" dirty="0">
-                <a:latin typeface="Consolas" panose="020B0609020204030204" pitchFamily="49" charset="0"/>
-                <a:cs typeface="Consolas" panose="020B0609020204030204" pitchFamily="49" charset="0"/>
-              </a:rPr>
-              <a:t>expression</a:t>
-            </a:r>
-            <a:endParaRPr lang="en-US" sz="2400" dirty="0">
-              <a:latin typeface="Consolas" panose="020B0609020204030204" pitchFamily="49" charset="0"/>
-              <a:cs typeface="Consolas" panose="020B0609020204030204" pitchFamily="49" charset="0"/>
-            </a:endParaRPr>
-          </a:p>
-        </p:txBody>
-      </p:sp>
-    </p:spTree>
-    <p:extLst>
-      <p:ext uri="{BB962C8B-B14F-4D97-AF65-F5344CB8AC3E}">
-        <p14:creationId xmlns:p14="http://schemas.microsoft.com/office/powerpoint/2010/main" val="3128951533"/>
-      </p:ext>
-    </p:extLst>
-  </p:cSld>
-  <p:clrMapOvr>
-    <a:masterClrMapping/>
-  </p:clrMapOvr>
-</p:sld>
-</file>
-
-<file path=ppt/slides/slide13.xml><?xml version="1.0" encoding="utf-8"?>
-<p:sld xmlns:a="http://schemas.openxmlformats.org/drawingml/2006/main" xmlns:r="http://schemas.openxmlformats.org/officeDocument/2006/relationships" xmlns:p="http://schemas.openxmlformats.org/presentationml/2006/main">
-  <p:cSld>
-    <p:spTree>
-      <p:nvGrpSpPr>
-        <p:cNvPr id="1" name=""/>
-        <p:cNvGrpSpPr/>
-        <p:nvPr/>
-      </p:nvGrpSpPr>
-      <p:grpSpPr>
-        <a:xfrm>
-          <a:off x="0" y="0"/>
-          <a:ext cx="0" cy="0"/>
-          <a:chOff x="0" y="0"/>
-          <a:chExt cx="0" cy="0"/>
-        </a:xfrm>
-      </p:grpSpPr>
-      <p:sp>
-        <p:nvSpPr>
-          <p:cNvPr id="2" name="Title 1">
-            <a:extLst>
-              <a:ext uri="{FF2B5EF4-FFF2-40B4-BE49-F238E27FC236}">
-                <a16:creationId xmlns:a16="http://schemas.microsoft.com/office/drawing/2014/main" id="{3EFE4B0C-C6FA-404B-BBF0-0E7CAA9BFF5F}"/>
-              </a:ext>
-            </a:extLst>
-          </p:cNvPr>
-          <p:cNvSpPr>
-            <a:spLocks noGrp="1"/>
-          </p:cNvSpPr>
-          <p:nvPr>
-            <p:ph type="title"/>
-          </p:nvPr>
-        </p:nvSpPr>
-        <p:spPr/>
-        <p:txBody>
-          <a:bodyPr/>
-          <a:lstStyle/>
-          <a:p>
-            <a:r>
-              <a:rPr lang="en-US" dirty="0"/>
-              <a:t>Example: summation of numbers in list</a:t>
-            </a:r>
-          </a:p>
-        </p:txBody>
-      </p:sp>
-      <p:sp>
-        <p:nvSpPr>
-          <p:cNvPr id="3" name="Content Placeholder 2">
-            <a:extLst>
-              <a:ext uri="{FF2B5EF4-FFF2-40B4-BE49-F238E27FC236}">
-                <a16:creationId xmlns:a16="http://schemas.microsoft.com/office/drawing/2014/main" id="{35705327-DF30-0247-8183-B40DA66B504C}"/>
-              </a:ext>
-            </a:extLst>
-          </p:cNvPr>
-          <p:cNvSpPr>
-            <a:spLocks noGrp="1"/>
-          </p:cNvSpPr>
-          <p:nvPr>
-            <p:ph idx="1"/>
-          </p:nvPr>
-        </p:nvSpPr>
-        <p:spPr>
-          <a:xfrm>
-            <a:off x="838200" y="1580322"/>
-            <a:ext cx="10515600" cy="4596641"/>
-          </a:xfrm>
-        </p:spPr>
-        <p:txBody>
-          <a:bodyPr/>
-          <a:lstStyle/>
-          <a:p>
-            <a:r>
-              <a:rPr lang="en-US" dirty="0"/>
-              <a:t>Here’s a code snippet to some the numbers in a list</a:t>
-            </a:r>
-          </a:p>
-          <a:p>
-            <a:endParaRPr lang="en-US" dirty="0"/>
-          </a:p>
-          <a:p>
-            <a:endParaRPr lang="en-US" dirty="0"/>
-          </a:p>
-          <a:p>
-            <a:endParaRPr lang="en-US" dirty="0"/>
-          </a:p>
-          <a:p>
-            <a:endParaRPr lang="en-US" dirty="0"/>
-          </a:p>
-          <a:p>
-            <a:r>
-              <a:rPr lang="en-US" dirty="0"/>
-              <a:t>This works, but there’s an issue here; any ideas?</a:t>
-            </a:r>
-          </a:p>
-        </p:txBody>
-      </p:sp>
       <p:pic>
         <p:nvPicPr>
-          <p:cNvPr id="5" name="Picture 4" descr="Text&#10;&#10;Description automatically generated with low confidence">
-            <a:extLst>
-              <a:ext uri="{FF2B5EF4-FFF2-40B4-BE49-F238E27FC236}">
-                <a16:creationId xmlns:a16="http://schemas.microsoft.com/office/drawing/2014/main" id="{9076C828-AF9C-9A45-9309-CE741D0128C9}"/>
+          <p:cNvPr id="12" name="Picture 11" descr="Text&#10;&#10;Description automatically generated">
+            <a:extLst>
+              <a:ext uri="{FF2B5EF4-FFF2-40B4-BE49-F238E27FC236}">
+                <a16:creationId xmlns:a16="http://schemas.microsoft.com/office/drawing/2014/main" id="{DA9F4759-77C9-7543-8338-7801FB62ACDA}"/>
               </a:ext>
             </a:extLst>
           </p:cNvPr>
@@ -4947,60 +4474,25 @@
           <p:nvPr/>
         </p:nvPicPr>
         <p:blipFill>
-          <a:blip r:embed="rId2"/>
+          <a:blip r:embed="rId4"/>
           <a:stretch>
             <a:fillRect/>
           </a:stretch>
         </p:blipFill>
         <p:spPr>
           <a:xfrm>
-            <a:off x="1082261" y="2106819"/>
-            <a:ext cx="5892800" cy="1968500"/>
+            <a:off x="2162797" y="5351186"/>
+            <a:ext cx="1003300" cy="584200"/>
           </a:xfrm>
           <a:prstGeom prst="rect">
             <a:avLst/>
           </a:prstGeom>
         </p:spPr>
       </p:pic>
-      <p:sp>
-        <p:nvSpPr>
-          <p:cNvPr id="10" name="TextBox 9">
-            <a:extLst>
-              <a:ext uri="{FF2B5EF4-FFF2-40B4-BE49-F238E27FC236}">
-                <a16:creationId xmlns:a16="http://schemas.microsoft.com/office/drawing/2014/main" id="{2F100E10-9223-B044-BAD0-D2D45E5D215F}"/>
-              </a:ext>
-            </a:extLst>
-          </p:cNvPr>
-          <p:cNvSpPr txBox="1"/>
-          <p:nvPr/>
-        </p:nvSpPr>
-        <p:spPr>
-          <a:xfrm>
-            <a:off x="3826566" y="4908346"/>
-            <a:ext cx="3557384" cy="461665"/>
-          </a:xfrm>
-          <a:prstGeom prst="rect">
-            <a:avLst/>
-          </a:prstGeom>
-          <a:noFill/>
-        </p:spPr>
-        <p:txBody>
-          <a:bodyPr wrap="none" rtlCol="0">
-            <a:spAutoFit/>
-          </a:bodyPr>
-          <a:lstStyle/>
-          <a:p>
-            <a:r>
-              <a:rPr lang="en-US" sz="2400" dirty="0"/>
-              <a:t>The code is not reusable</a:t>
-            </a:r>
-          </a:p>
-        </p:txBody>
-      </p:sp>
     </p:spTree>
     <p:extLst>
       <p:ext uri="{BB962C8B-B14F-4D97-AF65-F5344CB8AC3E}">
-        <p14:creationId xmlns:p14="http://schemas.microsoft.com/office/powerpoint/2010/main" val="3751219880"/>
+        <p14:creationId xmlns:p14="http://schemas.microsoft.com/office/powerpoint/2010/main" val="2494569367"/>
       </p:ext>
     </p:extLst>
   </p:cSld>
@@ -5028,7 +4520,7 @@
                             </p:stCondLst>
                             <p:childTnLst>
                               <p:par>
-                                <p:cTn id="5" presetID="1" presetClass="entr" presetSubtype="0" fill="hold" grpId="0" nodeType="clickEffect">
+                                <p:cTn id="5" presetID="1" presetClass="entr" presetSubtype="0" fill="hold" nodeType="clickEffect">
                                   <p:stCondLst>
                                     <p:cond delay="0"/>
                                   </p:stCondLst>
@@ -5041,7 +4533,7 @@
                                           </p:stCondLst>
                                         </p:cTn>
                                         <p:tgtEl>
-                                          <p:spTgt spid="10"/>
+                                          <p:spTgt spid="12"/>
                                         </p:tgtEl>
                                         <p:attrNameLst>
                                           <p:attrName>style.visibility</p:attrName>
@@ -5081,14 +4573,11 @@
         </p:cTn>
       </p:par>
     </p:tnLst>
-    <p:bldLst>
-      <p:bldP spid="10" grpId="0"/>
-    </p:bldLst>
   </p:timing>
 </p:sld>
 </file>
 
-<file path=ppt/slides/slide14.xml><?xml version="1.0" encoding="utf-8"?>
+<file path=ppt/slides/slide12.xml><?xml version="1.0" encoding="utf-8"?>
 <p:sld xmlns:a="http://schemas.openxmlformats.org/drawingml/2006/main" xmlns:r="http://schemas.openxmlformats.org/officeDocument/2006/relationships" xmlns:p="http://schemas.openxmlformats.org/presentationml/2006/main">
   <p:cSld>
     <p:spTree>
@@ -5110,7 +4599,7 @@
           <p:cNvPr id="2" name="Title 1">
             <a:extLst>
               <a:ext uri="{FF2B5EF4-FFF2-40B4-BE49-F238E27FC236}">
-                <a16:creationId xmlns:a16="http://schemas.microsoft.com/office/drawing/2014/main" id="{91882DDF-2091-844C-B516-A80BFAE1409D}"/>
+                <a16:creationId xmlns:a16="http://schemas.microsoft.com/office/drawing/2014/main" id="{85279B38-0191-1844-8143-4EB2B9E27495}"/>
               </a:ext>
             </a:extLst>
           </p:cNvPr>
@@ -5128,7 +4617,7 @@
           <a:p>
             <a:r>
               <a:rPr lang="en-US" dirty="0"/>
-              <a:t>Encapsulating in a function; version 1</a:t>
+              <a:t>Saving return values</a:t>
             </a:r>
           </a:p>
         </p:txBody>
@@ -5138,7 +4627,7 @@
           <p:cNvPr id="3" name="Content Placeholder 2">
             <a:extLst>
               <a:ext uri="{FF2B5EF4-FFF2-40B4-BE49-F238E27FC236}">
-                <a16:creationId xmlns:a16="http://schemas.microsoft.com/office/drawing/2014/main" id="{0F264DFB-DCFB-A140-99B4-B963E83F29C5}"/>
+                <a16:creationId xmlns:a16="http://schemas.microsoft.com/office/drawing/2014/main" id="{FC59C547-AC02-3A4C-BB9F-402EEF483F6B}"/>
               </a:ext>
             </a:extLst>
           </p:cNvPr>
@@ -5149,30 +4638,59 @@
             <p:ph idx="1"/>
           </p:nvPr>
         </p:nvSpPr>
-        <p:spPr/>
-        <p:txBody>
-          <a:bodyPr/>
-          <a:lstStyle/>
-          <a:p>
-            <a:r>
-              <a:rPr lang="en-US" dirty="0"/>
-              <a:t>By wrapping in a function, we strive for a reusable ”recipe”</a:t>
-            </a:r>
-          </a:p>
-          <a:p>
-            <a:r>
-              <a:rPr lang="en-US" dirty="0"/>
-              <a:t>Add the function header with, shift the statements to the right and add a return statement:</a:t>
+        <p:spPr>
+          <a:xfrm>
+            <a:off x="838199" y="1825625"/>
+            <a:ext cx="10770705" cy="4351338"/>
+          </a:xfrm>
+        </p:spPr>
+        <p:txBody>
+          <a:bodyPr>
+            <a:normAutofit/>
+          </a:bodyPr>
+          <a:lstStyle/>
+          <a:p>
+            <a:r>
+              <a:rPr lang="en-US" dirty="0"/>
+              <a:t>Every invocation of function </a:t>
+            </a:r>
+            <a:r>
+              <a:rPr lang="en-US" b="1" dirty="0"/>
+              <a:t>pi</a:t>
+            </a:r>
+            <a:r>
+              <a:rPr lang="en-US" dirty="0"/>
+              <a:t> evaluates to the value 3.14159</a:t>
+            </a:r>
+          </a:p>
+          <a:p>
+            <a:r>
+              <a:rPr lang="en-US" dirty="0"/>
+              <a:t>We can save the return value in a variable like </a:t>
+            </a:r>
+            <a:r>
+              <a:rPr lang="en-US" b="1" dirty="0"/>
+              <a:t>x = pi()</a:t>
+            </a:r>
+          </a:p>
+          <a:p>
+            <a:r>
+              <a:rPr lang="en-US" dirty="0"/>
+              <a:t>Or even use it in an expression like </a:t>
+            </a:r>
+            <a:r>
+              <a:rPr lang="en-US" b="1" dirty="0"/>
+              <a:t>x = pi() * 4</a:t>
             </a:r>
           </a:p>
         </p:txBody>
       </p:sp>
       <p:pic>
         <p:nvPicPr>
-          <p:cNvPr id="6" name="Picture 5" descr="Text&#10;&#10;Description automatically generated">
-            <a:extLst>
-              <a:ext uri="{FF2B5EF4-FFF2-40B4-BE49-F238E27FC236}">
-                <a16:creationId xmlns:a16="http://schemas.microsoft.com/office/drawing/2014/main" id="{ADA2F2B6-C3D6-004E-8A6A-898D03FE2D29}"/>
+          <p:cNvPr id="5" name="Picture 4">
+            <a:extLst>
+              <a:ext uri="{FF2B5EF4-FFF2-40B4-BE49-F238E27FC236}">
+                <a16:creationId xmlns:a16="http://schemas.microsoft.com/office/drawing/2014/main" id="{0074987D-380A-5A44-A871-99E1A35EFBF5}"/>
               </a:ext>
             </a:extLst>
           </p:cNvPr>
@@ -5189,583 +4707,20 @@
         </p:blipFill>
         <p:spPr>
           <a:xfrm>
-            <a:off x="3318565" y="3289300"/>
-            <a:ext cx="5892800" cy="3022600"/>
+            <a:off x="9341424" y="72715"/>
+            <a:ext cx="2648550" cy="1685441"/>
           </a:xfrm>
           <a:prstGeom prst="rect">
             <a:avLst/>
           </a:prstGeom>
         </p:spPr>
       </p:pic>
-      <p:sp>
-        <p:nvSpPr>
-          <p:cNvPr id="7" name="TextBox 6">
-            <a:extLst>
-              <a:ext uri="{FF2B5EF4-FFF2-40B4-BE49-F238E27FC236}">
-                <a16:creationId xmlns:a16="http://schemas.microsoft.com/office/drawing/2014/main" id="{4C670DA8-CC31-9A41-A199-0A00BDC7396D}"/>
-              </a:ext>
-            </a:extLst>
-          </p:cNvPr>
-          <p:cNvSpPr txBox="1"/>
-          <p:nvPr/>
-        </p:nvSpPr>
-        <p:spPr>
-          <a:xfrm>
-            <a:off x="0" y="6492875"/>
-            <a:ext cx="2877711" cy="369332"/>
-          </a:xfrm>
-          <a:prstGeom prst="rect">
-            <a:avLst/>
-          </a:prstGeom>
-          <a:noFill/>
-        </p:spPr>
-        <p:txBody>
-          <a:bodyPr wrap="none" rtlCol="0">
-            <a:spAutoFit/>
-          </a:bodyPr>
-          <a:lstStyle/>
-          <a:p>
-            <a:r>
-              <a:rPr lang="en-US" dirty="0">
-                <a:hlinkClick r:id="rId3"/>
-              </a:rPr>
-              <a:t>Experiment in </a:t>
-            </a:r>
-            <a:r>
-              <a:rPr lang="en-US" dirty="0" err="1">
-                <a:hlinkClick r:id="rId3"/>
-              </a:rPr>
-              <a:t>pythontutor</a:t>
-            </a:r>
-            <a:endParaRPr lang="en-US" dirty="0"/>
-          </a:p>
-        </p:txBody>
-      </p:sp>
-    </p:spTree>
-    <p:extLst>
-      <p:ext uri="{BB962C8B-B14F-4D97-AF65-F5344CB8AC3E}">
-        <p14:creationId xmlns:p14="http://schemas.microsoft.com/office/powerpoint/2010/main" val="4087533009"/>
-      </p:ext>
-    </p:extLst>
-  </p:cSld>
-  <p:clrMapOvr>
-    <a:masterClrMapping/>
-  </p:clrMapOvr>
-</p:sld>
-</file>
-
-<file path=ppt/slides/slide15.xml><?xml version="1.0" encoding="utf-8"?>
-<p:sld xmlns:a="http://schemas.openxmlformats.org/drawingml/2006/main" xmlns:r="http://schemas.openxmlformats.org/officeDocument/2006/relationships" xmlns:p="http://schemas.openxmlformats.org/presentationml/2006/main">
-  <p:cSld>
-    <p:spTree>
-      <p:nvGrpSpPr>
-        <p:cNvPr id="1" name=""/>
-        <p:cNvGrpSpPr/>
-        <p:nvPr/>
-      </p:nvGrpSpPr>
-      <p:grpSpPr>
-        <a:xfrm>
-          <a:off x="0" y="0"/>
-          <a:ext cx="0" cy="0"/>
-          <a:chOff x="0" y="0"/>
-          <a:chExt cx="0" cy="0"/>
-        </a:xfrm>
-      </p:grpSpPr>
-      <p:sp>
-        <p:nvSpPr>
-          <p:cNvPr id="2" name="Title 1">
-            <a:extLst>
-              <a:ext uri="{FF2B5EF4-FFF2-40B4-BE49-F238E27FC236}">
-                <a16:creationId xmlns:a16="http://schemas.microsoft.com/office/drawing/2014/main" id="{91882DDF-2091-844C-B516-A80BFAE1409D}"/>
-              </a:ext>
-            </a:extLst>
-          </p:cNvPr>
-          <p:cNvSpPr>
-            <a:spLocks noGrp="1"/>
-          </p:cNvSpPr>
-          <p:nvPr>
-            <p:ph type="title"/>
-          </p:nvPr>
-        </p:nvSpPr>
-        <p:spPr/>
-        <p:txBody>
-          <a:bodyPr/>
-          <a:lstStyle/>
-          <a:p>
-            <a:r>
-              <a:rPr lang="en-US" dirty="0"/>
-              <a:t>Encapsulating in a function; version 2</a:t>
-            </a:r>
-          </a:p>
-        </p:txBody>
-      </p:sp>
-      <p:sp>
-        <p:nvSpPr>
-          <p:cNvPr id="3" name="Content Placeholder 2">
-            <a:extLst>
-              <a:ext uri="{FF2B5EF4-FFF2-40B4-BE49-F238E27FC236}">
-                <a16:creationId xmlns:a16="http://schemas.microsoft.com/office/drawing/2014/main" id="{0F264DFB-DCFB-A140-99B4-B963E83F29C5}"/>
-              </a:ext>
-            </a:extLst>
-          </p:cNvPr>
-          <p:cNvSpPr>
-            <a:spLocks noGrp="1"/>
-          </p:cNvSpPr>
-          <p:nvPr>
-            <p:ph idx="1"/>
-          </p:nvPr>
-        </p:nvSpPr>
-        <p:spPr/>
-        <p:txBody>
-          <a:bodyPr/>
-          <a:lstStyle/>
-          <a:p>
-            <a:r>
-              <a:rPr lang="en-US" dirty="0"/>
-              <a:t>Functions should focus on the parameters and avoid global variables if possible</a:t>
-            </a:r>
-          </a:p>
-          <a:p>
-            <a:r>
-              <a:rPr lang="en-US" dirty="0"/>
-              <a:t>This version now works with</a:t>
-            </a:r>
-            <a:br>
-              <a:rPr lang="en-US" dirty="0"/>
-            </a:br>
-            <a:r>
-              <a:rPr lang="en-US" dirty="0"/>
-              <a:t>any list of numbers, not just</a:t>
-            </a:r>
-            <a:br>
-              <a:rPr lang="en-US" dirty="0"/>
-            </a:br>
-            <a:r>
-              <a:rPr lang="en-US" dirty="0"/>
-              <a:t>Quantity</a:t>
-            </a:r>
-          </a:p>
-          <a:p>
-            <a:endParaRPr lang="en-US" dirty="0"/>
-          </a:p>
-        </p:txBody>
-      </p:sp>
       <p:pic>
         <p:nvPicPr>
-          <p:cNvPr id="4" name="Picture 3" descr="Text&#10;&#10;Description automatically generated">
-            <a:extLst>
-              <a:ext uri="{FF2B5EF4-FFF2-40B4-BE49-F238E27FC236}">
-                <a16:creationId xmlns:a16="http://schemas.microsoft.com/office/drawing/2014/main" id="{E3793FF9-E47A-7746-8863-9707C936FD6D}"/>
-              </a:ext>
-            </a:extLst>
-          </p:cNvPr>
-          <p:cNvPicPr>
-            <a:picLocks noChangeAspect="1"/>
-          </p:cNvPicPr>
-          <p:nvPr/>
-        </p:nvPicPr>
-        <p:blipFill>
-          <a:blip r:embed="rId2"/>
-          <a:stretch>
-            <a:fillRect/>
-          </a:stretch>
-        </p:blipFill>
-        <p:spPr>
-          <a:xfrm>
-            <a:off x="5779053" y="2379663"/>
-            <a:ext cx="6299200" cy="3797300"/>
-          </a:xfrm>
-          <a:prstGeom prst="rect">
-            <a:avLst/>
-          </a:prstGeom>
-        </p:spPr>
-      </p:pic>
-      <p:sp>
-        <p:nvSpPr>
-          <p:cNvPr id="5" name="TextBox 4">
-            <a:extLst>
-              <a:ext uri="{FF2B5EF4-FFF2-40B4-BE49-F238E27FC236}">
-                <a16:creationId xmlns:a16="http://schemas.microsoft.com/office/drawing/2014/main" id="{38A954DC-2DE4-A844-9946-F52173514EDD}"/>
-              </a:ext>
-            </a:extLst>
-          </p:cNvPr>
-          <p:cNvSpPr txBox="1"/>
-          <p:nvPr/>
-        </p:nvSpPr>
-        <p:spPr>
-          <a:xfrm>
-            <a:off x="0" y="6492875"/>
-            <a:ext cx="2877711" cy="369332"/>
-          </a:xfrm>
-          <a:prstGeom prst="rect">
-            <a:avLst/>
-          </a:prstGeom>
-          <a:noFill/>
-        </p:spPr>
-        <p:txBody>
-          <a:bodyPr wrap="none" rtlCol="0">
-            <a:spAutoFit/>
-          </a:bodyPr>
-          <a:lstStyle/>
-          <a:p>
-            <a:r>
-              <a:rPr lang="en-US" dirty="0">
-                <a:hlinkClick r:id="rId3"/>
-              </a:rPr>
-              <a:t>Experiment in </a:t>
-            </a:r>
-            <a:r>
-              <a:rPr lang="en-US" dirty="0" err="1">
-                <a:hlinkClick r:id="rId3"/>
-              </a:rPr>
-              <a:t>pythontutor</a:t>
-            </a:r>
-            <a:endParaRPr lang="en-US" dirty="0"/>
-          </a:p>
-        </p:txBody>
-      </p:sp>
-      <p:pic>
-        <p:nvPicPr>
-          <p:cNvPr id="7" name="Picture 6" descr="Graphical user interface, text, application, chat or text message&#10;&#10;Description automatically generated">
-            <a:extLst>
-              <a:ext uri="{FF2B5EF4-FFF2-40B4-BE49-F238E27FC236}">
-                <a16:creationId xmlns:a16="http://schemas.microsoft.com/office/drawing/2014/main" id="{00BBB453-152A-8343-AC64-69E3A57EEC66}"/>
-              </a:ext>
-            </a:extLst>
-          </p:cNvPr>
-          <p:cNvPicPr>
-            <a:picLocks noChangeAspect="1"/>
-          </p:cNvPicPr>
-          <p:nvPr/>
-        </p:nvPicPr>
-        <p:blipFill>
-          <a:blip r:embed="rId4"/>
-          <a:stretch>
-            <a:fillRect/>
-          </a:stretch>
-        </p:blipFill>
-        <p:spPr>
-          <a:xfrm>
-            <a:off x="2226365" y="4065277"/>
-            <a:ext cx="1936438" cy="1232279"/>
-          </a:xfrm>
-          <a:prstGeom prst="rect">
-            <a:avLst/>
-          </a:prstGeom>
-        </p:spPr>
-      </p:pic>
-      <p:sp>
-        <p:nvSpPr>
-          <p:cNvPr id="8" name="Rectangle 7">
-            <a:extLst>
-              <a:ext uri="{FF2B5EF4-FFF2-40B4-BE49-F238E27FC236}">
-                <a16:creationId xmlns:a16="http://schemas.microsoft.com/office/drawing/2014/main" id="{EDD304E5-0C16-6B47-BABD-3BA7A14F2653}"/>
-              </a:ext>
-            </a:extLst>
-          </p:cNvPr>
-          <p:cNvSpPr/>
-          <p:nvPr/>
-        </p:nvSpPr>
-        <p:spPr>
-          <a:xfrm>
-            <a:off x="6813153" y="2518237"/>
-            <a:ext cx="655982" cy="337930"/>
-          </a:xfrm>
-          <a:prstGeom prst="rect">
-            <a:avLst/>
-          </a:prstGeom>
-          <a:noFill/>
-          <a:ln w="25400">
-            <a:solidFill>
-              <a:srgbClr val="E4754F"/>
-            </a:solidFill>
-          </a:ln>
-        </p:spPr>
-        <p:style>
-          <a:lnRef idx="2">
-            <a:schemeClr val="accent1">
-              <a:shade val="50000"/>
-            </a:schemeClr>
-          </a:lnRef>
-          <a:fillRef idx="1">
-            <a:schemeClr val="accent1"/>
-          </a:fillRef>
-          <a:effectRef idx="0">
-            <a:schemeClr val="accent1"/>
-          </a:effectRef>
-          <a:fontRef idx="minor">
-            <a:schemeClr val="lt1"/>
-          </a:fontRef>
-        </p:style>
-        <p:txBody>
-          <a:bodyPr rtlCol="0" anchor="ctr"/>
-          <a:lstStyle/>
-          <a:p>
-            <a:pPr algn="ctr"/>
-            <a:endParaRPr lang="en-US"/>
-          </a:p>
-        </p:txBody>
-      </p:sp>
-      <p:sp>
-        <p:nvSpPr>
-          <p:cNvPr id="9" name="Rectangle 8">
-            <a:extLst>
-              <a:ext uri="{FF2B5EF4-FFF2-40B4-BE49-F238E27FC236}">
-                <a16:creationId xmlns:a16="http://schemas.microsoft.com/office/drawing/2014/main" id="{63D6484D-4C5A-DF4D-BC46-082608CED8E4}"/>
-              </a:ext>
-            </a:extLst>
-          </p:cNvPr>
-          <p:cNvSpPr/>
-          <p:nvPr/>
-        </p:nvSpPr>
-        <p:spPr>
-          <a:xfrm>
-            <a:off x="7469135" y="3013156"/>
-            <a:ext cx="655982" cy="337930"/>
-          </a:xfrm>
-          <a:prstGeom prst="rect">
-            <a:avLst/>
-          </a:prstGeom>
-          <a:noFill/>
-          <a:ln w="25400">
-            <a:solidFill>
-              <a:srgbClr val="E4754F"/>
-            </a:solidFill>
-          </a:ln>
-        </p:spPr>
-        <p:style>
-          <a:lnRef idx="2">
-            <a:schemeClr val="accent1">
-              <a:shade val="50000"/>
-            </a:schemeClr>
-          </a:lnRef>
-          <a:fillRef idx="1">
-            <a:schemeClr val="accent1"/>
-          </a:fillRef>
-          <a:effectRef idx="0">
-            <a:schemeClr val="accent1"/>
-          </a:effectRef>
-          <a:fontRef idx="minor">
-            <a:schemeClr val="lt1"/>
-          </a:fontRef>
-        </p:style>
-        <p:txBody>
-          <a:bodyPr rtlCol="0" anchor="ctr"/>
-          <a:lstStyle/>
-          <a:p>
-            <a:pPr algn="ctr"/>
-            <a:endParaRPr lang="en-US"/>
-          </a:p>
-        </p:txBody>
-      </p:sp>
-    </p:spTree>
-    <p:extLst>
-      <p:ext uri="{BB962C8B-B14F-4D97-AF65-F5344CB8AC3E}">
-        <p14:creationId xmlns:p14="http://schemas.microsoft.com/office/powerpoint/2010/main" val="3881274184"/>
-      </p:ext>
-    </p:extLst>
-  </p:cSld>
-  <p:clrMapOvr>
-    <a:masterClrMapping/>
-  </p:clrMapOvr>
-</p:sld>
-</file>
-
-<file path=ppt/slides/slide16.xml><?xml version="1.0" encoding="utf-8"?>
-<p:sld xmlns:a="http://schemas.openxmlformats.org/drawingml/2006/main" xmlns:r="http://schemas.openxmlformats.org/officeDocument/2006/relationships" xmlns:p="http://schemas.openxmlformats.org/presentationml/2006/main">
-  <p:cSld>
-    <p:spTree>
-      <p:nvGrpSpPr>
-        <p:cNvPr id="1" name=""/>
-        <p:cNvGrpSpPr/>
-        <p:nvPr/>
-      </p:nvGrpSpPr>
-      <p:grpSpPr>
-        <a:xfrm>
-          <a:off x="0" y="0"/>
-          <a:ext cx="0" cy="0"/>
-          <a:chOff x="0" y="0"/>
-          <a:chExt cx="0" cy="0"/>
-        </a:xfrm>
-      </p:grpSpPr>
-      <p:sp>
-        <p:nvSpPr>
-          <p:cNvPr id="2" name="Title 1">
-            <a:extLst>
-              <a:ext uri="{FF2B5EF4-FFF2-40B4-BE49-F238E27FC236}">
-                <a16:creationId xmlns:a16="http://schemas.microsoft.com/office/drawing/2014/main" id="{690BDB73-8A02-E447-B5C8-A5AE301ABA66}"/>
-              </a:ext>
-            </a:extLst>
-          </p:cNvPr>
-          <p:cNvSpPr>
-            <a:spLocks noGrp="1"/>
-          </p:cNvSpPr>
-          <p:nvPr>
-            <p:ph type="title"/>
-          </p:nvPr>
-        </p:nvSpPr>
-        <p:spPr/>
-        <p:txBody>
-          <a:bodyPr/>
-          <a:lstStyle/>
-          <a:p>
-            <a:r>
-              <a:rPr lang="en-US" dirty="0"/>
-              <a:t>Restricting data accessed by functions</a:t>
-            </a:r>
-          </a:p>
-        </p:txBody>
-      </p:sp>
-      <p:sp>
-        <p:nvSpPr>
-          <p:cNvPr id="3" name="Content Placeholder 2">
-            <a:extLst>
-              <a:ext uri="{FF2B5EF4-FFF2-40B4-BE49-F238E27FC236}">
-                <a16:creationId xmlns:a16="http://schemas.microsoft.com/office/drawing/2014/main" id="{EF116208-6D27-1446-97A6-1F17CA939BD1}"/>
-              </a:ext>
-            </a:extLst>
-          </p:cNvPr>
-          <p:cNvSpPr>
-            <a:spLocks noGrp="1"/>
-          </p:cNvSpPr>
-          <p:nvPr>
-            <p:ph idx="1"/>
-          </p:nvPr>
-        </p:nvSpPr>
-        <p:spPr/>
-        <p:txBody>
-          <a:bodyPr/>
-          <a:lstStyle/>
-          <a:p>
-            <a:r>
-              <a:rPr lang="en-US" dirty="0"/>
-              <a:t>The operations should be purely a function of the data passed to them as parameters---functions should be completely ignorant of any other data.</a:t>
-            </a:r>
-          </a:p>
-        </p:txBody>
-      </p:sp>
-    </p:spTree>
-    <p:extLst>
-      <p:ext uri="{BB962C8B-B14F-4D97-AF65-F5344CB8AC3E}">
-        <p14:creationId xmlns:p14="http://schemas.microsoft.com/office/powerpoint/2010/main" val="1024493727"/>
-      </p:ext>
-    </p:extLst>
-  </p:cSld>
-  <p:clrMapOvr>
-    <a:masterClrMapping/>
-  </p:clrMapOvr>
-</p:sld>
-</file>
-
-<file path=ppt/slides/slide17.xml><?xml version="1.0" encoding="utf-8"?>
-<p:sld xmlns:a="http://schemas.openxmlformats.org/drawingml/2006/main" xmlns:r="http://schemas.openxmlformats.org/officeDocument/2006/relationships" xmlns:p="http://schemas.openxmlformats.org/presentationml/2006/main">
-  <p:cSld>
-    <p:spTree>
-      <p:nvGrpSpPr>
-        <p:cNvPr id="1" name=""/>
-        <p:cNvGrpSpPr/>
-        <p:nvPr/>
-      </p:nvGrpSpPr>
-      <p:grpSpPr>
-        <a:xfrm>
-          <a:off x="0" y="0"/>
-          <a:ext cx="0" cy="0"/>
-          <a:chOff x="0" y="0"/>
-          <a:chExt cx="0" cy="0"/>
-        </a:xfrm>
-      </p:grpSpPr>
-      <p:sp>
-        <p:nvSpPr>
-          <p:cNvPr id="2" name="Title 1">
-            <a:extLst>
-              <a:ext uri="{FF2B5EF4-FFF2-40B4-BE49-F238E27FC236}">
-                <a16:creationId xmlns:a16="http://schemas.microsoft.com/office/drawing/2014/main" id="{020E53E1-851D-C645-A59F-FEA87B5ED714}"/>
-              </a:ext>
-            </a:extLst>
-          </p:cNvPr>
-          <p:cNvSpPr>
-            <a:spLocks noGrp="1"/>
-          </p:cNvSpPr>
-          <p:nvPr>
-            <p:ph type="title"/>
-          </p:nvPr>
-        </p:nvSpPr>
-        <p:spPr/>
-        <p:txBody>
-          <a:bodyPr/>
-          <a:lstStyle/>
-          <a:p>
-            <a:r>
-              <a:rPr lang="en-US" dirty="0"/>
-              <a:t>Nested function calls</a:t>
-            </a:r>
-          </a:p>
-        </p:txBody>
-      </p:sp>
-      <p:sp>
-        <p:nvSpPr>
-          <p:cNvPr id="3" name="Content Placeholder 2">
-            <a:extLst>
-              <a:ext uri="{FF2B5EF4-FFF2-40B4-BE49-F238E27FC236}">
-                <a16:creationId xmlns:a16="http://schemas.microsoft.com/office/drawing/2014/main" id="{C420561A-9EF6-114F-AC25-B0FEAEFC5884}"/>
-              </a:ext>
-            </a:extLst>
-          </p:cNvPr>
-          <p:cNvSpPr>
-            <a:spLocks noGrp="1"/>
-          </p:cNvSpPr>
-          <p:nvPr>
-            <p:ph idx="1"/>
-          </p:nvPr>
-        </p:nvSpPr>
-        <p:spPr/>
-        <p:txBody>
-          <a:bodyPr/>
-          <a:lstStyle/>
-          <a:p>
-            <a:r>
-              <a:rPr lang="en-US" dirty="0"/>
-              <a:t>d</a:t>
-            </a:r>
-          </a:p>
-        </p:txBody>
-      </p:sp>
-      <p:pic>
-        <p:nvPicPr>
-          <p:cNvPr id="4" name="Picture 3">
-            <a:extLst>
-              <a:ext uri="{FF2B5EF4-FFF2-40B4-BE49-F238E27FC236}">
-                <a16:creationId xmlns:a16="http://schemas.microsoft.com/office/drawing/2014/main" id="{D457D2C9-5FCE-AA44-954C-75FDEC6A4C9B}"/>
-              </a:ext>
-            </a:extLst>
-          </p:cNvPr>
-          <p:cNvPicPr>
-            <a:picLocks noChangeAspect="1"/>
-          </p:cNvPicPr>
-          <p:nvPr/>
-        </p:nvPicPr>
-        <p:blipFill>
-          <a:blip r:embed="rId2"/>
-          <a:stretch>
-            <a:fillRect/>
-          </a:stretch>
-        </p:blipFill>
-        <p:spPr>
-          <a:xfrm>
-            <a:off x="5336137" y="1896751"/>
-            <a:ext cx="2057430" cy="4048491"/>
-          </a:xfrm>
-          <a:prstGeom prst="rect">
-            <a:avLst/>
-          </a:prstGeom>
-        </p:spPr>
-      </p:pic>
-      <p:pic>
-        <p:nvPicPr>
-          <p:cNvPr id="6" name="Picture 5">
-            <a:extLst>
-              <a:ext uri="{FF2B5EF4-FFF2-40B4-BE49-F238E27FC236}">
-                <a16:creationId xmlns:a16="http://schemas.microsoft.com/office/drawing/2014/main" id="{3DAAA638-252B-084B-9155-0FE572105C91}"/>
+          <p:cNvPr id="8" name="Picture 7" descr="Graphical user interface, application, Teams&#10;&#10;Description automatically generated">
+            <a:extLst>
+              <a:ext uri="{FF2B5EF4-FFF2-40B4-BE49-F238E27FC236}">
+                <a16:creationId xmlns:a16="http://schemas.microsoft.com/office/drawing/2014/main" id="{C90D8494-5598-874D-A8D7-AFD94E848AA6}"/>
               </a:ext>
             </a:extLst>
           </p:cNvPr>
@@ -5782,1554 +4737,20 @@
         </p:blipFill>
         <p:spPr>
           <a:xfrm>
-            <a:off x="8148430" y="1690688"/>
-            <a:ext cx="3011274" cy="4048490"/>
+            <a:off x="9473480" y="3429000"/>
+            <a:ext cx="2168754" cy="2122281"/>
           </a:xfrm>
           <a:prstGeom prst="rect">
             <a:avLst/>
           </a:prstGeom>
         </p:spPr>
       </p:pic>
-    </p:spTree>
-    <p:extLst>
-      <p:ext uri="{BB962C8B-B14F-4D97-AF65-F5344CB8AC3E}">
-        <p14:creationId xmlns:p14="http://schemas.microsoft.com/office/powerpoint/2010/main" val="2106986205"/>
-      </p:ext>
-    </p:extLst>
-  </p:cSld>
-  <p:clrMapOvr>
-    <a:masterClrMapping/>
-  </p:clrMapOvr>
-</p:sld>
-</file>
-
-<file path=ppt/slides/slide18.xml><?xml version="1.0" encoding="utf-8"?>
-<p:sld xmlns:a="http://schemas.openxmlformats.org/drawingml/2006/main" xmlns:r="http://schemas.openxmlformats.org/officeDocument/2006/relationships" xmlns:p="http://schemas.openxmlformats.org/presentationml/2006/main">
-  <p:cSld>
-    <p:spTree>
-      <p:nvGrpSpPr>
-        <p:cNvPr id="1" name=""/>
-        <p:cNvGrpSpPr/>
-        <p:nvPr/>
-      </p:nvGrpSpPr>
-      <p:grpSpPr>
-        <a:xfrm>
-          <a:off x="0" y="0"/>
-          <a:ext cx="0" cy="0"/>
-          <a:chOff x="0" y="0"/>
-          <a:chExt cx="0" cy="0"/>
-        </a:xfrm>
-      </p:grpSpPr>
-      <p:sp>
-        <p:nvSpPr>
-          <p:cNvPr id="2" name="Title 1">
-            <a:extLst>
-              <a:ext uri="{FF2B5EF4-FFF2-40B4-BE49-F238E27FC236}">
-                <a16:creationId xmlns:a16="http://schemas.microsoft.com/office/drawing/2014/main" id="{2B6998A0-E4D0-B649-A2ED-D1DB39B50720}"/>
-              </a:ext>
-            </a:extLst>
-          </p:cNvPr>
-          <p:cNvSpPr>
-            <a:spLocks noGrp="1"/>
-          </p:cNvSpPr>
-          <p:nvPr>
-            <p:ph type="title"/>
-          </p:nvPr>
-        </p:nvSpPr>
-        <p:spPr/>
-        <p:txBody>
-          <a:bodyPr/>
-          <a:lstStyle/>
-          <a:p>
-            <a:r>
-              <a:rPr lang="en-US" dirty="0"/>
-              <a:t>Code organization is important</a:t>
-            </a:r>
-          </a:p>
-        </p:txBody>
-      </p:sp>
-      <p:sp>
-        <p:nvSpPr>
-          <p:cNvPr id="3" name="Content Placeholder 2">
-            <a:extLst>
-              <a:ext uri="{FF2B5EF4-FFF2-40B4-BE49-F238E27FC236}">
-                <a16:creationId xmlns:a16="http://schemas.microsoft.com/office/drawing/2014/main" id="{91A597C8-FA08-DF4D-A821-4F93FF967BF1}"/>
-              </a:ext>
-            </a:extLst>
-          </p:cNvPr>
-          <p:cNvSpPr>
-            <a:spLocks noGrp="1"/>
-          </p:cNvSpPr>
-          <p:nvPr>
-            <p:ph idx="1"/>
-          </p:nvPr>
-        </p:nvSpPr>
-        <p:spPr/>
-        <p:txBody>
-          <a:bodyPr/>
-          <a:lstStyle/>
-          <a:p>
-            <a:r>
-              <a:rPr lang="en-US" dirty="0"/>
-              <a:t>Programs quickly become an incomprehensible rats nest if we are not strict about style and organization</a:t>
-            </a:r>
-          </a:p>
-          <a:p>
-            <a:r>
-              <a:rPr lang="en-US" dirty="0"/>
-              <a:t>Here’s a general structure for Python programs:</a:t>
-            </a:r>
-            <a:br>
-              <a:rPr lang="en-US" dirty="0"/>
-            </a:br>
-            <a:endParaRPr lang="en-US" dirty="0"/>
-          </a:p>
-          <a:p>
-            <a:endParaRPr lang="en-US" dirty="0"/>
-          </a:p>
-        </p:txBody>
-      </p:sp>
-      <p:sp>
-        <p:nvSpPr>
-          <p:cNvPr id="4" name="Rectangle 3">
-            <a:extLst>
-              <a:ext uri="{FF2B5EF4-FFF2-40B4-BE49-F238E27FC236}">
-                <a16:creationId xmlns:a16="http://schemas.microsoft.com/office/drawing/2014/main" id="{2D29A910-3114-E74F-9373-419327731318}"/>
-              </a:ext>
-            </a:extLst>
-          </p:cNvPr>
-          <p:cNvSpPr/>
-          <p:nvPr/>
-        </p:nvSpPr>
-        <p:spPr>
-          <a:xfrm>
-            <a:off x="3048000" y="3733297"/>
-            <a:ext cx="6096000" cy="1569660"/>
-          </a:xfrm>
-          <a:prstGeom prst="rect">
-            <a:avLst/>
-          </a:prstGeom>
-        </p:spPr>
-        <p:txBody>
-          <a:bodyPr>
-            <a:spAutoFit/>
-          </a:bodyPr>
-          <a:lstStyle/>
-          <a:p>
-            <a:r>
-              <a:rPr lang="en-US" sz="2400" i="1" dirty="0"/>
-              <a:t>import any libraries</a:t>
-            </a:r>
-            <a:br>
-              <a:rPr lang="en-US" sz="2400" dirty="0"/>
-            </a:br>
-            <a:r>
-              <a:rPr lang="en-US" sz="2400" i="1" dirty="0"/>
-              <a:t>define any constants, simple data values</a:t>
-            </a:r>
-            <a:br>
-              <a:rPr lang="en-US" sz="2400" dirty="0"/>
-            </a:br>
-            <a:r>
-              <a:rPr lang="en-US" sz="2400" i="1" dirty="0"/>
-              <a:t>define any functions</a:t>
-            </a:r>
-            <a:br>
-              <a:rPr lang="en-US" sz="2400" dirty="0"/>
-            </a:br>
-            <a:r>
-              <a:rPr lang="en-US" sz="2400" i="1" dirty="0"/>
-              <a:t>main program body</a:t>
-            </a:r>
-            <a:endParaRPr lang="en-US" sz="2400" dirty="0"/>
-          </a:p>
-        </p:txBody>
-      </p:sp>
-    </p:spTree>
-    <p:extLst>
-      <p:ext uri="{BB962C8B-B14F-4D97-AF65-F5344CB8AC3E}">
-        <p14:creationId xmlns:p14="http://schemas.microsoft.com/office/powerpoint/2010/main" val="3711799391"/>
-      </p:ext>
-    </p:extLst>
-  </p:cSld>
-  <p:clrMapOvr>
-    <a:masterClrMapping/>
-  </p:clrMapOvr>
-</p:sld>
-</file>
-
-<file path=ppt/slides/slide2.xml><?xml version="1.0" encoding="utf-8"?>
-<p:sld xmlns:a="http://schemas.openxmlformats.org/drawingml/2006/main" xmlns:r="http://schemas.openxmlformats.org/officeDocument/2006/relationships" xmlns:p="http://schemas.openxmlformats.org/presentationml/2006/main">
-  <p:cSld>
-    <p:spTree>
-      <p:nvGrpSpPr>
-        <p:cNvPr id="1" name=""/>
-        <p:cNvGrpSpPr/>
-        <p:nvPr/>
-      </p:nvGrpSpPr>
-      <p:grpSpPr>
-        <a:xfrm>
-          <a:off x="0" y="0"/>
-          <a:ext cx="0" cy="0"/>
-          <a:chOff x="0" y="0"/>
-          <a:chExt cx="0" cy="0"/>
-        </a:xfrm>
-      </p:grpSpPr>
-      <p:sp>
-        <p:nvSpPr>
-          <p:cNvPr id="2" name="Title 1">
-            <a:extLst>
-              <a:ext uri="{FF2B5EF4-FFF2-40B4-BE49-F238E27FC236}">
-                <a16:creationId xmlns:a16="http://schemas.microsoft.com/office/drawing/2014/main" id="{85E172B0-24D1-2F46-9932-F7E1550419B4}"/>
-              </a:ext>
-            </a:extLst>
-          </p:cNvPr>
-          <p:cNvSpPr>
-            <a:spLocks noGrp="1"/>
-          </p:cNvSpPr>
-          <p:nvPr>
-            <p:ph type="title"/>
-          </p:nvPr>
-        </p:nvSpPr>
-        <p:spPr/>
-        <p:txBody>
-          <a:bodyPr/>
-          <a:lstStyle/>
-          <a:p>
-            <a:r>
-              <a:rPr lang="en-US" dirty="0"/>
-              <a:t>What’s a function?</a:t>
-            </a:r>
-          </a:p>
-        </p:txBody>
-      </p:sp>
-      <p:sp>
-        <p:nvSpPr>
-          <p:cNvPr id="3" name="Content Placeholder 2">
-            <a:extLst>
-              <a:ext uri="{FF2B5EF4-FFF2-40B4-BE49-F238E27FC236}">
-                <a16:creationId xmlns:a16="http://schemas.microsoft.com/office/drawing/2014/main" id="{E5E02195-86F4-7148-A40D-4D20F3637BB2}"/>
-              </a:ext>
-            </a:extLst>
-          </p:cNvPr>
-          <p:cNvSpPr>
-            <a:spLocks noGrp="1"/>
-          </p:cNvSpPr>
-          <p:nvPr>
-            <p:ph idx="1"/>
-          </p:nvPr>
-        </p:nvSpPr>
-        <p:spPr/>
-        <p:txBody>
-          <a:bodyPr/>
-          <a:lstStyle/>
-          <a:p>
-            <a:r>
-              <a:rPr lang="en-US" dirty="0"/>
-              <a:t>We’re already familiar with functions from mathematics like sin, cos, max, </a:t>
-            </a:r>
-            <a:r>
-              <a:rPr lang="en-US" dirty="0" err="1"/>
-              <a:t>etc</a:t>
-            </a:r>
-            <a:r>
-              <a:rPr lang="en-US" dirty="0"/>
-              <a:t>…</a:t>
-            </a:r>
-          </a:p>
-          <a:p>
-            <a:r>
-              <a:rPr lang="en-US" dirty="0"/>
-              <a:t>A function is just a sequence of operations grouped into a single, named entity that we can invoke to perform a task</a:t>
-            </a:r>
-          </a:p>
-          <a:p>
-            <a:r>
-              <a:rPr lang="en-US" dirty="0"/>
-              <a:t>Functions are like mini programs or subprograms that we can build just like full programs</a:t>
-            </a:r>
-          </a:p>
-          <a:p>
-            <a:r>
-              <a:rPr lang="en-US" dirty="0"/>
-              <a:t>Just like a book is organized into multiple chapters, programs are best organized into multiple functions; the main program can then just call the appropriate functions</a:t>
-            </a:r>
-          </a:p>
-        </p:txBody>
-      </p:sp>
-      <p:sp>
-        <p:nvSpPr>
-          <p:cNvPr id="5" name="Rectangle 4">
-            <a:extLst>
-              <a:ext uri="{FF2B5EF4-FFF2-40B4-BE49-F238E27FC236}">
-                <a16:creationId xmlns:a16="http://schemas.microsoft.com/office/drawing/2014/main" id="{E32B0F08-7111-414A-9271-B4A7D1D61710}"/>
-              </a:ext>
-            </a:extLst>
-          </p:cNvPr>
-          <p:cNvSpPr/>
-          <p:nvPr/>
-        </p:nvSpPr>
-        <p:spPr>
-          <a:xfrm>
-            <a:off x="7132982" y="550852"/>
-            <a:ext cx="6096000" cy="954107"/>
-          </a:xfrm>
-          <a:prstGeom prst="rect">
-            <a:avLst/>
-          </a:prstGeom>
-        </p:spPr>
-        <p:txBody>
-          <a:bodyPr>
-            <a:spAutoFit/>
-          </a:bodyPr>
-          <a:lstStyle/>
-          <a:p>
-            <a:r>
-              <a:rPr lang="en-US" sz="2800" dirty="0">
-                <a:latin typeface="Consolas" panose="020B0609020204030204" pitchFamily="49" charset="0"/>
-                <a:cs typeface="Consolas" panose="020B0609020204030204" pitchFamily="49" charset="0"/>
-              </a:rPr>
-              <a:t>def pi():</a:t>
-            </a:r>
-          </a:p>
-          <a:p>
-            <a:r>
-              <a:rPr lang="en-US" sz="2800" dirty="0">
-                <a:latin typeface="Consolas" panose="020B0609020204030204" pitchFamily="49" charset="0"/>
-                <a:cs typeface="Consolas" panose="020B0609020204030204" pitchFamily="49" charset="0"/>
-              </a:rPr>
-              <a:t>    return 3.14159</a:t>
-            </a:r>
-          </a:p>
-        </p:txBody>
-      </p:sp>
-    </p:spTree>
-    <p:extLst>
-      <p:ext uri="{BB962C8B-B14F-4D97-AF65-F5344CB8AC3E}">
-        <p14:creationId xmlns:p14="http://schemas.microsoft.com/office/powerpoint/2010/main" val="360019897"/>
-      </p:ext>
-    </p:extLst>
-  </p:cSld>
-  <p:clrMapOvr>
-    <a:masterClrMapping/>
-  </p:clrMapOvr>
-</p:sld>
-</file>
-
-<file path=ppt/slides/slide3.xml><?xml version="1.0" encoding="utf-8"?>
-<p:sld xmlns:a="http://schemas.openxmlformats.org/drawingml/2006/main" xmlns:r="http://schemas.openxmlformats.org/officeDocument/2006/relationships" xmlns:p="http://schemas.openxmlformats.org/presentationml/2006/main">
-  <p:cSld>
-    <p:spTree>
-      <p:nvGrpSpPr>
-        <p:cNvPr id="1" name=""/>
-        <p:cNvGrpSpPr/>
-        <p:nvPr/>
-      </p:nvGrpSpPr>
-      <p:grpSpPr>
-        <a:xfrm>
-          <a:off x="0" y="0"/>
-          <a:ext cx="0" cy="0"/>
-          <a:chOff x="0" y="0"/>
-          <a:chExt cx="0" cy="0"/>
-        </a:xfrm>
-      </p:grpSpPr>
-      <p:sp>
-        <p:nvSpPr>
-          <p:cNvPr id="2" name="Title 1">
-            <a:extLst>
-              <a:ext uri="{FF2B5EF4-FFF2-40B4-BE49-F238E27FC236}">
-                <a16:creationId xmlns:a16="http://schemas.microsoft.com/office/drawing/2014/main" id="{703294C7-766E-B945-84FE-211970FDC537}"/>
-              </a:ext>
-            </a:extLst>
-          </p:cNvPr>
-          <p:cNvSpPr>
-            <a:spLocks noGrp="1"/>
-          </p:cNvSpPr>
-          <p:nvPr>
-            <p:ph type="title"/>
-          </p:nvPr>
-        </p:nvSpPr>
-        <p:spPr/>
-        <p:txBody>
-          <a:bodyPr/>
-          <a:lstStyle/>
-          <a:p>
-            <a:r>
-              <a:rPr lang="en-US" dirty="0"/>
-              <a:t>A cooking analogy to functions</a:t>
-            </a:r>
-          </a:p>
-        </p:txBody>
-      </p:sp>
-      <p:sp>
-        <p:nvSpPr>
-          <p:cNvPr id="3" name="Content Placeholder 2">
-            <a:extLst>
-              <a:ext uri="{FF2B5EF4-FFF2-40B4-BE49-F238E27FC236}">
-                <a16:creationId xmlns:a16="http://schemas.microsoft.com/office/drawing/2014/main" id="{FD96409E-1F51-3C4B-AE5F-6A2F9A9AAAE7}"/>
-              </a:ext>
-            </a:extLst>
-          </p:cNvPr>
-          <p:cNvSpPr>
-            <a:spLocks noGrp="1"/>
-          </p:cNvSpPr>
-          <p:nvPr>
-            <p:ph idx="1"/>
-          </p:nvPr>
-        </p:nvSpPr>
-        <p:spPr>
-          <a:xfrm>
-            <a:off x="838200" y="1690688"/>
-            <a:ext cx="8470347" cy="4486275"/>
-          </a:xfrm>
-        </p:spPr>
-        <p:txBody>
-          <a:bodyPr/>
-          <a:lstStyle/>
-          <a:p>
-            <a:r>
-              <a:rPr lang="en-US" dirty="0"/>
-              <a:t>A pasta recipe might have several high level tasks:</a:t>
-            </a:r>
-          </a:p>
-          <a:p>
-            <a:pPr marL="914400" lvl="1" indent="-457200">
-              <a:buFont typeface="+mj-lt"/>
-              <a:buAutoNum type="arabicPeriod"/>
-            </a:pPr>
-            <a:r>
-              <a:rPr lang="en-US" dirty="0"/>
-              <a:t>Chop veggies</a:t>
-            </a:r>
-          </a:p>
-          <a:p>
-            <a:pPr marL="914400" lvl="1" indent="-457200">
-              <a:buFont typeface="+mj-lt"/>
-              <a:buAutoNum type="arabicPeriod"/>
-            </a:pPr>
-            <a:r>
-              <a:rPr lang="en-US" dirty="0"/>
-              <a:t>Create sauce</a:t>
-            </a:r>
-          </a:p>
-          <a:p>
-            <a:pPr marL="914400" lvl="1" indent="-457200">
-              <a:buFont typeface="+mj-lt"/>
-              <a:buAutoNum type="arabicPeriod"/>
-            </a:pPr>
-            <a:r>
-              <a:rPr lang="en-US" dirty="0"/>
-              <a:t>Cook pasta</a:t>
-            </a:r>
-          </a:p>
-          <a:p>
-            <a:r>
-              <a:rPr lang="en-US" dirty="0"/>
-              <a:t>As we proceed through the recipe we have to go off and perform the indicated task, come back, and continue to the next task</a:t>
-            </a:r>
-          </a:p>
-          <a:p>
-            <a:r>
-              <a:rPr lang="en-US" dirty="0"/>
-              <a:t>We jump from the main path to the subtask and back just like the computer processor in code</a:t>
-            </a:r>
-          </a:p>
-        </p:txBody>
-      </p:sp>
-      <p:pic>
-        <p:nvPicPr>
-          <p:cNvPr id="4" name="Picture 3">
-            <a:extLst>
-              <a:ext uri="{FF2B5EF4-FFF2-40B4-BE49-F238E27FC236}">
-                <a16:creationId xmlns:a16="http://schemas.microsoft.com/office/drawing/2014/main" id="{54035E02-8934-1C4B-9B02-DEDF790783A0}"/>
-              </a:ext>
-            </a:extLst>
-          </p:cNvPr>
-          <p:cNvPicPr>
-            <a:picLocks noChangeAspect="1"/>
-          </p:cNvPicPr>
-          <p:nvPr/>
-        </p:nvPicPr>
-        <p:blipFill>
-          <a:blip r:embed="rId2"/>
-          <a:stretch>
-            <a:fillRect/>
-          </a:stretch>
-        </p:blipFill>
-        <p:spPr>
-          <a:xfrm>
-            <a:off x="9534938" y="1224446"/>
-            <a:ext cx="2045253" cy="4061288"/>
-          </a:xfrm>
-          <a:prstGeom prst="rect">
-            <a:avLst/>
-          </a:prstGeom>
-        </p:spPr>
-      </p:pic>
-    </p:spTree>
-    <p:extLst>
-      <p:ext uri="{BB962C8B-B14F-4D97-AF65-F5344CB8AC3E}">
-        <p14:creationId xmlns:p14="http://schemas.microsoft.com/office/powerpoint/2010/main" val="2535916213"/>
-      </p:ext>
-    </p:extLst>
-  </p:cSld>
-  <p:clrMapOvr>
-    <a:masterClrMapping/>
-  </p:clrMapOvr>
-</p:sld>
-</file>
-
-<file path=ppt/slides/slide4.xml><?xml version="1.0" encoding="utf-8"?>
-<p:sld xmlns:a="http://schemas.openxmlformats.org/drawingml/2006/main" xmlns:r="http://schemas.openxmlformats.org/officeDocument/2006/relationships" xmlns:p="http://schemas.openxmlformats.org/presentationml/2006/main">
-  <p:cSld>
-    <p:spTree>
-      <p:nvGrpSpPr>
-        <p:cNvPr id="1" name=""/>
-        <p:cNvGrpSpPr/>
-        <p:nvPr/>
-      </p:nvGrpSpPr>
-      <p:grpSpPr>
-        <a:xfrm>
-          <a:off x="0" y="0"/>
-          <a:ext cx="0" cy="0"/>
-          <a:chOff x="0" y="0"/>
-          <a:chExt cx="0" cy="0"/>
-        </a:xfrm>
-      </p:grpSpPr>
-      <p:sp>
-        <p:nvSpPr>
-          <p:cNvPr id="2" name="Title 1">
-            <a:extLst>
-              <a:ext uri="{FF2B5EF4-FFF2-40B4-BE49-F238E27FC236}">
-                <a16:creationId xmlns:a16="http://schemas.microsoft.com/office/drawing/2014/main" id="{F8FB7C8F-CD4A-0048-938C-8E0E081D3C5D}"/>
-              </a:ext>
-            </a:extLst>
-          </p:cNvPr>
-          <p:cNvSpPr>
-            <a:spLocks noGrp="1"/>
-          </p:cNvSpPr>
-          <p:nvPr>
-            <p:ph type="title"/>
-          </p:nvPr>
-        </p:nvSpPr>
-        <p:spPr/>
-        <p:txBody>
-          <a:bodyPr/>
-          <a:lstStyle/>
-          <a:p>
-            <a:r>
-              <a:rPr lang="en-US" dirty="0"/>
-              <a:t>Data science example</a:t>
-            </a:r>
-          </a:p>
-        </p:txBody>
-      </p:sp>
-      <p:sp>
-        <p:nvSpPr>
-          <p:cNvPr id="3" name="Content Placeholder 2">
-            <a:extLst>
-              <a:ext uri="{FF2B5EF4-FFF2-40B4-BE49-F238E27FC236}">
-                <a16:creationId xmlns:a16="http://schemas.microsoft.com/office/drawing/2014/main" id="{F39B1A2E-C248-7F4C-828C-8E23B7596C44}"/>
-              </a:ext>
-            </a:extLst>
-          </p:cNvPr>
-          <p:cNvSpPr>
-            <a:spLocks noGrp="1"/>
-          </p:cNvSpPr>
-          <p:nvPr>
-            <p:ph idx="1"/>
-          </p:nvPr>
-        </p:nvSpPr>
-        <p:spPr>
-          <a:xfrm>
-            <a:off x="838200" y="1825625"/>
-            <a:ext cx="8777909" cy="4351338"/>
-          </a:xfrm>
-        </p:spPr>
-        <p:txBody>
-          <a:bodyPr/>
-          <a:lstStyle/>
-          <a:p>
-            <a:r>
-              <a:rPr lang="en-US" dirty="0"/>
-              <a:t>The overall program is often a sequence of function calls that perform the subtasks; you might have something like:</a:t>
-            </a:r>
-          </a:p>
-          <a:p>
-            <a:pPr marL="914400" lvl="1" indent="-457200">
-              <a:buFont typeface="+mj-lt"/>
-              <a:buAutoNum type="arabicPeriod"/>
-            </a:pPr>
-            <a:r>
-              <a:rPr lang="en-US" dirty="0"/>
-              <a:t>Acquire data</a:t>
-            </a:r>
-          </a:p>
-          <a:p>
-            <a:pPr marL="914400" lvl="1" indent="-457200">
-              <a:buFont typeface="+mj-lt"/>
-              <a:buAutoNum type="arabicPeriod"/>
-            </a:pPr>
-            <a:r>
-              <a:rPr lang="en-US" dirty="0"/>
-              <a:t>Clean data</a:t>
-            </a:r>
-          </a:p>
-          <a:p>
-            <a:pPr marL="914400" lvl="1" indent="-457200">
-              <a:buFont typeface="+mj-lt"/>
-              <a:buAutoNum type="arabicPeriod"/>
-            </a:pPr>
-            <a:r>
-              <a:rPr lang="en-US" dirty="0"/>
-              <a:t>Compute statistics</a:t>
-            </a:r>
-          </a:p>
-          <a:p>
-            <a:pPr marL="914400" lvl="1" indent="-457200">
-              <a:buFont typeface="+mj-lt"/>
-              <a:buAutoNum type="arabicPeriod"/>
-            </a:pPr>
-            <a:r>
-              <a:rPr lang="en-US" dirty="0"/>
-              <a:t>Visualize results</a:t>
-            </a:r>
-          </a:p>
-          <a:p>
-            <a:r>
-              <a:rPr lang="en-US" dirty="0"/>
-              <a:t>Top-down design: solve overall problem with high-level tasks, then design those subtasks</a:t>
-            </a:r>
-          </a:p>
-          <a:p>
-            <a:r>
-              <a:rPr lang="en-US" dirty="0"/>
-              <a:t>Subtasks might be broken into </a:t>
-            </a:r>
-            <a:r>
-              <a:rPr lang="en-US" dirty="0" err="1"/>
-              <a:t>subsubtasks</a:t>
-            </a:r>
-            <a:r>
-              <a:rPr lang="en-US" dirty="0"/>
-              <a:t> </a:t>
-            </a:r>
-            <a:r>
-              <a:rPr lang="en-US" dirty="0" err="1"/>
-              <a:t>etc</a:t>
-            </a:r>
-            <a:r>
-              <a:rPr lang="en-US" dirty="0"/>
-              <a:t>…</a:t>
-            </a:r>
-          </a:p>
-          <a:p>
-            <a:endParaRPr lang="en-US" dirty="0"/>
-          </a:p>
-        </p:txBody>
-      </p:sp>
-      <p:pic>
-        <p:nvPicPr>
-          <p:cNvPr id="5" name="Picture 4">
-            <a:extLst>
-              <a:ext uri="{FF2B5EF4-FFF2-40B4-BE49-F238E27FC236}">
-                <a16:creationId xmlns:a16="http://schemas.microsoft.com/office/drawing/2014/main" id="{6D4B8E62-AF0A-E943-9EF7-85A71ADE06B9}"/>
-              </a:ext>
-            </a:extLst>
-          </p:cNvPr>
-          <p:cNvPicPr>
-            <a:picLocks noChangeAspect="1"/>
-          </p:cNvPicPr>
-          <p:nvPr/>
-        </p:nvPicPr>
-        <p:blipFill>
-          <a:blip r:embed="rId2"/>
-          <a:stretch>
-            <a:fillRect/>
-          </a:stretch>
-        </p:blipFill>
-        <p:spPr>
-          <a:xfrm>
-            <a:off x="9894888" y="448041"/>
-            <a:ext cx="2014613" cy="5494399"/>
-          </a:xfrm>
-          <a:prstGeom prst="rect">
-            <a:avLst/>
-          </a:prstGeom>
-        </p:spPr>
-      </p:pic>
-    </p:spTree>
-    <p:extLst>
-      <p:ext uri="{BB962C8B-B14F-4D97-AF65-F5344CB8AC3E}">
-        <p14:creationId xmlns:p14="http://schemas.microsoft.com/office/powerpoint/2010/main" val="2828748015"/>
-      </p:ext>
-    </p:extLst>
-  </p:cSld>
-  <p:clrMapOvr>
-    <a:masterClrMapping/>
-  </p:clrMapOvr>
-</p:sld>
-</file>
-
-<file path=ppt/slides/slide5.xml><?xml version="1.0" encoding="utf-8"?>
-<p:sld xmlns:a="http://schemas.openxmlformats.org/drawingml/2006/main" xmlns:r="http://schemas.openxmlformats.org/officeDocument/2006/relationships" xmlns:p="http://schemas.openxmlformats.org/presentationml/2006/main">
-  <p:cSld>
-    <p:spTree>
-      <p:nvGrpSpPr>
-        <p:cNvPr id="1" name=""/>
-        <p:cNvGrpSpPr/>
-        <p:nvPr/>
-      </p:nvGrpSpPr>
-      <p:grpSpPr>
-        <a:xfrm>
-          <a:off x="0" y="0"/>
-          <a:ext cx="0" cy="0"/>
-          <a:chOff x="0" y="0"/>
-          <a:chExt cx="0" cy="0"/>
-        </a:xfrm>
-      </p:grpSpPr>
-      <p:sp>
-        <p:nvSpPr>
-          <p:cNvPr id="2" name="Title 1">
-            <a:extLst>
-              <a:ext uri="{FF2B5EF4-FFF2-40B4-BE49-F238E27FC236}">
-                <a16:creationId xmlns:a16="http://schemas.microsoft.com/office/drawing/2014/main" id="{FCDF0F6A-F3CA-974E-9800-BAEE112858A1}"/>
-              </a:ext>
-            </a:extLst>
-          </p:cNvPr>
-          <p:cNvSpPr>
-            <a:spLocks noGrp="1"/>
-          </p:cNvSpPr>
-          <p:nvPr>
-            <p:ph type="title"/>
-          </p:nvPr>
-        </p:nvSpPr>
-        <p:spPr/>
-        <p:txBody>
-          <a:bodyPr/>
-          <a:lstStyle/>
-          <a:p>
-            <a:r>
-              <a:rPr lang="en-US" dirty="0"/>
-              <a:t> The motivation to define functions</a:t>
-            </a:r>
-          </a:p>
-        </p:txBody>
-      </p:sp>
-      <p:sp>
-        <p:nvSpPr>
-          <p:cNvPr id="3" name="Content Placeholder 2">
-            <a:extLst>
-              <a:ext uri="{FF2B5EF4-FFF2-40B4-BE49-F238E27FC236}">
-                <a16:creationId xmlns:a16="http://schemas.microsoft.com/office/drawing/2014/main" id="{D579D632-56C9-914D-A40E-AEF331B1904D}"/>
-              </a:ext>
-            </a:extLst>
-          </p:cNvPr>
-          <p:cNvSpPr>
-            <a:spLocks noGrp="1"/>
-          </p:cNvSpPr>
-          <p:nvPr>
-            <p:ph idx="1"/>
-          </p:nvPr>
-        </p:nvSpPr>
-        <p:spPr/>
-        <p:txBody>
-          <a:bodyPr/>
-          <a:lstStyle/>
-          <a:p>
-            <a:r>
-              <a:rPr lang="en-US" dirty="0"/>
-              <a:t>Helps organize our programs, which really helps readability</a:t>
-            </a:r>
-          </a:p>
-          <a:p>
-            <a:r>
-              <a:rPr lang="en-US" dirty="0"/>
-              <a:t>Fosters code reuse, thus, increasing productivity</a:t>
-            </a:r>
-          </a:p>
-          <a:p>
-            <a:r>
-              <a:rPr lang="en-US" dirty="0"/>
-              <a:t>Lets us focus on just the functionality inside the function, which helps reduce what we have to think about at once</a:t>
-            </a:r>
-          </a:p>
-          <a:p>
-            <a:r>
-              <a:rPr lang="en-US" dirty="0"/>
-              <a:t>Functions have well-established input and output (arguments and return values), which can make debugging easier and improves reusability</a:t>
-            </a:r>
-          </a:p>
-          <a:p>
-            <a:endParaRPr lang="en-US" dirty="0"/>
-          </a:p>
-        </p:txBody>
-      </p:sp>
-    </p:spTree>
-    <p:extLst>
-      <p:ext uri="{BB962C8B-B14F-4D97-AF65-F5344CB8AC3E}">
-        <p14:creationId xmlns:p14="http://schemas.microsoft.com/office/powerpoint/2010/main" val="3674231122"/>
-      </p:ext>
-    </p:extLst>
-  </p:cSld>
-  <p:clrMapOvr>
-    <a:masterClrMapping/>
-  </p:clrMapOvr>
-</p:sld>
-</file>
-
-<file path=ppt/slides/slide6.xml><?xml version="1.0" encoding="utf-8"?>
-<p:sld xmlns:a="http://schemas.openxmlformats.org/drawingml/2006/main" xmlns:r="http://schemas.openxmlformats.org/officeDocument/2006/relationships" xmlns:p="http://schemas.openxmlformats.org/presentationml/2006/main">
-  <p:cSld>
-    <p:spTree>
-      <p:nvGrpSpPr>
-        <p:cNvPr id="1" name=""/>
-        <p:cNvGrpSpPr/>
-        <p:nvPr/>
-      </p:nvGrpSpPr>
-      <p:grpSpPr>
-        <a:xfrm>
-          <a:off x="0" y="0"/>
-          <a:ext cx="0" cy="0"/>
-          <a:chOff x="0" y="0"/>
-          <a:chExt cx="0" cy="0"/>
-        </a:xfrm>
-      </p:grpSpPr>
-      <p:sp>
-        <p:nvSpPr>
-          <p:cNvPr id="2" name="Title 1">
-            <a:extLst>
-              <a:ext uri="{FF2B5EF4-FFF2-40B4-BE49-F238E27FC236}">
-                <a16:creationId xmlns:a16="http://schemas.microsoft.com/office/drawing/2014/main" id="{8567B75D-2D10-7242-8CE6-E53E6A51DD19}"/>
-              </a:ext>
-            </a:extLst>
-          </p:cNvPr>
-          <p:cNvSpPr>
-            <a:spLocks noGrp="1"/>
-          </p:cNvSpPr>
-          <p:nvPr>
-            <p:ph type="title"/>
-          </p:nvPr>
-        </p:nvSpPr>
-        <p:spPr>
-          <a:xfrm>
-            <a:off x="838200" y="365126"/>
-            <a:ext cx="10515600" cy="807692"/>
-          </a:xfrm>
-        </p:spPr>
-        <p:txBody>
-          <a:bodyPr/>
-          <a:lstStyle/>
-          <a:p>
-            <a:r>
-              <a:rPr lang="en-US" dirty="0"/>
-              <a:t>How to plan out a function</a:t>
-            </a:r>
-          </a:p>
-        </p:txBody>
-      </p:sp>
-      <p:sp>
-        <p:nvSpPr>
-          <p:cNvPr id="3" name="Content Placeholder 2">
-            <a:extLst>
-              <a:ext uri="{FF2B5EF4-FFF2-40B4-BE49-F238E27FC236}">
-                <a16:creationId xmlns:a16="http://schemas.microsoft.com/office/drawing/2014/main" id="{01334F47-9150-274D-B29E-7980F0736C02}"/>
-              </a:ext>
-            </a:extLst>
-          </p:cNvPr>
-          <p:cNvSpPr>
-            <a:spLocks noGrp="1"/>
-          </p:cNvSpPr>
-          <p:nvPr>
-            <p:ph idx="1"/>
-          </p:nvPr>
-        </p:nvSpPr>
-        <p:spPr>
-          <a:xfrm>
-            <a:off x="838200" y="1172818"/>
-            <a:ext cx="10515600" cy="5188225"/>
-          </a:xfrm>
-        </p:spPr>
-        <p:txBody>
-          <a:bodyPr>
-            <a:normAutofit fontScale="92500" lnSpcReduction="10000"/>
-          </a:bodyPr>
-          <a:lstStyle/>
-          <a:p>
-            <a:r>
-              <a:rPr lang="en-US" dirty="0"/>
-              <a:t>First, identify:</a:t>
-            </a:r>
-          </a:p>
-          <a:p>
-            <a:pPr marL="914400" lvl="1" indent="-457200">
-              <a:buFont typeface="+mj-lt"/>
-              <a:buAutoNum type="arabicPeriod"/>
-            </a:pPr>
-            <a:r>
-              <a:rPr lang="en-US" dirty="0"/>
-              <a:t>a descriptive function name</a:t>
-            </a:r>
-          </a:p>
-          <a:p>
-            <a:pPr marL="914400" lvl="1" indent="-457200">
-              <a:buFont typeface="+mj-lt"/>
-              <a:buAutoNum type="arabicPeriod"/>
-            </a:pPr>
-            <a:r>
-              <a:rPr lang="en-US" dirty="0"/>
-              <a:t>the kind of value(s) it operates on (parameter types)</a:t>
-            </a:r>
-          </a:p>
-          <a:p>
-            <a:pPr marL="914400" lvl="1" indent="-457200">
-              <a:buFont typeface="+mj-lt"/>
-              <a:buAutoNum type="arabicPeriod"/>
-            </a:pPr>
-            <a:r>
-              <a:rPr lang="en-US" dirty="0"/>
-              <a:t>the kind of value(s) it returns (return type)</a:t>
-            </a:r>
-          </a:p>
-          <a:p>
-            <a:pPr marL="914400" lvl="1" indent="-457200">
-              <a:buFont typeface="+mj-lt"/>
-              <a:buAutoNum type="arabicPeriod"/>
-            </a:pPr>
-            <a:r>
-              <a:rPr lang="en-US" dirty="0"/>
-              <a:t>what the function does and the value(s) it returns</a:t>
-            </a:r>
-          </a:p>
-          <a:p>
-            <a:r>
-              <a:rPr lang="en-US" dirty="0"/>
-              <a:t>If we can't specify exactly what goes in and out of the function, there's no hope of determining the processing steps, let alone Python code, to implement that function</a:t>
-            </a:r>
-          </a:p>
-          <a:p>
-            <a:r>
-              <a:rPr lang="en-US" dirty="0"/>
-              <a:t>Write some sample function invocations to show what data goes in and what data comes out</a:t>
-            </a:r>
-          </a:p>
-          <a:p>
-            <a:r>
-              <a:rPr lang="en-US" dirty="0"/>
-              <a:t>Then try to work out the steps, possibly working from the return value backwards</a:t>
-            </a:r>
-          </a:p>
-          <a:p>
-            <a:r>
-              <a:rPr lang="en-US" dirty="0"/>
-              <a:t>Then write the code that implements the steps</a:t>
-            </a:r>
-          </a:p>
-          <a:p>
-            <a:endParaRPr lang="en-US" dirty="0"/>
-          </a:p>
-        </p:txBody>
-      </p:sp>
-    </p:spTree>
-    <p:extLst>
-      <p:ext uri="{BB962C8B-B14F-4D97-AF65-F5344CB8AC3E}">
-        <p14:creationId xmlns:p14="http://schemas.microsoft.com/office/powerpoint/2010/main" val="2829785760"/>
-      </p:ext>
-    </p:extLst>
-  </p:cSld>
-  <p:clrMapOvr>
-    <a:masterClrMapping/>
-  </p:clrMapOvr>
-</p:sld>
-</file>
-
-<file path=ppt/slides/slide7.xml><?xml version="1.0" encoding="utf-8"?>
-<p:sld xmlns:a="http://schemas.openxmlformats.org/drawingml/2006/main" xmlns:r="http://schemas.openxmlformats.org/officeDocument/2006/relationships" xmlns:p="http://schemas.openxmlformats.org/presentationml/2006/main">
-  <p:cSld>
-    <p:spTree>
-      <p:nvGrpSpPr>
-        <p:cNvPr id="1" name=""/>
-        <p:cNvGrpSpPr/>
-        <p:nvPr/>
-      </p:nvGrpSpPr>
-      <p:grpSpPr>
-        <a:xfrm>
-          <a:off x="0" y="0"/>
-          <a:ext cx="0" cy="0"/>
-          <a:chOff x="0" y="0"/>
-          <a:chExt cx="0" cy="0"/>
-        </a:xfrm>
-      </p:grpSpPr>
-      <p:sp>
-        <p:nvSpPr>
-          <p:cNvPr id="2" name="Title 1">
-            <a:extLst>
-              <a:ext uri="{FF2B5EF4-FFF2-40B4-BE49-F238E27FC236}">
-                <a16:creationId xmlns:a16="http://schemas.microsoft.com/office/drawing/2014/main" id="{7D941651-D312-C345-B38B-BB682D871E38}"/>
-              </a:ext>
-            </a:extLst>
-          </p:cNvPr>
-          <p:cNvSpPr>
-            <a:spLocks noGrp="1"/>
-          </p:cNvSpPr>
-          <p:nvPr>
-            <p:ph type="title"/>
-          </p:nvPr>
-        </p:nvSpPr>
-        <p:spPr>
-          <a:xfrm>
-            <a:off x="838200" y="365125"/>
-            <a:ext cx="10515600" cy="1165501"/>
-          </a:xfrm>
-        </p:spPr>
-        <p:txBody>
-          <a:bodyPr/>
-          <a:lstStyle/>
-          <a:p>
-            <a:r>
-              <a:rPr lang="en-US" dirty="0"/>
-              <a:t>Coding a function</a:t>
-            </a:r>
-          </a:p>
-        </p:txBody>
-      </p:sp>
-      <p:sp>
-        <p:nvSpPr>
-          <p:cNvPr id="3" name="Content Placeholder 2">
-            <a:extLst>
-              <a:ext uri="{FF2B5EF4-FFF2-40B4-BE49-F238E27FC236}">
-                <a16:creationId xmlns:a16="http://schemas.microsoft.com/office/drawing/2014/main" id="{39A5FAF8-591F-0C42-82CC-DA8BE12B17DF}"/>
-              </a:ext>
-            </a:extLst>
-          </p:cNvPr>
-          <p:cNvSpPr>
-            <a:spLocks noGrp="1"/>
-          </p:cNvSpPr>
-          <p:nvPr>
-            <p:ph idx="1"/>
-          </p:nvPr>
-        </p:nvSpPr>
-        <p:spPr>
-          <a:xfrm>
-            <a:off x="838200" y="1825624"/>
-            <a:ext cx="10515600" cy="4555297"/>
-          </a:xfrm>
-        </p:spPr>
-        <p:txBody>
-          <a:bodyPr>
-            <a:normAutofit/>
-          </a:bodyPr>
-          <a:lstStyle/>
-          <a:p>
-            <a:r>
-              <a:rPr lang="en-US" dirty="0"/>
-              <a:t>The code template for a function with no arguments is:</a:t>
-            </a:r>
-          </a:p>
-          <a:p>
-            <a:endParaRPr lang="en-US" dirty="0"/>
-          </a:p>
-          <a:p>
-            <a:endParaRPr lang="en-US" dirty="0"/>
-          </a:p>
-          <a:p>
-            <a:endParaRPr lang="en-US" dirty="0"/>
-          </a:p>
-          <a:p>
-            <a:endParaRPr lang="en-US" dirty="0"/>
-          </a:p>
-          <a:p>
-            <a:endParaRPr lang="en-US" dirty="0"/>
-          </a:p>
-          <a:p>
-            <a:r>
-              <a:rPr lang="en-US" dirty="0"/>
-              <a:t>Recall: we associate statements with a function by indentation</a:t>
-            </a:r>
-          </a:p>
-          <a:p>
-            <a:r>
-              <a:rPr lang="en-US" dirty="0"/>
-              <a:t>The function definition does not execute the code inside; it just defines the function for our use</a:t>
-            </a:r>
-            <a:endParaRPr lang="en-US" b="1" dirty="0"/>
-          </a:p>
-        </p:txBody>
-      </p:sp>
-      <p:sp>
-        <p:nvSpPr>
-          <p:cNvPr id="4" name="Rectangle 3">
-            <a:extLst>
-              <a:ext uri="{FF2B5EF4-FFF2-40B4-BE49-F238E27FC236}">
-                <a16:creationId xmlns:a16="http://schemas.microsoft.com/office/drawing/2014/main" id="{68429EC3-EDC8-E549-92ED-B3F3A56DBCB2}"/>
-              </a:ext>
-            </a:extLst>
-          </p:cNvPr>
-          <p:cNvSpPr/>
-          <p:nvPr/>
-        </p:nvSpPr>
-        <p:spPr>
-          <a:xfrm>
-            <a:off x="1131405" y="2455064"/>
-            <a:ext cx="6096000" cy="2246769"/>
-          </a:xfrm>
-          <a:prstGeom prst="rect">
-            <a:avLst/>
-          </a:prstGeom>
-        </p:spPr>
-        <p:txBody>
-          <a:bodyPr>
-            <a:spAutoFit/>
-          </a:bodyPr>
-          <a:lstStyle/>
-          <a:p>
-            <a:r>
-              <a:rPr lang="en-US" sz="2800" dirty="0">
-                <a:latin typeface="Consolas" panose="020B0609020204030204" pitchFamily="49" charset="0"/>
-                <a:cs typeface="Consolas" panose="020B0609020204030204" pitchFamily="49" charset="0"/>
-              </a:rPr>
-              <a:t>def</a:t>
-            </a:r>
-            <a:r>
-              <a:rPr lang="en-US" sz="2800" dirty="0">
-                <a:solidFill>
-                  <a:srgbClr val="000000"/>
-                </a:solidFill>
-                <a:latin typeface="Consolas" panose="020B0609020204030204" pitchFamily="49" charset="0"/>
-                <a:cs typeface="Consolas" panose="020B0609020204030204" pitchFamily="49" charset="0"/>
-              </a:rPr>
-              <a:t> </a:t>
-            </a:r>
-            <a:r>
-              <a:rPr lang="en-US" sz="2800" i="1" dirty="0" err="1">
-                <a:solidFill>
-                  <a:srgbClr val="000000"/>
-                </a:solidFill>
-                <a:latin typeface="Consolas" panose="020B0609020204030204" pitchFamily="49" charset="0"/>
-                <a:cs typeface="Consolas" panose="020B0609020204030204" pitchFamily="49" charset="0"/>
-              </a:rPr>
-              <a:t>funcname</a:t>
-            </a:r>
-            <a:r>
-              <a:rPr lang="en-US" sz="2800" dirty="0">
-                <a:latin typeface="Consolas" panose="020B0609020204030204" pitchFamily="49" charset="0"/>
-                <a:cs typeface="Consolas" panose="020B0609020204030204" pitchFamily="49" charset="0"/>
-              </a:rPr>
-              <a:t>()</a:t>
-            </a:r>
-            <a:r>
-              <a:rPr lang="en-US" sz="2800" dirty="0">
-                <a:solidFill>
-                  <a:srgbClr val="000000"/>
-                </a:solidFill>
-                <a:latin typeface="Consolas" panose="020B0609020204030204" pitchFamily="49" charset="0"/>
-                <a:cs typeface="Consolas" panose="020B0609020204030204" pitchFamily="49" charset="0"/>
-              </a:rPr>
-              <a:t>:</a:t>
-            </a:r>
-            <a:br>
-              <a:rPr lang="en-US" sz="2800" dirty="0">
-                <a:latin typeface="Consolas" panose="020B0609020204030204" pitchFamily="49" charset="0"/>
-                <a:cs typeface="Consolas" panose="020B0609020204030204" pitchFamily="49" charset="0"/>
-              </a:rPr>
-            </a:br>
-            <a:r>
-              <a:rPr lang="en-US" sz="2800" dirty="0">
-                <a:solidFill>
-                  <a:srgbClr val="000000"/>
-                </a:solidFill>
-                <a:latin typeface="Consolas" panose="020B0609020204030204" pitchFamily="49" charset="0"/>
-                <a:cs typeface="Consolas" panose="020B0609020204030204" pitchFamily="49" charset="0"/>
-              </a:rPr>
-              <a:t>    </a:t>
-            </a:r>
-            <a:r>
-              <a:rPr lang="en-US" sz="2800" i="1" dirty="0">
-                <a:solidFill>
-                  <a:srgbClr val="000000"/>
-                </a:solidFill>
-                <a:latin typeface="Consolas" panose="020B0609020204030204" pitchFamily="49" charset="0"/>
-                <a:cs typeface="Consolas" panose="020B0609020204030204" pitchFamily="49" charset="0"/>
-              </a:rPr>
-              <a:t>statement 1</a:t>
-            </a:r>
-            <a:br>
-              <a:rPr lang="en-US" sz="2800" dirty="0">
-                <a:latin typeface="Consolas" panose="020B0609020204030204" pitchFamily="49" charset="0"/>
-                <a:cs typeface="Consolas" panose="020B0609020204030204" pitchFamily="49" charset="0"/>
-              </a:rPr>
-            </a:br>
-            <a:r>
-              <a:rPr lang="en-US" sz="2800" dirty="0">
-                <a:solidFill>
-                  <a:srgbClr val="000000"/>
-                </a:solidFill>
-                <a:latin typeface="Consolas" panose="020B0609020204030204" pitchFamily="49" charset="0"/>
-                <a:cs typeface="Consolas" panose="020B0609020204030204" pitchFamily="49" charset="0"/>
-              </a:rPr>
-              <a:t>    </a:t>
-            </a:r>
-            <a:r>
-              <a:rPr lang="en-US" sz="2800" i="1" dirty="0">
-                <a:solidFill>
-                  <a:srgbClr val="000000"/>
-                </a:solidFill>
-                <a:latin typeface="Consolas" panose="020B0609020204030204" pitchFamily="49" charset="0"/>
-                <a:cs typeface="Consolas" panose="020B0609020204030204" pitchFamily="49" charset="0"/>
-              </a:rPr>
-              <a:t>statement 2</a:t>
-            </a:r>
-            <a:br>
-              <a:rPr lang="en-US" sz="2800" dirty="0">
-                <a:latin typeface="Consolas" panose="020B0609020204030204" pitchFamily="49" charset="0"/>
-                <a:cs typeface="Consolas" panose="020B0609020204030204" pitchFamily="49" charset="0"/>
-              </a:rPr>
-            </a:br>
-            <a:r>
-              <a:rPr lang="en-US" sz="2800" dirty="0">
-                <a:solidFill>
-                  <a:srgbClr val="000000"/>
-                </a:solidFill>
-                <a:latin typeface="Consolas" panose="020B0609020204030204" pitchFamily="49" charset="0"/>
-                <a:cs typeface="Consolas" panose="020B0609020204030204" pitchFamily="49" charset="0"/>
-              </a:rPr>
-              <a:t>    </a:t>
-            </a:r>
-            <a:r>
-              <a:rPr lang="en-US" sz="2800" i="1" dirty="0">
-                <a:solidFill>
-                  <a:srgbClr val="000000"/>
-                </a:solidFill>
-                <a:latin typeface="Consolas" panose="020B0609020204030204" pitchFamily="49" charset="0"/>
-                <a:cs typeface="Consolas" panose="020B0609020204030204" pitchFamily="49" charset="0"/>
-              </a:rPr>
-              <a:t>...</a:t>
-            </a:r>
-            <a:br>
-              <a:rPr lang="en-US" sz="2800" dirty="0">
-                <a:latin typeface="Consolas" panose="020B0609020204030204" pitchFamily="49" charset="0"/>
-                <a:cs typeface="Consolas" panose="020B0609020204030204" pitchFamily="49" charset="0"/>
-              </a:rPr>
-            </a:br>
-            <a:r>
-              <a:rPr lang="en-US" sz="2800" dirty="0">
-                <a:solidFill>
-                  <a:srgbClr val="000000"/>
-                </a:solidFill>
-                <a:latin typeface="Consolas" panose="020B0609020204030204" pitchFamily="49" charset="0"/>
-                <a:cs typeface="Consolas" panose="020B0609020204030204" pitchFamily="49" charset="0"/>
-              </a:rPr>
-              <a:t>    </a:t>
-            </a:r>
-            <a:r>
-              <a:rPr lang="en-US" sz="2800" dirty="0">
-                <a:latin typeface="Consolas" panose="020B0609020204030204" pitchFamily="49" charset="0"/>
-                <a:cs typeface="Consolas" panose="020B0609020204030204" pitchFamily="49" charset="0"/>
-              </a:rPr>
-              <a:t>return</a:t>
-            </a:r>
-            <a:r>
-              <a:rPr lang="en-US" sz="2800" dirty="0">
-                <a:solidFill>
-                  <a:srgbClr val="000000"/>
-                </a:solidFill>
-                <a:latin typeface="Consolas" panose="020B0609020204030204" pitchFamily="49" charset="0"/>
-                <a:cs typeface="Consolas" panose="020B0609020204030204" pitchFamily="49" charset="0"/>
-              </a:rPr>
-              <a:t> </a:t>
-            </a:r>
-            <a:r>
-              <a:rPr lang="en-US" sz="2800" i="1" dirty="0">
-                <a:solidFill>
-                  <a:srgbClr val="000000"/>
-                </a:solidFill>
-                <a:latin typeface="Consolas" panose="020B0609020204030204" pitchFamily="49" charset="0"/>
-                <a:cs typeface="Consolas" panose="020B0609020204030204" pitchFamily="49" charset="0"/>
-              </a:rPr>
-              <a:t>expression</a:t>
-            </a:r>
-            <a:endParaRPr lang="en-US" sz="2800" dirty="0">
-              <a:latin typeface="Consolas" panose="020B0609020204030204" pitchFamily="49" charset="0"/>
-              <a:cs typeface="Consolas" panose="020B0609020204030204" pitchFamily="49" charset="0"/>
-            </a:endParaRPr>
-          </a:p>
-        </p:txBody>
-      </p:sp>
-      <p:sp>
-        <p:nvSpPr>
-          <p:cNvPr id="5" name="Rectangle 4">
-            <a:extLst>
-              <a:ext uri="{FF2B5EF4-FFF2-40B4-BE49-F238E27FC236}">
-                <a16:creationId xmlns:a16="http://schemas.microsoft.com/office/drawing/2014/main" id="{B01057F7-FC90-6349-A611-FDC910FA1BF5}"/>
-              </a:ext>
-            </a:extLst>
-          </p:cNvPr>
-          <p:cNvSpPr/>
-          <p:nvPr/>
-        </p:nvSpPr>
-        <p:spPr>
-          <a:xfrm>
-            <a:off x="6496879" y="2474893"/>
-            <a:ext cx="3737112" cy="954107"/>
-          </a:xfrm>
-          <a:prstGeom prst="rect">
-            <a:avLst/>
-          </a:prstGeom>
-        </p:spPr>
-        <p:txBody>
-          <a:bodyPr wrap="square">
-            <a:spAutoFit/>
-          </a:bodyPr>
-          <a:lstStyle/>
-          <a:p>
-            <a:r>
-              <a:rPr lang="en-US" sz="2800" dirty="0">
-                <a:latin typeface="Consolas" panose="020B0609020204030204" pitchFamily="49" charset="0"/>
-                <a:cs typeface="Consolas" panose="020B0609020204030204" pitchFamily="49" charset="0"/>
-              </a:rPr>
-              <a:t>def pi():</a:t>
-            </a:r>
-          </a:p>
-          <a:p>
-            <a:r>
-              <a:rPr lang="en-US" sz="2800" dirty="0">
-                <a:latin typeface="Consolas" panose="020B0609020204030204" pitchFamily="49" charset="0"/>
-                <a:cs typeface="Consolas" panose="020B0609020204030204" pitchFamily="49" charset="0"/>
-              </a:rPr>
-              <a:t>    return 3.14159</a:t>
-            </a:r>
-          </a:p>
-        </p:txBody>
-      </p:sp>
-      <p:cxnSp>
-        <p:nvCxnSpPr>
-          <p:cNvPr id="7" name="Straight Arrow Connector 6">
-            <a:extLst>
-              <a:ext uri="{FF2B5EF4-FFF2-40B4-BE49-F238E27FC236}">
-                <a16:creationId xmlns:a16="http://schemas.microsoft.com/office/drawing/2014/main" id="{EA94AC3C-B7C3-EC4C-A412-9F511DF458B8}"/>
-              </a:ext>
-            </a:extLst>
-          </p:cNvPr>
-          <p:cNvCxnSpPr>
-            <a:cxnSpLocks/>
-          </p:cNvCxnSpPr>
-          <p:nvPr/>
-        </p:nvCxnSpPr>
-        <p:spPr>
-          <a:xfrm flipV="1">
-            <a:off x="1580322" y="4611757"/>
-            <a:ext cx="377686" cy="377687"/>
-          </a:xfrm>
-          <a:prstGeom prst="straightConnector1">
-            <a:avLst/>
-          </a:prstGeom>
-          <a:ln>
-            <a:tailEnd type="triangle"/>
-          </a:ln>
-        </p:spPr>
-        <p:style>
-          <a:lnRef idx="1">
-            <a:schemeClr val="accent1"/>
-          </a:lnRef>
-          <a:fillRef idx="0">
-            <a:schemeClr val="accent1"/>
-          </a:fillRef>
-          <a:effectRef idx="0">
-            <a:schemeClr val="accent1"/>
-          </a:effectRef>
-          <a:fontRef idx="minor">
-            <a:schemeClr val="tx1"/>
-          </a:fontRef>
-        </p:style>
-      </p:cxnSp>
-      <p:cxnSp>
-        <p:nvCxnSpPr>
-          <p:cNvPr id="13" name="Straight Connector 12">
-            <a:extLst>
-              <a:ext uri="{FF2B5EF4-FFF2-40B4-BE49-F238E27FC236}">
-                <a16:creationId xmlns:a16="http://schemas.microsoft.com/office/drawing/2014/main" id="{1A2D193F-54AC-5C4D-B44F-4C26126142D0}"/>
-              </a:ext>
-            </a:extLst>
-          </p:cNvPr>
-          <p:cNvCxnSpPr>
-            <a:cxnSpLocks/>
-          </p:cNvCxnSpPr>
-          <p:nvPr/>
-        </p:nvCxnSpPr>
-        <p:spPr>
-          <a:xfrm>
-            <a:off x="1958008" y="3051314"/>
-            <a:ext cx="0" cy="1480931"/>
-          </a:xfrm>
-          <a:prstGeom prst="line">
-            <a:avLst/>
-          </a:prstGeom>
-        </p:spPr>
-        <p:style>
-          <a:lnRef idx="1">
-            <a:schemeClr val="accent1"/>
-          </a:lnRef>
-          <a:fillRef idx="0">
-            <a:schemeClr val="accent1"/>
-          </a:fillRef>
-          <a:effectRef idx="0">
-            <a:schemeClr val="accent1"/>
-          </a:effectRef>
-          <a:fontRef idx="minor">
-            <a:schemeClr val="tx1"/>
-          </a:fontRef>
-        </p:style>
-      </p:cxnSp>
-    </p:spTree>
-    <p:extLst>
-      <p:ext uri="{BB962C8B-B14F-4D97-AF65-F5344CB8AC3E}">
-        <p14:creationId xmlns:p14="http://schemas.microsoft.com/office/powerpoint/2010/main" val="852483636"/>
-      </p:ext>
-    </p:extLst>
-  </p:cSld>
-  <p:clrMapOvr>
-    <a:masterClrMapping/>
-  </p:clrMapOvr>
-</p:sld>
-</file>
-
-<file path=ppt/slides/slide8.xml><?xml version="1.0" encoding="utf-8"?>
-<p:sld xmlns:a="http://schemas.openxmlformats.org/drawingml/2006/main" xmlns:r="http://schemas.openxmlformats.org/officeDocument/2006/relationships" xmlns:p="http://schemas.openxmlformats.org/presentationml/2006/main">
-  <p:cSld>
-    <p:spTree>
-      <p:nvGrpSpPr>
-        <p:cNvPr id="1" name=""/>
-        <p:cNvGrpSpPr/>
-        <p:nvPr/>
-      </p:nvGrpSpPr>
-      <p:grpSpPr>
-        <a:xfrm>
-          <a:off x="0" y="0"/>
-          <a:ext cx="0" cy="0"/>
-          <a:chOff x="0" y="0"/>
-          <a:chExt cx="0" cy="0"/>
-        </a:xfrm>
-      </p:grpSpPr>
-      <p:sp>
-        <p:nvSpPr>
-          <p:cNvPr id="2" name="Title 1">
-            <a:extLst>
-              <a:ext uri="{FF2B5EF4-FFF2-40B4-BE49-F238E27FC236}">
-                <a16:creationId xmlns:a16="http://schemas.microsoft.com/office/drawing/2014/main" id="{9BC7682D-022C-964E-B5A5-BAEB6945A1B4}"/>
-              </a:ext>
-            </a:extLst>
-          </p:cNvPr>
-          <p:cNvSpPr>
-            <a:spLocks noGrp="1"/>
-          </p:cNvSpPr>
-          <p:nvPr>
-            <p:ph type="title"/>
-          </p:nvPr>
-        </p:nvSpPr>
-        <p:spPr/>
-        <p:txBody>
-          <a:bodyPr/>
-          <a:lstStyle/>
-          <a:p>
-            <a:r>
-              <a:rPr lang="en-US" dirty="0"/>
-              <a:t>Calling a function</a:t>
-            </a:r>
-          </a:p>
-        </p:txBody>
-      </p:sp>
-      <p:sp>
-        <p:nvSpPr>
-          <p:cNvPr id="3" name="Content Placeholder 2">
-            <a:extLst>
-              <a:ext uri="{FF2B5EF4-FFF2-40B4-BE49-F238E27FC236}">
-                <a16:creationId xmlns:a16="http://schemas.microsoft.com/office/drawing/2014/main" id="{21EBB609-588B-B14A-A288-F2DB8FEF64C7}"/>
-              </a:ext>
-            </a:extLst>
-          </p:cNvPr>
-          <p:cNvSpPr>
-            <a:spLocks noGrp="1"/>
-          </p:cNvSpPr>
-          <p:nvPr>
-            <p:ph idx="1"/>
-          </p:nvPr>
-        </p:nvSpPr>
-        <p:spPr>
-          <a:xfrm>
-            <a:off x="838200" y="1690688"/>
-            <a:ext cx="10515600" cy="4486275"/>
-          </a:xfrm>
-        </p:spPr>
-        <p:txBody>
-          <a:bodyPr>
-            <a:normAutofit/>
-          </a:bodyPr>
-          <a:lstStyle/>
-          <a:p>
-            <a:r>
-              <a:rPr lang="en-US" dirty="0"/>
-              <a:t>The definition of a function is different than calling a function</a:t>
-            </a:r>
-          </a:p>
-          <a:p>
-            <a:r>
-              <a:rPr lang="en-US" dirty="0"/>
-              <a:t>Calling a function requires the function name and any argument values; here, we don't have any arguments so we can do this:</a:t>
-            </a:r>
-          </a:p>
-          <a:p>
-            <a:endParaRPr lang="en-US" dirty="0"/>
-          </a:p>
-          <a:p>
-            <a:endParaRPr lang="en-US" dirty="0"/>
-          </a:p>
-          <a:p>
-            <a:endParaRPr lang="en-US" dirty="0"/>
-          </a:p>
-          <a:p>
-            <a:endParaRPr lang="en-US" dirty="0"/>
-          </a:p>
-          <a:p>
-            <a:endParaRPr lang="en-US" dirty="0"/>
-          </a:p>
-        </p:txBody>
-      </p:sp>
-      <p:pic>
-        <p:nvPicPr>
-          <p:cNvPr id="5" name="Picture 4" descr="Graphical user interface, text, application&#10;&#10;Description automatically generated">
-            <a:extLst>
-              <a:ext uri="{FF2B5EF4-FFF2-40B4-BE49-F238E27FC236}">
-                <a16:creationId xmlns:a16="http://schemas.microsoft.com/office/drawing/2014/main" id="{E1E22882-EFF8-E943-A2A0-01577E329420}"/>
-              </a:ext>
-            </a:extLst>
-          </p:cNvPr>
-          <p:cNvPicPr>
-            <a:picLocks noChangeAspect="1"/>
-          </p:cNvPicPr>
-          <p:nvPr/>
-        </p:nvPicPr>
-        <p:blipFill>
-          <a:blip r:embed="rId2"/>
-          <a:stretch>
-            <a:fillRect/>
-          </a:stretch>
-        </p:blipFill>
-        <p:spPr>
-          <a:xfrm>
-            <a:off x="2435144" y="3162057"/>
-            <a:ext cx="3681807" cy="2264708"/>
-          </a:xfrm>
-          <a:prstGeom prst="rect">
-            <a:avLst/>
-          </a:prstGeom>
-        </p:spPr>
-      </p:pic>
-      <p:sp>
-        <p:nvSpPr>
-          <p:cNvPr id="6" name="TextBox 5">
-            <a:extLst>
-              <a:ext uri="{FF2B5EF4-FFF2-40B4-BE49-F238E27FC236}">
-                <a16:creationId xmlns:a16="http://schemas.microsoft.com/office/drawing/2014/main" id="{8A4C77C0-8705-104D-97E8-05AFB95EFC93}"/>
+      <p:sp>
+        <p:nvSpPr>
+          <p:cNvPr id="9" name="TextBox 8">
+            <a:extLst>
+              <a:ext uri="{FF2B5EF4-FFF2-40B4-BE49-F238E27FC236}">
+                <a16:creationId xmlns:a16="http://schemas.microsoft.com/office/drawing/2014/main" id="{917B804E-81C3-8A4C-8A71-2AFB3A0260DB}"/>
               </a:ext>
             </a:extLst>
           </p:cNvPr>
@@ -7337,9 +4758,9 @@
           <p:nvPr/>
         </p:nvSpPr>
         <p:spPr>
-          <a:xfrm>
-            <a:off x="6496850" y="3472160"/>
-            <a:ext cx="3448878" cy="923330"/>
+          <a:xfrm rot="19917117">
+            <a:off x="4393674" y="5461422"/>
+            <a:ext cx="1851789" cy="369332"/>
           </a:xfrm>
           <a:prstGeom prst="rect">
             <a:avLst/>
@@ -7347,339 +4768,6 @@
           <a:noFill/>
         </p:spPr>
         <p:txBody>
-          <a:bodyPr wrap="square" rtlCol="0">
-            <a:spAutoFit/>
-          </a:bodyPr>
-          <a:lstStyle/>
-          <a:p>
-            <a:r>
-              <a:rPr lang="en-US" dirty="0"/>
-              <a:t>(We don't need a print statement here because we are executing inside a notebook)</a:t>
-            </a:r>
-          </a:p>
-        </p:txBody>
-      </p:sp>
-      <p:sp>
-        <p:nvSpPr>
-          <p:cNvPr id="8" name="Rectangle 7">
-            <a:extLst>
-              <a:ext uri="{FF2B5EF4-FFF2-40B4-BE49-F238E27FC236}">
-                <a16:creationId xmlns:a16="http://schemas.microsoft.com/office/drawing/2014/main" id="{156DBD54-F67A-D44A-B145-558240583D8D}"/>
-              </a:ext>
-            </a:extLst>
-          </p:cNvPr>
-          <p:cNvSpPr/>
-          <p:nvPr/>
-        </p:nvSpPr>
-        <p:spPr>
-          <a:xfrm>
-            <a:off x="8454888" y="405107"/>
-            <a:ext cx="3737112" cy="954107"/>
-          </a:xfrm>
-          <a:prstGeom prst="rect">
-            <a:avLst/>
-          </a:prstGeom>
-        </p:spPr>
-        <p:txBody>
-          <a:bodyPr wrap="square">
-            <a:spAutoFit/>
-          </a:bodyPr>
-          <a:lstStyle/>
-          <a:p>
-            <a:r>
-              <a:rPr lang="en-US" sz="2800" dirty="0">
-                <a:latin typeface="Consolas" panose="020B0609020204030204" pitchFamily="49" charset="0"/>
-                <a:cs typeface="Consolas" panose="020B0609020204030204" pitchFamily="49" charset="0"/>
-              </a:rPr>
-              <a:t>def pi():</a:t>
-            </a:r>
-          </a:p>
-          <a:p>
-            <a:r>
-              <a:rPr lang="en-US" sz="2800" dirty="0">
-                <a:latin typeface="Consolas" panose="020B0609020204030204" pitchFamily="49" charset="0"/>
-                <a:cs typeface="Consolas" panose="020B0609020204030204" pitchFamily="49" charset="0"/>
-              </a:rPr>
-              <a:t>    return 3.14159</a:t>
-            </a:r>
-          </a:p>
-        </p:txBody>
-      </p:sp>
-      <p:pic>
-        <p:nvPicPr>
-          <p:cNvPr id="10" name="Picture 9">
-            <a:extLst>
-              <a:ext uri="{FF2B5EF4-FFF2-40B4-BE49-F238E27FC236}">
-                <a16:creationId xmlns:a16="http://schemas.microsoft.com/office/drawing/2014/main" id="{2C98187C-7B54-294B-8BC4-33A82FDBF632}"/>
-              </a:ext>
-            </a:extLst>
-          </p:cNvPr>
-          <p:cNvPicPr>
-            <a:picLocks noChangeAspect="1"/>
-          </p:cNvPicPr>
-          <p:nvPr/>
-        </p:nvPicPr>
-        <p:blipFill>
-          <a:blip r:embed="rId3"/>
-          <a:stretch>
-            <a:fillRect/>
-          </a:stretch>
-        </p:blipFill>
-        <p:spPr>
-          <a:xfrm>
-            <a:off x="5725768" y="106908"/>
-            <a:ext cx="2436506" cy="1550504"/>
-          </a:xfrm>
-          <a:prstGeom prst="rect">
-            <a:avLst/>
-          </a:prstGeom>
-        </p:spPr>
-      </p:pic>
-    </p:spTree>
-    <p:extLst>
-      <p:ext uri="{BB962C8B-B14F-4D97-AF65-F5344CB8AC3E}">
-        <p14:creationId xmlns:p14="http://schemas.microsoft.com/office/powerpoint/2010/main" val="2813702703"/>
-      </p:ext>
-    </p:extLst>
-  </p:cSld>
-  <p:clrMapOvr>
-    <a:masterClrMapping/>
-  </p:clrMapOvr>
-</p:sld>
-</file>
-
-<file path=ppt/slides/slide9.xml><?xml version="1.0" encoding="utf-8"?>
-<p:sld xmlns:a="http://schemas.openxmlformats.org/drawingml/2006/main" xmlns:r="http://schemas.openxmlformats.org/officeDocument/2006/relationships" xmlns:p="http://schemas.openxmlformats.org/presentationml/2006/main">
-  <p:cSld>
-    <p:spTree>
-      <p:nvGrpSpPr>
-        <p:cNvPr id="1" name=""/>
-        <p:cNvGrpSpPr/>
-        <p:nvPr/>
-      </p:nvGrpSpPr>
-      <p:grpSpPr>
-        <a:xfrm>
-          <a:off x="0" y="0"/>
-          <a:ext cx="0" cy="0"/>
-          <a:chOff x="0" y="0"/>
-          <a:chExt cx="0" cy="0"/>
-        </a:xfrm>
-      </p:grpSpPr>
-      <p:sp>
-        <p:nvSpPr>
-          <p:cNvPr id="2" name="Title 1">
-            <a:extLst>
-              <a:ext uri="{FF2B5EF4-FFF2-40B4-BE49-F238E27FC236}">
-                <a16:creationId xmlns:a16="http://schemas.microsoft.com/office/drawing/2014/main" id="{85279B38-0191-1844-8143-4EB2B9E27495}"/>
-              </a:ext>
-            </a:extLst>
-          </p:cNvPr>
-          <p:cNvSpPr>
-            <a:spLocks noGrp="1"/>
-          </p:cNvSpPr>
-          <p:nvPr>
-            <p:ph type="title"/>
-          </p:nvPr>
-        </p:nvSpPr>
-        <p:spPr/>
-        <p:txBody>
-          <a:bodyPr/>
-          <a:lstStyle/>
-          <a:p>
-            <a:r>
-              <a:rPr lang="en-US" dirty="0"/>
-              <a:t>Saving return values</a:t>
-            </a:r>
-          </a:p>
-        </p:txBody>
-      </p:sp>
-      <p:sp>
-        <p:nvSpPr>
-          <p:cNvPr id="3" name="Content Placeholder 2">
-            <a:extLst>
-              <a:ext uri="{FF2B5EF4-FFF2-40B4-BE49-F238E27FC236}">
-                <a16:creationId xmlns:a16="http://schemas.microsoft.com/office/drawing/2014/main" id="{FC59C547-AC02-3A4C-BB9F-402EEF483F6B}"/>
-              </a:ext>
-            </a:extLst>
-          </p:cNvPr>
-          <p:cNvSpPr>
-            <a:spLocks noGrp="1"/>
-          </p:cNvSpPr>
-          <p:nvPr>
-            <p:ph idx="1"/>
-          </p:nvPr>
-        </p:nvSpPr>
-        <p:spPr>
-          <a:xfrm>
-            <a:off x="838199" y="1825625"/>
-            <a:ext cx="10770705" cy="4351338"/>
-          </a:xfrm>
-        </p:spPr>
-        <p:txBody>
-          <a:bodyPr>
-            <a:normAutofit/>
-          </a:bodyPr>
-          <a:lstStyle/>
-          <a:p>
-            <a:r>
-              <a:rPr lang="en-US" dirty="0"/>
-              <a:t>Every invocation of that function evaluates to the value 3.14159</a:t>
-            </a:r>
-          </a:p>
-          <a:p>
-            <a:r>
-              <a:rPr lang="en-US" dirty="0"/>
-              <a:t>We can save the return value in a variable like </a:t>
-            </a:r>
-            <a:r>
-              <a:rPr lang="en-US" b="1" dirty="0"/>
-              <a:t>x = pi()</a:t>
-            </a:r>
-          </a:p>
-          <a:p>
-            <a:r>
-              <a:rPr lang="en-US" dirty="0"/>
-              <a:t>Or even use it in an expression like </a:t>
-            </a:r>
-            <a:r>
-              <a:rPr lang="en-US" b="1" dirty="0"/>
-              <a:t>x = pi() * 4</a:t>
-            </a:r>
-          </a:p>
-          <a:p>
-            <a:endParaRPr lang="en-US" dirty="0"/>
-          </a:p>
-        </p:txBody>
-      </p:sp>
-      <p:sp>
-        <p:nvSpPr>
-          <p:cNvPr id="4" name="Rectangle 3">
-            <a:extLst>
-              <a:ext uri="{FF2B5EF4-FFF2-40B4-BE49-F238E27FC236}">
-                <a16:creationId xmlns:a16="http://schemas.microsoft.com/office/drawing/2014/main" id="{E7472578-3F2E-2C43-8818-1918DD3EC611}"/>
-              </a:ext>
-            </a:extLst>
-          </p:cNvPr>
-          <p:cNvSpPr/>
-          <p:nvPr/>
-        </p:nvSpPr>
-        <p:spPr>
-          <a:xfrm>
-            <a:off x="8454888" y="405107"/>
-            <a:ext cx="3737112" cy="954107"/>
-          </a:xfrm>
-          <a:prstGeom prst="rect">
-            <a:avLst/>
-          </a:prstGeom>
-        </p:spPr>
-        <p:txBody>
-          <a:bodyPr wrap="square">
-            <a:spAutoFit/>
-          </a:bodyPr>
-          <a:lstStyle/>
-          <a:p>
-            <a:r>
-              <a:rPr lang="en-US" sz="2800" dirty="0">
-                <a:latin typeface="Consolas" panose="020B0609020204030204" pitchFamily="49" charset="0"/>
-                <a:cs typeface="Consolas" panose="020B0609020204030204" pitchFamily="49" charset="0"/>
-              </a:rPr>
-              <a:t>def pi():</a:t>
-            </a:r>
-          </a:p>
-          <a:p>
-            <a:r>
-              <a:rPr lang="en-US" sz="2800" dirty="0">
-                <a:latin typeface="Consolas" panose="020B0609020204030204" pitchFamily="49" charset="0"/>
-                <a:cs typeface="Consolas" panose="020B0609020204030204" pitchFamily="49" charset="0"/>
-              </a:rPr>
-              <a:t>    return 3.14159</a:t>
-            </a:r>
-          </a:p>
-        </p:txBody>
-      </p:sp>
-      <p:pic>
-        <p:nvPicPr>
-          <p:cNvPr id="5" name="Picture 4">
-            <a:extLst>
-              <a:ext uri="{FF2B5EF4-FFF2-40B4-BE49-F238E27FC236}">
-                <a16:creationId xmlns:a16="http://schemas.microsoft.com/office/drawing/2014/main" id="{0074987D-380A-5A44-A871-99E1A35EFBF5}"/>
-              </a:ext>
-            </a:extLst>
-          </p:cNvPr>
-          <p:cNvPicPr>
-            <a:picLocks noChangeAspect="1"/>
-          </p:cNvPicPr>
-          <p:nvPr/>
-        </p:nvPicPr>
-        <p:blipFill>
-          <a:blip r:embed="rId2"/>
-          <a:stretch>
-            <a:fillRect/>
-          </a:stretch>
-        </p:blipFill>
-        <p:spPr>
-          <a:xfrm>
-            <a:off x="6699803" y="140184"/>
-            <a:ext cx="2436506" cy="1550504"/>
-          </a:xfrm>
-          <a:prstGeom prst="rect">
-            <a:avLst/>
-          </a:prstGeom>
-        </p:spPr>
-      </p:pic>
-      <p:pic>
-        <p:nvPicPr>
-          <p:cNvPr id="8" name="Picture 7" descr="Graphical user interface, application, Teams&#10;&#10;Description automatically generated">
-            <a:extLst>
-              <a:ext uri="{FF2B5EF4-FFF2-40B4-BE49-F238E27FC236}">
-                <a16:creationId xmlns:a16="http://schemas.microsoft.com/office/drawing/2014/main" id="{C90D8494-5598-874D-A8D7-AFD94E848AA6}"/>
-              </a:ext>
-            </a:extLst>
-          </p:cNvPr>
-          <p:cNvPicPr>
-            <a:picLocks noChangeAspect="1"/>
-          </p:cNvPicPr>
-          <p:nvPr/>
-        </p:nvPicPr>
-        <p:blipFill>
-          <a:blip r:embed="rId3"/>
-          <a:stretch>
-            <a:fillRect/>
-          </a:stretch>
-        </p:blipFill>
-        <p:spPr>
-          <a:xfrm>
-            <a:off x="9581322" y="3627783"/>
-            <a:ext cx="2168754" cy="2122281"/>
-          </a:xfrm>
-          <a:prstGeom prst="rect">
-            <a:avLst/>
-          </a:prstGeom>
-        </p:spPr>
-      </p:pic>
-      <p:sp>
-        <p:nvSpPr>
-          <p:cNvPr id="9" name="TextBox 8">
-            <a:extLst>
-              <a:ext uri="{FF2B5EF4-FFF2-40B4-BE49-F238E27FC236}">
-                <a16:creationId xmlns:a16="http://schemas.microsoft.com/office/drawing/2014/main" id="{917B804E-81C3-8A4C-8A71-2AFB3A0260DB}"/>
-              </a:ext>
-            </a:extLst>
-          </p:cNvPr>
-          <p:cNvSpPr txBox="1"/>
-          <p:nvPr/>
-        </p:nvSpPr>
-        <p:spPr>
-          <a:xfrm rot="19917117">
-            <a:off x="3916018" y="5709865"/>
-            <a:ext cx="1851789" cy="369332"/>
-          </a:xfrm>
-          <a:prstGeom prst="rect">
-            <a:avLst/>
-          </a:prstGeom>
-          <a:noFill/>
-        </p:spPr>
-        <p:txBody>
           <a:bodyPr wrap="none" rtlCol="0">
             <a:spAutoFit/>
           </a:bodyPr>
@@ -7712,7 +4800,7 @@
         </p:nvSpPr>
         <p:spPr>
           <a:xfrm>
-            <a:off x="843761" y="3806857"/>
+            <a:off x="838199" y="3503870"/>
             <a:ext cx="8262731" cy="2370106"/>
           </a:xfrm>
           <a:prstGeom prst="rect">
@@ -7940,6 +5028,5682 @@
     <p:extLst>
       <p:ext uri="{BB962C8B-B14F-4D97-AF65-F5344CB8AC3E}">
         <p14:creationId xmlns:p14="http://schemas.microsoft.com/office/powerpoint/2010/main" val="2220627449"/>
+      </p:ext>
+    </p:extLst>
+  </p:cSld>
+  <p:clrMapOvr>
+    <a:masterClrMapping/>
+  </p:clrMapOvr>
+</p:sld>
+</file>
+
+<file path=ppt/slides/slide13.xml><?xml version="1.0" encoding="utf-8"?>
+<p:sld xmlns:a="http://schemas.openxmlformats.org/drawingml/2006/main" xmlns:r="http://schemas.openxmlformats.org/officeDocument/2006/relationships" xmlns:p="http://schemas.openxmlformats.org/presentationml/2006/main">
+  <p:cSld>
+    <p:spTree>
+      <p:nvGrpSpPr>
+        <p:cNvPr id="1" name=""/>
+        <p:cNvGrpSpPr/>
+        <p:nvPr/>
+      </p:nvGrpSpPr>
+      <p:grpSpPr>
+        <a:xfrm>
+          <a:off x="0" y="0"/>
+          <a:ext cx="0" cy="0"/>
+          <a:chOff x="0" y="0"/>
+          <a:chExt cx="0" cy="0"/>
+        </a:xfrm>
+      </p:grpSpPr>
+      <p:sp>
+        <p:nvSpPr>
+          <p:cNvPr id="2" name="Title 1">
+            <a:extLst>
+              <a:ext uri="{FF2B5EF4-FFF2-40B4-BE49-F238E27FC236}">
+                <a16:creationId xmlns:a16="http://schemas.microsoft.com/office/drawing/2014/main" id="{9C9096EA-AB32-834D-972E-7626B7DA6C4D}"/>
+              </a:ext>
+            </a:extLst>
+          </p:cNvPr>
+          <p:cNvSpPr>
+            <a:spLocks noGrp="1"/>
+          </p:cNvSpPr>
+          <p:nvPr>
+            <p:ph type="title"/>
+          </p:nvPr>
+        </p:nvSpPr>
+        <p:spPr/>
+        <p:txBody>
+          <a:bodyPr/>
+          <a:lstStyle/>
+          <a:p>
+            <a:r>
+              <a:rPr lang="en-US" dirty="0"/>
+              <a:t>Functions with multiple return values</a:t>
+            </a:r>
+          </a:p>
+        </p:txBody>
+      </p:sp>
+      <p:sp>
+        <p:nvSpPr>
+          <p:cNvPr id="3" name="Content Placeholder 2">
+            <a:extLst>
+              <a:ext uri="{FF2B5EF4-FFF2-40B4-BE49-F238E27FC236}">
+                <a16:creationId xmlns:a16="http://schemas.microsoft.com/office/drawing/2014/main" id="{F8DBFE17-B15F-414B-BF85-B6BFD7A2C666}"/>
+              </a:ext>
+            </a:extLst>
+          </p:cNvPr>
+          <p:cNvSpPr>
+            <a:spLocks noGrp="1"/>
+          </p:cNvSpPr>
+          <p:nvPr>
+            <p:ph idx="1"/>
+          </p:nvPr>
+        </p:nvSpPr>
+        <p:spPr/>
+        <p:txBody>
+          <a:bodyPr/>
+          <a:lstStyle/>
+          <a:p>
+            <a:r>
+              <a:rPr lang="en-US" dirty="0"/>
+              <a:t>We can return any Python object, not just numbers</a:t>
+            </a:r>
+          </a:p>
+          <a:p>
+            <a:r>
+              <a:rPr lang="en-US" dirty="0"/>
+              <a:t>We can also return multiple values</a:t>
+            </a:r>
+          </a:p>
+        </p:txBody>
+      </p:sp>
+      <p:pic>
+        <p:nvPicPr>
+          <p:cNvPr id="5" name="Picture 4" descr="Graphical user interface, text&#10;&#10;Description automatically generated">
+            <a:extLst>
+              <a:ext uri="{FF2B5EF4-FFF2-40B4-BE49-F238E27FC236}">
+                <a16:creationId xmlns:a16="http://schemas.microsoft.com/office/drawing/2014/main" id="{DB287722-D90C-D64C-A26C-05CCA7F95AA6}"/>
+              </a:ext>
+            </a:extLst>
+          </p:cNvPr>
+          <p:cNvPicPr>
+            <a:picLocks noChangeAspect="1"/>
+          </p:cNvPicPr>
+          <p:nvPr/>
+        </p:nvPicPr>
+        <p:blipFill>
+          <a:blip r:embed="rId2"/>
+          <a:stretch>
+            <a:fillRect/>
+          </a:stretch>
+        </p:blipFill>
+        <p:spPr>
+          <a:xfrm>
+            <a:off x="3862457" y="3122818"/>
+            <a:ext cx="4072284" cy="2850599"/>
+          </a:xfrm>
+          <a:prstGeom prst="rect">
+            <a:avLst/>
+          </a:prstGeom>
+        </p:spPr>
+      </p:pic>
+      <p:sp>
+        <p:nvSpPr>
+          <p:cNvPr id="6" name="TextBox 5">
+            <a:extLst>
+              <a:ext uri="{FF2B5EF4-FFF2-40B4-BE49-F238E27FC236}">
+                <a16:creationId xmlns:a16="http://schemas.microsoft.com/office/drawing/2014/main" id="{5731E2A1-0499-1F4F-B073-DFC7AFA7A404}"/>
+              </a:ext>
+            </a:extLst>
+          </p:cNvPr>
+          <p:cNvSpPr txBox="1"/>
+          <p:nvPr/>
+        </p:nvSpPr>
+        <p:spPr>
+          <a:xfrm>
+            <a:off x="9090992" y="4001294"/>
+            <a:ext cx="3101008" cy="923330"/>
+          </a:xfrm>
+          <a:prstGeom prst="rect">
+            <a:avLst/>
+          </a:prstGeom>
+          <a:noFill/>
+        </p:spPr>
+        <p:txBody>
+          <a:bodyPr wrap="square" rtlCol="0">
+            <a:spAutoFit/>
+          </a:bodyPr>
+          <a:lstStyle/>
+          <a:p>
+            <a:r>
+              <a:rPr lang="en-US" dirty="0"/>
+              <a:t>Multiple return values are assigned to multiple variables</a:t>
+            </a:r>
+          </a:p>
+        </p:txBody>
+      </p:sp>
+      <p:cxnSp>
+        <p:nvCxnSpPr>
+          <p:cNvPr id="8" name="Straight Arrow Connector 7">
+            <a:extLst>
+              <a:ext uri="{FF2B5EF4-FFF2-40B4-BE49-F238E27FC236}">
+                <a16:creationId xmlns:a16="http://schemas.microsoft.com/office/drawing/2014/main" id="{5DA25DD7-9725-3F47-BB13-372137E2D758}"/>
+              </a:ext>
+            </a:extLst>
+          </p:cNvPr>
+          <p:cNvCxnSpPr>
+            <a:cxnSpLocks/>
+          </p:cNvCxnSpPr>
+          <p:nvPr/>
+        </p:nvCxnSpPr>
+        <p:spPr>
+          <a:xfrm flipH="1">
+            <a:off x="7106478" y="4214191"/>
+            <a:ext cx="1984514" cy="248768"/>
+          </a:xfrm>
+          <a:prstGeom prst="straightConnector1">
+            <a:avLst/>
+          </a:prstGeom>
+          <a:ln>
+            <a:tailEnd type="triangle"/>
+          </a:ln>
+        </p:spPr>
+        <p:style>
+          <a:lnRef idx="1">
+            <a:schemeClr val="accent1"/>
+          </a:lnRef>
+          <a:fillRef idx="0">
+            <a:schemeClr val="accent1"/>
+          </a:fillRef>
+          <a:effectRef idx="0">
+            <a:schemeClr val="accent1"/>
+          </a:effectRef>
+          <a:fontRef idx="minor">
+            <a:schemeClr val="tx1"/>
+          </a:fontRef>
+        </p:style>
+      </p:cxnSp>
+    </p:spTree>
+    <p:extLst>
+      <p:ext uri="{BB962C8B-B14F-4D97-AF65-F5344CB8AC3E}">
+        <p14:creationId xmlns:p14="http://schemas.microsoft.com/office/powerpoint/2010/main" val="957553703"/>
+      </p:ext>
+    </p:extLst>
+  </p:cSld>
+  <p:clrMapOvr>
+    <a:masterClrMapping/>
+  </p:clrMapOvr>
+</p:sld>
+</file>
+
+<file path=ppt/slides/slide14.xml><?xml version="1.0" encoding="utf-8"?>
+<p:sld xmlns:a="http://schemas.openxmlformats.org/drawingml/2006/main" xmlns:r="http://schemas.openxmlformats.org/officeDocument/2006/relationships" xmlns:p="http://schemas.openxmlformats.org/presentationml/2006/main">
+  <p:cSld>
+    <p:spTree>
+      <p:nvGrpSpPr>
+        <p:cNvPr id="1" name=""/>
+        <p:cNvGrpSpPr/>
+        <p:nvPr/>
+      </p:nvGrpSpPr>
+      <p:grpSpPr>
+        <a:xfrm>
+          <a:off x="0" y="0"/>
+          <a:ext cx="0" cy="0"/>
+          <a:chOff x="0" y="0"/>
+          <a:chExt cx="0" cy="0"/>
+        </a:xfrm>
+      </p:grpSpPr>
+      <p:sp>
+        <p:nvSpPr>
+          <p:cNvPr id="2" name="Title 1">
+            <a:extLst>
+              <a:ext uri="{FF2B5EF4-FFF2-40B4-BE49-F238E27FC236}">
+                <a16:creationId xmlns:a16="http://schemas.microsoft.com/office/drawing/2014/main" id="{56EC58E4-5DEF-364C-9C74-CDC0B8413B09}"/>
+              </a:ext>
+            </a:extLst>
+          </p:cNvPr>
+          <p:cNvSpPr>
+            <a:spLocks noGrp="1"/>
+          </p:cNvSpPr>
+          <p:nvPr>
+            <p:ph type="title"/>
+          </p:nvPr>
+        </p:nvSpPr>
+        <p:spPr/>
+        <p:txBody>
+          <a:bodyPr/>
+          <a:lstStyle/>
+          <a:p>
+            <a:r>
+              <a:rPr lang="en-US" dirty="0"/>
+              <a:t>Functions with arguments</a:t>
+            </a:r>
+          </a:p>
+        </p:txBody>
+      </p:sp>
+      <p:sp>
+        <p:nvSpPr>
+          <p:cNvPr id="3" name="Content Placeholder 2">
+            <a:extLst>
+              <a:ext uri="{FF2B5EF4-FFF2-40B4-BE49-F238E27FC236}">
+                <a16:creationId xmlns:a16="http://schemas.microsoft.com/office/drawing/2014/main" id="{66E24397-9E6B-E44C-A465-597EC04B211B}"/>
+              </a:ext>
+            </a:extLst>
+          </p:cNvPr>
+          <p:cNvSpPr>
+            <a:spLocks noGrp="1"/>
+          </p:cNvSpPr>
+          <p:nvPr>
+            <p:ph idx="1"/>
+          </p:nvPr>
+        </p:nvSpPr>
+        <p:spPr/>
+        <p:txBody>
+          <a:bodyPr/>
+          <a:lstStyle/>
+          <a:p>
+            <a:r>
+              <a:rPr lang="en-US" dirty="0"/>
+              <a:t>Here is a function template with </a:t>
+            </a:r>
+            <a:r>
+              <a:rPr lang="en-US" i="1" dirty="0"/>
+              <a:t>N</a:t>
+            </a:r>
+            <a:r>
+              <a:rPr lang="en-US" dirty="0"/>
+              <a:t> arguments</a:t>
+            </a:r>
+          </a:p>
+          <a:p>
+            <a:endParaRPr lang="en-US" dirty="0"/>
+          </a:p>
+          <a:p>
+            <a:endParaRPr lang="en-US" dirty="0"/>
+          </a:p>
+          <a:p>
+            <a:endParaRPr lang="en-US" dirty="0"/>
+          </a:p>
+          <a:p>
+            <a:endParaRPr lang="en-US" dirty="0"/>
+          </a:p>
+          <a:p>
+            <a:endParaRPr lang="en-US" dirty="0"/>
+          </a:p>
+          <a:p>
+            <a:r>
+              <a:rPr lang="en-US" dirty="0"/>
+              <a:t>Function calls look like:  </a:t>
+            </a:r>
+            <a:r>
+              <a:rPr lang="en-US" sz="2400" i="1" dirty="0" err="1">
+                <a:latin typeface="Consolas" panose="020B0609020204030204" pitchFamily="49" charset="0"/>
+                <a:cs typeface="Consolas" panose="020B0609020204030204" pitchFamily="49" charset="0"/>
+              </a:rPr>
+              <a:t>funcname</a:t>
+            </a:r>
+            <a:r>
+              <a:rPr lang="en-US" sz="2400" dirty="0">
+                <a:latin typeface="Consolas" panose="020B0609020204030204" pitchFamily="49" charset="0"/>
+                <a:cs typeface="Consolas" panose="020B0609020204030204" pitchFamily="49" charset="0"/>
+              </a:rPr>
+              <a:t>(</a:t>
+            </a:r>
+            <a:r>
+              <a:rPr lang="en-US" sz="2400" i="1" dirty="0">
+                <a:latin typeface="Consolas" panose="020B0609020204030204" pitchFamily="49" charset="0"/>
+                <a:cs typeface="Consolas" panose="020B0609020204030204" pitchFamily="49" charset="0"/>
+              </a:rPr>
+              <a:t>expr1,expr2,expr3,…,</a:t>
+            </a:r>
+            <a:r>
+              <a:rPr lang="en-US" sz="2400" i="1" dirty="0" err="1">
+                <a:latin typeface="Consolas" panose="020B0609020204030204" pitchFamily="49" charset="0"/>
+                <a:cs typeface="Consolas" panose="020B0609020204030204" pitchFamily="49" charset="0"/>
+              </a:rPr>
+              <a:t>exprN</a:t>
+            </a:r>
+            <a:r>
+              <a:rPr lang="en-US" sz="2400" i="1" dirty="0">
+                <a:latin typeface="Consolas" panose="020B0609020204030204" pitchFamily="49" charset="0"/>
+                <a:cs typeface="Consolas" panose="020B0609020204030204" pitchFamily="49" charset="0"/>
+              </a:rPr>
+              <a:t>)</a:t>
+            </a:r>
+            <a:r>
+              <a:rPr lang="en-US" dirty="0"/>
+              <a:t> </a:t>
+            </a:r>
+          </a:p>
+          <a:p>
+            <a:r>
+              <a:rPr lang="en-US" dirty="0"/>
+              <a:t>The order of the arguments matters, matching </a:t>
+            </a:r>
+            <a:r>
+              <a:rPr lang="en-US" dirty="0" err="1"/>
+              <a:t>expr_i</a:t>
+            </a:r>
+            <a:r>
+              <a:rPr lang="en-US" dirty="0"/>
+              <a:t> to </a:t>
+            </a:r>
+            <a:r>
+              <a:rPr lang="en-US" dirty="0" err="1"/>
+              <a:t>arg_i</a:t>
+            </a:r>
+            <a:endParaRPr lang="en-US" dirty="0"/>
+          </a:p>
+        </p:txBody>
+      </p:sp>
+      <p:sp>
+        <p:nvSpPr>
+          <p:cNvPr id="4" name="Rectangle 3">
+            <a:extLst>
+              <a:ext uri="{FF2B5EF4-FFF2-40B4-BE49-F238E27FC236}">
+                <a16:creationId xmlns:a16="http://schemas.microsoft.com/office/drawing/2014/main" id="{1B5C8349-1556-9141-9121-BA14A5BFE79A}"/>
+              </a:ext>
+            </a:extLst>
+          </p:cNvPr>
+          <p:cNvSpPr/>
+          <p:nvPr/>
+        </p:nvSpPr>
+        <p:spPr>
+          <a:xfrm>
+            <a:off x="2544417" y="2459504"/>
+            <a:ext cx="7305261" cy="1938992"/>
+          </a:xfrm>
+          <a:prstGeom prst="rect">
+            <a:avLst/>
+          </a:prstGeom>
+        </p:spPr>
+        <p:txBody>
+          <a:bodyPr wrap="square">
+            <a:spAutoFit/>
+          </a:bodyPr>
+          <a:lstStyle/>
+          <a:p>
+            <a:r>
+              <a:rPr lang="en-US" sz="2400" dirty="0">
+                <a:latin typeface="Consolas" panose="020B0609020204030204" pitchFamily="49" charset="0"/>
+                <a:cs typeface="Consolas" panose="020B0609020204030204" pitchFamily="49" charset="0"/>
+              </a:rPr>
+              <a:t>def </a:t>
+            </a:r>
+            <a:r>
+              <a:rPr lang="en-US" sz="2400" i="1" dirty="0" err="1">
+                <a:latin typeface="Consolas" panose="020B0609020204030204" pitchFamily="49" charset="0"/>
+                <a:cs typeface="Consolas" panose="020B0609020204030204" pitchFamily="49" charset="0"/>
+              </a:rPr>
+              <a:t>funcname</a:t>
+            </a:r>
+            <a:r>
+              <a:rPr lang="en-US" sz="2400" dirty="0">
+                <a:latin typeface="Consolas" panose="020B0609020204030204" pitchFamily="49" charset="0"/>
+                <a:cs typeface="Consolas" panose="020B0609020204030204" pitchFamily="49" charset="0"/>
+              </a:rPr>
+              <a:t>(</a:t>
+            </a:r>
+            <a:r>
+              <a:rPr lang="en-US" sz="2400" i="1" dirty="0">
+                <a:latin typeface="Consolas" panose="020B0609020204030204" pitchFamily="49" charset="0"/>
+                <a:cs typeface="Consolas" panose="020B0609020204030204" pitchFamily="49" charset="0"/>
+              </a:rPr>
+              <a:t>arg1, arg2, arg3, …, </a:t>
+            </a:r>
+            <a:r>
+              <a:rPr lang="en-US" sz="2400" i="1" dirty="0" err="1">
+                <a:latin typeface="Consolas" panose="020B0609020204030204" pitchFamily="49" charset="0"/>
+                <a:cs typeface="Consolas" panose="020B0609020204030204" pitchFamily="49" charset="0"/>
+              </a:rPr>
+              <a:t>argN</a:t>
+            </a:r>
+            <a:r>
+              <a:rPr lang="en-US" sz="2400" dirty="0">
+                <a:latin typeface="Consolas" panose="020B0609020204030204" pitchFamily="49" charset="0"/>
+                <a:cs typeface="Consolas" panose="020B0609020204030204" pitchFamily="49" charset="0"/>
+              </a:rPr>
+              <a:t>):</a:t>
+            </a:r>
+            <a:br>
+              <a:rPr lang="en-US" sz="2400" dirty="0">
+                <a:latin typeface="Consolas" panose="020B0609020204030204" pitchFamily="49" charset="0"/>
+                <a:cs typeface="Consolas" panose="020B0609020204030204" pitchFamily="49" charset="0"/>
+              </a:rPr>
+            </a:br>
+            <a:r>
+              <a:rPr lang="en-US" sz="2400" dirty="0">
+                <a:latin typeface="Consolas" panose="020B0609020204030204" pitchFamily="49" charset="0"/>
+                <a:cs typeface="Consolas" panose="020B0609020204030204" pitchFamily="49" charset="0"/>
+              </a:rPr>
+              <a:t>    </a:t>
+            </a:r>
+            <a:r>
+              <a:rPr lang="en-US" sz="2400" i="1" dirty="0">
+                <a:latin typeface="Consolas" panose="020B0609020204030204" pitchFamily="49" charset="0"/>
+                <a:cs typeface="Consolas" panose="020B0609020204030204" pitchFamily="49" charset="0"/>
+              </a:rPr>
+              <a:t>statement 1</a:t>
+            </a:r>
+            <a:br>
+              <a:rPr lang="en-US" sz="2400" dirty="0">
+                <a:latin typeface="Consolas" panose="020B0609020204030204" pitchFamily="49" charset="0"/>
+                <a:cs typeface="Consolas" panose="020B0609020204030204" pitchFamily="49" charset="0"/>
+              </a:rPr>
+            </a:br>
+            <a:r>
+              <a:rPr lang="en-US" sz="2400" dirty="0">
+                <a:latin typeface="Consolas" panose="020B0609020204030204" pitchFamily="49" charset="0"/>
+                <a:cs typeface="Consolas" panose="020B0609020204030204" pitchFamily="49" charset="0"/>
+              </a:rPr>
+              <a:t>    </a:t>
+            </a:r>
+            <a:r>
+              <a:rPr lang="en-US" sz="2400" i="1" dirty="0">
+                <a:latin typeface="Consolas" panose="020B0609020204030204" pitchFamily="49" charset="0"/>
+                <a:cs typeface="Consolas" panose="020B0609020204030204" pitchFamily="49" charset="0"/>
+              </a:rPr>
+              <a:t>statement 2</a:t>
+            </a:r>
+            <a:br>
+              <a:rPr lang="en-US" sz="2400" dirty="0">
+                <a:latin typeface="Consolas" panose="020B0609020204030204" pitchFamily="49" charset="0"/>
+                <a:cs typeface="Consolas" panose="020B0609020204030204" pitchFamily="49" charset="0"/>
+              </a:rPr>
+            </a:br>
+            <a:r>
+              <a:rPr lang="en-US" sz="2400" dirty="0">
+                <a:latin typeface="Consolas" panose="020B0609020204030204" pitchFamily="49" charset="0"/>
+                <a:cs typeface="Consolas" panose="020B0609020204030204" pitchFamily="49" charset="0"/>
+              </a:rPr>
+              <a:t>    </a:t>
+            </a:r>
+            <a:r>
+              <a:rPr lang="en-US" sz="2400" i="1" dirty="0">
+                <a:latin typeface="Consolas" panose="020B0609020204030204" pitchFamily="49" charset="0"/>
+                <a:cs typeface="Consolas" panose="020B0609020204030204" pitchFamily="49" charset="0"/>
+              </a:rPr>
+              <a:t>...</a:t>
+            </a:r>
+            <a:br>
+              <a:rPr lang="en-US" sz="2400" dirty="0">
+                <a:latin typeface="Consolas" panose="020B0609020204030204" pitchFamily="49" charset="0"/>
+                <a:cs typeface="Consolas" panose="020B0609020204030204" pitchFamily="49" charset="0"/>
+              </a:rPr>
+            </a:br>
+            <a:r>
+              <a:rPr lang="en-US" sz="2400" dirty="0">
+                <a:latin typeface="Consolas" panose="020B0609020204030204" pitchFamily="49" charset="0"/>
+                <a:cs typeface="Consolas" panose="020B0609020204030204" pitchFamily="49" charset="0"/>
+              </a:rPr>
+              <a:t>    return </a:t>
+            </a:r>
+            <a:r>
+              <a:rPr lang="en-US" sz="2400" i="1" dirty="0">
+                <a:latin typeface="Consolas" panose="020B0609020204030204" pitchFamily="49" charset="0"/>
+                <a:cs typeface="Consolas" panose="020B0609020204030204" pitchFamily="49" charset="0"/>
+              </a:rPr>
+              <a:t>expression</a:t>
+            </a:r>
+            <a:endParaRPr lang="en-US" sz="2400" dirty="0">
+              <a:latin typeface="Consolas" panose="020B0609020204030204" pitchFamily="49" charset="0"/>
+              <a:cs typeface="Consolas" panose="020B0609020204030204" pitchFamily="49" charset="0"/>
+            </a:endParaRPr>
+          </a:p>
+        </p:txBody>
+      </p:sp>
+    </p:spTree>
+    <p:extLst>
+      <p:ext uri="{BB962C8B-B14F-4D97-AF65-F5344CB8AC3E}">
+        <p14:creationId xmlns:p14="http://schemas.microsoft.com/office/powerpoint/2010/main" val="3128951533"/>
+      </p:ext>
+    </p:extLst>
+  </p:cSld>
+  <p:clrMapOvr>
+    <a:masterClrMapping/>
+  </p:clrMapOvr>
+</p:sld>
+</file>
+
+<file path=ppt/slides/slide15.xml><?xml version="1.0" encoding="utf-8"?>
+<p:sld xmlns:a="http://schemas.openxmlformats.org/drawingml/2006/main" xmlns:r="http://schemas.openxmlformats.org/officeDocument/2006/relationships" xmlns:p="http://schemas.openxmlformats.org/presentationml/2006/main">
+  <p:cSld>
+    <p:spTree>
+      <p:nvGrpSpPr>
+        <p:cNvPr id="1" name=""/>
+        <p:cNvGrpSpPr/>
+        <p:nvPr/>
+      </p:nvGrpSpPr>
+      <p:grpSpPr>
+        <a:xfrm>
+          <a:off x="0" y="0"/>
+          <a:ext cx="0" cy="0"/>
+          <a:chOff x="0" y="0"/>
+          <a:chExt cx="0" cy="0"/>
+        </a:xfrm>
+      </p:grpSpPr>
+      <p:sp>
+        <p:nvSpPr>
+          <p:cNvPr id="2" name="Title 1">
+            <a:extLst>
+              <a:ext uri="{FF2B5EF4-FFF2-40B4-BE49-F238E27FC236}">
+                <a16:creationId xmlns:a16="http://schemas.microsoft.com/office/drawing/2014/main" id="{3EFE4B0C-C6FA-404B-BBF0-0E7CAA9BFF5F}"/>
+              </a:ext>
+            </a:extLst>
+          </p:cNvPr>
+          <p:cNvSpPr>
+            <a:spLocks noGrp="1"/>
+          </p:cNvSpPr>
+          <p:nvPr>
+            <p:ph type="title"/>
+          </p:nvPr>
+        </p:nvSpPr>
+        <p:spPr/>
+        <p:txBody>
+          <a:bodyPr/>
+          <a:lstStyle/>
+          <a:p>
+            <a:r>
+              <a:rPr lang="en-US" dirty="0"/>
+              <a:t>Example: summation of numbers in list</a:t>
+            </a:r>
+          </a:p>
+        </p:txBody>
+      </p:sp>
+      <p:sp>
+        <p:nvSpPr>
+          <p:cNvPr id="3" name="Content Placeholder 2">
+            <a:extLst>
+              <a:ext uri="{FF2B5EF4-FFF2-40B4-BE49-F238E27FC236}">
+                <a16:creationId xmlns:a16="http://schemas.microsoft.com/office/drawing/2014/main" id="{35705327-DF30-0247-8183-B40DA66B504C}"/>
+              </a:ext>
+            </a:extLst>
+          </p:cNvPr>
+          <p:cNvSpPr>
+            <a:spLocks noGrp="1"/>
+          </p:cNvSpPr>
+          <p:nvPr>
+            <p:ph idx="1"/>
+          </p:nvPr>
+        </p:nvSpPr>
+        <p:spPr>
+          <a:xfrm>
+            <a:off x="838200" y="1580322"/>
+            <a:ext cx="10515600" cy="4596641"/>
+          </a:xfrm>
+        </p:spPr>
+        <p:txBody>
+          <a:bodyPr/>
+          <a:lstStyle/>
+          <a:p>
+            <a:r>
+              <a:rPr lang="en-US" dirty="0"/>
+              <a:t>Here’s a code snippet to sum the numbers in a list</a:t>
+            </a:r>
+          </a:p>
+          <a:p>
+            <a:endParaRPr lang="en-US" dirty="0"/>
+          </a:p>
+          <a:p>
+            <a:endParaRPr lang="en-US" dirty="0"/>
+          </a:p>
+          <a:p>
+            <a:endParaRPr lang="en-US" dirty="0"/>
+          </a:p>
+          <a:p>
+            <a:endParaRPr lang="en-US" dirty="0"/>
+          </a:p>
+          <a:p>
+            <a:r>
+              <a:rPr lang="en-US" dirty="0"/>
+              <a:t>This works, but there’s an issue here; any ideas?</a:t>
+            </a:r>
+          </a:p>
+        </p:txBody>
+      </p:sp>
+      <p:pic>
+        <p:nvPicPr>
+          <p:cNvPr id="5" name="Picture 4" descr="Text&#10;&#10;Description automatically generated with low confidence">
+            <a:extLst>
+              <a:ext uri="{FF2B5EF4-FFF2-40B4-BE49-F238E27FC236}">
+                <a16:creationId xmlns:a16="http://schemas.microsoft.com/office/drawing/2014/main" id="{9076C828-AF9C-9A45-9309-CE741D0128C9}"/>
+              </a:ext>
+            </a:extLst>
+          </p:cNvPr>
+          <p:cNvPicPr>
+            <a:picLocks noChangeAspect="1"/>
+          </p:cNvPicPr>
+          <p:nvPr/>
+        </p:nvPicPr>
+        <p:blipFill>
+          <a:blip r:embed="rId2"/>
+          <a:stretch>
+            <a:fillRect/>
+          </a:stretch>
+        </p:blipFill>
+        <p:spPr>
+          <a:xfrm>
+            <a:off x="1082261" y="2106819"/>
+            <a:ext cx="5892800" cy="1968500"/>
+          </a:xfrm>
+          <a:prstGeom prst="rect">
+            <a:avLst/>
+          </a:prstGeom>
+        </p:spPr>
+      </p:pic>
+      <p:sp>
+        <p:nvSpPr>
+          <p:cNvPr id="10" name="TextBox 9">
+            <a:extLst>
+              <a:ext uri="{FF2B5EF4-FFF2-40B4-BE49-F238E27FC236}">
+                <a16:creationId xmlns:a16="http://schemas.microsoft.com/office/drawing/2014/main" id="{2F100E10-9223-B044-BAD0-D2D45E5D215F}"/>
+              </a:ext>
+            </a:extLst>
+          </p:cNvPr>
+          <p:cNvSpPr txBox="1"/>
+          <p:nvPr/>
+        </p:nvSpPr>
+        <p:spPr>
+          <a:xfrm>
+            <a:off x="3826566" y="4908346"/>
+            <a:ext cx="4293163" cy="830997"/>
+          </a:xfrm>
+          <a:prstGeom prst="rect">
+            <a:avLst/>
+          </a:prstGeom>
+          <a:noFill/>
+        </p:spPr>
+        <p:txBody>
+          <a:bodyPr wrap="none" rtlCol="0">
+            <a:spAutoFit/>
+          </a:bodyPr>
+          <a:lstStyle/>
+          <a:p>
+            <a:r>
+              <a:rPr lang="en-US" sz="2400" dirty="0"/>
+              <a:t>The code is not reusable as-is</a:t>
+            </a:r>
+            <a:br>
+              <a:rPr lang="en-US" sz="2400" dirty="0"/>
+            </a:br>
+            <a:r>
+              <a:rPr lang="en-US" sz="2400" dirty="0"/>
+              <a:t>     (must copy/paste/tweak)</a:t>
+            </a:r>
+          </a:p>
+        </p:txBody>
+      </p:sp>
+    </p:spTree>
+    <p:extLst>
+      <p:ext uri="{BB962C8B-B14F-4D97-AF65-F5344CB8AC3E}">
+        <p14:creationId xmlns:p14="http://schemas.microsoft.com/office/powerpoint/2010/main" val="3751219880"/>
+      </p:ext>
+    </p:extLst>
+  </p:cSld>
+  <p:clrMapOvr>
+    <a:masterClrMapping/>
+  </p:clrMapOvr>
+  <p:timing>
+    <p:tnLst>
+      <p:par>
+        <p:cTn id="1" dur="indefinite" restart="never" nodeType="tmRoot">
+          <p:childTnLst>
+            <p:seq concurrent="1" nextAc="seek">
+              <p:cTn id="2" dur="indefinite" nodeType="mainSeq">
+                <p:childTnLst>
+                  <p:par>
+                    <p:cTn id="3" fill="hold">
+                      <p:stCondLst>
+                        <p:cond delay="indefinite"/>
+                      </p:stCondLst>
+                      <p:childTnLst>
+                        <p:par>
+                          <p:cTn id="4" fill="hold">
+                            <p:stCondLst>
+                              <p:cond delay="0"/>
+                            </p:stCondLst>
+                            <p:childTnLst>
+                              <p:par>
+                                <p:cTn id="5" presetID="1" presetClass="entr" presetSubtype="0" fill="hold" grpId="0" nodeType="clickEffect">
+                                  <p:stCondLst>
+                                    <p:cond delay="0"/>
+                                  </p:stCondLst>
+                                  <p:childTnLst>
+                                    <p:set>
+                                      <p:cBhvr>
+                                        <p:cTn id="6" dur="1" fill="hold">
+                                          <p:stCondLst>
+                                            <p:cond delay="0"/>
+                                          </p:stCondLst>
+                                        </p:cTn>
+                                        <p:tgtEl>
+                                          <p:spTgt spid="10"/>
+                                        </p:tgtEl>
+                                        <p:attrNameLst>
+                                          <p:attrName>style.visibility</p:attrName>
+                                        </p:attrNameLst>
+                                      </p:cBhvr>
+                                      <p:to>
+                                        <p:strVal val="visible"/>
+                                      </p:to>
+                                    </p:set>
+                                  </p:childTnLst>
+                                </p:cTn>
+                              </p:par>
+                            </p:childTnLst>
+                          </p:cTn>
+                        </p:par>
+                      </p:childTnLst>
+                    </p:cTn>
+                  </p:par>
+                </p:childTnLst>
+              </p:cTn>
+              <p:prevCondLst>
+                <p:cond evt="onPrev" delay="0">
+                  <p:tgtEl>
+                    <p:sldTgt/>
+                  </p:tgtEl>
+                </p:cond>
+              </p:prevCondLst>
+              <p:nextCondLst>
+                <p:cond evt="onNext" delay="0">
+                  <p:tgtEl>
+                    <p:sldTgt/>
+                  </p:tgtEl>
+                </p:cond>
+              </p:nextCondLst>
+            </p:seq>
+          </p:childTnLst>
+        </p:cTn>
+      </p:par>
+    </p:tnLst>
+    <p:bldLst>
+      <p:bldP spid="10" grpId="0"/>
+    </p:bldLst>
+  </p:timing>
+</p:sld>
+</file>
+
+<file path=ppt/slides/slide16.xml><?xml version="1.0" encoding="utf-8"?>
+<p:sld xmlns:a="http://schemas.openxmlformats.org/drawingml/2006/main" xmlns:r="http://schemas.openxmlformats.org/officeDocument/2006/relationships" xmlns:p="http://schemas.openxmlformats.org/presentationml/2006/main">
+  <p:cSld>
+    <p:spTree>
+      <p:nvGrpSpPr>
+        <p:cNvPr id="1" name=""/>
+        <p:cNvGrpSpPr/>
+        <p:nvPr/>
+      </p:nvGrpSpPr>
+      <p:grpSpPr>
+        <a:xfrm>
+          <a:off x="0" y="0"/>
+          <a:ext cx="0" cy="0"/>
+          <a:chOff x="0" y="0"/>
+          <a:chExt cx="0" cy="0"/>
+        </a:xfrm>
+      </p:grpSpPr>
+      <p:sp>
+        <p:nvSpPr>
+          <p:cNvPr id="2" name="Title 1">
+            <a:extLst>
+              <a:ext uri="{FF2B5EF4-FFF2-40B4-BE49-F238E27FC236}">
+                <a16:creationId xmlns:a16="http://schemas.microsoft.com/office/drawing/2014/main" id="{91882DDF-2091-844C-B516-A80BFAE1409D}"/>
+              </a:ext>
+            </a:extLst>
+          </p:cNvPr>
+          <p:cNvSpPr>
+            <a:spLocks noGrp="1"/>
+          </p:cNvSpPr>
+          <p:nvPr>
+            <p:ph type="title"/>
+          </p:nvPr>
+        </p:nvSpPr>
+        <p:spPr/>
+        <p:txBody>
+          <a:bodyPr/>
+          <a:lstStyle/>
+          <a:p>
+            <a:r>
+              <a:rPr lang="en-US" dirty="0"/>
+              <a:t>Encapsulating in a function; version 1</a:t>
+            </a:r>
+          </a:p>
+        </p:txBody>
+      </p:sp>
+      <p:sp>
+        <p:nvSpPr>
+          <p:cNvPr id="3" name="Content Placeholder 2">
+            <a:extLst>
+              <a:ext uri="{FF2B5EF4-FFF2-40B4-BE49-F238E27FC236}">
+                <a16:creationId xmlns:a16="http://schemas.microsoft.com/office/drawing/2014/main" id="{0F264DFB-DCFB-A140-99B4-B963E83F29C5}"/>
+              </a:ext>
+            </a:extLst>
+          </p:cNvPr>
+          <p:cNvSpPr>
+            <a:spLocks noGrp="1"/>
+          </p:cNvSpPr>
+          <p:nvPr>
+            <p:ph idx="1"/>
+          </p:nvPr>
+        </p:nvSpPr>
+        <p:spPr/>
+        <p:txBody>
+          <a:bodyPr/>
+          <a:lstStyle/>
+          <a:p>
+            <a:r>
+              <a:rPr lang="en-US" dirty="0"/>
+              <a:t>By wrapping in a function, we strive for a reusable ”recipe”</a:t>
+            </a:r>
+          </a:p>
+          <a:p>
+            <a:r>
+              <a:rPr lang="en-US" dirty="0"/>
+              <a:t>Add the function header, shift the statements to the right and add a return statement:</a:t>
+            </a:r>
+          </a:p>
+        </p:txBody>
+      </p:sp>
+      <p:pic>
+        <p:nvPicPr>
+          <p:cNvPr id="6" name="Picture 5" descr="Text&#10;&#10;Description automatically generated">
+            <a:extLst>
+              <a:ext uri="{FF2B5EF4-FFF2-40B4-BE49-F238E27FC236}">
+                <a16:creationId xmlns:a16="http://schemas.microsoft.com/office/drawing/2014/main" id="{ADA2F2B6-C3D6-004E-8A6A-898D03FE2D29}"/>
+              </a:ext>
+            </a:extLst>
+          </p:cNvPr>
+          <p:cNvPicPr>
+            <a:picLocks noChangeAspect="1"/>
+          </p:cNvPicPr>
+          <p:nvPr/>
+        </p:nvPicPr>
+        <p:blipFill>
+          <a:blip r:embed="rId2"/>
+          <a:stretch>
+            <a:fillRect/>
+          </a:stretch>
+        </p:blipFill>
+        <p:spPr>
+          <a:xfrm>
+            <a:off x="3318565" y="3289300"/>
+            <a:ext cx="5892800" cy="3022600"/>
+          </a:xfrm>
+          <a:prstGeom prst="rect">
+            <a:avLst/>
+          </a:prstGeom>
+        </p:spPr>
+      </p:pic>
+      <p:sp>
+        <p:nvSpPr>
+          <p:cNvPr id="7" name="TextBox 6">
+            <a:extLst>
+              <a:ext uri="{FF2B5EF4-FFF2-40B4-BE49-F238E27FC236}">
+                <a16:creationId xmlns:a16="http://schemas.microsoft.com/office/drawing/2014/main" id="{4C670DA8-CC31-9A41-A199-0A00BDC7396D}"/>
+              </a:ext>
+            </a:extLst>
+          </p:cNvPr>
+          <p:cNvSpPr txBox="1"/>
+          <p:nvPr/>
+        </p:nvSpPr>
+        <p:spPr>
+          <a:xfrm>
+            <a:off x="0" y="6492875"/>
+            <a:ext cx="2877711" cy="369332"/>
+          </a:xfrm>
+          <a:prstGeom prst="rect">
+            <a:avLst/>
+          </a:prstGeom>
+          <a:noFill/>
+        </p:spPr>
+        <p:txBody>
+          <a:bodyPr wrap="none" rtlCol="0">
+            <a:spAutoFit/>
+          </a:bodyPr>
+          <a:lstStyle/>
+          <a:p>
+            <a:r>
+              <a:rPr lang="en-US" dirty="0">
+                <a:hlinkClick r:id="rId3"/>
+              </a:rPr>
+              <a:t>Experiment in </a:t>
+            </a:r>
+            <a:r>
+              <a:rPr lang="en-US" dirty="0" err="1">
+                <a:hlinkClick r:id="rId3"/>
+              </a:rPr>
+              <a:t>pythontutor</a:t>
+            </a:r>
+            <a:endParaRPr lang="en-US" dirty="0"/>
+          </a:p>
+        </p:txBody>
+      </p:sp>
+      <p:sp>
+        <p:nvSpPr>
+          <p:cNvPr id="4" name="TextBox 3">
+            <a:extLst>
+              <a:ext uri="{FF2B5EF4-FFF2-40B4-BE49-F238E27FC236}">
+                <a16:creationId xmlns:a16="http://schemas.microsoft.com/office/drawing/2014/main" id="{AC077D9B-829E-C747-B644-17D96E461A22}"/>
+              </a:ext>
+            </a:extLst>
+          </p:cNvPr>
+          <p:cNvSpPr txBox="1"/>
+          <p:nvPr/>
+        </p:nvSpPr>
+        <p:spPr>
+          <a:xfrm>
+            <a:off x="9717156" y="3717234"/>
+            <a:ext cx="1669774" cy="1015663"/>
+          </a:xfrm>
+          <a:prstGeom prst="rect">
+            <a:avLst/>
+          </a:prstGeom>
+          <a:noFill/>
+        </p:spPr>
+        <p:txBody>
+          <a:bodyPr wrap="square" rtlCol="0">
+            <a:spAutoFit/>
+          </a:bodyPr>
+          <a:lstStyle/>
+          <a:p>
+            <a:r>
+              <a:rPr lang="en-US" sz="2000" dirty="0"/>
+              <a:t>What’s wrong with this version?</a:t>
+            </a:r>
+          </a:p>
+        </p:txBody>
+      </p:sp>
+    </p:spTree>
+    <p:extLst>
+      <p:ext uri="{BB962C8B-B14F-4D97-AF65-F5344CB8AC3E}">
+        <p14:creationId xmlns:p14="http://schemas.microsoft.com/office/powerpoint/2010/main" val="4087533009"/>
+      </p:ext>
+    </p:extLst>
+  </p:cSld>
+  <p:clrMapOvr>
+    <a:masterClrMapping/>
+  </p:clrMapOvr>
+</p:sld>
+</file>
+
+<file path=ppt/slides/slide17.xml><?xml version="1.0" encoding="utf-8"?>
+<p:sld xmlns:a="http://schemas.openxmlformats.org/drawingml/2006/main" xmlns:r="http://schemas.openxmlformats.org/officeDocument/2006/relationships" xmlns:p="http://schemas.openxmlformats.org/presentationml/2006/main">
+  <p:cSld>
+    <p:spTree>
+      <p:nvGrpSpPr>
+        <p:cNvPr id="1" name=""/>
+        <p:cNvGrpSpPr/>
+        <p:nvPr/>
+      </p:nvGrpSpPr>
+      <p:grpSpPr>
+        <a:xfrm>
+          <a:off x="0" y="0"/>
+          <a:ext cx="0" cy="0"/>
+          <a:chOff x="0" y="0"/>
+          <a:chExt cx="0" cy="0"/>
+        </a:xfrm>
+      </p:grpSpPr>
+      <p:pic>
+        <p:nvPicPr>
+          <p:cNvPr id="11" name="Picture 10" descr="Text&#10;&#10;Description automatically generated">
+            <a:extLst>
+              <a:ext uri="{FF2B5EF4-FFF2-40B4-BE49-F238E27FC236}">
+                <a16:creationId xmlns:a16="http://schemas.microsoft.com/office/drawing/2014/main" id="{E5B3AC3A-874B-5348-99C1-2C3080213C75}"/>
+              </a:ext>
+            </a:extLst>
+          </p:cNvPr>
+          <p:cNvPicPr>
+            <a:picLocks noChangeAspect="1"/>
+          </p:cNvPicPr>
+          <p:nvPr/>
+        </p:nvPicPr>
+        <p:blipFill>
+          <a:blip r:embed="rId2"/>
+          <a:stretch>
+            <a:fillRect/>
+          </a:stretch>
+        </p:blipFill>
+        <p:spPr>
+          <a:xfrm>
+            <a:off x="5958855" y="2484784"/>
+            <a:ext cx="6013450" cy="3334526"/>
+          </a:xfrm>
+          <a:prstGeom prst="rect">
+            <a:avLst/>
+          </a:prstGeom>
+        </p:spPr>
+      </p:pic>
+      <p:sp>
+        <p:nvSpPr>
+          <p:cNvPr id="2" name="Title 1">
+            <a:extLst>
+              <a:ext uri="{FF2B5EF4-FFF2-40B4-BE49-F238E27FC236}">
+                <a16:creationId xmlns:a16="http://schemas.microsoft.com/office/drawing/2014/main" id="{91882DDF-2091-844C-B516-A80BFAE1409D}"/>
+              </a:ext>
+            </a:extLst>
+          </p:cNvPr>
+          <p:cNvSpPr>
+            <a:spLocks noGrp="1"/>
+          </p:cNvSpPr>
+          <p:nvPr>
+            <p:ph type="title"/>
+          </p:nvPr>
+        </p:nvSpPr>
+        <p:spPr/>
+        <p:txBody>
+          <a:bodyPr/>
+          <a:lstStyle/>
+          <a:p>
+            <a:r>
+              <a:rPr lang="en-US" dirty="0"/>
+              <a:t>Encapsulating in a function; version 2</a:t>
+            </a:r>
+          </a:p>
+        </p:txBody>
+      </p:sp>
+      <p:sp>
+        <p:nvSpPr>
+          <p:cNvPr id="3" name="Content Placeholder 2">
+            <a:extLst>
+              <a:ext uri="{FF2B5EF4-FFF2-40B4-BE49-F238E27FC236}">
+                <a16:creationId xmlns:a16="http://schemas.microsoft.com/office/drawing/2014/main" id="{0F264DFB-DCFB-A140-99B4-B963E83F29C5}"/>
+              </a:ext>
+            </a:extLst>
+          </p:cNvPr>
+          <p:cNvSpPr>
+            <a:spLocks noGrp="1"/>
+          </p:cNvSpPr>
+          <p:nvPr>
+            <p:ph idx="1"/>
+          </p:nvPr>
+        </p:nvSpPr>
+        <p:spPr>
+          <a:xfrm>
+            <a:off x="838200" y="1690688"/>
+            <a:ext cx="10515600" cy="4486275"/>
+          </a:xfrm>
+        </p:spPr>
+        <p:txBody>
+          <a:bodyPr/>
+          <a:lstStyle/>
+          <a:p>
+            <a:r>
+              <a:rPr lang="en-US" dirty="0"/>
+              <a:t>Functions should focus on the parameters and avoid global variables if possible</a:t>
+            </a:r>
+          </a:p>
+          <a:p>
+            <a:r>
+              <a:rPr lang="en-US" dirty="0"/>
+              <a:t>This version now works with</a:t>
+            </a:r>
+            <a:br>
+              <a:rPr lang="en-US" dirty="0"/>
+            </a:br>
+            <a:r>
+              <a:rPr lang="en-US" dirty="0"/>
+              <a:t>any list of numbers, not just</a:t>
+            </a:r>
+            <a:br>
+              <a:rPr lang="en-US" dirty="0"/>
+            </a:br>
+            <a:r>
+              <a:rPr lang="en-US" b="1" dirty="0"/>
+              <a:t>Quantity</a:t>
+            </a:r>
+            <a:r>
+              <a:rPr lang="en-US" dirty="0"/>
+              <a:t>:</a:t>
+            </a:r>
+            <a:endParaRPr lang="en-US" b="1" dirty="0"/>
+          </a:p>
+          <a:p>
+            <a:endParaRPr lang="en-US" dirty="0"/>
+          </a:p>
+        </p:txBody>
+      </p:sp>
+      <p:sp>
+        <p:nvSpPr>
+          <p:cNvPr id="5" name="TextBox 4">
+            <a:extLst>
+              <a:ext uri="{FF2B5EF4-FFF2-40B4-BE49-F238E27FC236}">
+                <a16:creationId xmlns:a16="http://schemas.microsoft.com/office/drawing/2014/main" id="{38A954DC-2DE4-A844-9946-F52173514EDD}"/>
+              </a:ext>
+            </a:extLst>
+          </p:cNvPr>
+          <p:cNvSpPr txBox="1"/>
+          <p:nvPr/>
+        </p:nvSpPr>
+        <p:spPr>
+          <a:xfrm>
+            <a:off x="0" y="6492875"/>
+            <a:ext cx="2877711" cy="369332"/>
+          </a:xfrm>
+          <a:prstGeom prst="rect">
+            <a:avLst/>
+          </a:prstGeom>
+          <a:noFill/>
+        </p:spPr>
+        <p:txBody>
+          <a:bodyPr wrap="none" rtlCol="0">
+            <a:spAutoFit/>
+          </a:bodyPr>
+          <a:lstStyle/>
+          <a:p>
+            <a:r>
+              <a:rPr lang="en-US" dirty="0">
+                <a:hlinkClick r:id="rId3"/>
+              </a:rPr>
+              <a:t>Experiment in </a:t>
+            </a:r>
+            <a:r>
+              <a:rPr lang="en-US" dirty="0" err="1">
+                <a:hlinkClick r:id="rId3"/>
+              </a:rPr>
+              <a:t>pythontutor</a:t>
+            </a:r>
+            <a:endParaRPr lang="en-US" dirty="0"/>
+          </a:p>
+        </p:txBody>
+      </p:sp>
+      <p:pic>
+        <p:nvPicPr>
+          <p:cNvPr id="7" name="Picture 6" descr="Graphical user interface, text, application, chat or text message&#10;&#10;Description automatically generated">
+            <a:extLst>
+              <a:ext uri="{FF2B5EF4-FFF2-40B4-BE49-F238E27FC236}">
+                <a16:creationId xmlns:a16="http://schemas.microsoft.com/office/drawing/2014/main" id="{00BBB453-152A-8343-AC64-69E3A57EEC66}"/>
+              </a:ext>
+            </a:extLst>
+          </p:cNvPr>
+          <p:cNvPicPr>
+            <a:picLocks noChangeAspect="1"/>
+          </p:cNvPicPr>
+          <p:nvPr/>
+        </p:nvPicPr>
+        <p:blipFill>
+          <a:blip r:embed="rId4"/>
+          <a:stretch>
+            <a:fillRect/>
+          </a:stretch>
+        </p:blipFill>
+        <p:spPr>
+          <a:xfrm>
+            <a:off x="2226365" y="4065277"/>
+            <a:ext cx="1936438" cy="1232279"/>
+          </a:xfrm>
+          <a:prstGeom prst="rect">
+            <a:avLst/>
+          </a:prstGeom>
+        </p:spPr>
+      </p:pic>
+      <p:sp>
+        <p:nvSpPr>
+          <p:cNvPr id="8" name="Rectangle 7">
+            <a:extLst>
+              <a:ext uri="{FF2B5EF4-FFF2-40B4-BE49-F238E27FC236}">
+                <a16:creationId xmlns:a16="http://schemas.microsoft.com/office/drawing/2014/main" id="{EDD304E5-0C16-6B47-BABD-3BA7A14F2653}"/>
+              </a:ext>
+            </a:extLst>
+          </p:cNvPr>
+          <p:cNvSpPr/>
+          <p:nvPr/>
+        </p:nvSpPr>
+        <p:spPr>
+          <a:xfrm>
+            <a:off x="6897757" y="2518237"/>
+            <a:ext cx="496956" cy="337930"/>
+          </a:xfrm>
+          <a:prstGeom prst="rect">
+            <a:avLst/>
+          </a:prstGeom>
+          <a:noFill/>
+          <a:ln w="25400">
+            <a:solidFill>
+              <a:srgbClr val="E4754F"/>
+            </a:solidFill>
+          </a:ln>
+        </p:spPr>
+        <p:style>
+          <a:lnRef idx="2">
+            <a:schemeClr val="accent1">
+              <a:shade val="50000"/>
+            </a:schemeClr>
+          </a:lnRef>
+          <a:fillRef idx="1">
+            <a:schemeClr val="accent1"/>
+          </a:fillRef>
+          <a:effectRef idx="0">
+            <a:schemeClr val="accent1"/>
+          </a:effectRef>
+          <a:fontRef idx="minor">
+            <a:schemeClr val="lt1"/>
+          </a:fontRef>
+        </p:style>
+        <p:txBody>
+          <a:bodyPr rtlCol="0" anchor="ctr"/>
+          <a:lstStyle/>
+          <a:p>
+            <a:pPr algn="ctr"/>
+            <a:endParaRPr lang="en-US"/>
+          </a:p>
+        </p:txBody>
+      </p:sp>
+      <p:sp>
+        <p:nvSpPr>
+          <p:cNvPr id="9" name="Rectangle 8">
+            <a:extLst>
+              <a:ext uri="{FF2B5EF4-FFF2-40B4-BE49-F238E27FC236}">
+                <a16:creationId xmlns:a16="http://schemas.microsoft.com/office/drawing/2014/main" id="{63D6484D-4C5A-DF4D-BC46-082608CED8E4}"/>
+              </a:ext>
+            </a:extLst>
+          </p:cNvPr>
+          <p:cNvSpPr/>
+          <p:nvPr/>
+        </p:nvSpPr>
+        <p:spPr>
+          <a:xfrm>
+            <a:off x="7446834" y="3013156"/>
+            <a:ext cx="515138" cy="337930"/>
+          </a:xfrm>
+          <a:prstGeom prst="rect">
+            <a:avLst/>
+          </a:prstGeom>
+          <a:noFill/>
+          <a:ln w="25400">
+            <a:solidFill>
+              <a:srgbClr val="E4754F"/>
+            </a:solidFill>
+          </a:ln>
+        </p:spPr>
+        <p:style>
+          <a:lnRef idx="2">
+            <a:schemeClr val="accent1">
+              <a:shade val="50000"/>
+            </a:schemeClr>
+          </a:lnRef>
+          <a:fillRef idx="1">
+            <a:schemeClr val="accent1"/>
+          </a:fillRef>
+          <a:effectRef idx="0">
+            <a:schemeClr val="accent1"/>
+          </a:effectRef>
+          <a:fontRef idx="minor">
+            <a:schemeClr val="lt1"/>
+          </a:fontRef>
+        </p:style>
+        <p:txBody>
+          <a:bodyPr rtlCol="0" anchor="ctr"/>
+          <a:lstStyle/>
+          <a:p>
+            <a:pPr algn="ctr"/>
+            <a:endParaRPr lang="en-US"/>
+          </a:p>
+        </p:txBody>
+      </p:sp>
+      <p:pic>
+        <p:nvPicPr>
+          <p:cNvPr id="10" name="Picture 9">
+            <a:extLst>
+              <a:ext uri="{FF2B5EF4-FFF2-40B4-BE49-F238E27FC236}">
+                <a16:creationId xmlns:a16="http://schemas.microsoft.com/office/drawing/2014/main" id="{8F7F3497-1076-D240-A10B-CD38DAD73430}"/>
+              </a:ext>
+            </a:extLst>
+          </p:cNvPr>
+          <p:cNvPicPr>
+            <a:picLocks noChangeAspect="1"/>
+          </p:cNvPicPr>
+          <p:nvPr/>
+        </p:nvPicPr>
+        <p:blipFill>
+          <a:blip r:embed="rId5"/>
+          <a:stretch>
+            <a:fillRect/>
+          </a:stretch>
+        </p:blipFill>
+        <p:spPr>
+          <a:xfrm>
+            <a:off x="8965580" y="0"/>
+            <a:ext cx="3226420" cy="806605"/>
+          </a:xfrm>
+          <a:prstGeom prst="rect">
+            <a:avLst/>
+          </a:prstGeom>
+        </p:spPr>
+      </p:pic>
+    </p:spTree>
+    <p:extLst>
+      <p:ext uri="{BB962C8B-B14F-4D97-AF65-F5344CB8AC3E}">
+        <p14:creationId xmlns:p14="http://schemas.microsoft.com/office/powerpoint/2010/main" val="3881274184"/>
+      </p:ext>
+    </p:extLst>
+  </p:cSld>
+  <p:clrMapOvr>
+    <a:masterClrMapping/>
+  </p:clrMapOvr>
+</p:sld>
+</file>
+
+<file path=ppt/slides/slide18.xml><?xml version="1.0" encoding="utf-8"?>
+<p:sld xmlns:a="http://schemas.openxmlformats.org/drawingml/2006/main" xmlns:r="http://schemas.openxmlformats.org/officeDocument/2006/relationships" xmlns:p="http://schemas.openxmlformats.org/presentationml/2006/main">
+  <p:cSld>
+    <p:spTree>
+      <p:nvGrpSpPr>
+        <p:cNvPr id="1" name=""/>
+        <p:cNvGrpSpPr/>
+        <p:nvPr/>
+      </p:nvGrpSpPr>
+      <p:grpSpPr>
+        <a:xfrm>
+          <a:off x="0" y="0"/>
+          <a:ext cx="0" cy="0"/>
+          <a:chOff x="0" y="0"/>
+          <a:chExt cx="0" cy="0"/>
+        </a:xfrm>
+      </p:grpSpPr>
+      <p:sp>
+        <p:nvSpPr>
+          <p:cNvPr id="2" name="Title 1">
+            <a:extLst>
+              <a:ext uri="{FF2B5EF4-FFF2-40B4-BE49-F238E27FC236}">
+                <a16:creationId xmlns:a16="http://schemas.microsoft.com/office/drawing/2014/main" id="{635FE035-DF38-9C47-89B3-863AD3BDA926}"/>
+              </a:ext>
+            </a:extLst>
+          </p:cNvPr>
+          <p:cNvSpPr>
+            <a:spLocks noGrp="1"/>
+          </p:cNvSpPr>
+          <p:nvPr>
+            <p:ph type="title"/>
+          </p:nvPr>
+        </p:nvSpPr>
+        <p:spPr/>
+        <p:txBody>
+          <a:bodyPr/>
+          <a:lstStyle/>
+          <a:p>
+            <a:r>
+              <a:rPr lang="en-US" dirty="0"/>
+              <a:t>Example: search function</a:t>
+            </a:r>
+          </a:p>
+        </p:txBody>
+      </p:sp>
+      <p:sp>
+        <p:nvSpPr>
+          <p:cNvPr id="3" name="Content Placeholder 2">
+            <a:extLst>
+              <a:ext uri="{FF2B5EF4-FFF2-40B4-BE49-F238E27FC236}">
+                <a16:creationId xmlns:a16="http://schemas.microsoft.com/office/drawing/2014/main" id="{EA2052B3-2F5F-EA45-90E3-F22A07A60BF6}"/>
+              </a:ext>
+            </a:extLst>
+          </p:cNvPr>
+          <p:cNvSpPr>
+            <a:spLocks noGrp="1"/>
+          </p:cNvSpPr>
+          <p:nvPr>
+            <p:ph idx="1"/>
+          </p:nvPr>
+        </p:nvSpPr>
+        <p:spPr/>
+        <p:txBody>
+          <a:bodyPr/>
+          <a:lstStyle/>
+          <a:p>
+            <a:r>
+              <a:rPr lang="en-US" dirty="0"/>
+              <a:t>Here’s a hardcoded non-function search example</a:t>
+            </a:r>
+          </a:p>
+          <a:p>
+            <a:endParaRPr lang="en-US" dirty="0"/>
+          </a:p>
+          <a:p>
+            <a:endParaRPr lang="en-US" dirty="0"/>
+          </a:p>
+          <a:p>
+            <a:endParaRPr lang="en-US" dirty="0"/>
+          </a:p>
+          <a:p>
+            <a:endParaRPr lang="en-US" dirty="0"/>
+          </a:p>
+          <a:p>
+            <a:endParaRPr lang="en-US" dirty="0"/>
+          </a:p>
+          <a:p>
+            <a:endParaRPr lang="en-US" dirty="0"/>
+          </a:p>
+          <a:p>
+            <a:r>
+              <a:rPr lang="en-US" dirty="0"/>
+              <a:t>The problem is that it is restricted to work with a list called </a:t>
+            </a:r>
+            <a:r>
+              <a:rPr lang="en-US" b="1" dirty="0"/>
+              <a:t>first</a:t>
+            </a:r>
+          </a:p>
+        </p:txBody>
+      </p:sp>
+      <p:sp>
+        <p:nvSpPr>
+          <p:cNvPr id="4" name="TextBox 3">
+            <a:extLst>
+              <a:ext uri="{FF2B5EF4-FFF2-40B4-BE49-F238E27FC236}">
+                <a16:creationId xmlns:a16="http://schemas.microsoft.com/office/drawing/2014/main" id="{2FDBB925-C731-9047-9960-70658F4EBD5A}"/>
+              </a:ext>
+            </a:extLst>
+          </p:cNvPr>
+          <p:cNvSpPr txBox="1"/>
+          <p:nvPr/>
+        </p:nvSpPr>
+        <p:spPr>
+          <a:xfrm>
+            <a:off x="1066418" y="2464419"/>
+            <a:ext cx="10549683" cy="2677656"/>
+          </a:xfrm>
+          <a:prstGeom prst="rect">
+            <a:avLst/>
+          </a:prstGeom>
+          <a:noFill/>
+        </p:spPr>
+        <p:txBody>
+          <a:bodyPr wrap="none" rtlCol="0">
+            <a:spAutoFit/>
+          </a:bodyPr>
+          <a:lstStyle/>
+          <a:p>
+            <a:r>
+              <a:rPr lang="en-US" sz="2400" dirty="0">
+                <a:latin typeface="Consolas" panose="020B0609020204030204" pitchFamily="49" charset="0"/>
+                <a:cs typeface="Consolas" panose="020B0609020204030204" pitchFamily="49" charset="0"/>
+              </a:rPr>
+              <a:t>first=['</a:t>
+            </a:r>
+            <a:r>
+              <a:rPr lang="en-US" sz="2400" dirty="0" err="1">
+                <a:latin typeface="Consolas" panose="020B0609020204030204" pitchFamily="49" charset="0"/>
+                <a:cs typeface="Consolas" panose="020B0609020204030204" pitchFamily="49" charset="0"/>
+              </a:rPr>
+              <a:t>Xue</a:t>
+            </a:r>
+            <a:r>
+              <a:rPr lang="en-US" sz="2400" dirty="0">
+                <a:latin typeface="Consolas" panose="020B0609020204030204" pitchFamily="49" charset="0"/>
+                <a:cs typeface="Consolas" panose="020B0609020204030204" pitchFamily="49" charset="0"/>
+              </a:rPr>
+              <a:t>', 'Mary', 'Robert']     # our given input</a:t>
+            </a:r>
+          </a:p>
+          <a:p>
+            <a:r>
+              <a:rPr lang="en-US" sz="2400" dirty="0">
+                <a:latin typeface="Consolas" panose="020B0609020204030204" pitchFamily="49" charset="0"/>
+                <a:cs typeface="Consolas" panose="020B0609020204030204" pitchFamily="49" charset="0"/>
+              </a:rPr>
+              <a:t>target = 'Mary'                     # searching for Mary</a:t>
+            </a:r>
+          </a:p>
+          <a:p>
+            <a:r>
+              <a:rPr lang="en-US" sz="2400" dirty="0">
+                <a:latin typeface="Consolas" panose="020B0609020204030204" pitchFamily="49" charset="0"/>
+                <a:cs typeface="Consolas" panose="020B0609020204030204" pitchFamily="49" charset="0"/>
+              </a:rPr>
+              <a:t>index = -1</a:t>
+            </a:r>
+          </a:p>
+          <a:p>
+            <a:r>
+              <a:rPr lang="en-US" sz="2400" dirty="0">
+                <a:latin typeface="Consolas" panose="020B0609020204030204" pitchFamily="49" charset="0"/>
+                <a:cs typeface="Consolas" panose="020B0609020204030204" pitchFamily="49" charset="0"/>
+              </a:rPr>
+              <a:t>for </a:t>
+            </a:r>
+            <a:r>
+              <a:rPr lang="en-US" sz="2400" dirty="0" err="1">
+                <a:latin typeface="Consolas" panose="020B0609020204030204" pitchFamily="49" charset="0"/>
+                <a:cs typeface="Consolas" panose="020B0609020204030204" pitchFamily="49" charset="0"/>
+              </a:rPr>
+              <a:t>i</a:t>
+            </a:r>
+            <a:r>
+              <a:rPr lang="en-US" sz="2400" dirty="0">
+                <a:latin typeface="Consolas" panose="020B0609020204030204" pitchFamily="49" charset="0"/>
+                <a:cs typeface="Consolas" panose="020B0609020204030204" pitchFamily="49" charset="0"/>
+              </a:rPr>
+              <a:t> in range(</a:t>
+            </a:r>
+            <a:r>
+              <a:rPr lang="en-US" sz="2400" dirty="0" err="1">
+                <a:latin typeface="Consolas" panose="020B0609020204030204" pitchFamily="49" charset="0"/>
+                <a:cs typeface="Consolas" panose="020B0609020204030204" pitchFamily="49" charset="0"/>
+              </a:rPr>
+              <a:t>len</a:t>
+            </a:r>
+            <a:r>
+              <a:rPr lang="en-US" sz="2400" dirty="0">
+                <a:latin typeface="Consolas" panose="020B0609020204030204" pitchFamily="49" charset="0"/>
+                <a:cs typeface="Consolas" panose="020B0609020204030204" pitchFamily="49" charset="0"/>
+              </a:rPr>
+              <a:t>(first)):         # </a:t>
+            </a:r>
+            <a:r>
+              <a:rPr lang="en-US" sz="2400" dirty="0" err="1">
+                <a:latin typeface="Consolas" panose="020B0609020204030204" pitchFamily="49" charset="0"/>
+                <a:cs typeface="Consolas" panose="020B0609020204030204" pitchFamily="49" charset="0"/>
+              </a:rPr>
+              <a:t>i</a:t>
+            </a:r>
+            <a:r>
+              <a:rPr lang="en-US" sz="2400" dirty="0">
+                <a:latin typeface="Consolas" panose="020B0609020204030204" pitchFamily="49" charset="0"/>
+                <a:cs typeface="Consolas" panose="020B0609020204030204" pitchFamily="49" charset="0"/>
+              </a:rPr>
+              <a:t> is in range [0..n-1]</a:t>
+            </a:r>
+          </a:p>
+          <a:p>
+            <a:r>
+              <a:rPr lang="en-US" sz="2400" dirty="0">
+                <a:latin typeface="Consolas" panose="020B0609020204030204" pitchFamily="49" charset="0"/>
+                <a:cs typeface="Consolas" panose="020B0609020204030204" pitchFamily="49" charset="0"/>
+              </a:rPr>
+              <a:t>    if first[</a:t>
+            </a:r>
+            <a:r>
+              <a:rPr lang="en-US" sz="2400" dirty="0" err="1">
+                <a:latin typeface="Consolas" panose="020B0609020204030204" pitchFamily="49" charset="0"/>
+                <a:cs typeface="Consolas" panose="020B0609020204030204" pitchFamily="49" charset="0"/>
+              </a:rPr>
+              <a:t>i</a:t>
+            </a:r>
+            <a:r>
+              <a:rPr lang="en-US" sz="2400" dirty="0">
+                <a:latin typeface="Consolas" panose="020B0609020204030204" pitchFamily="49" charset="0"/>
+                <a:cs typeface="Consolas" panose="020B0609020204030204" pitchFamily="49" charset="0"/>
+              </a:rPr>
+              <a:t>]==target:</a:t>
+            </a:r>
+          </a:p>
+          <a:p>
+            <a:r>
+              <a:rPr lang="en-US" sz="2400" dirty="0">
+                <a:latin typeface="Consolas" panose="020B0609020204030204" pitchFamily="49" charset="0"/>
+                <a:cs typeface="Consolas" panose="020B0609020204030204" pitchFamily="49" charset="0"/>
+              </a:rPr>
+              <a:t>        index = </a:t>
+            </a:r>
+            <a:r>
+              <a:rPr lang="en-US" sz="2400" dirty="0" err="1">
+                <a:latin typeface="Consolas" panose="020B0609020204030204" pitchFamily="49" charset="0"/>
+                <a:cs typeface="Consolas" panose="020B0609020204030204" pitchFamily="49" charset="0"/>
+              </a:rPr>
+              <a:t>i</a:t>
+            </a:r>
+            <a:endParaRPr lang="en-US" sz="2400" dirty="0">
+              <a:latin typeface="Consolas" panose="020B0609020204030204" pitchFamily="49" charset="0"/>
+              <a:cs typeface="Consolas" panose="020B0609020204030204" pitchFamily="49" charset="0"/>
+            </a:endParaRPr>
+          </a:p>
+          <a:p>
+            <a:r>
+              <a:rPr lang="en-US" sz="2400" dirty="0">
+                <a:latin typeface="Consolas" panose="020B0609020204030204" pitchFamily="49" charset="0"/>
+                <a:cs typeface="Consolas" panose="020B0609020204030204" pitchFamily="49" charset="0"/>
+              </a:rPr>
+              <a:t>        break</a:t>
+            </a:r>
+          </a:p>
+        </p:txBody>
+      </p:sp>
+    </p:spTree>
+    <p:extLst>
+      <p:ext uri="{BB962C8B-B14F-4D97-AF65-F5344CB8AC3E}">
+        <p14:creationId xmlns:p14="http://schemas.microsoft.com/office/powerpoint/2010/main" val="3688978610"/>
+      </p:ext>
+    </p:extLst>
+  </p:cSld>
+  <p:clrMapOvr>
+    <a:masterClrMapping/>
+  </p:clrMapOvr>
+</p:sld>
+</file>
+
+<file path=ppt/slides/slide19.xml><?xml version="1.0" encoding="utf-8"?>
+<p:sld xmlns:a="http://schemas.openxmlformats.org/drawingml/2006/main" xmlns:r="http://schemas.openxmlformats.org/officeDocument/2006/relationships" xmlns:p="http://schemas.openxmlformats.org/presentationml/2006/main">
+  <p:cSld>
+    <p:spTree>
+      <p:nvGrpSpPr>
+        <p:cNvPr id="1" name=""/>
+        <p:cNvGrpSpPr/>
+        <p:nvPr/>
+      </p:nvGrpSpPr>
+      <p:grpSpPr>
+        <a:xfrm>
+          <a:off x="0" y="0"/>
+          <a:ext cx="0" cy="0"/>
+          <a:chOff x="0" y="0"/>
+          <a:chExt cx="0" cy="0"/>
+        </a:xfrm>
+      </p:grpSpPr>
+      <p:sp>
+        <p:nvSpPr>
+          <p:cNvPr id="2" name="Title 1">
+            <a:extLst>
+              <a:ext uri="{FF2B5EF4-FFF2-40B4-BE49-F238E27FC236}">
+                <a16:creationId xmlns:a16="http://schemas.microsoft.com/office/drawing/2014/main" id="{635FE035-DF38-9C47-89B3-863AD3BDA926}"/>
+              </a:ext>
+            </a:extLst>
+          </p:cNvPr>
+          <p:cNvSpPr>
+            <a:spLocks noGrp="1"/>
+          </p:cNvSpPr>
+          <p:nvPr>
+            <p:ph type="title"/>
+          </p:nvPr>
+        </p:nvSpPr>
+        <p:spPr/>
+        <p:txBody>
+          <a:bodyPr/>
+          <a:lstStyle/>
+          <a:p>
+            <a:r>
+              <a:rPr lang="en-US" dirty="0"/>
+              <a:t>Example: search function version 1</a:t>
+            </a:r>
+          </a:p>
+        </p:txBody>
+      </p:sp>
+      <p:sp>
+        <p:nvSpPr>
+          <p:cNvPr id="3" name="Content Placeholder 2">
+            <a:extLst>
+              <a:ext uri="{FF2B5EF4-FFF2-40B4-BE49-F238E27FC236}">
+                <a16:creationId xmlns:a16="http://schemas.microsoft.com/office/drawing/2014/main" id="{EA2052B3-2F5F-EA45-90E3-F22A07A60BF6}"/>
+              </a:ext>
+            </a:extLst>
+          </p:cNvPr>
+          <p:cNvSpPr>
+            <a:spLocks noGrp="1"/>
+          </p:cNvSpPr>
+          <p:nvPr>
+            <p:ph idx="1"/>
+          </p:nvPr>
+        </p:nvSpPr>
+        <p:spPr/>
+        <p:txBody>
+          <a:bodyPr/>
+          <a:lstStyle/>
+          <a:p>
+            <a:r>
+              <a:rPr lang="en-US" dirty="0"/>
+              <a:t>Wrap in a function header with two arguments</a:t>
+            </a:r>
+          </a:p>
+        </p:txBody>
+      </p:sp>
+      <p:sp>
+        <p:nvSpPr>
+          <p:cNvPr id="5" name="TextBox 4">
+            <a:extLst>
+              <a:ext uri="{FF2B5EF4-FFF2-40B4-BE49-F238E27FC236}">
+                <a16:creationId xmlns:a16="http://schemas.microsoft.com/office/drawing/2014/main" id="{D863940A-946C-C54E-9440-50753FE281BA}"/>
+              </a:ext>
+            </a:extLst>
+          </p:cNvPr>
+          <p:cNvSpPr txBox="1"/>
+          <p:nvPr/>
+        </p:nvSpPr>
+        <p:spPr>
+          <a:xfrm>
+            <a:off x="1066418" y="2419815"/>
+            <a:ext cx="9530173" cy="3785652"/>
+          </a:xfrm>
+          <a:prstGeom prst="rect">
+            <a:avLst/>
+          </a:prstGeom>
+          <a:noFill/>
+        </p:spPr>
+        <p:txBody>
+          <a:bodyPr wrap="none" rtlCol="0">
+            <a:spAutoFit/>
+          </a:bodyPr>
+          <a:lstStyle/>
+          <a:p>
+            <a:r>
+              <a:rPr lang="en-US" sz="2400" dirty="0">
+                <a:latin typeface="Consolas" panose="020B0609020204030204" pitchFamily="49" charset="0"/>
+                <a:cs typeface="Consolas" panose="020B0609020204030204" pitchFamily="49" charset="0"/>
+              </a:rPr>
+              <a:t>def search(x, data):</a:t>
+            </a:r>
+          </a:p>
+          <a:p>
+            <a:r>
+              <a:rPr lang="en-US" sz="2400" dirty="0">
+                <a:latin typeface="Consolas" panose="020B0609020204030204" pitchFamily="49" charset="0"/>
+                <a:cs typeface="Consolas" panose="020B0609020204030204" pitchFamily="49" charset="0"/>
+              </a:rPr>
+              <a:t>    index = -1</a:t>
+            </a:r>
+          </a:p>
+          <a:p>
+            <a:r>
+              <a:rPr lang="en-US" sz="2400" dirty="0">
+                <a:latin typeface="Consolas" panose="020B0609020204030204" pitchFamily="49" charset="0"/>
+                <a:cs typeface="Consolas" panose="020B0609020204030204" pitchFamily="49" charset="0"/>
+              </a:rPr>
+              <a:t>    for </a:t>
+            </a:r>
+            <a:r>
+              <a:rPr lang="en-US" sz="2400" dirty="0" err="1">
+                <a:latin typeface="Consolas" panose="020B0609020204030204" pitchFamily="49" charset="0"/>
+                <a:cs typeface="Consolas" panose="020B0609020204030204" pitchFamily="49" charset="0"/>
+              </a:rPr>
+              <a:t>i</a:t>
+            </a:r>
+            <a:r>
+              <a:rPr lang="en-US" sz="2400" dirty="0">
+                <a:latin typeface="Consolas" panose="020B0609020204030204" pitchFamily="49" charset="0"/>
+                <a:cs typeface="Consolas" panose="020B0609020204030204" pitchFamily="49" charset="0"/>
+              </a:rPr>
+              <a:t> in range(</a:t>
+            </a:r>
+            <a:r>
+              <a:rPr lang="en-US" sz="2400" dirty="0" err="1">
+                <a:latin typeface="Consolas" panose="020B0609020204030204" pitchFamily="49" charset="0"/>
+                <a:cs typeface="Consolas" panose="020B0609020204030204" pitchFamily="49" charset="0"/>
+              </a:rPr>
+              <a:t>len</a:t>
+            </a:r>
+            <a:r>
+              <a:rPr lang="en-US" sz="2400" dirty="0">
+                <a:latin typeface="Consolas" panose="020B0609020204030204" pitchFamily="49" charset="0"/>
+                <a:cs typeface="Consolas" panose="020B0609020204030204" pitchFamily="49" charset="0"/>
+              </a:rPr>
+              <a:t>(data)):</a:t>
+            </a:r>
+          </a:p>
+          <a:p>
+            <a:r>
+              <a:rPr lang="en-US" sz="2400" dirty="0">
+                <a:latin typeface="Consolas" panose="020B0609020204030204" pitchFamily="49" charset="0"/>
+                <a:cs typeface="Consolas" panose="020B0609020204030204" pitchFamily="49" charset="0"/>
+              </a:rPr>
+              <a:t>        if data[</a:t>
+            </a:r>
+            <a:r>
+              <a:rPr lang="en-US" sz="2400" dirty="0" err="1">
+                <a:latin typeface="Consolas" panose="020B0609020204030204" pitchFamily="49" charset="0"/>
+                <a:cs typeface="Consolas" panose="020B0609020204030204" pitchFamily="49" charset="0"/>
+              </a:rPr>
+              <a:t>i</a:t>
+            </a:r>
+            <a:r>
+              <a:rPr lang="en-US" sz="2400" dirty="0">
+                <a:latin typeface="Consolas" panose="020B0609020204030204" pitchFamily="49" charset="0"/>
+                <a:cs typeface="Consolas" panose="020B0609020204030204" pitchFamily="49" charset="0"/>
+              </a:rPr>
+              <a:t>]==x:</a:t>
+            </a:r>
+          </a:p>
+          <a:p>
+            <a:r>
+              <a:rPr lang="en-US" sz="2400" dirty="0">
+                <a:latin typeface="Consolas" panose="020B0609020204030204" pitchFamily="49" charset="0"/>
+                <a:cs typeface="Consolas" panose="020B0609020204030204" pitchFamily="49" charset="0"/>
+              </a:rPr>
+              <a:t>            index = </a:t>
+            </a:r>
+            <a:r>
+              <a:rPr lang="en-US" sz="2400" dirty="0" err="1">
+                <a:latin typeface="Consolas" panose="020B0609020204030204" pitchFamily="49" charset="0"/>
+                <a:cs typeface="Consolas" panose="020B0609020204030204" pitchFamily="49" charset="0"/>
+              </a:rPr>
+              <a:t>i</a:t>
+            </a:r>
+            <a:endParaRPr lang="en-US" sz="2400" dirty="0">
+              <a:latin typeface="Consolas" panose="020B0609020204030204" pitchFamily="49" charset="0"/>
+              <a:cs typeface="Consolas" panose="020B0609020204030204" pitchFamily="49" charset="0"/>
+            </a:endParaRPr>
+          </a:p>
+          <a:p>
+            <a:r>
+              <a:rPr lang="en-US" sz="2400" dirty="0">
+                <a:latin typeface="Consolas" panose="020B0609020204030204" pitchFamily="49" charset="0"/>
+                <a:cs typeface="Consolas" panose="020B0609020204030204" pitchFamily="49" charset="0"/>
+              </a:rPr>
+              <a:t>            break</a:t>
+            </a:r>
+          </a:p>
+          <a:p>
+            <a:r>
+              <a:rPr lang="en-US" sz="2400" dirty="0">
+                <a:latin typeface="Consolas" panose="020B0609020204030204" pitchFamily="49" charset="0"/>
+                <a:cs typeface="Consolas" panose="020B0609020204030204" pitchFamily="49" charset="0"/>
+              </a:rPr>
+              <a:t>    print(index)</a:t>
+            </a:r>
+          </a:p>
+          <a:p>
+            <a:endParaRPr lang="en-US" sz="2400" dirty="0">
+              <a:latin typeface="Consolas" panose="020B0609020204030204" pitchFamily="49" charset="0"/>
+              <a:cs typeface="Consolas" panose="020B0609020204030204" pitchFamily="49" charset="0"/>
+            </a:endParaRPr>
+          </a:p>
+          <a:p>
+            <a:r>
+              <a:rPr lang="en-US" sz="2400" dirty="0">
+                <a:latin typeface="Consolas" panose="020B0609020204030204" pitchFamily="49" charset="0"/>
+                <a:cs typeface="Consolas" panose="020B0609020204030204" pitchFamily="49" charset="0"/>
+              </a:rPr>
+              <a:t>first=['</a:t>
+            </a:r>
+            <a:r>
+              <a:rPr lang="en-US" sz="2400" dirty="0" err="1">
+                <a:latin typeface="Consolas" panose="020B0609020204030204" pitchFamily="49" charset="0"/>
+                <a:cs typeface="Consolas" panose="020B0609020204030204" pitchFamily="49" charset="0"/>
+              </a:rPr>
+              <a:t>Xue</a:t>
+            </a:r>
+            <a:r>
+              <a:rPr lang="en-US" sz="2400" dirty="0">
+                <a:latin typeface="Consolas" panose="020B0609020204030204" pitchFamily="49" charset="0"/>
+                <a:cs typeface="Consolas" panose="020B0609020204030204" pitchFamily="49" charset="0"/>
+              </a:rPr>
+              <a:t>', 'Mary', 'Robert']</a:t>
+            </a:r>
+          </a:p>
+          <a:p>
+            <a:r>
+              <a:rPr lang="en-US" sz="2400" dirty="0">
+                <a:latin typeface="Consolas" panose="020B0609020204030204" pitchFamily="49" charset="0"/>
+                <a:cs typeface="Consolas" panose="020B0609020204030204" pitchFamily="49" charset="0"/>
+              </a:rPr>
+              <a:t>search('Mary', first) # invoke search with 2 parameters</a:t>
+            </a:r>
+          </a:p>
+        </p:txBody>
+      </p:sp>
+      <p:sp>
+        <p:nvSpPr>
+          <p:cNvPr id="6" name="TextBox 5">
+            <a:extLst>
+              <a:ext uri="{FF2B5EF4-FFF2-40B4-BE49-F238E27FC236}">
+                <a16:creationId xmlns:a16="http://schemas.microsoft.com/office/drawing/2014/main" id="{8E4C9B25-15BE-B64E-BEF7-744F94D15719}"/>
+              </a:ext>
+            </a:extLst>
+          </p:cNvPr>
+          <p:cNvSpPr txBox="1"/>
+          <p:nvPr/>
+        </p:nvSpPr>
+        <p:spPr>
+          <a:xfrm>
+            <a:off x="6425191" y="3198167"/>
+            <a:ext cx="4577728" cy="461665"/>
+          </a:xfrm>
+          <a:prstGeom prst="rect">
+            <a:avLst/>
+          </a:prstGeom>
+          <a:noFill/>
+        </p:spPr>
+        <p:txBody>
+          <a:bodyPr wrap="none" rtlCol="0">
+            <a:spAutoFit/>
+          </a:bodyPr>
+          <a:lstStyle/>
+          <a:p>
+            <a:r>
+              <a:rPr lang="en-US" sz="2400" dirty="0">
+                <a:solidFill>
+                  <a:srgbClr val="E4754F"/>
+                </a:solidFill>
+              </a:rPr>
+              <a:t>What’s wrong with this function?</a:t>
+            </a:r>
+          </a:p>
+        </p:txBody>
+      </p:sp>
+    </p:spTree>
+    <p:extLst>
+      <p:ext uri="{BB962C8B-B14F-4D97-AF65-F5344CB8AC3E}">
+        <p14:creationId xmlns:p14="http://schemas.microsoft.com/office/powerpoint/2010/main" val="3050298307"/>
+      </p:ext>
+    </p:extLst>
+  </p:cSld>
+  <p:clrMapOvr>
+    <a:masterClrMapping/>
+  </p:clrMapOvr>
+</p:sld>
+</file>
+
+<file path=ppt/slides/slide2.xml><?xml version="1.0" encoding="utf-8"?>
+<p:sld xmlns:a="http://schemas.openxmlformats.org/drawingml/2006/main" xmlns:r="http://schemas.openxmlformats.org/officeDocument/2006/relationships" xmlns:p="http://schemas.openxmlformats.org/presentationml/2006/main">
+  <p:cSld>
+    <p:spTree>
+      <p:nvGrpSpPr>
+        <p:cNvPr id="1" name=""/>
+        <p:cNvGrpSpPr/>
+        <p:nvPr/>
+      </p:nvGrpSpPr>
+      <p:grpSpPr>
+        <a:xfrm>
+          <a:off x="0" y="0"/>
+          <a:ext cx="0" cy="0"/>
+          <a:chOff x="0" y="0"/>
+          <a:chExt cx="0" cy="0"/>
+        </a:xfrm>
+      </p:grpSpPr>
+      <p:sp>
+        <p:nvSpPr>
+          <p:cNvPr id="2" name="Title 1">
+            <a:extLst>
+              <a:ext uri="{FF2B5EF4-FFF2-40B4-BE49-F238E27FC236}">
+                <a16:creationId xmlns:a16="http://schemas.microsoft.com/office/drawing/2014/main" id="{85E172B0-24D1-2F46-9932-F7E1550419B4}"/>
+              </a:ext>
+            </a:extLst>
+          </p:cNvPr>
+          <p:cNvSpPr>
+            <a:spLocks noGrp="1"/>
+          </p:cNvSpPr>
+          <p:nvPr>
+            <p:ph type="title"/>
+          </p:nvPr>
+        </p:nvSpPr>
+        <p:spPr/>
+        <p:txBody>
+          <a:bodyPr/>
+          <a:lstStyle/>
+          <a:p>
+            <a:r>
+              <a:rPr lang="en-US" dirty="0"/>
+              <a:t>What’s a function?</a:t>
+            </a:r>
+          </a:p>
+        </p:txBody>
+      </p:sp>
+      <p:sp>
+        <p:nvSpPr>
+          <p:cNvPr id="3" name="Content Placeholder 2">
+            <a:extLst>
+              <a:ext uri="{FF2B5EF4-FFF2-40B4-BE49-F238E27FC236}">
+                <a16:creationId xmlns:a16="http://schemas.microsoft.com/office/drawing/2014/main" id="{E5E02195-86F4-7148-A40D-4D20F3637BB2}"/>
+              </a:ext>
+            </a:extLst>
+          </p:cNvPr>
+          <p:cNvSpPr>
+            <a:spLocks noGrp="1"/>
+          </p:cNvSpPr>
+          <p:nvPr>
+            <p:ph idx="1"/>
+          </p:nvPr>
+        </p:nvSpPr>
+        <p:spPr/>
+        <p:txBody>
+          <a:bodyPr/>
+          <a:lstStyle/>
+          <a:p>
+            <a:r>
+              <a:rPr lang="en-US" dirty="0"/>
+              <a:t>We’re already familiar with functions from mathematics like sin, cos, max, </a:t>
+            </a:r>
+            <a:r>
+              <a:rPr lang="en-US" dirty="0" err="1"/>
+              <a:t>etc</a:t>
+            </a:r>
+            <a:r>
+              <a:rPr lang="en-US" dirty="0"/>
+              <a:t>…</a:t>
+            </a:r>
+          </a:p>
+          <a:p>
+            <a:r>
+              <a:rPr lang="en-US" dirty="0"/>
+              <a:t>A function is just a sequence of operations grouped into a single, named entity that we can invoke to perform a task</a:t>
+            </a:r>
+          </a:p>
+          <a:p>
+            <a:r>
+              <a:rPr lang="en-US" dirty="0"/>
+              <a:t>Functions are like mini programs or subprograms that we can build just like full programs</a:t>
+            </a:r>
+          </a:p>
+          <a:p>
+            <a:r>
+              <a:rPr lang="en-US" dirty="0"/>
+              <a:t>Just like a book is organized into multiple chapters, programs are best organized into multiple functions; the main program can then just call the appropriate functions</a:t>
+            </a:r>
+          </a:p>
+        </p:txBody>
+      </p:sp>
+      <p:sp>
+        <p:nvSpPr>
+          <p:cNvPr id="5" name="Rectangle 4">
+            <a:extLst>
+              <a:ext uri="{FF2B5EF4-FFF2-40B4-BE49-F238E27FC236}">
+                <a16:creationId xmlns:a16="http://schemas.microsoft.com/office/drawing/2014/main" id="{E32B0F08-7111-414A-9271-B4A7D1D61710}"/>
+              </a:ext>
+            </a:extLst>
+          </p:cNvPr>
+          <p:cNvSpPr/>
+          <p:nvPr/>
+        </p:nvSpPr>
+        <p:spPr>
+          <a:xfrm>
+            <a:off x="7132982" y="550852"/>
+            <a:ext cx="6096000" cy="954107"/>
+          </a:xfrm>
+          <a:prstGeom prst="rect">
+            <a:avLst/>
+          </a:prstGeom>
+        </p:spPr>
+        <p:txBody>
+          <a:bodyPr>
+            <a:spAutoFit/>
+          </a:bodyPr>
+          <a:lstStyle/>
+          <a:p>
+            <a:r>
+              <a:rPr lang="en-US" sz="2800" dirty="0">
+                <a:latin typeface="Consolas" panose="020B0609020204030204" pitchFamily="49" charset="0"/>
+                <a:cs typeface="Consolas" panose="020B0609020204030204" pitchFamily="49" charset="0"/>
+              </a:rPr>
+              <a:t>def pi():</a:t>
+            </a:r>
+          </a:p>
+          <a:p>
+            <a:r>
+              <a:rPr lang="en-US" sz="2800" dirty="0">
+                <a:latin typeface="Consolas" panose="020B0609020204030204" pitchFamily="49" charset="0"/>
+                <a:cs typeface="Consolas" panose="020B0609020204030204" pitchFamily="49" charset="0"/>
+              </a:rPr>
+              <a:t>    return 3.14159</a:t>
+            </a:r>
+          </a:p>
+        </p:txBody>
+      </p:sp>
+    </p:spTree>
+    <p:extLst>
+      <p:ext uri="{BB962C8B-B14F-4D97-AF65-F5344CB8AC3E}">
+        <p14:creationId xmlns:p14="http://schemas.microsoft.com/office/powerpoint/2010/main" val="360019897"/>
+      </p:ext>
+    </p:extLst>
+  </p:cSld>
+  <p:clrMapOvr>
+    <a:masterClrMapping/>
+  </p:clrMapOvr>
+</p:sld>
+</file>
+
+<file path=ppt/slides/slide20.xml><?xml version="1.0" encoding="utf-8"?>
+<p:sld xmlns:a="http://schemas.openxmlformats.org/drawingml/2006/main" xmlns:r="http://schemas.openxmlformats.org/officeDocument/2006/relationships" xmlns:p="http://schemas.openxmlformats.org/presentationml/2006/main">
+  <p:cSld>
+    <p:spTree>
+      <p:nvGrpSpPr>
+        <p:cNvPr id="1" name=""/>
+        <p:cNvGrpSpPr/>
+        <p:nvPr/>
+      </p:nvGrpSpPr>
+      <p:grpSpPr>
+        <a:xfrm>
+          <a:off x="0" y="0"/>
+          <a:ext cx="0" cy="0"/>
+          <a:chOff x="0" y="0"/>
+          <a:chExt cx="0" cy="0"/>
+        </a:xfrm>
+      </p:grpSpPr>
+      <p:sp>
+        <p:nvSpPr>
+          <p:cNvPr id="2" name="Title 1">
+            <a:extLst>
+              <a:ext uri="{FF2B5EF4-FFF2-40B4-BE49-F238E27FC236}">
+                <a16:creationId xmlns:a16="http://schemas.microsoft.com/office/drawing/2014/main" id="{635FE035-DF38-9C47-89B3-863AD3BDA926}"/>
+              </a:ext>
+            </a:extLst>
+          </p:cNvPr>
+          <p:cNvSpPr>
+            <a:spLocks noGrp="1"/>
+          </p:cNvSpPr>
+          <p:nvPr>
+            <p:ph type="title"/>
+          </p:nvPr>
+        </p:nvSpPr>
+        <p:spPr/>
+        <p:txBody>
+          <a:bodyPr/>
+          <a:lstStyle/>
+          <a:p>
+            <a:r>
+              <a:rPr lang="en-US" dirty="0"/>
+              <a:t>Example: search function version 2</a:t>
+            </a:r>
+          </a:p>
+        </p:txBody>
+      </p:sp>
+      <p:sp>
+        <p:nvSpPr>
+          <p:cNvPr id="3" name="Content Placeholder 2">
+            <a:extLst>
+              <a:ext uri="{FF2B5EF4-FFF2-40B4-BE49-F238E27FC236}">
+                <a16:creationId xmlns:a16="http://schemas.microsoft.com/office/drawing/2014/main" id="{EA2052B3-2F5F-EA45-90E3-F22A07A60BF6}"/>
+              </a:ext>
+            </a:extLst>
+          </p:cNvPr>
+          <p:cNvSpPr>
+            <a:spLocks noGrp="1"/>
+          </p:cNvSpPr>
+          <p:nvPr>
+            <p:ph idx="1"/>
+          </p:nvPr>
+        </p:nvSpPr>
+        <p:spPr/>
+        <p:txBody>
+          <a:bodyPr/>
+          <a:lstStyle/>
+          <a:p>
+            <a:r>
+              <a:rPr lang="en-US" dirty="0"/>
+              <a:t>Wrap in a function header with two arguments</a:t>
+            </a:r>
+          </a:p>
+        </p:txBody>
+      </p:sp>
+      <p:sp>
+        <p:nvSpPr>
+          <p:cNvPr id="5" name="TextBox 4">
+            <a:extLst>
+              <a:ext uri="{FF2B5EF4-FFF2-40B4-BE49-F238E27FC236}">
+                <a16:creationId xmlns:a16="http://schemas.microsoft.com/office/drawing/2014/main" id="{D863940A-946C-C54E-9440-50753FE281BA}"/>
+              </a:ext>
+            </a:extLst>
+          </p:cNvPr>
+          <p:cNvSpPr txBox="1"/>
+          <p:nvPr/>
+        </p:nvSpPr>
+        <p:spPr>
+          <a:xfrm>
+            <a:off x="1088721" y="2408663"/>
+            <a:ext cx="10889520" cy="3416320"/>
+          </a:xfrm>
+          <a:prstGeom prst="rect">
+            <a:avLst/>
+          </a:prstGeom>
+          <a:noFill/>
+        </p:spPr>
+        <p:txBody>
+          <a:bodyPr wrap="none" rtlCol="0">
+            <a:spAutoFit/>
+          </a:bodyPr>
+          <a:lstStyle/>
+          <a:p>
+            <a:r>
+              <a:rPr lang="en-US" sz="2400" dirty="0">
+                <a:latin typeface="Consolas" panose="020B0609020204030204" pitchFamily="49" charset="0"/>
+                <a:cs typeface="Consolas" panose="020B0609020204030204" pitchFamily="49" charset="0"/>
+              </a:rPr>
+              <a:t>def search(x, data):</a:t>
+            </a:r>
+          </a:p>
+          <a:p>
+            <a:r>
+              <a:rPr lang="en-US" sz="2400" dirty="0">
+                <a:latin typeface="Consolas" panose="020B0609020204030204" pitchFamily="49" charset="0"/>
+                <a:cs typeface="Consolas" panose="020B0609020204030204" pitchFamily="49" charset="0"/>
+              </a:rPr>
+              <a:t>    for </a:t>
+            </a:r>
+            <a:r>
+              <a:rPr lang="en-US" sz="2400" dirty="0" err="1">
+                <a:latin typeface="Consolas" panose="020B0609020204030204" pitchFamily="49" charset="0"/>
+                <a:cs typeface="Consolas" panose="020B0609020204030204" pitchFamily="49" charset="0"/>
+              </a:rPr>
+              <a:t>i</a:t>
+            </a:r>
+            <a:r>
+              <a:rPr lang="en-US" sz="2400" dirty="0">
+                <a:latin typeface="Consolas" panose="020B0609020204030204" pitchFamily="49" charset="0"/>
+                <a:cs typeface="Consolas" panose="020B0609020204030204" pitchFamily="49" charset="0"/>
+              </a:rPr>
+              <a:t> in range(</a:t>
+            </a:r>
+            <a:r>
+              <a:rPr lang="en-US" sz="2400" dirty="0" err="1">
+                <a:latin typeface="Consolas" panose="020B0609020204030204" pitchFamily="49" charset="0"/>
+                <a:cs typeface="Consolas" panose="020B0609020204030204" pitchFamily="49" charset="0"/>
+              </a:rPr>
+              <a:t>len</a:t>
+            </a:r>
+            <a:r>
+              <a:rPr lang="en-US" sz="2400" dirty="0">
+                <a:latin typeface="Consolas" panose="020B0609020204030204" pitchFamily="49" charset="0"/>
+                <a:cs typeface="Consolas" panose="020B0609020204030204" pitchFamily="49" charset="0"/>
+              </a:rPr>
+              <a:t>(data)):  # </a:t>
+            </a:r>
+            <a:r>
+              <a:rPr lang="en-US" sz="2400" dirty="0" err="1">
+                <a:latin typeface="Consolas" panose="020B0609020204030204" pitchFamily="49" charset="0"/>
+                <a:cs typeface="Consolas" panose="020B0609020204030204" pitchFamily="49" charset="0"/>
+              </a:rPr>
+              <a:t>i</a:t>
+            </a:r>
+            <a:r>
+              <a:rPr lang="en-US" sz="2400" dirty="0">
+                <a:latin typeface="Consolas" panose="020B0609020204030204" pitchFamily="49" charset="0"/>
+                <a:cs typeface="Consolas" panose="020B0609020204030204" pitchFamily="49" charset="0"/>
+              </a:rPr>
+              <a:t> is in range [0..n-1]</a:t>
+            </a:r>
+          </a:p>
+          <a:p>
+            <a:r>
+              <a:rPr lang="en-US" sz="2400" dirty="0">
+                <a:latin typeface="Consolas" panose="020B0609020204030204" pitchFamily="49" charset="0"/>
+                <a:cs typeface="Consolas" panose="020B0609020204030204" pitchFamily="49" charset="0"/>
+              </a:rPr>
+              <a:t>        if data[</a:t>
+            </a:r>
+            <a:r>
+              <a:rPr lang="en-US" sz="2400" dirty="0" err="1">
+                <a:latin typeface="Consolas" panose="020B0609020204030204" pitchFamily="49" charset="0"/>
+                <a:cs typeface="Consolas" panose="020B0609020204030204" pitchFamily="49" charset="0"/>
+              </a:rPr>
+              <a:t>i</a:t>
+            </a:r>
+            <a:r>
+              <a:rPr lang="en-US" sz="2400" dirty="0">
+                <a:latin typeface="Consolas" panose="020B0609020204030204" pitchFamily="49" charset="0"/>
+                <a:cs typeface="Consolas" panose="020B0609020204030204" pitchFamily="49" charset="0"/>
+              </a:rPr>
+              <a:t>]==x:</a:t>
+            </a:r>
+          </a:p>
+          <a:p>
+            <a:r>
+              <a:rPr lang="en-US" sz="2400" dirty="0">
+                <a:latin typeface="Consolas" panose="020B0609020204030204" pitchFamily="49" charset="0"/>
+                <a:cs typeface="Consolas" panose="020B0609020204030204" pitchFamily="49" charset="0"/>
+              </a:rPr>
+              <a:t>            return </a:t>
+            </a:r>
+            <a:r>
+              <a:rPr lang="en-US" sz="2400" dirty="0" err="1">
+                <a:latin typeface="Consolas" panose="020B0609020204030204" pitchFamily="49" charset="0"/>
+                <a:cs typeface="Consolas" panose="020B0609020204030204" pitchFamily="49" charset="0"/>
+              </a:rPr>
+              <a:t>i</a:t>
+            </a:r>
+            <a:r>
+              <a:rPr lang="en-US" sz="2400" dirty="0">
+                <a:latin typeface="Consolas" panose="020B0609020204030204" pitchFamily="49" charset="0"/>
+                <a:cs typeface="Consolas" panose="020B0609020204030204" pitchFamily="49" charset="0"/>
+              </a:rPr>
+              <a:t>            # found, return current index </a:t>
+            </a:r>
+            <a:r>
+              <a:rPr lang="en-US" sz="2400" dirty="0" err="1">
+                <a:latin typeface="Consolas" panose="020B0609020204030204" pitchFamily="49" charset="0"/>
+                <a:cs typeface="Consolas" panose="020B0609020204030204" pitchFamily="49" charset="0"/>
+              </a:rPr>
+              <a:t>i</a:t>
+            </a:r>
+            <a:endParaRPr lang="en-US" sz="2400" dirty="0">
+              <a:latin typeface="Consolas" panose="020B0609020204030204" pitchFamily="49" charset="0"/>
+              <a:cs typeface="Consolas" panose="020B0609020204030204" pitchFamily="49" charset="0"/>
+            </a:endParaRPr>
+          </a:p>
+          <a:p>
+            <a:r>
+              <a:rPr lang="en-US" sz="2400" dirty="0">
+                <a:latin typeface="Consolas" panose="020B0609020204030204" pitchFamily="49" charset="0"/>
+                <a:cs typeface="Consolas" panose="020B0609020204030204" pitchFamily="49" charset="0"/>
+              </a:rPr>
+              <a:t>    return -1                   # failure; we didn’t find x</a:t>
+            </a:r>
+          </a:p>
+          <a:p>
+            <a:endParaRPr lang="en-US" sz="2400" dirty="0">
+              <a:latin typeface="Consolas" panose="020B0609020204030204" pitchFamily="49" charset="0"/>
+              <a:cs typeface="Consolas" panose="020B0609020204030204" pitchFamily="49" charset="0"/>
+            </a:endParaRPr>
+          </a:p>
+          <a:p>
+            <a:r>
+              <a:rPr lang="en-US" sz="2400" dirty="0">
+                <a:latin typeface="Consolas" panose="020B0609020204030204" pitchFamily="49" charset="0"/>
+                <a:cs typeface="Consolas" panose="020B0609020204030204" pitchFamily="49" charset="0"/>
+              </a:rPr>
+              <a:t>print(search('Mary', first))</a:t>
+            </a:r>
+          </a:p>
+          <a:p>
+            <a:r>
+              <a:rPr lang="en-US" sz="2400" dirty="0">
+                <a:latin typeface="Consolas" panose="020B0609020204030204" pitchFamily="49" charset="0"/>
+                <a:cs typeface="Consolas" panose="020B0609020204030204" pitchFamily="49" charset="0"/>
+              </a:rPr>
+              <a:t>print(search('</a:t>
+            </a:r>
+            <a:r>
+              <a:rPr lang="en-US" sz="2400" dirty="0" err="1">
+                <a:latin typeface="Consolas" panose="020B0609020204030204" pitchFamily="49" charset="0"/>
+                <a:cs typeface="Consolas" panose="020B0609020204030204" pitchFamily="49" charset="0"/>
+              </a:rPr>
+              <a:t>Xue</a:t>
+            </a:r>
+            <a:r>
+              <a:rPr lang="en-US" sz="2400" dirty="0">
+                <a:latin typeface="Consolas" panose="020B0609020204030204" pitchFamily="49" charset="0"/>
+                <a:cs typeface="Consolas" panose="020B0609020204030204" pitchFamily="49" charset="0"/>
+              </a:rPr>
+              <a:t>', first))</a:t>
+            </a:r>
+          </a:p>
+          <a:p>
+            <a:r>
+              <a:rPr lang="en-US" sz="2400" dirty="0">
+                <a:latin typeface="Consolas" panose="020B0609020204030204" pitchFamily="49" charset="0"/>
+                <a:cs typeface="Consolas" panose="020B0609020204030204" pitchFamily="49" charset="0"/>
+              </a:rPr>
+              <a:t>print(search('foo', first))</a:t>
+            </a:r>
+          </a:p>
+        </p:txBody>
+      </p:sp>
+      <p:sp>
+        <p:nvSpPr>
+          <p:cNvPr id="7" name="TextBox 6">
+            <a:extLst>
+              <a:ext uri="{FF2B5EF4-FFF2-40B4-BE49-F238E27FC236}">
+                <a16:creationId xmlns:a16="http://schemas.microsoft.com/office/drawing/2014/main" id="{1C3D588D-303B-E84D-9F1C-3D61054C0CDA}"/>
+              </a:ext>
+            </a:extLst>
+          </p:cNvPr>
+          <p:cNvSpPr txBox="1"/>
+          <p:nvPr/>
+        </p:nvSpPr>
+        <p:spPr>
+          <a:xfrm>
+            <a:off x="0" y="6492875"/>
+            <a:ext cx="2877711" cy="369332"/>
+          </a:xfrm>
+          <a:prstGeom prst="rect">
+            <a:avLst/>
+          </a:prstGeom>
+          <a:noFill/>
+        </p:spPr>
+        <p:txBody>
+          <a:bodyPr wrap="none" rtlCol="0">
+            <a:spAutoFit/>
+          </a:bodyPr>
+          <a:lstStyle/>
+          <a:p>
+            <a:r>
+              <a:rPr lang="en-US" dirty="0">
+                <a:hlinkClick r:id="rId2"/>
+              </a:rPr>
+              <a:t>Experiment in </a:t>
+            </a:r>
+            <a:r>
+              <a:rPr lang="en-US" dirty="0" err="1">
+                <a:hlinkClick r:id="rId2"/>
+              </a:rPr>
+              <a:t>pythontutor</a:t>
+            </a:r>
+            <a:endParaRPr lang="en-US" dirty="0"/>
+          </a:p>
+        </p:txBody>
+      </p:sp>
+      <p:sp>
+        <p:nvSpPr>
+          <p:cNvPr id="4" name="TextBox 3">
+            <a:extLst>
+              <a:ext uri="{FF2B5EF4-FFF2-40B4-BE49-F238E27FC236}">
+                <a16:creationId xmlns:a16="http://schemas.microsoft.com/office/drawing/2014/main" id="{72433B9D-FA41-174D-B429-0240F9C1F05A}"/>
+              </a:ext>
+            </a:extLst>
+          </p:cNvPr>
+          <p:cNvSpPr txBox="1"/>
+          <p:nvPr/>
+        </p:nvSpPr>
+        <p:spPr>
+          <a:xfrm>
+            <a:off x="7774245" y="4624654"/>
+            <a:ext cx="3891776" cy="923330"/>
+          </a:xfrm>
+          <a:prstGeom prst="rect">
+            <a:avLst/>
+          </a:prstGeom>
+          <a:noFill/>
+        </p:spPr>
+        <p:txBody>
+          <a:bodyPr wrap="square" rtlCol="0">
+            <a:spAutoFit/>
+          </a:bodyPr>
+          <a:lstStyle/>
+          <a:p>
+            <a:r>
+              <a:rPr lang="en-US" i="1" dirty="0"/>
+              <a:t>The return statement forces Python  to immediately exit the function and return the specified value</a:t>
+            </a:r>
+          </a:p>
+        </p:txBody>
+      </p:sp>
+      <p:cxnSp>
+        <p:nvCxnSpPr>
+          <p:cNvPr id="9" name="Straight Arrow Connector 8">
+            <a:extLst>
+              <a:ext uri="{FF2B5EF4-FFF2-40B4-BE49-F238E27FC236}">
+                <a16:creationId xmlns:a16="http://schemas.microsoft.com/office/drawing/2014/main" id="{965930BE-CEFE-0B47-9518-764106ED4F7A}"/>
+              </a:ext>
+            </a:extLst>
+          </p:cNvPr>
+          <p:cNvCxnSpPr>
+            <a:cxnSpLocks/>
+          </p:cNvCxnSpPr>
+          <p:nvPr/>
+        </p:nvCxnSpPr>
+        <p:spPr>
+          <a:xfrm flipH="1" flipV="1">
+            <a:off x="4672361" y="3791415"/>
+            <a:ext cx="3088888" cy="1416205"/>
+          </a:xfrm>
+          <a:prstGeom prst="straightConnector1">
+            <a:avLst/>
+          </a:prstGeom>
+          <a:ln>
+            <a:solidFill>
+              <a:srgbClr val="E4754F"/>
+            </a:solidFill>
+            <a:tailEnd type="triangle"/>
+          </a:ln>
+        </p:spPr>
+        <p:style>
+          <a:lnRef idx="1">
+            <a:schemeClr val="accent1"/>
+          </a:lnRef>
+          <a:fillRef idx="0">
+            <a:schemeClr val="accent1"/>
+          </a:fillRef>
+          <a:effectRef idx="0">
+            <a:schemeClr val="accent1"/>
+          </a:effectRef>
+          <a:fontRef idx="minor">
+            <a:schemeClr val="tx1"/>
+          </a:fontRef>
+        </p:style>
+      </p:cxnSp>
+      <p:cxnSp>
+        <p:nvCxnSpPr>
+          <p:cNvPr id="11" name="Straight Arrow Connector 10">
+            <a:extLst>
+              <a:ext uri="{FF2B5EF4-FFF2-40B4-BE49-F238E27FC236}">
+                <a16:creationId xmlns:a16="http://schemas.microsoft.com/office/drawing/2014/main" id="{F425EA7E-AD54-B542-A818-C8489A4F4614}"/>
+              </a:ext>
+            </a:extLst>
+          </p:cNvPr>
+          <p:cNvCxnSpPr>
+            <a:cxnSpLocks/>
+            <a:stCxn id="4" idx="1"/>
+          </p:cNvCxnSpPr>
+          <p:nvPr/>
+        </p:nvCxnSpPr>
+        <p:spPr>
+          <a:xfrm flipH="1" flipV="1">
+            <a:off x="3490333" y="4116823"/>
+            <a:ext cx="4283912" cy="969496"/>
+          </a:xfrm>
+          <a:prstGeom prst="straightConnector1">
+            <a:avLst/>
+          </a:prstGeom>
+          <a:ln>
+            <a:solidFill>
+              <a:srgbClr val="E4754F"/>
+            </a:solidFill>
+            <a:tailEnd type="triangle"/>
+          </a:ln>
+        </p:spPr>
+        <p:style>
+          <a:lnRef idx="1">
+            <a:schemeClr val="accent1"/>
+          </a:lnRef>
+          <a:fillRef idx="0">
+            <a:schemeClr val="accent1"/>
+          </a:fillRef>
+          <a:effectRef idx="0">
+            <a:schemeClr val="accent1"/>
+          </a:effectRef>
+          <a:fontRef idx="minor">
+            <a:schemeClr val="tx1"/>
+          </a:fontRef>
+        </p:style>
+      </p:cxnSp>
+    </p:spTree>
+    <p:extLst>
+      <p:ext uri="{BB962C8B-B14F-4D97-AF65-F5344CB8AC3E}">
+        <p14:creationId xmlns:p14="http://schemas.microsoft.com/office/powerpoint/2010/main" val="1737392672"/>
+      </p:ext>
+    </p:extLst>
+  </p:cSld>
+  <p:clrMapOvr>
+    <a:masterClrMapping/>
+  </p:clrMapOvr>
+</p:sld>
+</file>
+
+<file path=ppt/slides/slide21.xml><?xml version="1.0" encoding="utf-8"?>
+<p:sld xmlns:a="http://schemas.openxmlformats.org/drawingml/2006/main" xmlns:r="http://schemas.openxmlformats.org/officeDocument/2006/relationships" xmlns:p="http://schemas.openxmlformats.org/presentationml/2006/main">
+  <p:cSld>
+    <p:spTree>
+      <p:nvGrpSpPr>
+        <p:cNvPr id="1" name=""/>
+        <p:cNvGrpSpPr/>
+        <p:nvPr/>
+      </p:nvGrpSpPr>
+      <p:grpSpPr>
+        <a:xfrm>
+          <a:off x="0" y="0"/>
+          <a:ext cx="0" cy="0"/>
+          <a:chOff x="0" y="0"/>
+          <a:chExt cx="0" cy="0"/>
+        </a:xfrm>
+      </p:grpSpPr>
+      <p:sp>
+        <p:nvSpPr>
+          <p:cNvPr id="2" name="Title 1">
+            <a:extLst>
+              <a:ext uri="{FF2B5EF4-FFF2-40B4-BE49-F238E27FC236}">
+                <a16:creationId xmlns:a16="http://schemas.microsoft.com/office/drawing/2014/main" id="{690BDB73-8A02-E447-B5C8-A5AE301ABA66}"/>
+              </a:ext>
+            </a:extLst>
+          </p:cNvPr>
+          <p:cNvSpPr>
+            <a:spLocks noGrp="1"/>
+          </p:cNvSpPr>
+          <p:nvPr>
+            <p:ph type="title"/>
+          </p:nvPr>
+        </p:nvSpPr>
+        <p:spPr/>
+        <p:txBody>
+          <a:bodyPr/>
+          <a:lstStyle/>
+          <a:p>
+            <a:r>
+              <a:rPr lang="en-US" dirty="0"/>
+              <a:t>Restricting data accessed by functions</a:t>
+            </a:r>
+          </a:p>
+        </p:txBody>
+      </p:sp>
+      <p:sp>
+        <p:nvSpPr>
+          <p:cNvPr id="3" name="Content Placeholder 2">
+            <a:extLst>
+              <a:ext uri="{FF2B5EF4-FFF2-40B4-BE49-F238E27FC236}">
+                <a16:creationId xmlns:a16="http://schemas.microsoft.com/office/drawing/2014/main" id="{EF116208-6D27-1446-97A6-1F17CA939BD1}"/>
+              </a:ext>
+            </a:extLst>
+          </p:cNvPr>
+          <p:cNvSpPr>
+            <a:spLocks noGrp="1"/>
+          </p:cNvSpPr>
+          <p:nvPr>
+            <p:ph idx="1"/>
+          </p:nvPr>
+        </p:nvSpPr>
+        <p:spPr/>
+        <p:txBody>
+          <a:bodyPr/>
+          <a:lstStyle/>
+          <a:p>
+            <a:r>
+              <a:rPr lang="en-US" dirty="0"/>
+              <a:t>Optimally, functions should be purely a function of the data passed to them as parameters---functions should be completely ignorant of any other data</a:t>
+            </a:r>
+          </a:p>
+          <a:p>
+            <a:r>
+              <a:rPr lang="en-US" dirty="0"/>
+              <a:t>That is, functions should not access global variables</a:t>
+            </a:r>
+          </a:p>
+        </p:txBody>
+      </p:sp>
+      <p:sp>
+        <p:nvSpPr>
+          <p:cNvPr id="4" name="TextBox 3">
+            <a:extLst>
+              <a:ext uri="{FF2B5EF4-FFF2-40B4-BE49-F238E27FC236}">
+                <a16:creationId xmlns:a16="http://schemas.microsoft.com/office/drawing/2014/main" id="{6A94B387-E7C6-D946-A572-6282D424DCB7}"/>
+              </a:ext>
+            </a:extLst>
+          </p:cNvPr>
+          <p:cNvSpPr txBox="1"/>
+          <p:nvPr/>
+        </p:nvSpPr>
+        <p:spPr>
+          <a:xfrm>
+            <a:off x="1234662" y="4192859"/>
+            <a:ext cx="3243196" cy="1938992"/>
+          </a:xfrm>
+          <a:prstGeom prst="rect">
+            <a:avLst/>
+          </a:prstGeom>
+          <a:noFill/>
+        </p:spPr>
+        <p:txBody>
+          <a:bodyPr wrap="none" rtlCol="0">
+            <a:spAutoFit/>
+          </a:bodyPr>
+          <a:lstStyle/>
+          <a:p>
+            <a:r>
+              <a:rPr lang="en-US" sz="2400" dirty="0">
+                <a:latin typeface="Consolas" panose="020B0609020204030204" pitchFamily="49" charset="0"/>
+                <a:cs typeface="Consolas" panose="020B0609020204030204" pitchFamily="49" charset="0"/>
+              </a:rPr>
+              <a:t>def sum(data):</a:t>
+            </a:r>
+          </a:p>
+          <a:p>
+            <a:r>
+              <a:rPr lang="en-US" sz="2400" dirty="0">
+                <a:latin typeface="Consolas" panose="020B0609020204030204" pitchFamily="49" charset="0"/>
+                <a:cs typeface="Consolas" panose="020B0609020204030204" pitchFamily="49" charset="0"/>
+              </a:rPr>
+              <a:t>    s = 0</a:t>
+            </a:r>
+          </a:p>
+          <a:p>
+            <a:r>
+              <a:rPr lang="en-US" sz="2400" dirty="0">
+                <a:latin typeface="Consolas" panose="020B0609020204030204" pitchFamily="49" charset="0"/>
+                <a:cs typeface="Consolas" panose="020B0609020204030204" pitchFamily="49" charset="0"/>
+              </a:rPr>
+              <a:t>    for x in data:</a:t>
+            </a:r>
+          </a:p>
+          <a:p>
+            <a:r>
+              <a:rPr lang="en-US" sz="2400" dirty="0">
+                <a:latin typeface="Consolas" panose="020B0609020204030204" pitchFamily="49" charset="0"/>
+                <a:cs typeface="Consolas" panose="020B0609020204030204" pitchFamily="49" charset="0"/>
+              </a:rPr>
+              <a:t>        s += x</a:t>
+            </a:r>
+          </a:p>
+          <a:p>
+            <a:r>
+              <a:rPr lang="en-US" sz="2400" dirty="0">
+                <a:latin typeface="Consolas" panose="020B0609020204030204" pitchFamily="49" charset="0"/>
+                <a:cs typeface="Consolas" panose="020B0609020204030204" pitchFamily="49" charset="0"/>
+              </a:rPr>
+              <a:t>    return s</a:t>
+            </a:r>
+          </a:p>
+        </p:txBody>
+      </p:sp>
+      <p:sp>
+        <p:nvSpPr>
+          <p:cNvPr id="5" name="TextBox 4">
+            <a:extLst>
+              <a:ext uri="{FF2B5EF4-FFF2-40B4-BE49-F238E27FC236}">
+                <a16:creationId xmlns:a16="http://schemas.microsoft.com/office/drawing/2014/main" id="{FFAAE95F-66E0-5343-8D1B-C4772CC81F9D}"/>
+              </a:ext>
+            </a:extLst>
+          </p:cNvPr>
+          <p:cNvSpPr txBox="1"/>
+          <p:nvPr/>
+        </p:nvSpPr>
+        <p:spPr>
+          <a:xfrm>
+            <a:off x="6429076" y="4192859"/>
+            <a:ext cx="3243196" cy="1938992"/>
+          </a:xfrm>
+          <a:prstGeom prst="rect">
+            <a:avLst/>
+          </a:prstGeom>
+          <a:noFill/>
+        </p:spPr>
+        <p:txBody>
+          <a:bodyPr wrap="none" rtlCol="0">
+            <a:spAutoFit/>
+          </a:bodyPr>
+          <a:lstStyle/>
+          <a:p>
+            <a:r>
+              <a:rPr lang="en-US" sz="2400" dirty="0">
+                <a:latin typeface="Consolas" panose="020B0609020204030204" pitchFamily="49" charset="0"/>
+                <a:cs typeface="Consolas" panose="020B0609020204030204" pitchFamily="49" charset="0"/>
+              </a:rPr>
+              <a:t>def sum():</a:t>
+            </a:r>
+          </a:p>
+          <a:p>
+            <a:r>
+              <a:rPr lang="en-US" sz="2400" dirty="0">
+                <a:latin typeface="Consolas" panose="020B0609020204030204" pitchFamily="49" charset="0"/>
+                <a:cs typeface="Consolas" panose="020B0609020204030204" pitchFamily="49" charset="0"/>
+              </a:rPr>
+              <a:t>    s = 0</a:t>
+            </a:r>
+          </a:p>
+          <a:p>
+            <a:r>
+              <a:rPr lang="en-US" sz="2400" dirty="0">
+                <a:latin typeface="Consolas" panose="020B0609020204030204" pitchFamily="49" charset="0"/>
+                <a:cs typeface="Consolas" panose="020B0609020204030204" pitchFamily="49" charset="0"/>
+              </a:rPr>
+              <a:t>    for x in data:</a:t>
+            </a:r>
+          </a:p>
+          <a:p>
+            <a:r>
+              <a:rPr lang="en-US" sz="2400" dirty="0">
+                <a:latin typeface="Consolas" panose="020B0609020204030204" pitchFamily="49" charset="0"/>
+                <a:cs typeface="Consolas" panose="020B0609020204030204" pitchFamily="49" charset="0"/>
+              </a:rPr>
+              <a:t>        s += x</a:t>
+            </a:r>
+          </a:p>
+          <a:p>
+            <a:r>
+              <a:rPr lang="en-US" sz="2400" dirty="0">
+                <a:latin typeface="Consolas" panose="020B0609020204030204" pitchFamily="49" charset="0"/>
+                <a:cs typeface="Consolas" panose="020B0609020204030204" pitchFamily="49" charset="0"/>
+              </a:rPr>
+              <a:t>    return s</a:t>
+            </a:r>
+          </a:p>
+        </p:txBody>
+      </p:sp>
+      <p:sp>
+        <p:nvSpPr>
+          <p:cNvPr id="6" name="TextBox 5">
+            <a:extLst>
+              <a:ext uri="{FF2B5EF4-FFF2-40B4-BE49-F238E27FC236}">
+                <a16:creationId xmlns:a16="http://schemas.microsoft.com/office/drawing/2014/main" id="{7AE65B7B-3D43-6642-B9F8-841952AAFBDD}"/>
+              </a:ext>
+            </a:extLst>
+          </p:cNvPr>
+          <p:cNvSpPr txBox="1"/>
+          <p:nvPr/>
+        </p:nvSpPr>
+        <p:spPr>
+          <a:xfrm>
+            <a:off x="2096429" y="3873256"/>
+            <a:ext cx="854721" cy="400110"/>
+          </a:xfrm>
+          <a:prstGeom prst="rect">
+            <a:avLst/>
+          </a:prstGeom>
+          <a:noFill/>
+        </p:spPr>
+        <p:txBody>
+          <a:bodyPr wrap="none" rtlCol="0">
+            <a:spAutoFit/>
+          </a:bodyPr>
+          <a:lstStyle/>
+          <a:p>
+            <a:r>
+              <a:rPr lang="en-US" sz="2000" b="1" dirty="0"/>
+              <a:t>Good</a:t>
+            </a:r>
+          </a:p>
+        </p:txBody>
+      </p:sp>
+      <p:sp>
+        <p:nvSpPr>
+          <p:cNvPr id="7" name="TextBox 6">
+            <a:extLst>
+              <a:ext uri="{FF2B5EF4-FFF2-40B4-BE49-F238E27FC236}">
+                <a16:creationId xmlns:a16="http://schemas.microsoft.com/office/drawing/2014/main" id="{931C85EA-1E17-B948-B4EE-EF6123A322E3}"/>
+              </a:ext>
+            </a:extLst>
+          </p:cNvPr>
+          <p:cNvSpPr txBox="1"/>
+          <p:nvPr/>
+        </p:nvSpPr>
+        <p:spPr>
+          <a:xfrm>
+            <a:off x="7256356" y="3873256"/>
+            <a:ext cx="670376" cy="400110"/>
+          </a:xfrm>
+          <a:prstGeom prst="rect">
+            <a:avLst/>
+          </a:prstGeom>
+          <a:noFill/>
+        </p:spPr>
+        <p:txBody>
+          <a:bodyPr wrap="none" rtlCol="0">
+            <a:spAutoFit/>
+          </a:bodyPr>
+          <a:lstStyle/>
+          <a:p>
+            <a:r>
+              <a:rPr lang="en-US" sz="2000" b="1" dirty="0"/>
+              <a:t>Bad</a:t>
+            </a:r>
+          </a:p>
+        </p:txBody>
+      </p:sp>
+      <p:sp>
+        <p:nvSpPr>
+          <p:cNvPr id="8" name="TextBox 7">
+            <a:extLst>
+              <a:ext uri="{FF2B5EF4-FFF2-40B4-BE49-F238E27FC236}">
+                <a16:creationId xmlns:a16="http://schemas.microsoft.com/office/drawing/2014/main" id="{70262B32-821F-364B-AEB4-B9A13B1A4F79}"/>
+              </a:ext>
+            </a:extLst>
+          </p:cNvPr>
+          <p:cNvSpPr txBox="1"/>
+          <p:nvPr/>
+        </p:nvSpPr>
+        <p:spPr>
+          <a:xfrm>
+            <a:off x="10023718" y="4553480"/>
+            <a:ext cx="800219" cy="369332"/>
+          </a:xfrm>
+          <a:prstGeom prst="rect">
+            <a:avLst/>
+          </a:prstGeom>
+          <a:noFill/>
+        </p:spPr>
+        <p:txBody>
+          <a:bodyPr wrap="none" rtlCol="0">
+            <a:spAutoFit/>
+          </a:bodyPr>
+          <a:lstStyle/>
+          <a:p>
+            <a:r>
+              <a:rPr lang="en-US" dirty="0"/>
+              <a:t>global</a:t>
+            </a:r>
+          </a:p>
+        </p:txBody>
+      </p:sp>
+      <p:cxnSp>
+        <p:nvCxnSpPr>
+          <p:cNvPr id="10" name="Straight Arrow Connector 9">
+            <a:extLst>
+              <a:ext uri="{FF2B5EF4-FFF2-40B4-BE49-F238E27FC236}">
+                <a16:creationId xmlns:a16="http://schemas.microsoft.com/office/drawing/2014/main" id="{D9183497-770B-1947-91F5-F3297F05E4D8}"/>
+              </a:ext>
+            </a:extLst>
+          </p:cNvPr>
+          <p:cNvCxnSpPr>
+            <a:cxnSpLocks/>
+            <a:stCxn id="8" idx="1"/>
+          </p:cNvCxnSpPr>
+          <p:nvPr/>
+        </p:nvCxnSpPr>
+        <p:spPr>
+          <a:xfrm flipH="1">
+            <a:off x="9311271" y="4738146"/>
+            <a:ext cx="712447" cy="319603"/>
+          </a:xfrm>
+          <a:prstGeom prst="straightConnector1">
+            <a:avLst/>
+          </a:prstGeom>
+          <a:ln w="12700">
+            <a:solidFill>
+              <a:srgbClr val="E4754F"/>
+            </a:solidFill>
+            <a:tailEnd type="triangle"/>
+          </a:ln>
+        </p:spPr>
+        <p:style>
+          <a:lnRef idx="1">
+            <a:schemeClr val="accent1"/>
+          </a:lnRef>
+          <a:fillRef idx="0">
+            <a:schemeClr val="accent1"/>
+          </a:fillRef>
+          <a:effectRef idx="0">
+            <a:schemeClr val="accent1"/>
+          </a:effectRef>
+          <a:fontRef idx="minor">
+            <a:schemeClr val="tx1"/>
+          </a:fontRef>
+        </p:style>
+      </p:cxnSp>
+      <p:cxnSp>
+        <p:nvCxnSpPr>
+          <p:cNvPr id="12" name="Straight Arrow Connector 11">
+            <a:extLst>
+              <a:ext uri="{FF2B5EF4-FFF2-40B4-BE49-F238E27FC236}">
+                <a16:creationId xmlns:a16="http://schemas.microsoft.com/office/drawing/2014/main" id="{323DA69F-8200-2143-A785-77AA78EAD91A}"/>
+              </a:ext>
+            </a:extLst>
+          </p:cNvPr>
+          <p:cNvCxnSpPr>
+            <a:cxnSpLocks/>
+          </p:cNvCxnSpPr>
+          <p:nvPr/>
+        </p:nvCxnSpPr>
+        <p:spPr>
+          <a:xfrm flipH="1">
+            <a:off x="3910868" y="4674055"/>
+            <a:ext cx="712447" cy="319603"/>
+          </a:xfrm>
+          <a:prstGeom prst="straightConnector1">
+            <a:avLst/>
+          </a:prstGeom>
+          <a:ln w="12700">
+            <a:solidFill>
+              <a:srgbClr val="E4754F"/>
+            </a:solidFill>
+            <a:tailEnd type="triangle"/>
+          </a:ln>
+        </p:spPr>
+        <p:style>
+          <a:lnRef idx="1">
+            <a:schemeClr val="accent1"/>
+          </a:lnRef>
+          <a:fillRef idx="0">
+            <a:schemeClr val="accent1"/>
+          </a:fillRef>
+          <a:effectRef idx="0">
+            <a:schemeClr val="accent1"/>
+          </a:effectRef>
+          <a:fontRef idx="minor">
+            <a:schemeClr val="tx1"/>
+          </a:fontRef>
+        </p:style>
+      </p:cxnSp>
+      <p:sp>
+        <p:nvSpPr>
+          <p:cNvPr id="13" name="TextBox 12">
+            <a:extLst>
+              <a:ext uri="{FF2B5EF4-FFF2-40B4-BE49-F238E27FC236}">
+                <a16:creationId xmlns:a16="http://schemas.microsoft.com/office/drawing/2014/main" id="{4B4B8734-DD8D-F041-B201-068760C72D34}"/>
+              </a:ext>
+            </a:extLst>
+          </p:cNvPr>
+          <p:cNvSpPr txBox="1"/>
+          <p:nvPr/>
+        </p:nvSpPr>
+        <p:spPr>
+          <a:xfrm>
+            <a:off x="4029085" y="4352758"/>
+            <a:ext cx="1159292" cy="369332"/>
+          </a:xfrm>
+          <a:prstGeom prst="rect">
+            <a:avLst/>
+          </a:prstGeom>
+          <a:noFill/>
+        </p:spPr>
+        <p:txBody>
+          <a:bodyPr wrap="none" rtlCol="0">
+            <a:spAutoFit/>
+          </a:bodyPr>
+          <a:lstStyle/>
+          <a:p>
+            <a:r>
+              <a:rPr lang="en-US" dirty="0"/>
+              <a:t>argument</a:t>
+            </a:r>
+          </a:p>
+        </p:txBody>
+      </p:sp>
+      <p:sp>
+        <p:nvSpPr>
+          <p:cNvPr id="14" name="TextBox 13">
+            <a:extLst>
+              <a:ext uri="{FF2B5EF4-FFF2-40B4-BE49-F238E27FC236}">
+                <a16:creationId xmlns:a16="http://schemas.microsoft.com/office/drawing/2014/main" id="{BC98699A-A4F6-824E-812A-EC7606F1E6B4}"/>
+              </a:ext>
+            </a:extLst>
+          </p:cNvPr>
+          <p:cNvSpPr txBox="1"/>
+          <p:nvPr/>
+        </p:nvSpPr>
+        <p:spPr>
+          <a:xfrm>
+            <a:off x="0" y="6492875"/>
+            <a:ext cx="2877711" cy="369332"/>
+          </a:xfrm>
+          <a:prstGeom prst="rect">
+            <a:avLst/>
+          </a:prstGeom>
+          <a:noFill/>
+        </p:spPr>
+        <p:txBody>
+          <a:bodyPr wrap="none" rtlCol="0">
+            <a:spAutoFit/>
+          </a:bodyPr>
+          <a:lstStyle/>
+          <a:p>
+            <a:r>
+              <a:rPr lang="en-US" dirty="0">
+                <a:hlinkClick r:id="rId2"/>
+              </a:rPr>
+              <a:t>Experiment in </a:t>
+            </a:r>
+            <a:r>
+              <a:rPr lang="en-US" dirty="0" err="1">
+                <a:hlinkClick r:id="rId2"/>
+              </a:rPr>
+              <a:t>pythontutor</a:t>
+            </a:r>
+            <a:endParaRPr lang="en-US" dirty="0"/>
+          </a:p>
+        </p:txBody>
+      </p:sp>
+    </p:spTree>
+    <p:extLst>
+      <p:ext uri="{BB962C8B-B14F-4D97-AF65-F5344CB8AC3E}">
+        <p14:creationId xmlns:p14="http://schemas.microsoft.com/office/powerpoint/2010/main" val="1024493727"/>
+      </p:ext>
+    </p:extLst>
+  </p:cSld>
+  <p:clrMapOvr>
+    <a:masterClrMapping/>
+  </p:clrMapOvr>
+</p:sld>
+</file>
+
+<file path=ppt/slides/slide22.xml><?xml version="1.0" encoding="utf-8"?>
+<p:sld xmlns:a="http://schemas.openxmlformats.org/drawingml/2006/main" xmlns:r="http://schemas.openxmlformats.org/officeDocument/2006/relationships" xmlns:p="http://schemas.openxmlformats.org/presentationml/2006/main">
+  <p:cSld>
+    <p:spTree>
+      <p:nvGrpSpPr>
+        <p:cNvPr id="1" name=""/>
+        <p:cNvGrpSpPr/>
+        <p:nvPr/>
+      </p:nvGrpSpPr>
+      <p:grpSpPr>
+        <a:xfrm>
+          <a:off x="0" y="0"/>
+          <a:ext cx="0" cy="0"/>
+          <a:chOff x="0" y="0"/>
+          <a:chExt cx="0" cy="0"/>
+        </a:xfrm>
+      </p:grpSpPr>
+      <p:sp>
+        <p:nvSpPr>
+          <p:cNvPr id="2" name="Title 1">
+            <a:extLst>
+              <a:ext uri="{FF2B5EF4-FFF2-40B4-BE49-F238E27FC236}">
+                <a16:creationId xmlns:a16="http://schemas.microsoft.com/office/drawing/2014/main" id="{7983FAB1-DD73-7940-86CF-8C9F21E9F098}"/>
+              </a:ext>
+            </a:extLst>
+          </p:cNvPr>
+          <p:cNvSpPr>
+            <a:spLocks noGrp="1"/>
+          </p:cNvSpPr>
+          <p:nvPr>
+            <p:ph type="title"/>
+          </p:nvPr>
+        </p:nvSpPr>
+        <p:spPr/>
+        <p:txBody>
+          <a:bodyPr/>
+          <a:lstStyle/>
+          <a:p>
+            <a:r>
+              <a:rPr lang="en-US" dirty="0"/>
+              <a:t>Watch out for functions that modify data structure arguments</a:t>
+            </a:r>
+          </a:p>
+        </p:txBody>
+      </p:sp>
+      <p:sp>
+        <p:nvSpPr>
+          <p:cNvPr id="3" name="Content Placeholder 2">
+            <a:extLst>
+              <a:ext uri="{FF2B5EF4-FFF2-40B4-BE49-F238E27FC236}">
+                <a16:creationId xmlns:a16="http://schemas.microsoft.com/office/drawing/2014/main" id="{200D534C-F4DF-A847-98B9-5028725392DB}"/>
+              </a:ext>
+            </a:extLst>
+          </p:cNvPr>
+          <p:cNvSpPr>
+            <a:spLocks noGrp="1"/>
+          </p:cNvSpPr>
+          <p:nvPr>
+            <p:ph idx="1"/>
+          </p:nvPr>
+        </p:nvSpPr>
+        <p:spPr/>
+        <p:txBody>
+          <a:bodyPr/>
+          <a:lstStyle/>
+          <a:p>
+            <a:r>
+              <a:rPr lang="en-US" dirty="0"/>
+              <a:t>A list argument is a reference to the list past in and so modifying the list contents modifies the caller’s perspective as well</a:t>
+            </a:r>
+          </a:p>
+          <a:p>
+            <a:endParaRPr lang="en-US" dirty="0"/>
+          </a:p>
+          <a:p>
+            <a:endParaRPr lang="en-US" dirty="0"/>
+          </a:p>
+          <a:p>
+            <a:endParaRPr lang="en-US" dirty="0"/>
+          </a:p>
+          <a:p>
+            <a:endParaRPr lang="en-US" dirty="0"/>
+          </a:p>
+          <a:p>
+            <a:endParaRPr lang="en-US" dirty="0"/>
+          </a:p>
+          <a:p>
+            <a:r>
+              <a:rPr lang="en-US" dirty="0"/>
+              <a:t>(More on this in another lecture)</a:t>
+            </a:r>
+          </a:p>
+        </p:txBody>
+      </p:sp>
+      <p:sp>
+        <p:nvSpPr>
+          <p:cNvPr id="4" name="TextBox 3">
+            <a:extLst>
+              <a:ext uri="{FF2B5EF4-FFF2-40B4-BE49-F238E27FC236}">
+                <a16:creationId xmlns:a16="http://schemas.microsoft.com/office/drawing/2014/main" id="{B67D179D-2C17-3D4E-A1BE-450618FAB8D1}"/>
+              </a:ext>
+            </a:extLst>
+          </p:cNvPr>
+          <p:cNvSpPr txBox="1"/>
+          <p:nvPr/>
+        </p:nvSpPr>
+        <p:spPr>
+          <a:xfrm>
+            <a:off x="0" y="6492875"/>
+            <a:ext cx="2877711" cy="369332"/>
+          </a:xfrm>
+          <a:prstGeom prst="rect">
+            <a:avLst/>
+          </a:prstGeom>
+          <a:noFill/>
+        </p:spPr>
+        <p:txBody>
+          <a:bodyPr wrap="none" rtlCol="0">
+            <a:spAutoFit/>
+          </a:bodyPr>
+          <a:lstStyle/>
+          <a:p>
+            <a:r>
+              <a:rPr lang="en-US" dirty="0">
+                <a:hlinkClick r:id="rId2"/>
+              </a:rPr>
+              <a:t>Experiment in </a:t>
+            </a:r>
+            <a:r>
+              <a:rPr lang="en-US" dirty="0" err="1">
+                <a:hlinkClick r:id="rId2"/>
+              </a:rPr>
+              <a:t>pythontutor</a:t>
+            </a:r>
+            <a:endParaRPr lang="en-US" dirty="0"/>
+          </a:p>
+        </p:txBody>
+      </p:sp>
+      <p:sp>
+        <p:nvSpPr>
+          <p:cNvPr id="5" name="TextBox 4">
+            <a:extLst>
+              <a:ext uri="{FF2B5EF4-FFF2-40B4-BE49-F238E27FC236}">
+                <a16:creationId xmlns:a16="http://schemas.microsoft.com/office/drawing/2014/main" id="{B90D50D2-FFAA-4340-844D-0F77CCE97246}"/>
+              </a:ext>
+            </a:extLst>
+          </p:cNvPr>
+          <p:cNvSpPr txBox="1"/>
+          <p:nvPr/>
+        </p:nvSpPr>
+        <p:spPr>
+          <a:xfrm>
+            <a:off x="2015248" y="2937620"/>
+            <a:ext cx="8510663" cy="2308324"/>
+          </a:xfrm>
+          <a:prstGeom prst="rect">
+            <a:avLst/>
+          </a:prstGeom>
+          <a:noFill/>
+        </p:spPr>
+        <p:txBody>
+          <a:bodyPr wrap="none" rtlCol="0">
+            <a:spAutoFit/>
+          </a:bodyPr>
+          <a:lstStyle/>
+          <a:p>
+            <a:r>
+              <a:rPr lang="en-US" sz="2400" dirty="0">
+                <a:latin typeface="Consolas" panose="020B0609020204030204" pitchFamily="49" charset="0"/>
+                <a:cs typeface="Consolas" panose="020B0609020204030204" pitchFamily="49" charset="0"/>
+              </a:rPr>
+              <a:t>def </a:t>
+            </a:r>
+            <a:r>
+              <a:rPr lang="en-US" sz="2400" dirty="0" err="1">
+                <a:latin typeface="Consolas" panose="020B0609020204030204" pitchFamily="49" charset="0"/>
+                <a:cs typeface="Consolas" panose="020B0609020204030204" pitchFamily="49" charset="0"/>
+              </a:rPr>
+              <a:t>badsum</a:t>
+            </a:r>
+            <a:r>
+              <a:rPr lang="en-US" sz="2400" dirty="0">
+                <a:latin typeface="Consolas" panose="020B0609020204030204" pitchFamily="49" charset="0"/>
+                <a:cs typeface="Consolas" panose="020B0609020204030204" pitchFamily="49" charset="0"/>
+              </a:rPr>
+              <a:t>(data):</a:t>
+            </a:r>
+          </a:p>
+          <a:p>
+            <a:r>
+              <a:rPr lang="en-US" sz="2400" dirty="0">
+                <a:latin typeface="Consolas" panose="020B0609020204030204" pitchFamily="49" charset="0"/>
+                <a:cs typeface="Consolas" panose="020B0609020204030204" pitchFamily="49" charset="0"/>
+              </a:rPr>
+              <a:t>    data[0] = 99 # alters global variable as well</a:t>
+            </a:r>
+          </a:p>
+          <a:p>
+            <a:r>
+              <a:rPr lang="en-US" sz="2400" dirty="0">
+                <a:latin typeface="Consolas" panose="020B0609020204030204" pitchFamily="49" charset="0"/>
+                <a:cs typeface="Consolas" panose="020B0609020204030204" pitchFamily="49" charset="0"/>
+              </a:rPr>
+              <a:t>    s = 0</a:t>
+            </a:r>
+          </a:p>
+          <a:p>
+            <a:r>
+              <a:rPr lang="en-US" sz="2400" dirty="0">
+                <a:latin typeface="Consolas" panose="020B0609020204030204" pitchFamily="49" charset="0"/>
+                <a:cs typeface="Consolas" panose="020B0609020204030204" pitchFamily="49" charset="0"/>
+              </a:rPr>
+              <a:t>    for q in data:</a:t>
+            </a:r>
+          </a:p>
+          <a:p>
+            <a:r>
+              <a:rPr lang="en-US" sz="2400" dirty="0">
+                <a:latin typeface="Consolas" panose="020B0609020204030204" pitchFamily="49" charset="0"/>
+                <a:cs typeface="Consolas" panose="020B0609020204030204" pitchFamily="49" charset="0"/>
+              </a:rPr>
+              <a:t>        s = s + q</a:t>
+            </a:r>
+          </a:p>
+          <a:p>
+            <a:r>
+              <a:rPr lang="en-US" sz="2400" dirty="0">
+                <a:latin typeface="Consolas" panose="020B0609020204030204" pitchFamily="49" charset="0"/>
+                <a:cs typeface="Consolas" panose="020B0609020204030204" pitchFamily="49" charset="0"/>
+              </a:rPr>
+              <a:t>    return s</a:t>
+            </a:r>
+          </a:p>
+        </p:txBody>
+      </p:sp>
+      <p:pic>
+        <p:nvPicPr>
+          <p:cNvPr id="6" name="Picture 5" descr="Table&#10;&#10;Description automatically generated">
+            <a:extLst>
+              <a:ext uri="{FF2B5EF4-FFF2-40B4-BE49-F238E27FC236}">
+                <a16:creationId xmlns:a16="http://schemas.microsoft.com/office/drawing/2014/main" id="{E19C2C55-29A4-824B-B556-632D90F0B5D4}"/>
+              </a:ext>
+            </a:extLst>
+          </p:cNvPr>
+          <p:cNvPicPr>
+            <a:picLocks noChangeAspect="1"/>
+          </p:cNvPicPr>
+          <p:nvPr/>
+        </p:nvPicPr>
+        <p:blipFill>
+          <a:blip r:embed="rId3"/>
+          <a:stretch>
+            <a:fillRect/>
+          </a:stretch>
+        </p:blipFill>
+        <p:spPr>
+          <a:xfrm>
+            <a:off x="6553200" y="4170363"/>
+            <a:ext cx="5422900" cy="2006600"/>
+          </a:xfrm>
+          <a:prstGeom prst="rect">
+            <a:avLst/>
+          </a:prstGeom>
+        </p:spPr>
+      </p:pic>
+    </p:spTree>
+    <p:extLst>
+      <p:ext uri="{BB962C8B-B14F-4D97-AF65-F5344CB8AC3E}">
+        <p14:creationId xmlns:p14="http://schemas.microsoft.com/office/powerpoint/2010/main" val="2670141801"/>
+      </p:ext>
+    </p:extLst>
+  </p:cSld>
+  <p:clrMapOvr>
+    <a:masterClrMapping/>
+  </p:clrMapOvr>
+</p:sld>
+</file>
+
+<file path=ppt/slides/slide23.xml><?xml version="1.0" encoding="utf-8"?>
+<p:sld xmlns:a="http://schemas.openxmlformats.org/drawingml/2006/main" xmlns:r="http://schemas.openxmlformats.org/officeDocument/2006/relationships" xmlns:p="http://schemas.openxmlformats.org/presentationml/2006/main">
+  <p:cSld>
+    <p:spTree>
+      <p:nvGrpSpPr>
+        <p:cNvPr id="1" name=""/>
+        <p:cNvGrpSpPr/>
+        <p:nvPr/>
+      </p:nvGrpSpPr>
+      <p:grpSpPr>
+        <a:xfrm>
+          <a:off x="0" y="0"/>
+          <a:ext cx="0" cy="0"/>
+          <a:chOff x="0" y="0"/>
+          <a:chExt cx="0" cy="0"/>
+        </a:xfrm>
+      </p:grpSpPr>
+      <p:sp>
+        <p:nvSpPr>
+          <p:cNvPr id="2" name="Title 1">
+            <a:extLst>
+              <a:ext uri="{FF2B5EF4-FFF2-40B4-BE49-F238E27FC236}">
+                <a16:creationId xmlns:a16="http://schemas.microsoft.com/office/drawing/2014/main" id="{7CB45845-888F-484D-A674-917F0C82D90F}"/>
+              </a:ext>
+            </a:extLst>
+          </p:cNvPr>
+          <p:cNvSpPr>
+            <a:spLocks noGrp="1"/>
+          </p:cNvSpPr>
+          <p:nvPr>
+            <p:ph type="title"/>
+          </p:nvPr>
+        </p:nvSpPr>
+        <p:spPr/>
+        <p:txBody>
+          <a:bodyPr/>
+          <a:lstStyle/>
+          <a:p>
+            <a:r>
+              <a:rPr lang="en-US" dirty="0"/>
+              <a:t>Visibility rules</a:t>
+            </a:r>
+          </a:p>
+        </p:txBody>
+      </p:sp>
+      <p:sp>
+        <p:nvSpPr>
+          <p:cNvPr id="3" name="Content Placeholder 2">
+            <a:extLst>
+              <a:ext uri="{FF2B5EF4-FFF2-40B4-BE49-F238E27FC236}">
+                <a16:creationId xmlns:a16="http://schemas.microsoft.com/office/drawing/2014/main" id="{0FEF18F5-1844-3645-96BE-6DD553B95A21}"/>
+              </a:ext>
+            </a:extLst>
+          </p:cNvPr>
+          <p:cNvSpPr>
+            <a:spLocks noGrp="1"/>
+          </p:cNvSpPr>
+          <p:nvPr>
+            <p:ph idx="1"/>
+          </p:nvPr>
+        </p:nvSpPr>
+        <p:spPr/>
+        <p:txBody>
+          <a:bodyPr/>
+          <a:lstStyle/>
+          <a:p>
+            <a:r>
+              <a:rPr lang="en-US" dirty="0"/>
+              <a:t>Main programs cannot see variables and arguments inside functions; just because a main program can call a function, doesn't mean it can see the inner workings</a:t>
+            </a:r>
+          </a:p>
+          <a:p>
+            <a:r>
+              <a:rPr lang="en-US" dirty="0"/>
+              <a:t>Functions can technically see global variables but don't do this as a general rule; instead, pass the global variables that you need to each function as arguments</a:t>
+            </a:r>
+          </a:p>
+        </p:txBody>
+      </p:sp>
+    </p:spTree>
+    <p:extLst>
+      <p:ext uri="{BB962C8B-B14F-4D97-AF65-F5344CB8AC3E}">
+        <p14:creationId xmlns:p14="http://schemas.microsoft.com/office/powerpoint/2010/main" val="2658667053"/>
+      </p:ext>
+    </p:extLst>
+  </p:cSld>
+  <p:clrMapOvr>
+    <a:masterClrMapping/>
+  </p:clrMapOvr>
+</p:sld>
+</file>
+
+<file path=ppt/slides/slide24.xml><?xml version="1.0" encoding="utf-8"?>
+<p:sld xmlns:a="http://schemas.openxmlformats.org/drawingml/2006/main" xmlns:r="http://schemas.openxmlformats.org/officeDocument/2006/relationships" xmlns:p="http://schemas.openxmlformats.org/presentationml/2006/main">
+  <p:cSld>
+    <p:spTree>
+      <p:nvGrpSpPr>
+        <p:cNvPr id="1" name=""/>
+        <p:cNvGrpSpPr/>
+        <p:nvPr/>
+      </p:nvGrpSpPr>
+      <p:grpSpPr>
+        <a:xfrm>
+          <a:off x="0" y="0"/>
+          <a:ext cx="0" cy="0"/>
+          <a:chOff x="0" y="0"/>
+          <a:chExt cx="0" cy="0"/>
+        </a:xfrm>
+      </p:grpSpPr>
+      <p:sp>
+        <p:nvSpPr>
+          <p:cNvPr id="2" name="Title 1">
+            <a:extLst>
+              <a:ext uri="{FF2B5EF4-FFF2-40B4-BE49-F238E27FC236}">
+                <a16:creationId xmlns:a16="http://schemas.microsoft.com/office/drawing/2014/main" id="{DC433FEA-F796-3C4F-9553-A6290D594406}"/>
+              </a:ext>
+            </a:extLst>
+          </p:cNvPr>
+          <p:cNvSpPr>
+            <a:spLocks noGrp="1"/>
+          </p:cNvSpPr>
+          <p:nvPr>
+            <p:ph type="title"/>
+          </p:nvPr>
+        </p:nvSpPr>
+        <p:spPr/>
+        <p:txBody>
+          <a:bodyPr/>
+          <a:lstStyle/>
+          <a:p>
+            <a:r>
+              <a:rPr lang="en-US" dirty="0"/>
+              <a:t>How functions return to invocation site</a:t>
+            </a:r>
+          </a:p>
+        </p:txBody>
+      </p:sp>
+      <p:sp>
+        <p:nvSpPr>
+          <p:cNvPr id="3" name="Content Placeholder 2">
+            <a:extLst>
+              <a:ext uri="{FF2B5EF4-FFF2-40B4-BE49-F238E27FC236}">
+                <a16:creationId xmlns:a16="http://schemas.microsoft.com/office/drawing/2014/main" id="{557D8D30-82C7-0F48-9F65-54C617850442}"/>
+              </a:ext>
+            </a:extLst>
+          </p:cNvPr>
+          <p:cNvSpPr>
+            <a:spLocks noGrp="1"/>
+          </p:cNvSpPr>
+          <p:nvPr>
+            <p:ph idx="1"/>
+          </p:nvPr>
+        </p:nvSpPr>
+        <p:spPr/>
+        <p:txBody>
+          <a:bodyPr/>
+          <a:lstStyle/>
+          <a:p>
+            <a:r>
+              <a:rPr lang="en-US" dirty="0"/>
+              <a:t>Calling a function not only jumps to the function code, it remembers the call site so it can continue where it left off</a:t>
+            </a:r>
+          </a:p>
+        </p:txBody>
+      </p:sp>
+      <p:pic>
+        <p:nvPicPr>
+          <p:cNvPr id="7" name="Picture 6">
+            <a:extLst>
+              <a:ext uri="{FF2B5EF4-FFF2-40B4-BE49-F238E27FC236}">
+                <a16:creationId xmlns:a16="http://schemas.microsoft.com/office/drawing/2014/main" id="{F0071DD0-420D-0644-9F33-AF6502610C5E}"/>
+              </a:ext>
+            </a:extLst>
+          </p:cNvPr>
+          <p:cNvPicPr>
+            <a:picLocks noChangeAspect="1"/>
+          </p:cNvPicPr>
+          <p:nvPr/>
+        </p:nvPicPr>
+        <p:blipFill>
+          <a:blip r:embed="rId2"/>
+          <a:stretch>
+            <a:fillRect/>
+          </a:stretch>
+        </p:blipFill>
+        <p:spPr>
+          <a:xfrm>
+            <a:off x="2708015" y="2860597"/>
+            <a:ext cx="6775969" cy="3149910"/>
+          </a:xfrm>
+          <a:prstGeom prst="rect">
+            <a:avLst/>
+          </a:prstGeom>
+        </p:spPr>
+      </p:pic>
+    </p:spTree>
+    <p:extLst>
+      <p:ext uri="{BB962C8B-B14F-4D97-AF65-F5344CB8AC3E}">
+        <p14:creationId xmlns:p14="http://schemas.microsoft.com/office/powerpoint/2010/main" val="2763545099"/>
+      </p:ext>
+    </p:extLst>
+  </p:cSld>
+  <p:clrMapOvr>
+    <a:masterClrMapping/>
+  </p:clrMapOvr>
+</p:sld>
+</file>
+
+<file path=ppt/slides/slide25.xml><?xml version="1.0" encoding="utf-8"?>
+<p:sld xmlns:a="http://schemas.openxmlformats.org/drawingml/2006/main" xmlns:r="http://schemas.openxmlformats.org/officeDocument/2006/relationships" xmlns:p="http://schemas.openxmlformats.org/presentationml/2006/main">
+  <p:cSld>
+    <p:spTree>
+      <p:nvGrpSpPr>
+        <p:cNvPr id="1" name=""/>
+        <p:cNvGrpSpPr/>
+        <p:nvPr/>
+      </p:nvGrpSpPr>
+      <p:grpSpPr>
+        <a:xfrm>
+          <a:off x="0" y="0"/>
+          <a:ext cx="0" cy="0"/>
+          <a:chOff x="0" y="0"/>
+          <a:chExt cx="0" cy="0"/>
+        </a:xfrm>
+      </p:grpSpPr>
+      <p:sp>
+        <p:nvSpPr>
+          <p:cNvPr id="2" name="Title 1">
+            <a:extLst>
+              <a:ext uri="{FF2B5EF4-FFF2-40B4-BE49-F238E27FC236}">
+                <a16:creationId xmlns:a16="http://schemas.microsoft.com/office/drawing/2014/main" id="{020E53E1-851D-C645-A59F-FEA87B5ED714}"/>
+              </a:ext>
+            </a:extLst>
+          </p:cNvPr>
+          <p:cNvSpPr>
+            <a:spLocks noGrp="1"/>
+          </p:cNvSpPr>
+          <p:nvPr>
+            <p:ph type="title"/>
+          </p:nvPr>
+        </p:nvSpPr>
+        <p:spPr/>
+        <p:txBody>
+          <a:bodyPr/>
+          <a:lstStyle/>
+          <a:p>
+            <a:r>
+              <a:rPr lang="en-US" dirty="0"/>
+              <a:t>Nested function calls</a:t>
+            </a:r>
+          </a:p>
+        </p:txBody>
+      </p:sp>
+      <p:sp>
+        <p:nvSpPr>
+          <p:cNvPr id="3" name="Content Placeholder 2">
+            <a:extLst>
+              <a:ext uri="{FF2B5EF4-FFF2-40B4-BE49-F238E27FC236}">
+                <a16:creationId xmlns:a16="http://schemas.microsoft.com/office/drawing/2014/main" id="{C420561A-9EF6-114F-AC25-B0FEAEFC5884}"/>
+              </a:ext>
+            </a:extLst>
+          </p:cNvPr>
+          <p:cNvSpPr>
+            <a:spLocks noGrp="1"/>
+          </p:cNvSpPr>
+          <p:nvPr>
+            <p:ph idx="1"/>
+          </p:nvPr>
+        </p:nvSpPr>
+        <p:spPr/>
+        <p:txBody>
+          <a:bodyPr/>
+          <a:lstStyle/>
+          <a:p>
+            <a:r>
+              <a:rPr lang="en-US" dirty="0"/>
+              <a:t>Here’s a simple program with two functions, where the main program calls </a:t>
+            </a:r>
+            <a:r>
+              <a:rPr lang="en-US" b="1" dirty="0"/>
+              <a:t>f</a:t>
+            </a:r>
+            <a:r>
+              <a:rPr lang="en-US" dirty="0"/>
+              <a:t> and </a:t>
+            </a:r>
+            <a:r>
+              <a:rPr lang="en-US" b="1" dirty="0"/>
+              <a:t>f</a:t>
+            </a:r>
+            <a:r>
+              <a:rPr lang="en-US" dirty="0"/>
+              <a:t> calls </a:t>
+            </a:r>
+            <a:r>
+              <a:rPr lang="en-US" b="1" dirty="0"/>
+              <a:t>g</a:t>
+            </a:r>
+          </a:p>
+        </p:txBody>
+      </p:sp>
+      <p:sp>
+        <p:nvSpPr>
+          <p:cNvPr id="7" name="TextBox 6">
+            <a:extLst>
+              <a:ext uri="{FF2B5EF4-FFF2-40B4-BE49-F238E27FC236}">
+                <a16:creationId xmlns:a16="http://schemas.microsoft.com/office/drawing/2014/main" id="{E279329D-578A-DB48-ACD7-4643FE6FDDC9}"/>
+              </a:ext>
+            </a:extLst>
+          </p:cNvPr>
+          <p:cNvSpPr txBox="1"/>
+          <p:nvPr/>
+        </p:nvSpPr>
+        <p:spPr>
+          <a:xfrm>
+            <a:off x="1535583" y="2950919"/>
+            <a:ext cx="3073277" cy="2308324"/>
+          </a:xfrm>
+          <a:prstGeom prst="rect">
+            <a:avLst/>
+          </a:prstGeom>
+          <a:noFill/>
+        </p:spPr>
+        <p:txBody>
+          <a:bodyPr wrap="none" rtlCol="0">
+            <a:spAutoFit/>
+          </a:bodyPr>
+          <a:lstStyle/>
+          <a:p>
+            <a:r>
+              <a:rPr lang="en-US" sz="2400" dirty="0">
+                <a:latin typeface="Consolas" panose="020B0609020204030204" pitchFamily="49" charset="0"/>
+                <a:cs typeface="Consolas" panose="020B0609020204030204" pitchFamily="49" charset="0"/>
+              </a:rPr>
+              <a:t>1 def f():</a:t>
+            </a:r>
+          </a:p>
+          <a:p>
+            <a:r>
+              <a:rPr lang="en-US" sz="2400" dirty="0">
+                <a:latin typeface="Consolas" panose="020B0609020204030204" pitchFamily="49" charset="0"/>
+                <a:cs typeface="Consolas" panose="020B0609020204030204" pitchFamily="49" charset="0"/>
+              </a:rPr>
+              <a:t>2     g()</a:t>
+            </a:r>
+          </a:p>
+          <a:p>
+            <a:r>
+              <a:rPr lang="en-US" sz="2400" dirty="0">
+                <a:latin typeface="Consolas" panose="020B0609020204030204" pitchFamily="49" charset="0"/>
+                <a:cs typeface="Consolas" panose="020B0609020204030204" pitchFamily="49" charset="0"/>
+              </a:rPr>
+              <a:t>3 def g():</a:t>
+            </a:r>
+          </a:p>
+          <a:p>
+            <a:r>
+              <a:rPr lang="en-US" sz="2400" dirty="0">
+                <a:latin typeface="Consolas" panose="020B0609020204030204" pitchFamily="49" charset="0"/>
+                <a:cs typeface="Consolas" panose="020B0609020204030204" pitchFamily="49" charset="0"/>
+              </a:rPr>
+              <a:t>4     print(‘hi’)</a:t>
+            </a:r>
+          </a:p>
+          <a:p>
+            <a:endParaRPr lang="en-US" sz="2400" dirty="0">
+              <a:latin typeface="Consolas" panose="020B0609020204030204" pitchFamily="49" charset="0"/>
+              <a:cs typeface="Consolas" panose="020B0609020204030204" pitchFamily="49" charset="0"/>
+            </a:endParaRPr>
+          </a:p>
+          <a:p>
+            <a:r>
+              <a:rPr lang="en-US" sz="2400" dirty="0">
+                <a:latin typeface="Consolas" panose="020B0609020204030204" pitchFamily="49" charset="0"/>
+                <a:cs typeface="Consolas" panose="020B0609020204030204" pitchFamily="49" charset="0"/>
+              </a:rPr>
+              <a:t>6 f()</a:t>
+            </a:r>
+          </a:p>
+        </p:txBody>
+      </p:sp>
+      <p:cxnSp>
+        <p:nvCxnSpPr>
+          <p:cNvPr id="13" name="Straight Connector 12">
+            <a:extLst>
+              <a:ext uri="{FF2B5EF4-FFF2-40B4-BE49-F238E27FC236}">
+                <a16:creationId xmlns:a16="http://schemas.microsoft.com/office/drawing/2014/main" id="{5079BB9C-11F9-2044-BB30-DA7C6BF3AA74}"/>
+              </a:ext>
+            </a:extLst>
+          </p:cNvPr>
+          <p:cNvCxnSpPr/>
+          <p:nvPr/>
+        </p:nvCxnSpPr>
+        <p:spPr>
+          <a:xfrm>
+            <a:off x="1873409" y="2896910"/>
+            <a:ext cx="0" cy="2416341"/>
+          </a:xfrm>
+          <a:prstGeom prst="line">
+            <a:avLst/>
+          </a:prstGeom>
+        </p:spPr>
+        <p:style>
+          <a:lnRef idx="1">
+            <a:schemeClr val="accent1"/>
+          </a:lnRef>
+          <a:fillRef idx="0">
+            <a:schemeClr val="accent1"/>
+          </a:fillRef>
+          <a:effectRef idx="0">
+            <a:schemeClr val="accent1"/>
+          </a:effectRef>
+          <a:fontRef idx="minor">
+            <a:schemeClr val="tx1"/>
+          </a:fontRef>
+        </p:style>
+      </p:cxnSp>
+      <p:pic>
+        <p:nvPicPr>
+          <p:cNvPr id="15" name="Picture 14">
+            <a:extLst>
+              <a:ext uri="{FF2B5EF4-FFF2-40B4-BE49-F238E27FC236}">
+                <a16:creationId xmlns:a16="http://schemas.microsoft.com/office/drawing/2014/main" id="{0ACBB6D4-5857-4342-9E48-CD3DE9748E9A}"/>
+              </a:ext>
+            </a:extLst>
+          </p:cNvPr>
+          <p:cNvPicPr>
+            <a:picLocks noChangeAspect="1"/>
+          </p:cNvPicPr>
+          <p:nvPr/>
+        </p:nvPicPr>
+        <p:blipFill>
+          <a:blip r:embed="rId2"/>
+          <a:stretch>
+            <a:fillRect/>
+          </a:stretch>
+        </p:blipFill>
+        <p:spPr>
+          <a:xfrm>
+            <a:off x="6486447" y="2704964"/>
+            <a:ext cx="5437382" cy="2592659"/>
+          </a:xfrm>
+          <a:prstGeom prst="rect">
+            <a:avLst/>
+          </a:prstGeom>
+        </p:spPr>
+      </p:pic>
+      <p:sp>
+        <p:nvSpPr>
+          <p:cNvPr id="16" name="TextBox 15">
+            <a:extLst>
+              <a:ext uri="{FF2B5EF4-FFF2-40B4-BE49-F238E27FC236}">
+                <a16:creationId xmlns:a16="http://schemas.microsoft.com/office/drawing/2014/main" id="{9E326D1F-B6D0-1548-A0DD-2F89C2F81D9E}"/>
+              </a:ext>
+            </a:extLst>
+          </p:cNvPr>
+          <p:cNvSpPr txBox="1"/>
+          <p:nvPr/>
+        </p:nvSpPr>
+        <p:spPr>
+          <a:xfrm>
+            <a:off x="0" y="6492875"/>
+            <a:ext cx="2877711" cy="369332"/>
+          </a:xfrm>
+          <a:prstGeom prst="rect">
+            <a:avLst/>
+          </a:prstGeom>
+          <a:noFill/>
+        </p:spPr>
+        <p:txBody>
+          <a:bodyPr wrap="none" rtlCol="0">
+            <a:spAutoFit/>
+          </a:bodyPr>
+          <a:lstStyle/>
+          <a:p>
+            <a:r>
+              <a:rPr lang="en-US" dirty="0">
+                <a:hlinkClick r:id="rId3"/>
+              </a:rPr>
+              <a:t>Experiment in </a:t>
+            </a:r>
+            <a:r>
+              <a:rPr lang="en-US" dirty="0" err="1">
+                <a:hlinkClick r:id="rId3"/>
+              </a:rPr>
+              <a:t>pythontutor</a:t>
+            </a:r>
+            <a:endParaRPr lang="en-US" dirty="0"/>
+          </a:p>
+        </p:txBody>
+      </p:sp>
+    </p:spTree>
+    <p:extLst>
+      <p:ext uri="{BB962C8B-B14F-4D97-AF65-F5344CB8AC3E}">
+        <p14:creationId xmlns:p14="http://schemas.microsoft.com/office/powerpoint/2010/main" val="2106986205"/>
+      </p:ext>
+    </p:extLst>
+  </p:cSld>
+  <p:clrMapOvr>
+    <a:masterClrMapping/>
+  </p:clrMapOvr>
+</p:sld>
+</file>
+
+<file path=ppt/slides/slide26.xml><?xml version="1.0" encoding="utf-8"?>
+<p:sld xmlns:a="http://schemas.openxmlformats.org/drawingml/2006/main" xmlns:r="http://schemas.openxmlformats.org/officeDocument/2006/relationships" xmlns:p="http://schemas.openxmlformats.org/presentationml/2006/main">
+  <p:cSld>
+    <p:spTree>
+      <p:nvGrpSpPr>
+        <p:cNvPr id="1" name=""/>
+        <p:cNvGrpSpPr/>
+        <p:nvPr/>
+      </p:nvGrpSpPr>
+      <p:grpSpPr>
+        <a:xfrm>
+          <a:off x="0" y="0"/>
+          <a:ext cx="0" cy="0"/>
+          <a:chOff x="0" y="0"/>
+          <a:chExt cx="0" cy="0"/>
+        </a:xfrm>
+      </p:grpSpPr>
+      <p:sp>
+        <p:nvSpPr>
+          <p:cNvPr id="2" name="Title 1">
+            <a:extLst>
+              <a:ext uri="{FF2B5EF4-FFF2-40B4-BE49-F238E27FC236}">
+                <a16:creationId xmlns:a16="http://schemas.microsoft.com/office/drawing/2014/main" id="{2B6998A0-E4D0-B649-A2ED-D1DB39B50720}"/>
+              </a:ext>
+            </a:extLst>
+          </p:cNvPr>
+          <p:cNvSpPr>
+            <a:spLocks noGrp="1"/>
+          </p:cNvSpPr>
+          <p:nvPr>
+            <p:ph type="title"/>
+          </p:nvPr>
+        </p:nvSpPr>
+        <p:spPr/>
+        <p:txBody>
+          <a:bodyPr/>
+          <a:lstStyle/>
+          <a:p>
+            <a:r>
+              <a:rPr lang="en-US" dirty="0"/>
+              <a:t>Code organization is important</a:t>
+            </a:r>
+          </a:p>
+        </p:txBody>
+      </p:sp>
+      <p:sp>
+        <p:nvSpPr>
+          <p:cNvPr id="3" name="Content Placeholder 2">
+            <a:extLst>
+              <a:ext uri="{FF2B5EF4-FFF2-40B4-BE49-F238E27FC236}">
+                <a16:creationId xmlns:a16="http://schemas.microsoft.com/office/drawing/2014/main" id="{91A597C8-FA08-DF4D-A821-4F93FF967BF1}"/>
+              </a:ext>
+            </a:extLst>
+          </p:cNvPr>
+          <p:cNvSpPr>
+            <a:spLocks noGrp="1"/>
+          </p:cNvSpPr>
+          <p:nvPr>
+            <p:ph idx="1"/>
+          </p:nvPr>
+        </p:nvSpPr>
+        <p:spPr/>
+        <p:txBody>
+          <a:bodyPr/>
+          <a:lstStyle/>
+          <a:p>
+            <a:r>
+              <a:rPr lang="en-US" dirty="0"/>
+              <a:t>Programs quickly become an incomprehensible rats nest if we are not strict about style and organization</a:t>
+            </a:r>
+          </a:p>
+          <a:p>
+            <a:r>
+              <a:rPr lang="en-US" dirty="0"/>
+              <a:t>Here’s a general structure for Python programs:</a:t>
+            </a:r>
+            <a:br>
+              <a:rPr lang="en-US" dirty="0"/>
+            </a:br>
+            <a:endParaRPr lang="en-US" dirty="0"/>
+          </a:p>
+          <a:p>
+            <a:endParaRPr lang="en-US" dirty="0"/>
+          </a:p>
+        </p:txBody>
+      </p:sp>
+      <p:sp>
+        <p:nvSpPr>
+          <p:cNvPr id="4" name="Rectangle 3">
+            <a:extLst>
+              <a:ext uri="{FF2B5EF4-FFF2-40B4-BE49-F238E27FC236}">
+                <a16:creationId xmlns:a16="http://schemas.microsoft.com/office/drawing/2014/main" id="{2D29A910-3114-E74F-9373-419327731318}"/>
+              </a:ext>
+            </a:extLst>
+          </p:cNvPr>
+          <p:cNvSpPr/>
+          <p:nvPr/>
+        </p:nvSpPr>
+        <p:spPr>
+          <a:xfrm>
+            <a:off x="3048000" y="3733297"/>
+            <a:ext cx="6096000" cy="1569660"/>
+          </a:xfrm>
+          <a:prstGeom prst="rect">
+            <a:avLst/>
+          </a:prstGeom>
+        </p:spPr>
+        <p:txBody>
+          <a:bodyPr>
+            <a:spAutoFit/>
+          </a:bodyPr>
+          <a:lstStyle/>
+          <a:p>
+            <a:r>
+              <a:rPr lang="en-US" sz="2400" i="1" dirty="0"/>
+              <a:t>import any libraries</a:t>
+            </a:r>
+            <a:br>
+              <a:rPr lang="en-US" sz="2400" dirty="0"/>
+            </a:br>
+            <a:r>
+              <a:rPr lang="en-US" sz="2400" i="1" dirty="0"/>
+              <a:t>define any constants, simple data values</a:t>
+            </a:r>
+            <a:br>
+              <a:rPr lang="en-US" sz="2400" dirty="0"/>
+            </a:br>
+            <a:r>
+              <a:rPr lang="en-US" sz="2400" i="1" dirty="0"/>
+              <a:t>define any functions</a:t>
+            </a:r>
+            <a:br>
+              <a:rPr lang="en-US" sz="2400" dirty="0"/>
+            </a:br>
+            <a:r>
+              <a:rPr lang="en-US" sz="2400" i="1" dirty="0"/>
+              <a:t>main program body</a:t>
+            </a:r>
+            <a:endParaRPr lang="en-US" sz="2400" dirty="0"/>
+          </a:p>
+        </p:txBody>
+      </p:sp>
+    </p:spTree>
+    <p:extLst>
+      <p:ext uri="{BB962C8B-B14F-4D97-AF65-F5344CB8AC3E}">
+        <p14:creationId xmlns:p14="http://schemas.microsoft.com/office/powerpoint/2010/main" val="3711799391"/>
+      </p:ext>
+    </p:extLst>
+  </p:cSld>
+  <p:clrMapOvr>
+    <a:masterClrMapping/>
+  </p:clrMapOvr>
+</p:sld>
+</file>
+
+<file path=ppt/slides/slide3.xml><?xml version="1.0" encoding="utf-8"?>
+<p:sld xmlns:a="http://schemas.openxmlformats.org/drawingml/2006/main" xmlns:r="http://schemas.openxmlformats.org/officeDocument/2006/relationships" xmlns:p="http://schemas.openxmlformats.org/presentationml/2006/main">
+  <p:cSld>
+    <p:spTree>
+      <p:nvGrpSpPr>
+        <p:cNvPr id="1" name=""/>
+        <p:cNvGrpSpPr/>
+        <p:nvPr/>
+      </p:nvGrpSpPr>
+      <p:grpSpPr>
+        <a:xfrm>
+          <a:off x="0" y="0"/>
+          <a:ext cx="0" cy="0"/>
+          <a:chOff x="0" y="0"/>
+          <a:chExt cx="0" cy="0"/>
+        </a:xfrm>
+      </p:grpSpPr>
+      <p:sp>
+        <p:nvSpPr>
+          <p:cNvPr id="2" name="Title 1">
+            <a:extLst>
+              <a:ext uri="{FF2B5EF4-FFF2-40B4-BE49-F238E27FC236}">
+                <a16:creationId xmlns:a16="http://schemas.microsoft.com/office/drawing/2014/main" id="{C497078C-710C-2C49-91AB-8DB8CECFEE36}"/>
+              </a:ext>
+            </a:extLst>
+          </p:cNvPr>
+          <p:cNvSpPr>
+            <a:spLocks noGrp="1"/>
+          </p:cNvSpPr>
+          <p:nvPr>
+            <p:ph type="title"/>
+          </p:nvPr>
+        </p:nvSpPr>
+        <p:spPr/>
+        <p:txBody>
+          <a:bodyPr/>
+          <a:lstStyle/>
+          <a:p>
+            <a:r>
+              <a:rPr lang="en-US" dirty="0"/>
+              <a:t>Black boxes</a:t>
+            </a:r>
+          </a:p>
+        </p:txBody>
+      </p:sp>
+      <p:sp>
+        <p:nvSpPr>
+          <p:cNvPr id="3" name="Content Placeholder 2">
+            <a:extLst>
+              <a:ext uri="{FF2B5EF4-FFF2-40B4-BE49-F238E27FC236}">
+                <a16:creationId xmlns:a16="http://schemas.microsoft.com/office/drawing/2014/main" id="{7C935CE6-BA1C-9941-A6BA-98C44EB9F828}"/>
+              </a:ext>
+            </a:extLst>
+          </p:cNvPr>
+          <p:cNvSpPr>
+            <a:spLocks noGrp="1"/>
+          </p:cNvSpPr>
+          <p:nvPr>
+            <p:ph idx="1"/>
+          </p:nvPr>
+        </p:nvSpPr>
+        <p:spPr>
+          <a:xfrm>
+            <a:off x="838201" y="1825625"/>
+            <a:ext cx="5532782" cy="4351338"/>
+          </a:xfrm>
+        </p:spPr>
+        <p:txBody>
+          <a:bodyPr/>
+          <a:lstStyle/>
+          <a:p>
+            <a:r>
+              <a:rPr lang="en-US" dirty="0"/>
+              <a:t>Think of functions as black boxes that:</a:t>
+            </a:r>
+          </a:p>
+          <a:p>
+            <a:pPr lvl="1"/>
+            <a:r>
+              <a:rPr lang="en-US" dirty="0"/>
+              <a:t>perform some function</a:t>
+            </a:r>
+          </a:p>
+          <a:p>
+            <a:pPr lvl="1"/>
+            <a:r>
+              <a:rPr lang="en-US" dirty="0"/>
+              <a:t>possibly taking some input</a:t>
+            </a:r>
+          </a:p>
+          <a:p>
+            <a:pPr lvl="1"/>
+            <a:r>
+              <a:rPr lang="en-US" dirty="0"/>
+              <a:t>possibly returning output</a:t>
+            </a:r>
+          </a:p>
+          <a:p>
+            <a:pPr lvl="1"/>
+            <a:r>
+              <a:rPr lang="en-US" dirty="0"/>
+              <a:t>possibly causing side effects</a:t>
+            </a:r>
+          </a:p>
+          <a:p>
+            <a:r>
+              <a:rPr lang="en-US" dirty="0"/>
+              <a:t>Don’t worry about their guts, just worry about how to use them</a:t>
+            </a:r>
+          </a:p>
+          <a:p>
+            <a:r>
+              <a:rPr lang="en-US" dirty="0"/>
+              <a:t>Reduce cognitive load</a:t>
+            </a:r>
+          </a:p>
+        </p:txBody>
+      </p:sp>
+      <p:pic>
+        <p:nvPicPr>
+          <p:cNvPr id="15" name="Picture 14" descr="Graphical user interface, text, application, chat or text message, email&#10;&#10;Description automatically generated">
+            <a:extLst>
+              <a:ext uri="{FF2B5EF4-FFF2-40B4-BE49-F238E27FC236}">
+                <a16:creationId xmlns:a16="http://schemas.microsoft.com/office/drawing/2014/main" id="{6E02B493-30B7-8845-B1F8-D64E67F36C39}"/>
+              </a:ext>
+            </a:extLst>
+          </p:cNvPr>
+          <p:cNvPicPr>
+            <a:picLocks noChangeAspect="1"/>
+          </p:cNvPicPr>
+          <p:nvPr/>
+        </p:nvPicPr>
+        <p:blipFill>
+          <a:blip r:embed="rId2"/>
+          <a:stretch>
+            <a:fillRect/>
+          </a:stretch>
+        </p:blipFill>
+        <p:spPr>
+          <a:xfrm>
+            <a:off x="7742583" y="328362"/>
+            <a:ext cx="4203148" cy="6006738"/>
+          </a:xfrm>
+          <a:prstGeom prst="rect">
+            <a:avLst/>
+          </a:prstGeom>
+        </p:spPr>
+      </p:pic>
+      <p:sp>
+        <p:nvSpPr>
+          <p:cNvPr id="16" name="TextBox 15">
+            <a:extLst>
+              <a:ext uri="{FF2B5EF4-FFF2-40B4-BE49-F238E27FC236}">
+                <a16:creationId xmlns:a16="http://schemas.microsoft.com/office/drawing/2014/main" id="{FE8035A3-B3D6-7649-AA9C-15BE0C6FF972}"/>
+              </a:ext>
+            </a:extLst>
+          </p:cNvPr>
+          <p:cNvSpPr txBox="1"/>
+          <p:nvPr/>
+        </p:nvSpPr>
+        <p:spPr>
+          <a:xfrm>
+            <a:off x="6791984" y="697397"/>
+            <a:ext cx="1124252" cy="369332"/>
+          </a:xfrm>
+          <a:prstGeom prst="rect">
+            <a:avLst/>
+          </a:prstGeom>
+          <a:noFill/>
+        </p:spPr>
+        <p:txBody>
+          <a:bodyPr wrap="square" rtlCol="0">
+            <a:spAutoFit/>
+          </a:bodyPr>
+          <a:lstStyle/>
+          <a:p>
+            <a:pPr algn="ctr"/>
+            <a:r>
+              <a:rPr lang="en-US" dirty="0"/>
+              <a:t>no </a:t>
+            </a:r>
+            <a:r>
+              <a:rPr lang="en-US" dirty="0" err="1"/>
+              <a:t>args</a:t>
+            </a:r>
+            <a:endParaRPr lang="en-US" dirty="0"/>
+          </a:p>
+        </p:txBody>
+      </p:sp>
+      <p:sp>
+        <p:nvSpPr>
+          <p:cNvPr id="17" name="TextBox 16">
+            <a:extLst>
+              <a:ext uri="{FF2B5EF4-FFF2-40B4-BE49-F238E27FC236}">
+                <a16:creationId xmlns:a16="http://schemas.microsoft.com/office/drawing/2014/main" id="{F5402142-F170-334F-A25D-E224A5483A49}"/>
+              </a:ext>
+            </a:extLst>
+          </p:cNvPr>
+          <p:cNvSpPr txBox="1"/>
+          <p:nvPr/>
+        </p:nvSpPr>
+        <p:spPr>
+          <a:xfrm>
+            <a:off x="6769820" y="2426393"/>
+            <a:ext cx="1139362" cy="369332"/>
+          </a:xfrm>
+          <a:prstGeom prst="rect">
+            <a:avLst/>
+          </a:prstGeom>
+          <a:noFill/>
+        </p:spPr>
+        <p:txBody>
+          <a:bodyPr wrap="square" rtlCol="0">
+            <a:spAutoFit/>
+          </a:bodyPr>
+          <a:lstStyle/>
+          <a:p>
+            <a:pPr algn="ctr"/>
+            <a:r>
+              <a:rPr lang="en-US" dirty="0"/>
+              <a:t>one </a:t>
+            </a:r>
+            <a:r>
+              <a:rPr lang="en-US" dirty="0" err="1"/>
+              <a:t>arg</a:t>
+            </a:r>
+            <a:endParaRPr lang="en-US" dirty="0"/>
+          </a:p>
+        </p:txBody>
+      </p:sp>
+      <p:sp>
+        <p:nvSpPr>
+          <p:cNvPr id="18" name="TextBox 17">
+            <a:extLst>
+              <a:ext uri="{FF2B5EF4-FFF2-40B4-BE49-F238E27FC236}">
+                <a16:creationId xmlns:a16="http://schemas.microsoft.com/office/drawing/2014/main" id="{32709FFE-A4D3-BF4B-9FEC-F1FA495A5AFE}"/>
+              </a:ext>
+            </a:extLst>
+          </p:cNvPr>
+          <p:cNvSpPr txBox="1"/>
+          <p:nvPr/>
+        </p:nvSpPr>
+        <p:spPr>
+          <a:xfrm>
+            <a:off x="6199967" y="4010480"/>
+            <a:ext cx="1758909" cy="369332"/>
+          </a:xfrm>
+          <a:prstGeom prst="rect">
+            <a:avLst/>
+          </a:prstGeom>
+          <a:noFill/>
+        </p:spPr>
+        <p:txBody>
+          <a:bodyPr wrap="square" rtlCol="0">
+            <a:spAutoFit/>
+          </a:bodyPr>
+          <a:lstStyle/>
+          <a:p>
+            <a:pPr algn="ctr"/>
+            <a:r>
+              <a:rPr lang="en-US" dirty="0"/>
+              <a:t>multiple </a:t>
+            </a:r>
+            <a:r>
+              <a:rPr lang="en-US" dirty="0" err="1"/>
+              <a:t>args</a:t>
+            </a:r>
+            <a:endParaRPr lang="en-US" dirty="0"/>
+          </a:p>
+        </p:txBody>
+      </p:sp>
+      <p:sp>
+        <p:nvSpPr>
+          <p:cNvPr id="19" name="TextBox 18">
+            <a:extLst>
+              <a:ext uri="{FF2B5EF4-FFF2-40B4-BE49-F238E27FC236}">
+                <a16:creationId xmlns:a16="http://schemas.microsoft.com/office/drawing/2014/main" id="{CC57EC43-C0E9-CD49-B883-526A555A85BB}"/>
+              </a:ext>
+            </a:extLst>
+          </p:cNvPr>
+          <p:cNvSpPr txBox="1"/>
+          <p:nvPr/>
+        </p:nvSpPr>
+        <p:spPr>
+          <a:xfrm>
+            <a:off x="4888708" y="5455420"/>
+            <a:ext cx="3118891" cy="369332"/>
+          </a:xfrm>
+          <a:prstGeom prst="rect">
+            <a:avLst/>
+          </a:prstGeom>
+          <a:noFill/>
+        </p:spPr>
+        <p:txBody>
+          <a:bodyPr wrap="square" rtlCol="0">
+            <a:spAutoFit/>
+          </a:bodyPr>
+          <a:lstStyle/>
+          <a:p>
+            <a:pPr algn="ctr"/>
+            <a:r>
+              <a:rPr lang="en-US" dirty="0"/>
+              <a:t>arbitrary number of </a:t>
+            </a:r>
+            <a:r>
+              <a:rPr lang="en-US" dirty="0" err="1"/>
+              <a:t>args</a:t>
+            </a:r>
+            <a:endParaRPr lang="en-US" dirty="0"/>
+          </a:p>
+        </p:txBody>
+      </p:sp>
+    </p:spTree>
+    <p:extLst>
+      <p:ext uri="{BB962C8B-B14F-4D97-AF65-F5344CB8AC3E}">
+        <p14:creationId xmlns:p14="http://schemas.microsoft.com/office/powerpoint/2010/main" val="2582097302"/>
+      </p:ext>
+    </p:extLst>
+  </p:cSld>
+  <p:clrMapOvr>
+    <a:masterClrMapping/>
+  </p:clrMapOvr>
+</p:sld>
+</file>
+
+<file path=ppt/slides/slide4.xml><?xml version="1.0" encoding="utf-8"?>
+<p:sld xmlns:a="http://schemas.openxmlformats.org/drawingml/2006/main" xmlns:r="http://schemas.openxmlformats.org/officeDocument/2006/relationships" xmlns:p="http://schemas.openxmlformats.org/presentationml/2006/main">
+  <p:cSld>
+    <p:spTree>
+      <p:nvGrpSpPr>
+        <p:cNvPr id="1" name=""/>
+        <p:cNvGrpSpPr/>
+        <p:nvPr/>
+      </p:nvGrpSpPr>
+      <p:grpSpPr>
+        <a:xfrm>
+          <a:off x="0" y="0"/>
+          <a:ext cx="0" cy="0"/>
+          <a:chOff x="0" y="0"/>
+          <a:chExt cx="0" cy="0"/>
+        </a:xfrm>
+      </p:grpSpPr>
+      <p:sp>
+        <p:nvSpPr>
+          <p:cNvPr id="2" name="Title 1">
+            <a:extLst>
+              <a:ext uri="{FF2B5EF4-FFF2-40B4-BE49-F238E27FC236}">
+                <a16:creationId xmlns:a16="http://schemas.microsoft.com/office/drawing/2014/main" id="{703294C7-766E-B945-84FE-211970FDC537}"/>
+              </a:ext>
+            </a:extLst>
+          </p:cNvPr>
+          <p:cNvSpPr>
+            <a:spLocks noGrp="1"/>
+          </p:cNvSpPr>
+          <p:nvPr>
+            <p:ph type="title"/>
+          </p:nvPr>
+        </p:nvSpPr>
+        <p:spPr/>
+        <p:txBody>
+          <a:bodyPr/>
+          <a:lstStyle/>
+          <a:p>
+            <a:r>
+              <a:rPr lang="en-US" dirty="0"/>
+              <a:t>A cooking analogy to functions</a:t>
+            </a:r>
+          </a:p>
+        </p:txBody>
+      </p:sp>
+      <p:sp>
+        <p:nvSpPr>
+          <p:cNvPr id="3" name="Content Placeholder 2">
+            <a:extLst>
+              <a:ext uri="{FF2B5EF4-FFF2-40B4-BE49-F238E27FC236}">
+                <a16:creationId xmlns:a16="http://schemas.microsoft.com/office/drawing/2014/main" id="{FD96409E-1F51-3C4B-AE5F-6A2F9A9AAAE7}"/>
+              </a:ext>
+            </a:extLst>
+          </p:cNvPr>
+          <p:cNvSpPr>
+            <a:spLocks noGrp="1"/>
+          </p:cNvSpPr>
+          <p:nvPr>
+            <p:ph idx="1"/>
+          </p:nvPr>
+        </p:nvSpPr>
+        <p:spPr>
+          <a:xfrm>
+            <a:off x="838200" y="1690688"/>
+            <a:ext cx="8470347" cy="4486275"/>
+          </a:xfrm>
+        </p:spPr>
+        <p:txBody>
+          <a:bodyPr/>
+          <a:lstStyle/>
+          <a:p>
+            <a:r>
+              <a:rPr lang="en-US" dirty="0"/>
+              <a:t>A pasta recipe might have several high level tasks:</a:t>
+            </a:r>
+          </a:p>
+          <a:p>
+            <a:pPr marL="914400" lvl="1" indent="-457200">
+              <a:buFont typeface="+mj-lt"/>
+              <a:buAutoNum type="arabicPeriod"/>
+            </a:pPr>
+            <a:r>
+              <a:rPr lang="en-US" dirty="0"/>
+              <a:t>Chop veggies</a:t>
+            </a:r>
+          </a:p>
+          <a:p>
+            <a:pPr marL="914400" lvl="1" indent="-457200">
+              <a:buFont typeface="+mj-lt"/>
+              <a:buAutoNum type="arabicPeriod"/>
+            </a:pPr>
+            <a:r>
+              <a:rPr lang="en-US" dirty="0"/>
+              <a:t>Create sauce</a:t>
+            </a:r>
+          </a:p>
+          <a:p>
+            <a:pPr marL="914400" lvl="1" indent="-457200">
+              <a:buFont typeface="+mj-lt"/>
+              <a:buAutoNum type="arabicPeriod"/>
+            </a:pPr>
+            <a:r>
+              <a:rPr lang="en-US" dirty="0"/>
+              <a:t>Cook pasta</a:t>
+            </a:r>
+          </a:p>
+          <a:p>
+            <a:r>
+              <a:rPr lang="en-US" dirty="0"/>
+              <a:t>As we proceed through the recipe we have to go off and perform the indicated task, come back, and continue to the next task</a:t>
+            </a:r>
+          </a:p>
+          <a:p>
+            <a:r>
+              <a:rPr lang="en-US" dirty="0"/>
+              <a:t>We jump from the main path to the subtask and back just like the computer processor in code</a:t>
+            </a:r>
+          </a:p>
+        </p:txBody>
+      </p:sp>
+      <p:pic>
+        <p:nvPicPr>
+          <p:cNvPr id="4" name="Picture 3">
+            <a:extLst>
+              <a:ext uri="{FF2B5EF4-FFF2-40B4-BE49-F238E27FC236}">
+                <a16:creationId xmlns:a16="http://schemas.microsoft.com/office/drawing/2014/main" id="{54035E02-8934-1C4B-9B02-DEDF790783A0}"/>
+              </a:ext>
+            </a:extLst>
+          </p:cNvPr>
+          <p:cNvPicPr>
+            <a:picLocks noChangeAspect="1"/>
+          </p:cNvPicPr>
+          <p:nvPr/>
+        </p:nvPicPr>
+        <p:blipFill>
+          <a:blip r:embed="rId2"/>
+          <a:stretch>
+            <a:fillRect/>
+          </a:stretch>
+        </p:blipFill>
+        <p:spPr>
+          <a:xfrm>
+            <a:off x="9534938" y="1224446"/>
+            <a:ext cx="2045253" cy="4061288"/>
+          </a:xfrm>
+          <a:prstGeom prst="rect">
+            <a:avLst/>
+          </a:prstGeom>
+        </p:spPr>
+      </p:pic>
+    </p:spTree>
+    <p:extLst>
+      <p:ext uri="{BB962C8B-B14F-4D97-AF65-F5344CB8AC3E}">
+        <p14:creationId xmlns:p14="http://schemas.microsoft.com/office/powerpoint/2010/main" val="2535916213"/>
+      </p:ext>
+    </p:extLst>
+  </p:cSld>
+  <p:clrMapOvr>
+    <a:masterClrMapping/>
+  </p:clrMapOvr>
+</p:sld>
+</file>
+
+<file path=ppt/slides/slide5.xml><?xml version="1.0" encoding="utf-8"?>
+<p:sld xmlns:a="http://schemas.openxmlformats.org/drawingml/2006/main" xmlns:r="http://schemas.openxmlformats.org/officeDocument/2006/relationships" xmlns:p="http://schemas.openxmlformats.org/presentationml/2006/main">
+  <p:cSld>
+    <p:spTree>
+      <p:nvGrpSpPr>
+        <p:cNvPr id="1" name=""/>
+        <p:cNvGrpSpPr/>
+        <p:nvPr/>
+      </p:nvGrpSpPr>
+      <p:grpSpPr>
+        <a:xfrm>
+          <a:off x="0" y="0"/>
+          <a:ext cx="0" cy="0"/>
+          <a:chOff x="0" y="0"/>
+          <a:chExt cx="0" cy="0"/>
+        </a:xfrm>
+      </p:grpSpPr>
+      <p:sp>
+        <p:nvSpPr>
+          <p:cNvPr id="2" name="Title 1">
+            <a:extLst>
+              <a:ext uri="{FF2B5EF4-FFF2-40B4-BE49-F238E27FC236}">
+                <a16:creationId xmlns:a16="http://schemas.microsoft.com/office/drawing/2014/main" id="{F8FB7C8F-CD4A-0048-938C-8E0E081D3C5D}"/>
+              </a:ext>
+            </a:extLst>
+          </p:cNvPr>
+          <p:cNvSpPr>
+            <a:spLocks noGrp="1"/>
+          </p:cNvSpPr>
+          <p:nvPr>
+            <p:ph type="title"/>
+          </p:nvPr>
+        </p:nvSpPr>
+        <p:spPr/>
+        <p:txBody>
+          <a:bodyPr/>
+          <a:lstStyle/>
+          <a:p>
+            <a:r>
+              <a:rPr lang="en-US" dirty="0"/>
+              <a:t>Data science example</a:t>
+            </a:r>
+          </a:p>
+        </p:txBody>
+      </p:sp>
+      <p:sp>
+        <p:nvSpPr>
+          <p:cNvPr id="3" name="Content Placeholder 2">
+            <a:extLst>
+              <a:ext uri="{FF2B5EF4-FFF2-40B4-BE49-F238E27FC236}">
+                <a16:creationId xmlns:a16="http://schemas.microsoft.com/office/drawing/2014/main" id="{F39B1A2E-C248-7F4C-828C-8E23B7596C44}"/>
+              </a:ext>
+            </a:extLst>
+          </p:cNvPr>
+          <p:cNvSpPr>
+            <a:spLocks noGrp="1"/>
+          </p:cNvSpPr>
+          <p:nvPr>
+            <p:ph idx="1"/>
+          </p:nvPr>
+        </p:nvSpPr>
+        <p:spPr>
+          <a:xfrm>
+            <a:off x="838200" y="1825625"/>
+            <a:ext cx="8777909" cy="4351338"/>
+          </a:xfrm>
+        </p:spPr>
+        <p:txBody>
+          <a:bodyPr/>
+          <a:lstStyle/>
+          <a:p>
+            <a:r>
+              <a:rPr lang="en-US" dirty="0"/>
+              <a:t>The overall program is often a sequence of function calls that perform the subtasks; you might have something like:</a:t>
+            </a:r>
+          </a:p>
+          <a:p>
+            <a:pPr marL="914400" lvl="1" indent="-457200">
+              <a:buFont typeface="+mj-lt"/>
+              <a:buAutoNum type="arabicPeriod"/>
+            </a:pPr>
+            <a:r>
+              <a:rPr lang="en-US" dirty="0"/>
+              <a:t>Acquire data</a:t>
+            </a:r>
+          </a:p>
+          <a:p>
+            <a:pPr marL="914400" lvl="1" indent="-457200">
+              <a:buFont typeface="+mj-lt"/>
+              <a:buAutoNum type="arabicPeriod"/>
+            </a:pPr>
+            <a:r>
+              <a:rPr lang="en-US" dirty="0"/>
+              <a:t>Clean data</a:t>
+            </a:r>
+          </a:p>
+          <a:p>
+            <a:pPr marL="914400" lvl="1" indent="-457200">
+              <a:buFont typeface="+mj-lt"/>
+              <a:buAutoNum type="arabicPeriod"/>
+            </a:pPr>
+            <a:r>
+              <a:rPr lang="en-US" dirty="0"/>
+              <a:t>Compute statistics</a:t>
+            </a:r>
+          </a:p>
+          <a:p>
+            <a:pPr marL="914400" lvl="1" indent="-457200">
+              <a:buFont typeface="+mj-lt"/>
+              <a:buAutoNum type="arabicPeriod"/>
+            </a:pPr>
+            <a:r>
+              <a:rPr lang="en-US" dirty="0"/>
+              <a:t>Visualize results</a:t>
+            </a:r>
+          </a:p>
+          <a:p>
+            <a:r>
+              <a:rPr lang="en-US" dirty="0"/>
+              <a:t>Top-down design: solve overall problem with high-level tasks, then design those subtasks</a:t>
+            </a:r>
+          </a:p>
+          <a:p>
+            <a:r>
+              <a:rPr lang="en-US" dirty="0"/>
+              <a:t>Subtasks might be broken into </a:t>
+            </a:r>
+            <a:r>
+              <a:rPr lang="en-US" dirty="0" err="1"/>
+              <a:t>subsubtasks</a:t>
+            </a:r>
+            <a:r>
+              <a:rPr lang="en-US" dirty="0"/>
+              <a:t> </a:t>
+            </a:r>
+            <a:r>
+              <a:rPr lang="en-US" dirty="0" err="1"/>
+              <a:t>etc</a:t>
+            </a:r>
+            <a:r>
+              <a:rPr lang="en-US" dirty="0"/>
+              <a:t>…</a:t>
+            </a:r>
+          </a:p>
+          <a:p>
+            <a:endParaRPr lang="en-US" dirty="0"/>
+          </a:p>
+        </p:txBody>
+      </p:sp>
+      <p:pic>
+        <p:nvPicPr>
+          <p:cNvPr id="5" name="Picture 4">
+            <a:extLst>
+              <a:ext uri="{FF2B5EF4-FFF2-40B4-BE49-F238E27FC236}">
+                <a16:creationId xmlns:a16="http://schemas.microsoft.com/office/drawing/2014/main" id="{6D4B8E62-AF0A-E943-9EF7-85A71ADE06B9}"/>
+              </a:ext>
+            </a:extLst>
+          </p:cNvPr>
+          <p:cNvPicPr>
+            <a:picLocks noChangeAspect="1"/>
+          </p:cNvPicPr>
+          <p:nvPr/>
+        </p:nvPicPr>
+        <p:blipFill>
+          <a:blip r:embed="rId2"/>
+          <a:stretch>
+            <a:fillRect/>
+          </a:stretch>
+        </p:blipFill>
+        <p:spPr>
+          <a:xfrm>
+            <a:off x="9894888" y="448041"/>
+            <a:ext cx="2014613" cy="5494399"/>
+          </a:xfrm>
+          <a:prstGeom prst="rect">
+            <a:avLst/>
+          </a:prstGeom>
+        </p:spPr>
+      </p:pic>
+    </p:spTree>
+    <p:extLst>
+      <p:ext uri="{BB962C8B-B14F-4D97-AF65-F5344CB8AC3E}">
+        <p14:creationId xmlns:p14="http://schemas.microsoft.com/office/powerpoint/2010/main" val="2828748015"/>
+      </p:ext>
+    </p:extLst>
+  </p:cSld>
+  <p:clrMapOvr>
+    <a:masterClrMapping/>
+  </p:clrMapOvr>
+</p:sld>
+</file>
+
+<file path=ppt/slides/slide6.xml><?xml version="1.0" encoding="utf-8"?>
+<p:sld xmlns:a="http://schemas.openxmlformats.org/drawingml/2006/main" xmlns:r="http://schemas.openxmlformats.org/officeDocument/2006/relationships" xmlns:p="http://schemas.openxmlformats.org/presentationml/2006/main">
+  <p:cSld>
+    <p:spTree>
+      <p:nvGrpSpPr>
+        <p:cNvPr id="1" name=""/>
+        <p:cNvGrpSpPr/>
+        <p:nvPr/>
+      </p:nvGrpSpPr>
+      <p:grpSpPr>
+        <a:xfrm>
+          <a:off x="0" y="0"/>
+          <a:ext cx="0" cy="0"/>
+          <a:chOff x="0" y="0"/>
+          <a:chExt cx="0" cy="0"/>
+        </a:xfrm>
+      </p:grpSpPr>
+      <p:sp>
+        <p:nvSpPr>
+          <p:cNvPr id="2" name="Title 1">
+            <a:extLst>
+              <a:ext uri="{FF2B5EF4-FFF2-40B4-BE49-F238E27FC236}">
+                <a16:creationId xmlns:a16="http://schemas.microsoft.com/office/drawing/2014/main" id="{FCDF0F6A-F3CA-974E-9800-BAEE112858A1}"/>
+              </a:ext>
+            </a:extLst>
+          </p:cNvPr>
+          <p:cNvSpPr>
+            <a:spLocks noGrp="1"/>
+          </p:cNvSpPr>
+          <p:nvPr>
+            <p:ph type="title"/>
+          </p:nvPr>
+        </p:nvSpPr>
+        <p:spPr/>
+        <p:txBody>
+          <a:bodyPr/>
+          <a:lstStyle/>
+          <a:p>
+            <a:r>
+              <a:rPr lang="en-US" dirty="0"/>
+              <a:t> The motivation to define functions</a:t>
+            </a:r>
+          </a:p>
+        </p:txBody>
+      </p:sp>
+      <p:sp>
+        <p:nvSpPr>
+          <p:cNvPr id="3" name="Content Placeholder 2">
+            <a:extLst>
+              <a:ext uri="{FF2B5EF4-FFF2-40B4-BE49-F238E27FC236}">
+                <a16:creationId xmlns:a16="http://schemas.microsoft.com/office/drawing/2014/main" id="{D579D632-56C9-914D-A40E-AEF331B1904D}"/>
+              </a:ext>
+            </a:extLst>
+          </p:cNvPr>
+          <p:cNvSpPr>
+            <a:spLocks noGrp="1"/>
+          </p:cNvSpPr>
+          <p:nvPr>
+            <p:ph idx="1"/>
+          </p:nvPr>
+        </p:nvSpPr>
+        <p:spPr/>
+        <p:txBody>
+          <a:bodyPr/>
+          <a:lstStyle/>
+          <a:p>
+            <a:r>
+              <a:rPr lang="en-US" dirty="0"/>
+              <a:t>Helps organize our programs, which really helps readability</a:t>
+            </a:r>
+          </a:p>
+          <a:p>
+            <a:r>
+              <a:rPr lang="en-US" dirty="0"/>
+              <a:t>Fosters code reuse, thus, increasing productivity</a:t>
+            </a:r>
+          </a:p>
+          <a:p>
+            <a:r>
+              <a:rPr lang="en-US" dirty="0"/>
+              <a:t>Lets us focus on just the behavior inside the function, which helps reduce what we have to think about at once</a:t>
+            </a:r>
+          </a:p>
+          <a:p>
+            <a:r>
+              <a:rPr lang="en-US" dirty="0"/>
+              <a:t>Functions have well-established input and output (arguments and return values), which can make debugging easier and improves reusability</a:t>
+            </a:r>
+          </a:p>
+          <a:p>
+            <a:endParaRPr lang="en-US" dirty="0"/>
+          </a:p>
+        </p:txBody>
+      </p:sp>
+    </p:spTree>
+    <p:extLst>
+      <p:ext uri="{BB962C8B-B14F-4D97-AF65-F5344CB8AC3E}">
+        <p14:creationId xmlns:p14="http://schemas.microsoft.com/office/powerpoint/2010/main" val="3674231122"/>
+      </p:ext>
+    </p:extLst>
+  </p:cSld>
+  <p:clrMapOvr>
+    <a:masterClrMapping/>
+  </p:clrMapOvr>
+</p:sld>
+</file>
+
+<file path=ppt/slides/slide7.xml><?xml version="1.0" encoding="utf-8"?>
+<p:sld xmlns:a="http://schemas.openxmlformats.org/drawingml/2006/main" xmlns:r="http://schemas.openxmlformats.org/officeDocument/2006/relationships" xmlns:p="http://schemas.openxmlformats.org/presentationml/2006/main">
+  <p:cSld>
+    <p:spTree>
+      <p:nvGrpSpPr>
+        <p:cNvPr id="1" name=""/>
+        <p:cNvGrpSpPr/>
+        <p:nvPr/>
+      </p:nvGrpSpPr>
+      <p:grpSpPr>
+        <a:xfrm>
+          <a:off x="0" y="0"/>
+          <a:ext cx="0" cy="0"/>
+          <a:chOff x="0" y="0"/>
+          <a:chExt cx="0" cy="0"/>
+        </a:xfrm>
+      </p:grpSpPr>
+      <p:sp>
+        <p:nvSpPr>
+          <p:cNvPr id="2" name="Title 1">
+            <a:extLst>
+              <a:ext uri="{FF2B5EF4-FFF2-40B4-BE49-F238E27FC236}">
+                <a16:creationId xmlns:a16="http://schemas.microsoft.com/office/drawing/2014/main" id="{8567B75D-2D10-7242-8CE6-E53E6A51DD19}"/>
+              </a:ext>
+            </a:extLst>
+          </p:cNvPr>
+          <p:cNvSpPr>
+            <a:spLocks noGrp="1"/>
+          </p:cNvSpPr>
+          <p:nvPr>
+            <p:ph type="title"/>
+          </p:nvPr>
+        </p:nvSpPr>
+        <p:spPr>
+          <a:xfrm>
+            <a:off x="838200" y="365126"/>
+            <a:ext cx="10515600" cy="807692"/>
+          </a:xfrm>
+        </p:spPr>
+        <p:txBody>
+          <a:bodyPr/>
+          <a:lstStyle/>
+          <a:p>
+            <a:r>
+              <a:rPr lang="en-US" dirty="0"/>
+              <a:t>How to plan out a function</a:t>
+            </a:r>
+          </a:p>
+        </p:txBody>
+      </p:sp>
+      <p:sp>
+        <p:nvSpPr>
+          <p:cNvPr id="3" name="Content Placeholder 2">
+            <a:extLst>
+              <a:ext uri="{FF2B5EF4-FFF2-40B4-BE49-F238E27FC236}">
+                <a16:creationId xmlns:a16="http://schemas.microsoft.com/office/drawing/2014/main" id="{01334F47-9150-274D-B29E-7980F0736C02}"/>
+              </a:ext>
+            </a:extLst>
+          </p:cNvPr>
+          <p:cNvSpPr>
+            <a:spLocks noGrp="1"/>
+          </p:cNvSpPr>
+          <p:nvPr>
+            <p:ph idx="1"/>
+          </p:nvPr>
+        </p:nvSpPr>
+        <p:spPr>
+          <a:xfrm>
+            <a:off x="838200" y="1172818"/>
+            <a:ext cx="10515600" cy="5188225"/>
+          </a:xfrm>
+        </p:spPr>
+        <p:txBody>
+          <a:bodyPr>
+            <a:normAutofit fontScale="92500" lnSpcReduction="10000"/>
+          </a:bodyPr>
+          <a:lstStyle/>
+          <a:p>
+            <a:r>
+              <a:rPr lang="en-US" dirty="0"/>
+              <a:t>First, identify:</a:t>
+            </a:r>
+          </a:p>
+          <a:p>
+            <a:pPr marL="914400" lvl="1" indent="-457200">
+              <a:buFont typeface="+mj-lt"/>
+              <a:buAutoNum type="arabicPeriod"/>
+            </a:pPr>
+            <a:r>
+              <a:rPr lang="en-US" dirty="0"/>
+              <a:t>a descriptive function name</a:t>
+            </a:r>
+          </a:p>
+          <a:p>
+            <a:pPr marL="914400" lvl="1" indent="-457200">
+              <a:buFont typeface="+mj-lt"/>
+              <a:buAutoNum type="arabicPeriod"/>
+            </a:pPr>
+            <a:r>
+              <a:rPr lang="en-US" dirty="0"/>
+              <a:t>the kind of value(s) it operates on (parameter types)</a:t>
+            </a:r>
+          </a:p>
+          <a:p>
+            <a:pPr marL="914400" lvl="1" indent="-457200">
+              <a:buFont typeface="+mj-lt"/>
+              <a:buAutoNum type="arabicPeriod"/>
+            </a:pPr>
+            <a:r>
+              <a:rPr lang="en-US" dirty="0"/>
+              <a:t>the kind of value(s) it returns (return type)</a:t>
+            </a:r>
+          </a:p>
+          <a:p>
+            <a:pPr marL="914400" lvl="1" indent="-457200">
+              <a:buFont typeface="+mj-lt"/>
+              <a:buAutoNum type="arabicPeriod"/>
+            </a:pPr>
+            <a:r>
+              <a:rPr lang="en-US" dirty="0"/>
+              <a:t>what the function does and the value(s) it returns</a:t>
+            </a:r>
+          </a:p>
+          <a:p>
+            <a:r>
+              <a:rPr lang="en-US" dirty="0"/>
+              <a:t>If we can't specify exactly what goes in and out of the function, there's no hope of determining the processing steps, let alone Python code, to implement that function</a:t>
+            </a:r>
+          </a:p>
+          <a:p>
+            <a:r>
+              <a:rPr lang="en-US" dirty="0"/>
+              <a:t>Write some sample function invocations to show what data goes in and what data comes out</a:t>
+            </a:r>
+          </a:p>
+          <a:p>
+            <a:r>
+              <a:rPr lang="en-US" dirty="0"/>
+              <a:t>Then try to work out the steps, possibly working from the return value backwards</a:t>
+            </a:r>
+          </a:p>
+          <a:p>
+            <a:r>
+              <a:rPr lang="en-US" dirty="0"/>
+              <a:t>Then write the code that implements the steps</a:t>
+            </a:r>
+          </a:p>
+          <a:p>
+            <a:endParaRPr lang="en-US" dirty="0"/>
+          </a:p>
+        </p:txBody>
+      </p:sp>
+    </p:spTree>
+    <p:extLst>
+      <p:ext uri="{BB962C8B-B14F-4D97-AF65-F5344CB8AC3E}">
+        <p14:creationId xmlns:p14="http://schemas.microsoft.com/office/powerpoint/2010/main" val="2829785760"/>
+      </p:ext>
+    </p:extLst>
+  </p:cSld>
+  <p:clrMapOvr>
+    <a:masterClrMapping/>
+  </p:clrMapOvr>
+</p:sld>
+</file>
+
+<file path=ppt/slides/slide8.xml><?xml version="1.0" encoding="utf-8"?>
+<p:sld xmlns:a="http://schemas.openxmlformats.org/drawingml/2006/main" xmlns:r="http://schemas.openxmlformats.org/officeDocument/2006/relationships" xmlns:p="http://schemas.openxmlformats.org/presentationml/2006/main">
+  <p:cSld>
+    <p:spTree>
+      <p:nvGrpSpPr>
+        <p:cNvPr id="1" name=""/>
+        <p:cNvGrpSpPr/>
+        <p:nvPr/>
+      </p:nvGrpSpPr>
+      <p:grpSpPr>
+        <a:xfrm>
+          <a:off x="0" y="0"/>
+          <a:ext cx="0" cy="0"/>
+          <a:chOff x="0" y="0"/>
+          <a:chExt cx="0" cy="0"/>
+        </a:xfrm>
+      </p:grpSpPr>
+      <p:sp>
+        <p:nvSpPr>
+          <p:cNvPr id="2" name="Title 1">
+            <a:extLst>
+              <a:ext uri="{FF2B5EF4-FFF2-40B4-BE49-F238E27FC236}">
+                <a16:creationId xmlns:a16="http://schemas.microsoft.com/office/drawing/2014/main" id="{7D941651-D312-C345-B38B-BB682D871E38}"/>
+              </a:ext>
+            </a:extLst>
+          </p:cNvPr>
+          <p:cNvSpPr>
+            <a:spLocks noGrp="1"/>
+          </p:cNvSpPr>
+          <p:nvPr>
+            <p:ph type="title"/>
+          </p:nvPr>
+        </p:nvSpPr>
+        <p:spPr>
+          <a:xfrm>
+            <a:off x="838200" y="365125"/>
+            <a:ext cx="10515600" cy="1165501"/>
+          </a:xfrm>
+        </p:spPr>
+        <p:txBody>
+          <a:bodyPr/>
+          <a:lstStyle/>
+          <a:p>
+            <a:r>
+              <a:rPr lang="en-US" dirty="0"/>
+              <a:t>Coding a function</a:t>
+            </a:r>
+          </a:p>
+        </p:txBody>
+      </p:sp>
+      <p:sp>
+        <p:nvSpPr>
+          <p:cNvPr id="3" name="Content Placeholder 2">
+            <a:extLst>
+              <a:ext uri="{FF2B5EF4-FFF2-40B4-BE49-F238E27FC236}">
+                <a16:creationId xmlns:a16="http://schemas.microsoft.com/office/drawing/2014/main" id="{39A5FAF8-591F-0C42-82CC-DA8BE12B17DF}"/>
+              </a:ext>
+            </a:extLst>
+          </p:cNvPr>
+          <p:cNvSpPr>
+            <a:spLocks noGrp="1"/>
+          </p:cNvSpPr>
+          <p:nvPr>
+            <p:ph idx="1"/>
+          </p:nvPr>
+        </p:nvSpPr>
+        <p:spPr>
+          <a:xfrm>
+            <a:off x="838200" y="1825624"/>
+            <a:ext cx="10515600" cy="4555297"/>
+          </a:xfrm>
+        </p:spPr>
+        <p:txBody>
+          <a:bodyPr>
+            <a:normAutofit/>
+          </a:bodyPr>
+          <a:lstStyle/>
+          <a:p>
+            <a:r>
+              <a:rPr lang="en-US" dirty="0"/>
+              <a:t>The code template for a function with no arguments is:</a:t>
+            </a:r>
+          </a:p>
+          <a:p>
+            <a:endParaRPr lang="en-US" dirty="0"/>
+          </a:p>
+          <a:p>
+            <a:endParaRPr lang="en-US" dirty="0"/>
+          </a:p>
+          <a:p>
+            <a:endParaRPr lang="en-US" dirty="0"/>
+          </a:p>
+          <a:p>
+            <a:endParaRPr lang="en-US" dirty="0"/>
+          </a:p>
+          <a:p>
+            <a:endParaRPr lang="en-US" dirty="0"/>
+          </a:p>
+          <a:p>
+            <a:r>
+              <a:rPr lang="en-US" dirty="0"/>
+              <a:t>Recall: we associate statements with a function by indentation</a:t>
+            </a:r>
+          </a:p>
+          <a:p>
+            <a:r>
+              <a:rPr lang="en-US" dirty="0"/>
+              <a:t>The function definition does not execute the code inside; it just defines the function for our use</a:t>
+            </a:r>
+            <a:endParaRPr lang="en-US" b="1" dirty="0"/>
+          </a:p>
+        </p:txBody>
+      </p:sp>
+      <p:sp>
+        <p:nvSpPr>
+          <p:cNvPr id="4" name="Rectangle 3">
+            <a:extLst>
+              <a:ext uri="{FF2B5EF4-FFF2-40B4-BE49-F238E27FC236}">
+                <a16:creationId xmlns:a16="http://schemas.microsoft.com/office/drawing/2014/main" id="{68429EC3-EDC8-E549-92ED-B3F3A56DBCB2}"/>
+              </a:ext>
+            </a:extLst>
+          </p:cNvPr>
+          <p:cNvSpPr/>
+          <p:nvPr/>
+        </p:nvSpPr>
+        <p:spPr>
+          <a:xfrm>
+            <a:off x="1131405" y="2455064"/>
+            <a:ext cx="6096000" cy="2246769"/>
+          </a:xfrm>
+          <a:prstGeom prst="rect">
+            <a:avLst/>
+          </a:prstGeom>
+        </p:spPr>
+        <p:txBody>
+          <a:bodyPr>
+            <a:spAutoFit/>
+          </a:bodyPr>
+          <a:lstStyle/>
+          <a:p>
+            <a:r>
+              <a:rPr lang="en-US" sz="2800" dirty="0">
+                <a:latin typeface="Consolas" panose="020B0609020204030204" pitchFamily="49" charset="0"/>
+                <a:cs typeface="Consolas" panose="020B0609020204030204" pitchFamily="49" charset="0"/>
+              </a:rPr>
+              <a:t>def</a:t>
+            </a:r>
+            <a:r>
+              <a:rPr lang="en-US" sz="2800" dirty="0">
+                <a:solidFill>
+                  <a:srgbClr val="000000"/>
+                </a:solidFill>
+                <a:latin typeface="Consolas" panose="020B0609020204030204" pitchFamily="49" charset="0"/>
+                <a:cs typeface="Consolas" panose="020B0609020204030204" pitchFamily="49" charset="0"/>
+              </a:rPr>
+              <a:t> </a:t>
+            </a:r>
+            <a:r>
+              <a:rPr lang="en-US" sz="2800" i="1" dirty="0" err="1">
+                <a:solidFill>
+                  <a:srgbClr val="000000"/>
+                </a:solidFill>
+                <a:latin typeface="Consolas" panose="020B0609020204030204" pitchFamily="49" charset="0"/>
+                <a:cs typeface="Consolas" panose="020B0609020204030204" pitchFamily="49" charset="0"/>
+              </a:rPr>
+              <a:t>funcname</a:t>
+            </a:r>
+            <a:r>
+              <a:rPr lang="en-US" sz="2800" dirty="0">
+                <a:latin typeface="Consolas" panose="020B0609020204030204" pitchFamily="49" charset="0"/>
+                <a:cs typeface="Consolas" panose="020B0609020204030204" pitchFamily="49" charset="0"/>
+              </a:rPr>
+              <a:t>()</a:t>
+            </a:r>
+            <a:r>
+              <a:rPr lang="en-US" sz="2800" dirty="0">
+                <a:solidFill>
+                  <a:srgbClr val="000000"/>
+                </a:solidFill>
+                <a:latin typeface="Consolas" panose="020B0609020204030204" pitchFamily="49" charset="0"/>
+                <a:cs typeface="Consolas" panose="020B0609020204030204" pitchFamily="49" charset="0"/>
+              </a:rPr>
+              <a:t>:</a:t>
+            </a:r>
+            <a:br>
+              <a:rPr lang="en-US" sz="2800" dirty="0">
+                <a:latin typeface="Consolas" panose="020B0609020204030204" pitchFamily="49" charset="0"/>
+                <a:cs typeface="Consolas" panose="020B0609020204030204" pitchFamily="49" charset="0"/>
+              </a:rPr>
+            </a:br>
+            <a:r>
+              <a:rPr lang="en-US" sz="2800" dirty="0">
+                <a:solidFill>
+                  <a:srgbClr val="000000"/>
+                </a:solidFill>
+                <a:latin typeface="Consolas" panose="020B0609020204030204" pitchFamily="49" charset="0"/>
+                <a:cs typeface="Consolas" panose="020B0609020204030204" pitchFamily="49" charset="0"/>
+              </a:rPr>
+              <a:t>    </a:t>
+            </a:r>
+            <a:r>
+              <a:rPr lang="en-US" sz="2800" i="1" dirty="0">
+                <a:solidFill>
+                  <a:srgbClr val="000000"/>
+                </a:solidFill>
+                <a:latin typeface="Consolas" panose="020B0609020204030204" pitchFamily="49" charset="0"/>
+                <a:cs typeface="Consolas" panose="020B0609020204030204" pitchFamily="49" charset="0"/>
+              </a:rPr>
+              <a:t>statement 1</a:t>
+            </a:r>
+            <a:br>
+              <a:rPr lang="en-US" sz="2800" dirty="0">
+                <a:latin typeface="Consolas" panose="020B0609020204030204" pitchFamily="49" charset="0"/>
+                <a:cs typeface="Consolas" panose="020B0609020204030204" pitchFamily="49" charset="0"/>
+              </a:rPr>
+            </a:br>
+            <a:r>
+              <a:rPr lang="en-US" sz="2800" dirty="0">
+                <a:solidFill>
+                  <a:srgbClr val="000000"/>
+                </a:solidFill>
+                <a:latin typeface="Consolas" panose="020B0609020204030204" pitchFamily="49" charset="0"/>
+                <a:cs typeface="Consolas" panose="020B0609020204030204" pitchFamily="49" charset="0"/>
+              </a:rPr>
+              <a:t>    </a:t>
+            </a:r>
+            <a:r>
+              <a:rPr lang="en-US" sz="2800" i="1" dirty="0">
+                <a:solidFill>
+                  <a:srgbClr val="000000"/>
+                </a:solidFill>
+                <a:latin typeface="Consolas" panose="020B0609020204030204" pitchFamily="49" charset="0"/>
+                <a:cs typeface="Consolas" panose="020B0609020204030204" pitchFamily="49" charset="0"/>
+              </a:rPr>
+              <a:t>statement 2</a:t>
+            </a:r>
+            <a:br>
+              <a:rPr lang="en-US" sz="2800" dirty="0">
+                <a:latin typeface="Consolas" panose="020B0609020204030204" pitchFamily="49" charset="0"/>
+                <a:cs typeface="Consolas" panose="020B0609020204030204" pitchFamily="49" charset="0"/>
+              </a:rPr>
+            </a:br>
+            <a:r>
+              <a:rPr lang="en-US" sz="2800" dirty="0">
+                <a:solidFill>
+                  <a:srgbClr val="000000"/>
+                </a:solidFill>
+                <a:latin typeface="Consolas" panose="020B0609020204030204" pitchFamily="49" charset="0"/>
+                <a:cs typeface="Consolas" panose="020B0609020204030204" pitchFamily="49" charset="0"/>
+              </a:rPr>
+              <a:t>    </a:t>
+            </a:r>
+            <a:r>
+              <a:rPr lang="en-US" sz="2800" i="1" dirty="0">
+                <a:solidFill>
+                  <a:srgbClr val="000000"/>
+                </a:solidFill>
+                <a:latin typeface="Consolas" panose="020B0609020204030204" pitchFamily="49" charset="0"/>
+                <a:cs typeface="Consolas" panose="020B0609020204030204" pitchFamily="49" charset="0"/>
+              </a:rPr>
+              <a:t>...</a:t>
+            </a:r>
+            <a:br>
+              <a:rPr lang="en-US" sz="2800" dirty="0">
+                <a:latin typeface="Consolas" panose="020B0609020204030204" pitchFamily="49" charset="0"/>
+                <a:cs typeface="Consolas" panose="020B0609020204030204" pitchFamily="49" charset="0"/>
+              </a:rPr>
+            </a:br>
+            <a:r>
+              <a:rPr lang="en-US" sz="2800" dirty="0">
+                <a:solidFill>
+                  <a:srgbClr val="000000"/>
+                </a:solidFill>
+                <a:latin typeface="Consolas" panose="020B0609020204030204" pitchFamily="49" charset="0"/>
+                <a:cs typeface="Consolas" panose="020B0609020204030204" pitchFamily="49" charset="0"/>
+              </a:rPr>
+              <a:t>    </a:t>
+            </a:r>
+            <a:r>
+              <a:rPr lang="en-US" sz="2800" dirty="0">
+                <a:latin typeface="Consolas" panose="020B0609020204030204" pitchFamily="49" charset="0"/>
+                <a:cs typeface="Consolas" panose="020B0609020204030204" pitchFamily="49" charset="0"/>
+              </a:rPr>
+              <a:t>return</a:t>
+            </a:r>
+            <a:r>
+              <a:rPr lang="en-US" sz="2800" dirty="0">
+                <a:solidFill>
+                  <a:srgbClr val="000000"/>
+                </a:solidFill>
+                <a:latin typeface="Consolas" panose="020B0609020204030204" pitchFamily="49" charset="0"/>
+                <a:cs typeface="Consolas" panose="020B0609020204030204" pitchFamily="49" charset="0"/>
+              </a:rPr>
+              <a:t> </a:t>
+            </a:r>
+            <a:r>
+              <a:rPr lang="en-US" sz="2800" i="1" dirty="0">
+                <a:solidFill>
+                  <a:srgbClr val="000000"/>
+                </a:solidFill>
+                <a:latin typeface="Consolas" panose="020B0609020204030204" pitchFamily="49" charset="0"/>
+                <a:cs typeface="Consolas" panose="020B0609020204030204" pitchFamily="49" charset="0"/>
+              </a:rPr>
+              <a:t>expression</a:t>
+            </a:r>
+            <a:endParaRPr lang="en-US" sz="2800" dirty="0">
+              <a:latin typeface="Consolas" panose="020B0609020204030204" pitchFamily="49" charset="0"/>
+              <a:cs typeface="Consolas" panose="020B0609020204030204" pitchFamily="49" charset="0"/>
+            </a:endParaRPr>
+          </a:p>
+        </p:txBody>
+      </p:sp>
+      <p:sp>
+        <p:nvSpPr>
+          <p:cNvPr id="5" name="Rectangle 4">
+            <a:extLst>
+              <a:ext uri="{FF2B5EF4-FFF2-40B4-BE49-F238E27FC236}">
+                <a16:creationId xmlns:a16="http://schemas.microsoft.com/office/drawing/2014/main" id="{B01057F7-FC90-6349-A611-FDC910FA1BF5}"/>
+              </a:ext>
+            </a:extLst>
+          </p:cNvPr>
+          <p:cNvSpPr/>
+          <p:nvPr/>
+        </p:nvSpPr>
+        <p:spPr>
+          <a:xfrm>
+            <a:off x="6496879" y="2474893"/>
+            <a:ext cx="3737112" cy="954107"/>
+          </a:xfrm>
+          <a:prstGeom prst="rect">
+            <a:avLst/>
+          </a:prstGeom>
+        </p:spPr>
+        <p:txBody>
+          <a:bodyPr wrap="square">
+            <a:spAutoFit/>
+          </a:bodyPr>
+          <a:lstStyle/>
+          <a:p>
+            <a:r>
+              <a:rPr lang="en-US" sz="2800" dirty="0">
+                <a:latin typeface="Consolas" panose="020B0609020204030204" pitchFamily="49" charset="0"/>
+                <a:cs typeface="Consolas" panose="020B0609020204030204" pitchFamily="49" charset="0"/>
+              </a:rPr>
+              <a:t>def pi():</a:t>
+            </a:r>
+          </a:p>
+          <a:p>
+            <a:r>
+              <a:rPr lang="en-US" sz="2800" dirty="0">
+                <a:latin typeface="Consolas" panose="020B0609020204030204" pitchFamily="49" charset="0"/>
+                <a:cs typeface="Consolas" panose="020B0609020204030204" pitchFamily="49" charset="0"/>
+              </a:rPr>
+              <a:t>    return 3.14159</a:t>
+            </a:r>
+          </a:p>
+        </p:txBody>
+      </p:sp>
+      <p:cxnSp>
+        <p:nvCxnSpPr>
+          <p:cNvPr id="7" name="Straight Arrow Connector 6">
+            <a:extLst>
+              <a:ext uri="{FF2B5EF4-FFF2-40B4-BE49-F238E27FC236}">
+                <a16:creationId xmlns:a16="http://schemas.microsoft.com/office/drawing/2014/main" id="{EA94AC3C-B7C3-EC4C-A412-9F511DF458B8}"/>
+              </a:ext>
+            </a:extLst>
+          </p:cNvPr>
+          <p:cNvCxnSpPr>
+            <a:cxnSpLocks/>
+          </p:cNvCxnSpPr>
+          <p:nvPr/>
+        </p:nvCxnSpPr>
+        <p:spPr>
+          <a:xfrm flipV="1">
+            <a:off x="1580322" y="4611757"/>
+            <a:ext cx="377686" cy="377687"/>
+          </a:xfrm>
+          <a:prstGeom prst="straightConnector1">
+            <a:avLst/>
+          </a:prstGeom>
+          <a:ln>
+            <a:tailEnd type="triangle"/>
+          </a:ln>
+        </p:spPr>
+        <p:style>
+          <a:lnRef idx="1">
+            <a:schemeClr val="accent1"/>
+          </a:lnRef>
+          <a:fillRef idx="0">
+            <a:schemeClr val="accent1"/>
+          </a:fillRef>
+          <a:effectRef idx="0">
+            <a:schemeClr val="accent1"/>
+          </a:effectRef>
+          <a:fontRef idx="minor">
+            <a:schemeClr val="tx1"/>
+          </a:fontRef>
+        </p:style>
+      </p:cxnSp>
+      <p:cxnSp>
+        <p:nvCxnSpPr>
+          <p:cNvPr id="13" name="Straight Connector 12">
+            <a:extLst>
+              <a:ext uri="{FF2B5EF4-FFF2-40B4-BE49-F238E27FC236}">
+                <a16:creationId xmlns:a16="http://schemas.microsoft.com/office/drawing/2014/main" id="{1A2D193F-54AC-5C4D-B44F-4C26126142D0}"/>
+              </a:ext>
+            </a:extLst>
+          </p:cNvPr>
+          <p:cNvCxnSpPr>
+            <a:cxnSpLocks/>
+          </p:cNvCxnSpPr>
+          <p:nvPr/>
+        </p:nvCxnSpPr>
+        <p:spPr>
+          <a:xfrm>
+            <a:off x="1958008" y="3051314"/>
+            <a:ext cx="0" cy="1480931"/>
+          </a:xfrm>
+          <a:prstGeom prst="line">
+            <a:avLst/>
+          </a:prstGeom>
+        </p:spPr>
+        <p:style>
+          <a:lnRef idx="1">
+            <a:schemeClr val="accent1"/>
+          </a:lnRef>
+          <a:fillRef idx="0">
+            <a:schemeClr val="accent1"/>
+          </a:fillRef>
+          <a:effectRef idx="0">
+            <a:schemeClr val="accent1"/>
+          </a:effectRef>
+          <a:fontRef idx="minor">
+            <a:schemeClr val="tx1"/>
+          </a:fontRef>
+        </p:style>
+      </p:cxnSp>
+    </p:spTree>
+    <p:extLst>
+      <p:ext uri="{BB962C8B-B14F-4D97-AF65-F5344CB8AC3E}">
+        <p14:creationId xmlns:p14="http://schemas.microsoft.com/office/powerpoint/2010/main" val="852483636"/>
+      </p:ext>
+    </p:extLst>
+  </p:cSld>
+  <p:clrMapOvr>
+    <a:masterClrMapping/>
+  </p:clrMapOvr>
+</p:sld>
+</file>
+
+<file path=ppt/slides/slide9.xml><?xml version="1.0" encoding="utf-8"?>
+<p:sld xmlns:a="http://schemas.openxmlformats.org/drawingml/2006/main" xmlns:r="http://schemas.openxmlformats.org/officeDocument/2006/relationships" xmlns:p="http://schemas.openxmlformats.org/presentationml/2006/main">
+  <p:cSld>
+    <p:spTree>
+      <p:nvGrpSpPr>
+        <p:cNvPr id="1" name=""/>
+        <p:cNvGrpSpPr/>
+        <p:nvPr/>
+      </p:nvGrpSpPr>
+      <p:grpSpPr>
+        <a:xfrm>
+          <a:off x="0" y="0"/>
+          <a:ext cx="0" cy="0"/>
+          <a:chOff x="0" y="0"/>
+          <a:chExt cx="0" cy="0"/>
+        </a:xfrm>
+      </p:grpSpPr>
+      <p:sp>
+        <p:nvSpPr>
+          <p:cNvPr id="2" name="Title 1">
+            <a:extLst>
+              <a:ext uri="{FF2B5EF4-FFF2-40B4-BE49-F238E27FC236}">
+                <a16:creationId xmlns:a16="http://schemas.microsoft.com/office/drawing/2014/main" id="{9BC7682D-022C-964E-B5A5-BAEB6945A1B4}"/>
+              </a:ext>
+            </a:extLst>
+          </p:cNvPr>
+          <p:cNvSpPr>
+            <a:spLocks noGrp="1"/>
+          </p:cNvSpPr>
+          <p:nvPr>
+            <p:ph type="title"/>
+          </p:nvPr>
+        </p:nvSpPr>
+        <p:spPr/>
+        <p:txBody>
+          <a:bodyPr/>
+          <a:lstStyle/>
+          <a:p>
+            <a:r>
+              <a:rPr lang="en-US" dirty="0"/>
+              <a:t>Calling a function</a:t>
+            </a:r>
+          </a:p>
+        </p:txBody>
+      </p:sp>
+      <p:sp>
+        <p:nvSpPr>
+          <p:cNvPr id="3" name="Content Placeholder 2">
+            <a:extLst>
+              <a:ext uri="{FF2B5EF4-FFF2-40B4-BE49-F238E27FC236}">
+                <a16:creationId xmlns:a16="http://schemas.microsoft.com/office/drawing/2014/main" id="{21EBB609-588B-B14A-A288-F2DB8FEF64C7}"/>
+              </a:ext>
+            </a:extLst>
+          </p:cNvPr>
+          <p:cNvSpPr>
+            <a:spLocks noGrp="1"/>
+          </p:cNvSpPr>
+          <p:nvPr>
+            <p:ph idx="1"/>
+          </p:nvPr>
+        </p:nvSpPr>
+        <p:spPr>
+          <a:xfrm>
+            <a:off x="838200" y="1690688"/>
+            <a:ext cx="10515600" cy="4486275"/>
+          </a:xfrm>
+        </p:spPr>
+        <p:txBody>
+          <a:bodyPr>
+            <a:normAutofit/>
+          </a:bodyPr>
+          <a:lstStyle/>
+          <a:p>
+            <a:r>
+              <a:rPr lang="en-US" dirty="0"/>
+              <a:t>The </a:t>
+            </a:r>
+            <a:r>
+              <a:rPr lang="en-US" i="1" dirty="0"/>
+              <a:t>definition</a:t>
+            </a:r>
+            <a:r>
+              <a:rPr lang="en-US" dirty="0"/>
+              <a:t> of a function is different than </a:t>
+            </a:r>
+            <a:r>
+              <a:rPr lang="en-US" i="1" dirty="0"/>
+              <a:t>calling</a:t>
+            </a:r>
+            <a:r>
+              <a:rPr lang="en-US" dirty="0"/>
+              <a:t> a function</a:t>
+            </a:r>
+          </a:p>
+          <a:p>
+            <a:r>
+              <a:rPr lang="en-US" dirty="0"/>
+              <a:t>Calling a function requires the function name and any argument values; here, we don't have any arguments so we can do this:</a:t>
+            </a:r>
+          </a:p>
+          <a:p>
+            <a:endParaRPr lang="en-US" dirty="0"/>
+          </a:p>
+          <a:p>
+            <a:endParaRPr lang="en-US" dirty="0"/>
+          </a:p>
+          <a:p>
+            <a:endParaRPr lang="en-US" dirty="0"/>
+          </a:p>
+          <a:p>
+            <a:endParaRPr lang="en-US" dirty="0"/>
+          </a:p>
+          <a:p>
+            <a:endParaRPr lang="en-US" dirty="0"/>
+          </a:p>
+        </p:txBody>
+      </p:sp>
+      <p:pic>
+        <p:nvPicPr>
+          <p:cNvPr id="5" name="Picture 4" descr="Graphical user interface, text, application&#10;&#10;Description automatically generated">
+            <a:extLst>
+              <a:ext uri="{FF2B5EF4-FFF2-40B4-BE49-F238E27FC236}">
+                <a16:creationId xmlns:a16="http://schemas.microsoft.com/office/drawing/2014/main" id="{E1E22882-EFF8-E943-A2A0-01577E329420}"/>
+              </a:ext>
+            </a:extLst>
+          </p:cNvPr>
+          <p:cNvPicPr>
+            <a:picLocks noChangeAspect="1"/>
+          </p:cNvPicPr>
+          <p:nvPr/>
+        </p:nvPicPr>
+        <p:blipFill>
+          <a:blip r:embed="rId2"/>
+          <a:stretch>
+            <a:fillRect/>
+          </a:stretch>
+        </p:blipFill>
+        <p:spPr>
+          <a:xfrm>
+            <a:off x="2435144" y="3162057"/>
+            <a:ext cx="3681807" cy="2264708"/>
+          </a:xfrm>
+          <a:prstGeom prst="rect">
+            <a:avLst/>
+          </a:prstGeom>
+        </p:spPr>
+      </p:pic>
+      <p:sp>
+        <p:nvSpPr>
+          <p:cNvPr id="6" name="TextBox 5">
+            <a:extLst>
+              <a:ext uri="{FF2B5EF4-FFF2-40B4-BE49-F238E27FC236}">
+                <a16:creationId xmlns:a16="http://schemas.microsoft.com/office/drawing/2014/main" id="{8A4C77C0-8705-104D-97E8-05AFB95EFC93}"/>
+              </a:ext>
+            </a:extLst>
+          </p:cNvPr>
+          <p:cNvSpPr txBox="1"/>
+          <p:nvPr/>
+        </p:nvSpPr>
+        <p:spPr>
+          <a:xfrm>
+            <a:off x="7162772" y="3438884"/>
+            <a:ext cx="3448878" cy="1200329"/>
+          </a:xfrm>
+          <a:prstGeom prst="rect">
+            <a:avLst/>
+          </a:prstGeom>
+          <a:noFill/>
+        </p:spPr>
+        <p:txBody>
+          <a:bodyPr wrap="square" rtlCol="0">
+            <a:spAutoFit/>
+          </a:bodyPr>
+          <a:lstStyle/>
+          <a:p>
+            <a:r>
+              <a:rPr lang="en-US" dirty="0"/>
+              <a:t>(We don't need a print statement here to see the value because we are executing inside a notebook)</a:t>
+            </a:r>
+          </a:p>
+        </p:txBody>
+      </p:sp>
+      <p:sp>
+        <p:nvSpPr>
+          <p:cNvPr id="8" name="Rectangle 7">
+            <a:extLst>
+              <a:ext uri="{FF2B5EF4-FFF2-40B4-BE49-F238E27FC236}">
+                <a16:creationId xmlns:a16="http://schemas.microsoft.com/office/drawing/2014/main" id="{156DBD54-F67A-D44A-B145-558240583D8D}"/>
+              </a:ext>
+            </a:extLst>
+          </p:cNvPr>
+          <p:cNvSpPr/>
+          <p:nvPr/>
+        </p:nvSpPr>
+        <p:spPr>
+          <a:xfrm>
+            <a:off x="8454888" y="405107"/>
+            <a:ext cx="3737112" cy="954107"/>
+          </a:xfrm>
+          <a:prstGeom prst="rect">
+            <a:avLst/>
+          </a:prstGeom>
+        </p:spPr>
+        <p:txBody>
+          <a:bodyPr wrap="square">
+            <a:spAutoFit/>
+          </a:bodyPr>
+          <a:lstStyle/>
+          <a:p>
+            <a:r>
+              <a:rPr lang="en-US" sz="2800" dirty="0">
+                <a:latin typeface="Consolas" panose="020B0609020204030204" pitchFamily="49" charset="0"/>
+                <a:cs typeface="Consolas" panose="020B0609020204030204" pitchFamily="49" charset="0"/>
+              </a:rPr>
+              <a:t>def pi():</a:t>
+            </a:r>
+          </a:p>
+          <a:p>
+            <a:r>
+              <a:rPr lang="en-US" sz="2800" dirty="0">
+                <a:latin typeface="Consolas" panose="020B0609020204030204" pitchFamily="49" charset="0"/>
+                <a:cs typeface="Consolas" panose="020B0609020204030204" pitchFamily="49" charset="0"/>
+              </a:rPr>
+              <a:t>    return 3.14159</a:t>
+            </a:r>
+          </a:p>
+        </p:txBody>
+      </p:sp>
+      <p:pic>
+        <p:nvPicPr>
+          <p:cNvPr id="10" name="Picture 9">
+            <a:extLst>
+              <a:ext uri="{FF2B5EF4-FFF2-40B4-BE49-F238E27FC236}">
+                <a16:creationId xmlns:a16="http://schemas.microsoft.com/office/drawing/2014/main" id="{2C98187C-7B54-294B-8BC4-33A82FDBF632}"/>
+              </a:ext>
+            </a:extLst>
+          </p:cNvPr>
+          <p:cNvPicPr>
+            <a:picLocks noChangeAspect="1"/>
+          </p:cNvPicPr>
+          <p:nvPr/>
+        </p:nvPicPr>
+        <p:blipFill>
+          <a:blip r:embed="rId3"/>
+          <a:stretch>
+            <a:fillRect/>
+          </a:stretch>
+        </p:blipFill>
+        <p:spPr>
+          <a:xfrm>
+            <a:off x="5725768" y="106908"/>
+            <a:ext cx="2436506" cy="1550504"/>
+          </a:xfrm>
+          <a:prstGeom prst="rect">
+            <a:avLst/>
+          </a:prstGeom>
+        </p:spPr>
+      </p:pic>
+    </p:spTree>
+    <p:extLst>
+      <p:ext uri="{BB962C8B-B14F-4D97-AF65-F5344CB8AC3E}">
+        <p14:creationId xmlns:p14="http://schemas.microsoft.com/office/powerpoint/2010/main" val="2813702703"/>
       </p:ext>
     </p:extLst>
   </p:cSld>

--- a/slides/functions.pptx
+++ b/slides/functions.pptx
@@ -4371,7 +4371,15 @@
           <a:p>
             <a:r>
               <a:rPr lang="en-US" dirty="0"/>
-              <a:t>Functions do NOT print anything unless explicitly asked to do so with a print statement</a:t>
+              <a:t>Functions do NOT print anything unless explicitly asked to do so with a </a:t>
+            </a:r>
+            <a:r>
+              <a:rPr lang="en-US" b="1" dirty="0"/>
+              <a:t>print</a:t>
+            </a:r>
+            <a:r>
+              <a:rPr lang="en-US" dirty="0"/>
+              <a:t> statement</a:t>
             </a:r>
           </a:p>
           <a:p>
@@ -6226,7 +6234,7 @@
         </p:blipFill>
         <p:spPr>
           <a:xfrm>
-            <a:off x="2226365" y="4065277"/>
+            <a:off x="1144697" y="3933825"/>
             <a:ext cx="1936438" cy="1232279"/>
           </a:xfrm>
           <a:prstGeom prst="rect">
@@ -7543,14 +7551,13 @@
           </p:cNvPr>
           <p:cNvCxnSpPr>
             <a:cxnSpLocks/>
-            <a:stCxn id="4" idx="1"/>
           </p:cNvCxnSpPr>
           <p:nvPr/>
         </p:nvCxnSpPr>
         <p:spPr>
           <a:xfrm flipH="1" flipV="1">
             <a:off x="3490333" y="4116823"/>
-            <a:ext cx="4283912" cy="969496"/>
+            <a:ext cx="4270916" cy="1090797"/>
           </a:xfrm>
           <a:prstGeom prst="straightConnector1">
             <a:avLst/>
@@ -8455,7 +8462,7 @@
           <a:p>
             <a:r>
               <a:rPr lang="en-US" dirty="0"/>
-              <a:t>Functions can technically see global variables but don't do this as a general rule; instead, pass the global variables that you need to each function as arguments</a:t>
+              <a:t>Functions can technically see global variables but don't do this as a rule; instead, pass the global variables that you need to each function as arguments</a:t>
             </a:r>
           </a:p>
         </p:txBody>
@@ -8513,7 +8520,7 @@
           <a:p>
             <a:r>
               <a:rPr lang="en-US" dirty="0"/>
-              <a:t>How functions return to invocation site</a:t>
+              <a:t>How functions return to invocation sites</a:t>
             </a:r>
           </a:p>
         </p:txBody>
@@ -8953,7 +8960,7 @@
           <a:p>
             <a:r>
               <a:rPr lang="en-US" dirty="0"/>
-              <a:t>Programs quickly become an incomprehensible rats nest if we are not strict about style and organization</a:t>
+              <a:t>Programs quickly become an incomprehensible rat's nest if we are not strict about style and organization</a:t>
             </a:r>
           </a:p>
           <a:p>
@@ -8985,45 +8992,45 @@
         </p:nvSpPr>
         <p:spPr>
           <a:xfrm>
-            <a:off x="3048000" y="3733297"/>
-            <a:ext cx="6096000" cy="1569660"/>
+            <a:off x="2791522" y="3543726"/>
+            <a:ext cx="6809678" cy="1815882"/>
           </a:xfrm>
           <a:prstGeom prst="rect">
             <a:avLst/>
           </a:prstGeom>
         </p:spPr>
         <p:txBody>
-          <a:bodyPr>
+          <a:bodyPr wrap="square">
             <a:spAutoFit/>
           </a:bodyPr>
           <a:lstStyle/>
           <a:p>
             <a:r>
-              <a:rPr lang="en-US" sz="2400" i="1" dirty="0"/>
+              <a:rPr lang="en-US" sz="2800" i="1" dirty="0"/>
               <a:t>import any libraries</a:t>
             </a:r>
             <a:br>
-              <a:rPr lang="en-US" sz="2400" dirty="0"/>
+              <a:rPr lang="en-US" sz="2800" dirty="0"/>
             </a:br>
             <a:r>
-              <a:rPr lang="en-US" sz="2400" i="1" dirty="0"/>
+              <a:rPr lang="en-US" sz="2800" i="1" dirty="0"/>
               <a:t>define any constants, simple data values</a:t>
             </a:r>
             <a:br>
-              <a:rPr lang="en-US" sz="2400" dirty="0"/>
+              <a:rPr lang="en-US" sz="2800" dirty="0"/>
             </a:br>
             <a:r>
-              <a:rPr lang="en-US" sz="2400" i="1" dirty="0"/>
+              <a:rPr lang="en-US" sz="2800" i="1" dirty="0"/>
               <a:t>define any functions</a:t>
             </a:r>
             <a:br>
-              <a:rPr lang="en-US" sz="2400" dirty="0"/>
+              <a:rPr lang="en-US" sz="2800" dirty="0"/>
             </a:br>
             <a:r>
-              <a:rPr lang="en-US" sz="2400" i="1" dirty="0"/>
+              <a:rPr lang="en-US" sz="2800" i="1" dirty="0"/>
               <a:t>main program body</a:t>
             </a:r>
-            <a:endParaRPr lang="en-US" sz="2400" dirty="0"/>
+            <a:endParaRPr lang="en-US" sz="2800" dirty="0"/>
           </a:p>
         </p:txBody>
       </p:sp>
@@ -9120,7 +9127,7 @@
             <a:pPr lvl="1"/>
             <a:r>
               <a:rPr lang="en-US" dirty="0"/>
-              <a:t>perform some function</a:t>
+              <a:t>perform some task</a:t>
             </a:r>
           </a:p>
           <a:p>
@@ -9147,7 +9154,7 @@
           <a:p>
             <a:r>
               <a:rPr lang="en-US" dirty="0"/>
-              <a:t>Don’t worry about their guts, just worry about how to use them</a:t>
+              <a:t>Don’t worry about their guts, just worry about how to call them</a:t>
             </a:r>
           </a:p>
           <a:p>

--- a/slides/functions.pptx
+++ b/slides/functions.pptx
@@ -5,10 +5,10 @@
     <p:sldMasterId id="2147483672" r:id="rId1"/>
   </p:sldMasterIdLst>
   <p:notesMasterIdLst>
-    <p:notesMasterId r:id="rId28"/>
+    <p:notesMasterId r:id="rId29"/>
   </p:notesMasterIdLst>
   <p:handoutMasterIdLst>
-    <p:handoutMasterId r:id="rId29"/>
+    <p:handoutMasterId r:id="rId30"/>
   </p:handoutMasterIdLst>
   <p:sldIdLst>
     <p:sldId id="256" r:id="rId2"/>
@@ -32,11 +32,12 @@
     <p:sldId id="278" r:id="rId20"/>
     <p:sldId id="279" r:id="rId21"/>
     <p:sldId id="264" r:id="rId22"/>
-    <p:sldId id="280" r:id="rId23"/>
-    <p:sldId id="282" r:id="rId24"/>
-    <p:sldId id="281" r:id="rId25"/>
-    <p:sldId id="257" r:id="rId26"/>
-    <p:sldId id="258" r:id="rId27"/>
+    <p:sldId id="283" r:id="rId23"/>
+    <p:sldId id="280" r:id="rId24"/>
+    <p:sldId id="282" r:id="rId25"/>
+    <p:sldId id="281" r:id="rId26"/>
+    <p:sldId id="257" r:id="rId27"/>
+    <p:sldId id="258" r:id="rId28"/>
   </p:sldIdLst>
   <p:sldSz cx="12192000" cy="6858000"/>
   <p:notesSz cx="9144000" cy="6858000"/>
@@ -231,7 +232,7 @@
           <a:p>
             <a:fld id="{8A1B613A-EFF1-404F-BEE8-EFAE84A4E5E2}" type="datetimeFigureOut">
               <a:rPr lang="en-US" smtClean="0"/>
-              <a:t>6/15/21</a:t>
+              <a:t>6/22/21</a:t>
             </a:fld>
             <a:endParaRPr lang="en-US"/>
           </a:p>
@@ -396,7 +397,7 @@
           <a:p>
             <a:fld id="{690847EA-AC25-3D4E-89E1-FD3F6A9702B6}" type="datetimeFigureOut">
               <a:rPr lang="en-US" smtClean="0"/>
-              <a:t>6/15/21</a:t>
+              <a:t>6/22/21</a:t>
             </a:fld>
             <a:endParaRPr lang="en-US"/>
           </a:p>
@@ -810,7 +811,7 @@
           <a:p>
             <a:fld id="{BE5295ED-3BAF-1140-8495-3D368771D6B1}" type="datetimeFigureOut">
               <a:rPr lang="en-US" smtClean="0"/>
-              <a:t>6/15/21</a:t>
+              <a:t>6/22/21</a:t>
             </a:fld>
             <a:endParaRPr lang="en-US"/>
           </a:p>
@@ -1008,7 +1009,7 @@
           <a:p>
             <a:fld id="{BE5295ED-3BAF-1140-8495-3D368771D6B1}" type="datetimeFigureOut">
               <a:rPr lang="en-US" smtClean="0"/>
-              <a:t>6/15/21</a:t>
+              <a:t>6/22/21</a:t>
             </a:fld>
             <a:endParaRPr lang="en-US"/>
           </a:p>
@@ -1216,7 +1217,7 @@
           <a:p>
             <a:fld id="{BE5295ED-3BAF-1140-8495-3D368771D6B1}" type="datetimeFigureOut">
               <a:rPr lang="en-US" smtClean="0"/>
-              <a:t>6/15/21</a:t>
+              <a:t>6/22/21</a:t>
             </a:fld>
             <a:endParaRPr lang="en-US"/>
           </a:p>
@@ -1414,7 +1415,7 @@
           <a:p>
             <a:fld id="{BE5295ED-3BAF-1140-8495-3D368771D6B1}" type="datetimeFigureOut">
               <a:rPr lang="en-US" smtClean="0"/>
-              <a:t>6/15/21</a:t>
+              <a:t>6/22/21</a:t>
             </a:fld>
             <a:endParaRPr lang="en-US"/>
           </a:p>
@@ -1689,7 +1690,7 @@
           <a:p>
             <a:fld id="{BE5295ED-3BAF-1140-8495-3D368771D6B1}" type="datetimeFigureOut">
               <a:rPr lang="en-US" smtClean="0"/>
-              <a:t>6/15/21</a:t>
+              <a:t>6/22/21</a:t>
             </a:fld>
             <a:endParaRPr lang="en-US"/>
           </a:p>
@@ -1954,7 +1955,7 @@
           <a:p>
             <a:fld id="{BE5295ED-3BAF-1140-8495-3D368771D6B1}" type="datetimeFigureOut">
               <a:rPr lang="en-US" smtClean="0"/>
-              <a:t>6/15/21</a:t>
+              <a:t>6/22/21</a:t>
             </a:fld>
             <a:endParaRPr lang="en-US"/>
           </a:p>
@@ -2366,7 +2367,7 @@
           <a:p>
             <a:fld id="{BE5295ED-3BAF-1140-8495-3D368771D6B1}" type="datetimeFigureOut">
               <a:rPr lang="en-US" smtClean="0"/>
-              <a:t>6/15/21</a:t>
+              <a:t>6/22/21</a:t>
             </a:fld>
             <a:endParaRPr lang="en-US"/>
           </a:p>
@@ -2507,7 +2508,7 @@
           <a:p>
             <a:fld id="{BE5295ED-3BAF-1140-8495-3D368771D6B1}" type="datetimeFigureOut">
               <a:rPr lang="en-US" smtClean="0"/>
-              <a:t>6/15/21</a:t>
+              <a:t>6/22/21</a:t>
             </a:fld>
             <a:endParaRPr lang="en-US"/>
           </a:p>
@@ -2620,7 +2621,7 @@
           <a:p>
             <a:fld id="{BE5295ED-3BAF-1140-8495-3D368771D6B1}" type="datetimeFigureOut">
               <a:rPr lang="en-US" smtClean="0"/>
-              <a:t>6/15/21</a:t>
+              <a:t>6/22/21</a:t>
             </a:fld>
             <a:endParaRPr lang="en-US"/>
           </a:p>
@@ -2931,7 +2932,7 @@
           <a:p>
             <a:fld id="{BE5295ED-3BAF-1140-8495-3D368771D6B1}" type="datetimeFigureOut">
               <a:rPr lang="en-US" smtClean="0"/>
-              <a:t>6/15/21</a:t>
+              <a:t>6/22/21</a:t>
             </a:fld>
             <a:endParaRPr lang="en-US"/>
           </a:p>
@@ -3222,7 +3223,7 @@
           <a:p>
             <a:fld id="{BE5295ED-3BAF-1140-8495-3D368771D6B1}" type="datetimeFigureOut">
               <a:rPr lang="en-US" smtClean="0"/>
-              <a:t>6/15/21</a:t>
+              <a:t>6/22/21</a:t>
             </a:fld>
             <a:endParaRPr lang="en-US"/>
           </a:p>
@@ -3463,7 +3464,7 @@
           <a:p>
             <a:fld id="{BE5295ED-3BAF-1140-8495-3D368771D6B1}" type="datetimeFigureOut">
               <a:rPr lang="en-US" smtClean="0"/>
-              <a:t>6/15/21</a:t>
+              <a:t>6/22/21</a:t>
             </a:fld>
             <a:endParaRPr lang="en-US"/>
           </a:p>
@@ -8132,7 +8133,7 @@
           <p:cNvPr id="2" name="Title 1">
             <a:extLst>
               <a:ext uri="{FF2B5EF4-FFF2-40B4-BE49-F238E27FC236}">
-                <a16:creationId xmlns:a16="http://schemas.microsoft.com/office/drawing/2014/main" id="{7983FAB1-DD73-7940-86CF-8C9F21E9F098}"/>
+                <a16:creationId xmlns:a16="http://schemas.microsoft.com/office/drawing/2014/main" id="{340DFBA4-E453-A246-A95E-9531996CB733}"/>
               </a:ext>
             </a:extLst>
           </p:cNvPr>
@@ -8150,8 +8151,13 @@
           <a:p>
             <a:r>
               <a:rPr lang="en-US" dirty="0"/>
-              <a:t>Watch out for functions that modify data structure arguments</a:t>
-            </a:r>
+              <a:t>Aliasing through argument passing </a:t>
+            </a:r>
+            <a:r>
+              <a:rPr lang="en-US" sz="3200" i="1" dirty="0"/>
+              <a:t>(review)</a:t>
+            </a:r>
+            <a:endParaRPr lang="en-US" i="1" dirty="0"/>
           </a:p>
         </p:txBody>
       </p:sp>
@@ -8160,7 +8166,7 @@
           <p:cNvPr id="3" name="Content Placeholder 2">
             <a:extLst>
               <a:ext uri="{FF2B5EF4-FFF2-40B4-BE49-F238E27FC236}">
-                <a16:creationId xmlns:a16="http://schemas.microsoft.com/office/drawing/2014/main" id="{200D534C-F4DF-A847-98B9-5028725392DB}"/>
+                <a16:creationId xmlns:a16="http://schemas.microsoft.com/office/drawing/2014/main" id="{8AEA7D09-34D5-7C45-8BFF-B7A97BCCF7F0}"/>
               </a:ext>
             </a:extLst>
           </p:cNvPr>
@@ -8171,186 +8177,81 @@
             <p:ph idx="1"/>
           </p:nvPr>
         </p:nvSpPr>
-        <p:spPr/>
+        <p:spPr>
+          <a:xfrm>
+            <a:off x="838200" y="1600200"/>
+            <a:ext cx="10515600" cy="4576763"/>
+          </a:xfrm>
+        </p:spPr>
         <p:txBody>
           <a:bodyPr/>
           <a:lstStyle/>
           <a:p>
             <a:r>
               <a:rPr lang="en-US" dirty="0"/>
-              <a:t>A list argument is a reference to the list past in and so modifying the list contents modifies the caller’s perspective as well</a:t>
-            </a:r>
-          </a:p>
-          <a:p>
-            <a:endParaRPr lang="en-US" dirty="0"/>
-          </a:p>
-          <a:p>
-            <a:endParaRPr lang="en-US" dirty="0"/>
-          </a:p>
-          <a:p>
-            <a:endParaRPr lang="en-US" dirty="0"/>
-          </a:p>
-          <a:p>
-            <a:endParaRPr lang="en-US" dirty="0"/>
-          </a:p>
-          <a:p>
-            <a:endParaRPr lang="en-US" dirty="0"/>
-          </a:p>
-          <a:p>
-            <a:r>
-              <a:rPr lang="en-US" dirty="0"/>
-              <a:t>(More on this in another lecture)</a:t>
-            </a:r>
-          </a:p>
-        </p:txBody>
-      </p:sp>
-      <p:sp>
-        <p:nvSpPr>
-          <p:cNvPr id="4" name="TextBox 3">
-            <a:extLst>
-              <a:ext uri="{FF2B5EF4-FFF2-40B4-BE49-F238E27FC236}">
-                <a16:creationId xmlns:a16="http://schemas.microsoft.com/office/drawing/2014/main" id="{B67D179D-2C17-3D4E-A1BE-450618FAB8D1}"/>
-              </a:ext>
-            </a:extLst>
-          </p:cNvPr>
-          <p:cNvSpPr txBox="1"/>
+              <a:t>Aliasing of data happens a great deal when we pass lists or other data structures to functions</a:t>
+            </a:r>
+          </a:p>
+          <a:p>
+            <a:r>
+              <a:rPr lang="en-US" dirty="0"/>
+              <a:t>E.g., passing list </a:t>
+            </a:r>
+            <a:r>
+              <a:rPr lang="en-US" b="1" dirty="0"/>
+              <a:t>Quantity</a:t>
+            </a:r>
+            <a:r>
+              <a:rPr lang="en-US" dirty="0"/>
+              <a:t> to a function whose argument is called </a:t>
+            </a:r>
+            <a:r>
+              <a:rPr lang="en-US" b="1" dirty="0"/>
+              <a:t>data</a:t>
+            </a:r>
+            <a:r>
+              <a:rPr lang="en-US" dirty="0"/>
+              <a:t> means that the two are aliased</a:t>
+            </a:r>
+          </a:p>
+        </p:txBody>
+      </p:sp>
+      <p:pic>
+        <p:nvPicPr>
+          <p:cNvPr id="8" name="Picture 7" descr="Text&#10;&#10;Description automatically generated with low confidence">
+            <a:extLst>
+              <a:ext uri="{FF2B5EF4-FFF2-40B4-BE49-F238E27FC236}">
+                <a16:creationId xmlns:a16="http://schemas.microsoft.com/office/drawing/2014/main" id="{E29AEAEC-42CC-FA48-B5B6-3ABE42270891}"/>
+              </a:ext>
+            </a:extLst>
+          </p:cNvPr>
+          <p:cNvPicPr>
+            <a:picLocks noChangeAspect="1"/>
+          </p:cNvPicPr>
           <p:nvPr/>
-        </p:nvSpPr>
+        </p:nvPicPr>
+        <p:blipFill>
+          <a:blip r:embed="rId2"/>
+          <a:stretch>
+            <a:fillRect/>
+          </a:stretch>
+        </p:blipFill>
         <p:spPr>
           <a:xfrm>
-            <a:off x="0" y="6492875"/>
-            <a:ext cx="2877711" cy="369332"/>
+            <a:off x="464517" y="3673474"/>
+            <a:ext cx="5842000" cy="2413000"/>
           </a:xfrm>
           <a:prstGeom prst="rect">
             <a:avLst/>
           </a:prstGeom>
-          <a:noFill/>
-        </p:spPr>
-        <p:txBody>
-          <a:bodyPr wrap="none" rtlCol="0">
-            <a:spAutoFit/>
-          </a:bodyPr>
-          <a:lstStyle/>
-          <a:p>
-            <a:r>
-              <a:rPr lang="en-US" dirty="0">
-                <a:hlinkClick r:id="rId2"/>
-              </a:rPr>
-              <a:t>Experiment in </a:t>
-            </a:r>
-            <a:r>
-              <a:rPr lang="en-US" dirty="0" err="1">
-                <a:hlinkClick r:id="rId2"/>
-              </a:rPr>
-              <a:t>pythontutor</a:t>
-            </a:r>
-            <a:endParaRPr lang="en-US" dirty="0"/>
-          </a:p>
-        </p:txBody>
-      </p:sp>
-      <p:sp>
-        <p:nvSpPr>
-          <p:cNvPr id="5" name="TextBox 4">
-            <a:extLst>
-              <a:ext uri="{FF2B5EF4-FFF2-40B4-BE49-F238E27FC236}">
-                <a16:creationId xmlns:a16="http://schemas.microsoft.com/office/drawing/2014/main" id="{B90D50D2-FFAA-4340-844D-0F77CCE97246}"/>
-              </a:ext>
-            </a:extLst>
-          </p:cNvPr>
-          <p:cNvSpPr txBox="1"/>
-          <p:nvPr/>
-        </p:nvSpPr>
-        <p:spPr>
-          <a:xfrm>
-            <a:off x="2015248" y="2937620"/>
-            <a:ext cx="8510663" cy="2308324"/>
-          </a:xfrm>
-          <a:prstGeom prst="rect">
-            <a:avLst/>
-          </a:prstGeom>
-          <a:noFill/>
-        </p:spPr>
-        <p:txBody>
-          <a:bodyPr wrap="none" rtlCol="0">
-            <a:spAutoFit/>
-          </a:bodyPr>
-          <a:lstStyle/>
-          <a:p>
-            <a:r>
-              <a:rPr lang="en-US" sz="2400" dirty="0">
-                <a:latin typeface="Consolas" panose="020B0609020204030204" pitchFamily="49" charset="0"/>
-                <a:cs typeface="Consolas" panose="020B0609020204030204" pitchFamily="49" charset="0"/>
-              </a:rPr>
-              <a:t>def </a:t>
-            </a:r>
-            <a:r>
-              <a:rPr lang="en-US" sz="2400" dirty="0" err="1">
-                <a:latin typeface="Consolas" panose="020B0609020204030204" pitchFamily="49" charset="0"/>
-                <a:cs typeface="Consolas" panose="020B0609020204030204" pitchFamily="49" charset="0"/>
-              </a:rPr>
-              <a:t>badsum</a:t>
-            </a:r>
-            <a:r>
-              <a:rPr lang="en-US" sz="2400" dirty="0">
-                <a:latin typeface="Consolas" panose="020B0609020204030204" pitchFamily="49" charset="0"/>
-                <a:cs typeface="Consolas" panose="020B0609020204030204" pitchFamily="49" charset="0"/>
-              </a:rPr>
-              <a:t>(data):</a:t>
-            </a:r>
-          </a:p>
-          <a:p>
-            <a:r>
-              <a:rPr lang="en-US" sz="2400" dirty="0">
-                <a:latin typeface="Consolas" panose="020B0609020204030204" pitchFamily="49" charset="0"/>
-                <a:cs typeface="Consolas" panose="020B0609020204030204" pitchFamily="49" charset="0"/>
-              </a:rPr>
-              <a:t>    data[0] = 99 # alters global variable as well</a:t>
-            </a:r>
-          </a:p>
-          <a:p>
-            <a:r>
-              <a:rPr lang="en-US" sz="2400" dirty="0">
-                <a:latin typeface="Consolas" panose="020B0609020204030204" pitchFamily="49" charset="0"/>
-                <a:cs typeface="Consolas" panose="020B0609020204030204" pitchFamily="49" charset="0"/>
-              </a:rPr>
-              <a:t>    s = 0</a:t>
-            </a:r>
-          </a:p>
-          <a:p>
-            <a:r>
-              <a:rPr lang="en-US" sz="2400" dirty="0">
-                <a:latin typeface="Consolas" panose="020B0609020204030204" pitchFamily="49" charset="0"/>
-                <a:cs typeface="Consolas" panose="020B0609020204030204" pitchFamily="49" charset="0"/>
-              </a:rPr>
-              <a:t>    for q in data:</a:t>
-            </a:r>
-          </a:p>
-          <a:p>
-            <a:r>
-              <a:rPr lang="en-US" sz="2400" dirty="0">
-                <a:latin typeface="Consolas" panose="020B0609020204030204" pitchFamily="49" charset="0"/>
-                <a:cs typeface="Consolas" panose="020B0609020204030204" pitchFamily="49" charset="0"/>
-              </a:rPr>
-              <a:t>        s = s + q</a:t>
-            </a:r>
-          </a:p>
-          <a:p>
-            <a:r>
-              <a:rPr lang="en-US" sz="2400" dirty="0">
-                <a:latin typeface="Consolas" panose="020B0609020204030204" pitchFamily="49" charset="0"/>
-                <a:cs typeface="Consolas" panose="020B0609020204030204" pitchFamily="49" charset="0"/>
-              </a:rPr>
-              <a:t>    return s</a:t>
-            </a:r>
-          </a:p>
-        </p:txBody>
-      </p:sp>
+        </p:spPr>
+      </p:pic>
       <p:pic>
         <p:nvPicPr>
-          <p:cNvPr id="6" name="Picture 5" descr="Table&#10;&#10;Description automatically generated">
-            <a:extLst>
-              <a:ext uri="{FF2B5EF4-FFF2-40B4-BE49-F238E27FC236}">
-                <a16:creationId xmlns:a16="http://schemas.microsoft.com/office/drawing/2014/main" id="{E19C2C55-29A4-824B-B556-632D90F0B5D4}"/>
+          <p:cNvPr id="10" name="Picture 9" descr="Diagram&#10;&#10;Description automatically generated">
+            <a:extLst>
+              <a:ext uri="{FF2B5EF4-FFF2-40B4-BE49-F238E27FC236}">
+                <a16:creationId xmlns:a16="http://schemas.microsoft.com/office/drawing/2014/main" id="{9B60F5BD-1FFD-474B-981C-28FC8CE70633}"/>
               </a:ext>
             </a:extLst>
           </p:cNvPr>
@@ -8367,8 +8268,8 @@
         </p:blipFill>
         <p:spPr>
           <a:xfrm>
-            <a:off x="6553200" y="4170363"/>
-            <a:ext cx="5422900" cy="2006600"/>
+            <a:off x="6680200" y="3673474"/>
+            <a:ext cx="5295900" cy="2362200"/>
           </a:xfrm>
           <a:prstGeom prst="rect">
             <a:avLst/>
@@ -8378,7 +8279,7 @@
     </p:spTree>
     <p:extLst>
       <p:ext uri="{BB962C8B-B14F-4D97-AF65-F5344CB8AC3E}">
-        <p14:creationId xmlns:p14="http://schemas.microsoft.com/office/powerpoint/2010/main" val="2670141801"/>
+        <p14:creationId xmlns:p14="http://schemas.microsoft.com/office/powerpoint/2010/main" val="3396638526"/>
       </p:ext>
     </p:extLst>
   </p:cSld>
@@ -8410,7 +8311,7 @@
           <p:cNvPr id="2" name="Title 1">
             <a:extLst>
               <a:ext uri="{FF2B5EF4-FFF2-40B4-BE49-F238E27FC236}">
-                <a16:creationId xmlns:a16="http://schemas.microsoft.com/office/drawing/2014/main" id="{7CB45845-888F-484D-A674-917F0C82D90F}"/>
+                <a16:creationId xmlns:a16="http://schemas.microsoft.com/office/drawing/2014/main" id="{7983FAB1-DD73-7940-86CF-8C9F21E9F098}"/>
               </a:ext>
             </a:extLst>
           </p:cNvPr>
@@ -8428,7 +8329,7 @@
           <a:p>
             <a:r>
               <a:rPr lang="en-US" dirty="0"/>
-              <a:t>Visibility rules</a:t>
+              <a:t>Watch out for functions that modify data structure arguments</a:t>
             </a:r>
           </a:p>
         </p:txBody>
@@ -8438,7 +8339,7 @@
           <p:cNvPr id="3" name="Content Placeholder 2">
             <a:extLst>
               <a:ext uri="{FF2B5EF4-FFF2-40B4-BE49-F238E27FC236}">
-                <a16:creationId xmlns:a16="http://schemas.microsoft.com/office/drawing/2014/main" id="{0FEF18F5-1844-3645-96BE-6DD553B95A21}"/>
+                <a16:creationId xmlns:a16="http://schemas.microsoft.com/office/drawing/2014/main" id="{200D534C-F4DF-A847-98B9-5028725392DB}"/>
               </a:ext>
             </a:extLst>
           </p:cNvPr>
@@ -8456,21 +8357,207 @@
           <a:p>
             <a:r>
               <a:rPr lang="en-US" dirty="0"/>
-              <a:t>Main programs cannot see variables and arguments inside functions; just because a main program can call a function, doesn't mean it can see the inner workings</a:t>
-            </a:r>
-          </a:p>
-          <a:p>
-            <a:r>
-              <a:rPr lang="en-US" dirty="0"/>
-              <a:t>Functions can technically see global variables but don't do this as a rule; instead, pass the global variables that you need to each function as arguments</a:t>
-            </a:r>
-          </a:p>
-        </p:txBody>
-      </p:sp>
+              <a:t>A list argument is a reference to the list past in and so modifying the list contents modifies the caller’s perspective as well</a:t>
+            </a:r>
+          </a:p>
+          <a:p>
+            <a:endParaRPr lang="en-US" dirty="0"/>
+          </a:p>
+          <a:p>
+            <a:endParaRPr lang="en-US" dirty="0"/>
+          </a:p>
+          <a:p>
+            <a:endParaRPr lang="en-US" dirty="0"/>
+          </a:p>
+          <a:p>
+            <a:endParaRPr lang="en-US" dirty="0"/>
+          </a:p>
+          <a:p>
+            <a:endParaRPr lang="en-US" dirty="0"/>
+          </a:p>
+          <a:p>
+            <a:pPr marL="0" indent="0">
+              <a:buNone/>
+            </a:pPr>
+            <a:endParaRPr lang="en-US" dirty="0"/>
+          </a:p>
+        </p:txBody>
+      </p:sp>
+      <p:sp>
+        <p:nvSpPr>
+          <p:cNvPr id="4" name="TextBox 3">
+            <a:extLst>
+              <a:ext uri="{FF2B5EF4-FFF2-40B4-BE49-F238E27FC236}">
+                <a16:creationId xmlns:a16="http://schemas.microsoft.com/office/drawing/2014/main" id="{B67D179D-2C17-3D4E-A1BE-450618FAB8D1}"/>
+              </a:ext>
+            </a:extLst>
+          </p:cNvPr>
+          <p:cNvSpPr txBox="1"/>
+          <p:nvPr/>
+        </p:nvSpPr>
+        <p:spPr>
+          <a:xfrm>
+            <a:off x="0" y="6492875"/>
+            <a:ext cx="2877711" cy="369332"/>
+          </a:xfrm>
+          <a:prstGeom prst="rect">
+            <a:avLst/>
+          </a:prstGeom>
+          <a:noFill/>
+        </p:spPr>
+        <p:txBody>
+          <a:bodyPr wrap="none" rtlCol="0">
+            <a:spAutoFit/>
+          </a:bodyPr>
+          <a:lstStyle/>
+          <a:p>
+            <a:r>
+              <a:rPr lang="en-US" dirty="0">
+                <a:hlinkClick r:id="rId2"/>
+              </a:rPr>
+              <a:t>Experiment in </a:t>
+            </a:r>
+            <a:r>
+              <a:rPr lang="en-US" dirty="0" err="1">
+                <a:hlinkClick r:id="rId2"/>
+              </a:rPr>
+              <a:t>pythontutor</a:t>
+            </a:r>
+            <a:endParaRPr lang="en-US" dirty="0"/>
+          </a:p>
+        </p:txBody>
+      </p:sp>
+      <p:sp>
+        <p:nvSpPr>
+          <p:cNvPr id="5" name="TextBox 4">
+            <a:extLst>
+              <a:ext uri="{FF2B5EF4-FFF2-40B4-BE49-F238E27FC236}">
+                <a16:creationId xmlns:a16="http://schemas.microsoft.com/office/drawing/2014/main" id="{B90D50D2-FFAA-4340-844D-0F77CCE97246}"/>
+              </a:ext>
+            </a:extLst>
+          </p:cNvPr>
+          <p:cNvSpPr txBox="1"/>
+          <p:nvPr/>
+        </p:nvSpPr>
+        <p:spPr>
+          <a:xfrm>
+            <a:off x="1071030" y="2865339"/>
+            <a:ext cx="8510663" cy="2308324"/>
+          </a:xfrm>
+          <a:prstGeom prst="rect">
+            <a:avLst/>
+          </a:prstGeom>
+          <a:noFill/>
+        </p:spPr>
+        <p:txBody>
+          <a:bodyPr wrap="none" rtlCol="0">
+            <a:spAutoFit/>
+          </a:bodyPr>
+          <a:lstStyle/>
+          <a:p>
+            <a:r>
+              <a:rPr lang="en-US" sz="2400" dirty="0">
+                <a:latin typeface="Consolas" panose="020B0609020204030204" pitchFamily="49" charset="0"/>
+                <a:cs typeface="Consolas" panose="020B0609020204030204" pitchFamily="49" charset="0"/>
+              </a:rPr>
+              <a:t>def </a:t>
+            </a:r>
+            <a:r>
+              <a:rPr lang="en-US" sz="2400" dirty="0" err="1">
+                <a:latin typeface="Consolas" panose="020B0609020204030204" pitchFamily="49" charset="0"/>
+                <a:cs typeface="Consolas" panose="020B0609020204030204" pitchFamily="49" charset="0"/>
+              </a:rPr>
+              <a:t>badsum</a:t>
+            </a:r>
+            <a:r>
+              <a:rPr lang="en-US" sz="2400" dirty="0">
+                <a:latin typeface="Consolas" panose="020B0609020204030204" pitchFamily="49" charset="0"/>
+                <a:cs typeface="Consolas" panose="020B0609020204030204" pitchFamily="49" charset="0"/>
+              </a:rPr>
+              <a:t>(data):</a:t>
+            </a:r>
+          </a:p>
+          <a:p>
+            <a:r>
+              <a:rPr lang="en-US" sz="2400" dirty="0">
+                <a:latin typeface="Consolas" panose="020B0609020204030204" pitchFamily="49" charset="0"/>
+                <a:cs typeface="Consolas" panose="020B0609020204030204" pitchFamily="49" charset="0"/>
+              </a:rPr>
+              <a:t>    data[0] = 99 # alters global variable as well</a:t>
+            </a:r>
+          </a:p>
+          <a:p>
+            <a:r>
+              <a:rPr lang="en-US" sz="2400" dirty="0">
+                <a:latin typeface="Consolas" panose="020B0609020204030204" pitchFamily="49" charset="0"/>
+                <a:cs typeface="Consolas" panose="020B0609020204030204" pitchFamily="49" charset="0"/>
+              </a:rPr>
+              <a:t>    s = 0</a:t>
+            </a:r>
+          </a:p>
+          <a:p>
+            <a:r>
+              <a:rPr lang="en-US" sz="2400" dirty="0">
+                <a:latin typeface="Consolas" panose="020B0609020204030204" pitchFamily="49" charset="0"/>
+                <a:cs typeface="Consolas" panose="020B0609020204030204" pitchFamily="49" charset="0"/>
+              </a:rPr>
+              <a:t>    for q in data:</a:t>
+            </a:r>
+          </a:p>
+          <a:p>
+            <a:r>
+              <a:rPr lang="en-US" sz="2400" dirty="0">
+                <a:latin typeface="Consolas" panose="020B0609020204030204" pitchFamily="49" charset="0"/>
+                <a:cs typeface="Consolas" panose="020B0609020204030204" pitchFamily="49" charset="0"/>
+              </a:rPr>
+              <a:t>        s = s + q</a:t>
+            </a:r>
+          </a:p>
+          <a:p>
+            <a:r>
+              <a:rPr lang="en-US" sz="2400" dirty="0">
+                <a:latin typeface="Consolas" panose="020B0609020204030204" pitchFamily="49" charset="0"/>
+                <a:cs typeface="Consolas" panose="020B0609020204030204" pitchFamily="49" charset="0"/>
+              </a:rPr>
+              <a:t>    return s</a:t>
+            </a:r>
+          </a:p>
+        </p:txBody>
+      </p:sp>
+      <p:pic>
+        <p:nvPicPr>
+          <p:cNvPr id="6" name="Picture 5" descr="Table&#10;&#10;Description automatically generated">
+            <a:extLst>
+              <a:ext uri="{FF2B5EF4-FFF2-40B4-BE49-F238E27FC236}">
+                <a16:creationId xmlns:a16="http://schemas.microsoft.com/office/drawing/2014/main" id="{E19C2C55-29A4-824B-B556-632D90F0B5D4}"/>
+              </a:ext>
+            </a:extLst>
+          </p:cNvPr>
+          <p:cNvPicPr>
+            <a:picLocks noChangeAspect="1"/>
+          </p:cNvPicPr>
+          <p:nvPr/>
+        </p:nvPicPr>
+        <p:blipFill>
+          <a:blip r:embed="rId3"/>
+          <a:stretch>
+            <a:fillRect/>
+          </a:stretch>
+        </p:blipFill>
+        <p:spPr>
+          <a:xfrm>
+            <a:off x="5459895" y="4019501"/>
+            <a:ext cx="5422900" cy="2006600"/>
+          </a:xfrm>
+          <a:prstGeom prst="rect">
+            <a:avLst/>
+          </a:prstGeom>
+        </p:spPr>
+      </p:pic>
     </p:spTree>
     <p:extLst>
       <p:ext uri="{BB962C8B-B14F-4D97-AF65-F5344CB8AC3E}">
-        <p14:creationId xmlns:p14="http://schemas.microsoft.com/office/powerpoint/2010/main" val="2658667053"/>
+        <p14:creationId xmlns:p14="http://schemas.microsoft.com/office/powerpoint/2010/main" val="2670141801"/>
       </p:ext>
     </p:extLst>
   </p:cSld>
@@ -8502,7 +8589,7 @@
           <p:cNvPr id="2" name="Title 1">
             <a:extLst>
               <a:ext uri="{FF2B5EF4-FFF2-40B4-BE49-F238E27FC236}">
-                <a16:creationId xmlns:a16="http://schemas.microsoft.com/office/drawing/2014/main" id="{DC433FEA-F796-3C4F-9553-A6290D594406}"/>
+                <a16:creationId xmlns:a16="http://schemas.microsoft.com/office/drawing/2014/main" id="{7CB45845-888F-484D-A674-917F0C82D90F}"/>
               </a:ext>
             </a:extLst>
           </p:cNvPr>
@@ -8520,7 +8607,7 @@
           <a:p>
             <a:r>
               <a:rPr lang="en-US" dirty="0"/>
-              <a:t>How functions return to invocation sites</a:t>
+              <a:t>Visibility rules</a:t>
             </a:r>
           </a:p>
         </p:txBody>
@@ -8530,7 +8617,7 @@
           <p:cNvPr id="3" name="Content Placeholder 2">
             <a:extLst>
               <a:ext uri="{FF2B5EF4-FFF2-40B4-BE49-F238E27FC236}">
-                <a16:creationId xmlns:a16="http://schemas.microsoft.com/office/drawing/2014/main" id="{557D8D30-82C7-0F48-9F65-54C617850442}"/>
+                <a16:creationId xmlns:a16="http://schemas.microsoft.com/office/drawing/2014/main" id="{0FEF18F5-1844-3645-96BE-6DD553B95A21}"/>
               </a:ext>
             </a:extLst>
           </p:cNvPr>
@@ -8548,45 +8635,21 @@
           <a:p>
             <a:r>
               <a:rPr lang="en-US" dirty="0"/>
-              <a:t>Calling a function not only jumps to the function code, it remembers the call site so it can continue where it left off</a:t>
-            </a:r>
-          </a:p>
-        </p:txBody>
-      </p:sp>
-      <p:pic>
-        <p:nvPicPr>
-          <p:cNvPr id="7" name="Picture 6">
-            <a:extLst>
-              <a:ext uri="{FF2B5EF4-FFF2-40B4-BE49-F238E27FC236}">
-                <a16:creationId xmlns:a16="http://schemas.microsoft.com/office/drawing/2014/main" id="{F0071DD0-420D-0644-9F33-AF6502610C5E}"/>
-              </a:ext>
-            </a:extLst>
-          </p:cNvPr>
-          <p:cNvPicPr>
-            <a:picLocks noChangeAspect="1"/>
-          </p:cNvPicPr>
-          <p:nvPr/>
-        </p:nvPicPr>
-        <p:blipFill>
-          <a:blip r:embed="rId2"/>
-          <a:stretch>
-            <a:fillRect/>
-          </a:stretch>
-        </p:blipFill>
-        <p:spPr>
-          <a:xfrm>
-            <a:off x="2708015" y="2860597"/>
-            <a:ext cx="6775969" cy="3149910"/>
-          </a:xfrm>
-          <a:prstGeom prst="rect">
-            <a:avLst/>
-          </a:prstGeom>
-        </p:spPr>
-      </p:pic>
+              <a:t>Main programs cannot see variables and arguments inside functions; just because a main program can call a function, doesn't mean it can see the inner workings</a:t>
+            </a:r>
+          </a:p>
+          <a:p>
+            <a:r>
+              <a:rPr lang="en-US" dirty="0"/>
+              <a:t>Functions can technically see global variables but don't do this as a rule; instead, pass the global variables that you need to each function as arguments</a:t>
+            </a:r>
+          </a:p>
+        </p:txBody>
+      </p:sp>
     </p:spTree>
     <p:extLst>
       <p:ext uri="{BB962C8B-B14F-4D97-AF65-F5344CB8AC3E}">
-        <p14:creationId xmlns:p14="http://schemas.microsoft.com/office/powerpoint/2010/main" val="2763545099"/>
+        <p14:creationId xmlns:p14="http://schemas.microsoft.com/office/powerpoint/2010/main" val="2658667053"/>
       </p:ext>
     </p:extLst>
   </p:cSld>
@@ -8618,6 +8681,122 @@
           <p:cNvPr id="2" name="Title 1">
             <a:extLst>
               <a:ext uri="{FF2B5EF4-FFF2-40B4-BE49-F238E27FC236}">
+                <a16:creationId xmlns:a16="http://schemas.microsoft.com/office/drawing/2014/main" id="{DC433FEA-F796-3C4F-9553-A6290D594406}"/>
+              </a:ext>
+            </a:extLst>
+          </p:cNvPr>
+          <p:cNvSpPr>
+            <a:spLocks noGrp="1"/>
+          </p:cNvSpPr>
+          <p:nvPr>
+            <p:ph type="title"/>
+          </p:nvPr>
+        </p:nvSpPr>
+        <p:spPr/>
+        <p:txBody>
+          <a:bodyPr/>
+          <a:lstStyle/>
+          <a:p>
+            <a:r>
+              <a:rPr lang="en-US" dirty="0"/>
+              <a:t>How functions return to invocation sites</a:t>
+            </a:r>
+          </a:p>
+        </p:txBody>
+      </p:sp>
+      <p:sp>
+        <p:nvSpPr>
+          <p:cNvPr id="3" name="Content Placeholder 2">
+            <a:extLst>
+              <a:ext uri="{FF2B5EF4-FFF2-40B4-BE49-F238E27FC236}">
+                <a16:creationId xmlns:a16="http://schemas.microsoft.com/office/drawing/2014/main" id="{557D8D30-82C7-0F48-9F65-54C617850442}"/>
+              </a:ext>
+            </a:extLst>
+          </p:cNvPr>
+          <p:cNvSpPr>
+            <a:spLocks noGrp="1"/>
+          </p:cNvSpPr>
+          <p:nvPr>
+            <p:ph idx="1"/>
+          </p:nvPr>
+        </p:nvSpPr>
+        <p:spPr/>
+        <p:txBody>
+          <a:bodyPr/>
+          <a:lstStyle/>
+          <a:p>
+            <a:r>
+              <a:rPr lang="en-US" dirty="0"/>
+              <a:t>Calling a function not only jumps to the function code, it remembers the call site so it can continue where it left off</a:t>
+            </a:r>
+          </a:p>
+        </p:txBody>
+      </p:sp>
+      <p:pic>
+        <p:nvPicPr>
+          <p:cNvPr id="7" name="Picture 6">
+            <a:extLst>
+              <a:ext uri="{FF2B5EF4-FFF2-40B4-BE49-F238E27FC236}">
+                <a16:creationId xmlns:a16="http://schemas.microsoft.com/office/drawing/2014/main" id="{F0071DD0-420D-0644-9F33-AF6502610C5E}"/>
+              </a:ext>
+            </a:extLst>
+          </p:cNvPr>
+          <p:cNvPicPr>
+            <a:picLocks noChangeAspect="1"/>
+          </p:cNvPicPr>
+          <p:nvPr/>
+        </p:nvPicPr>
+        <p:blipFill>
+          <a:blip r:embed="rId2"/>
+          <a:stretch>
+            <a:fillRect/>
+          </a:stretch>
+        </p:blipFill>
+        <p:spPr>
+          <a:xfrm>
+            <a:off x="2708015" y="2860597"/>
+            <a:ext cx="6775969" cy="3149910"/>
+          </a:xfrm>
+          <a:prstGeom prst="rect">
+            <a:avLst/>
+          </a:prstGeom>
+        </p:spPr>
+      </p:pic>
+    </p:spTree>
+    <p:extLst>
+      <p:ext uri="{BB962C8B-B14F-4D97-AF65-F5344CB8AC3E}">
+        <p14:creationId xmlns:p14="http://schemas.microsoft.com/office/powerpoint/2010/main" val="2763545099"/>
+      </p:ext>
+    </p:extLst>
+  </p:cSld>
+  <p:clrMapOvr>
+    <a:masterClrMapping/>
+  </p:clrMapOvr>
+</p:sld>
+</file>
+
+<file path=ppt/slides/slide26.xml><?xml version="1.0" encoding="utf-8"?>
+<p:sld xmlns:a="http://schemas.openxmlformats.org/drawingml/2006/main" xmlns:r="http://schemas.openxmlformats.org/officeDocument/2006/relationships" xmlns:p="http://schemas.openxmlformats.org/presentationml/2006/main">
+  <p:cSld>
+    <p:spTree>
+      <p:nvGrpSpPr>
+        <p:cNvPr id="1" name=""/>
+        <p:cNvGrpSpPr/>
+        <p:nvPr/>
+      </p:nvGrpSpPr>
+      <p:grpSpPr>
+        <a:xfrm>
+          <a:off x="0" y="0"/>
+          <a:ext cx="0" cy="0"/>
+          <a:chOff x="0" y="0"/>
+          <a:chExt cx="0" cy="0"/>
+        </a:xfrm>
+      </p:grpSpPr>
+      <p:sp>
+        <p:nvSpPr>
+          <p:cNvPr id="2" name="Title 1">
+            <a:extLst>
+              <a:ext uri="{FF2B5EF4-FFF2-40B4-BE49-F238E27FC236}">
                 <a16:creationId xmlns:a16="http://schemas.microsoft.com/office/drawing/2014/main" id="{020E53E1-851D-C645-A59F-FEA87B5ED714}"/>
               </a:ext>
             </a:extLst>
@@ -8892,7 +9071,7 @@
 </p:sld>
 </file>
 
-<file path=ppt/slides/slide26.xml><?xml version="1.0" encoding="utf-8"?>
+<file path=ppt/slides/slide27.xml><?xml version="1.0" encoding="utf-8"?>
 <p:sld xmlns:a="http://schemas.openxmlformats.org/drawingml/2006/main" xmlns:r="http://schemas.openxmlformats.org/officeDocument/2006/relationships" xmlns:p="http://schemas.openxmlformats.org/presentationml/2006/main">
   <p:cSld>
     <p:spTree>

--- a/slides/functions.pptx
+++ b/slides/functions.pptx
@@ -5,10 +5,10 @@
     <p:sldMasterId id="2147483672" r:id="rId1"/>
   </p:sldMasterIdLst>
   <p:notesMasterIdLst>
-    <p:notesMasterId r:id="rId29"/>
+    <p:notesMasterId r:id="rId30"/>
   </p:notesMasterIdLst>
   <p:handoutMasterIdLst>
-    <p:handoutMasterId r:id="rId30"/>
+    <p:handoutMasterId r:id="rId31"/>
   </p:handoutMasterIdLst>
   <p:sldIdLst>
     <p:sldId id="256" r:id="rId2"/>
@@ -35,9 +35,10 @@
     <p:sldId id="283" r:id="rId23"/>
     <p:sldId id="280" r:id="rId24"/>
     <p:sldId id="282" r:id="rId25"/>
-    <p:sldId id="281" r:id="rId26"/>
-    <p:sldId id="257" r:id="rId27"/>
-    <p:sldId id="258" r:id="rId28"/>
+    <p:sldId id="284" r:id="rId26"/>
+    <p:sldId id="281" r:id="rId27"/>
+    <p:sldId id="257" r:id="rId28"/>
+    <p:sldId id="258" r:id="rId29"/>
   </p:sldIdLst>
   <p:sldSz cx="12192000" cy="6858000"/>
   <p:notesSz cx="9144000" cy="6858000"/>
@@ -232,7 +233,7 @@
           <a:p>
             <a:fld id="{8A1B613A-EFF1-404F-BEE8-EFAE84A4E5E2}" type="datetimeFigureOut">
               <a:rPr lang="en-US" smtClean="0"/>
-              <a:t>6/22/21</a:t>
+              <a:t>7/20/21</a:t>
             </a:fld>
             <a:endParaRPr lang="en-US"/>
           </a:p>
@@ -397,7 +398,7 @@
           <a:p>
             <a:fld id="{690847EA-AC25-3D4E-89E1-FD3F6A9702B6}" type="datetimeFigureOut">
               <a:rPr lang="en-US" smtClean="0"/>
-              <a:t>6/22/21</a:t>
+              <a:t>7/20/21</a:t>
             </a:fld>
             <a:endParaRPr lang="en-US"/>
           </a:p>
@@ -811,7 +812,7 @@
           <a:p>
             <a:fld id="{BE5295ED-3BAF-1140-8495-3D368771D6B1}" type="datetimeFigureOut">
               <a:rPr lang="en-US" smtClean="0"/>
-              <a:t>6/22/21</a:t>
+              <a:t>7/20/21</a:t>
             </a:fld>
             <a:endParaRPr lang="en-US"/>
           </a:p>
@@ -1009,7 +1010,7 @@
           <a:p>
             <a:fld id="{BE5295ED-3BAF-1140-8495-3D368771D6B1}" type="datetimeFigureOut">
               <a:rPr lang="en-US" smtClean="0"/>
-              <a:t>6/22/21</a:t>
+              <a:t>7/20/21</a:t>
             </a:fld>
             <a:endParaRPr lang="en-US"/>
           </a:p>
@@ -1217,7 +1218,7 @@
           <a:p>
             <a:fld id="{BE5295ED-3BAF-1140-8495-3D368771D6B1}" type="datetimeFigureOut">
               <a:rPr lang="en-US" smtClean="0"/>
-              <a:t>6/22/21</a:t>
+              <a:t>7/20/21</a:t>
             </a:fld>
             <a:endParaRPr lang="en-US"/>
           </a:p>
@@ -1415,7 +1416,7 @@
           <a:p>
             <a:fld id="{BE5295ED-3BAF-1140-8495-3D368771D6B1}" type="datetimeFigureOut">
               <a:rPr lang="en-US" smtClean="0"/>
-              <a:t>6/22/21</a:t>
+              <a:t>7/20/21</a:t>
             </a:fld>
             <a:endParaRPr lang="en-US"/>
           </a:p>
@@ -1690,7 +1691,7 @@
           <a:p>
             <a:fld id="{BE5295ED-3BAF-1140-8495-3D368771D6B1}" type="datetimeFigureOut">
               <a:rPr lang="en-US" smtClean="0"/>
-              <a:t>6/22/21</a:t>
+              <a:t>7/20/21</a:t>
             </a:fld>
             <a:endParaRPr lang="en-US"/>
           </a:p>
@@ -1955,7 +1956,7 @@
           <a:p>
             <a:fld id="{BE5295ED-3BAF-1140-8495-3D368771D6B1}" type="datetimeFigureOut">
               <a:rPr lang="en-US" smtClean="0"/>
-              <a:t>6/22/21</a:t>
+              <a:t>7/20/21</a:t>
             </a:fld>
             <a:endParaRPr lang="en-US"/>
           </a:p>
@@ -2367,7 +2368,7 @@
           <a:p>
             <a:fld id="{BE5295ED-3BAF-1140-8495-3D368771D6B1}" type="datetimeFigureOut">
               <a:rPr lang="en-US" smtClean="0"/>
-              <a:t>6/22/21</a:t>
+              <a:t>7/20/21</a:t>
             </a:fld>
             <a:endParaRPr lang="en-US"/>
           </a:p>
@@ -2508,7 +2509,7 @@
           <a:p>
             <a:fld id="{BE5295ED-3BAF-1140-8495-3D368771D6B1}" type="datetimeFigureOut">
               <a:rPr lang="en-US" smtClean="0"/>
-              <a:t>6/22/21</a:t>
+              <a:t>7/20/21</a:t>
             </a:fld>
             <a:endParaRPr lang="en-US"/>
           </a:p>
@@ -2621,7 +2622,7 @@
           <a:p>
             <a:fld id="{BE5295ED-3BAF-1140-8495-3D368771D6B1}" type="datetimeFigureOut">
               <a:rPr lang="en-US" smtClean="0"/>
-              <a:t>6/22/21</a:t>
+              <a:t>7/20/21</a:t>
             </a:fld>
             <a:endParaRPr lang="en-US"/>
           </a:p>
@@ -2932,7 +2933,7 @@
           <a:p>
             <a:fld id="{BE5295ED-3BAF-1140-8495-3D368771D6B1}" type="datetimeFigureOut">
               <a:rPr lang="en-US" smtClean="0"/>
-              <a:t>6/22/21</a:t>
+              <a:t>7/20/21</a:t>
             </a:fld>
             <a:endParaRPr lang="en-US"/>
           </a:p>
@@ -3223,7 +3224,7 @@
           <a:p>
             <a:fld id="{BE5295ED-3BAF-1140-8495-3D368771D6B1}" type="datetimeFigureOut">
               <a:rPr lang="en-US" smtClean="0"/>
-              <a:t>6/22/21</a:t>
+              <a:t>7/20/21</a:t>
             </a:fld>
             <a:endParaRPr lang="en-US"/>
           </a:p>
@@ -3464,7 +3465,7 @@
           <a:p>
             <a:fld id="{BE5295ED-3BAF-1140-8495-3D368771D6B1}" type="datetimeFigureOut">
               <a:rPr lang="en-US" smtClean="0"/>
-              <a:t>6/22/21</a:t>
+              <a:t>7/20/21</a:t>
             </a:fld>
             <a:endParaRPr lang="en-US"/>
           </a:p>
@@ -8681,7 +8682,7 @@
           <p:cNvPr id="2" name="Title 1">
             <a:extLst>
               <a:ext uri="{FF2B5EF4-FFF2-40B4-BE49-F238E27FC236}">
-                <a16:creationId xmlns:a16="http://schemas.microsoft.com/office/drawing/2014/main" id="{DC433FEA-F796-3C4F-9553-A6290D594406}"/>
+                <a16:creationId xmlns:a16="http://schemas.microsoft.com/office/drawing/2014/main" id="{ADF0D47D-91FD-E847-B469-22991C3A8536}"/>
               </a:ext>
             </a:extLst>
           </p:cNvPr>
@@ -8699,17 +8700,17 @@
           <a:p>
             <a:r>
               <a:rPr lang="en-US" dirty="0"/>
-              <a:t>How functions return to invocation sites</a:t>
-            </a:r>
-          </a:p>
-        </p:txBody>
-      </p:sp>
-      <p:sp>
-        <p:nvSpPr>
-          <p:cNvPr id="3" name="Content Placeholder 2">
-            <a:extLst>
-              <a:ext uri="{FF2B5EF4-FFF2-40B4-BE49-F238E27FC236}">
-                <a16:creationId xmlns:a16="http://schemas.microsoft.com/office/drawing/2014/main" id="{557D8D30-82C7-0F48-9F65-54C617850442}"/>
+              <a:t>Global vs local variables</a:t>
+            </a:r>
+          </a:p>
+        </p:txBody>
+      </p:sp>
+      <p:sp>
+        <p:nvSpPr>
+          <p:cNvPr id="7" name="Content Placeholder 6">
+            <a:extLst>
+              <a:ext uri="{FF2B5EF4-FFF2-40B4-BE49-F238E27FC236}">
+                <a16:creationId xmlns:a16="http://schemas.microsoft.com/office/drawing/2014/main" id="{8FD9722C-E4E1-4E4C-8C96-340756186B51}"/>
               </a:ext>
             </a:extLst>
           </p:cNvPr>
@@ -8727,17 +8728,59 @@
           <a:p>
             <a:r>
               <a:rPr lang="en-US" dirty="0"/>
-              <a:t>Calling a function not only jumps to the function code, it remembers the call site so it can continue where it left off</a:t>
+              <a:t>Assigning to a variable for the first time creates that variable</a:t>
+            </a:r>
+            <a:br>
+              <a:rPr lang="en-US" dirty="0"/>
+            </a:br>
+            <a:r>
+              <a:rPr lang="en-US" dirty="0"/>
+              <a:t>(almost always, that is)</a:t>
+            </a:r>
+          </a:p>
+        </p:txBody>
+      </p:sp>
+      <p:sp>
+        <p:nvSpPr>
+          <p:cNvPr id="9" name="TextBox 8">
+            <a:extLst>
+              <a:ext uri="{FF2B5EF4-FFF2-40B4-BE49-F238E27FC236}">
+                <a16:creationId xmlns:a16="http://schemas.microsoft.com/office/drawing/2014/main" id="{832EDBAD-7AAA-C34F-9FF1-3EF7B050BB0C}"/>
+              </a:ext>
+            </a:extLst>
+          </p:cNvPr>
+          <p:cNvSpPr txBox="1"/>
+          <p:nvPr/>
+        </p:nvSpPr>
+        <p:spPr>
+          <a:xfrm>
+            <a:off x="1155146" y="4969465"/>
+            <a:ext cx="2741456" cy="461665"/>
+          </a:xfrm>
+          <a:prstGeom prst="rect">
+            <a:avLst/>
+          </a:prstGeom>
+          <a:noFill/>
+        </p:spPr>
+        <p:txBody>
+          <a:bodyPr wrap="none" rtlCol="0">
+            <a:spAutoFit/>
+          </a:bodyPr>
+          <a:lstStyle/>
+          <a:p>
+            <a:r>
+              <a:rPr lang="en-US" sz="2400" dirty="0"/>
+              <a:t>What's the output?</a:t>
             </a:r>
           </a:p>
         </p:txBody>
       </p:sp>
       <p:pic>
         <p:nvPicPr>
-          <p:cNvPr id="7" name="Picture 6">
-            <a:extLst>
-              <a:ext uri="{FF2B5EF4-FFF2-40B4-BE49-F238E27FC236}">
-                <a16:creationId xmlns:a16="http://schemas.microsoft.com/office/drawing/2014/main" id="{F0071DD0-420D-0644-9F33-AF6502610C5E}"/>
+          <p:cNvPr id="11" name="Picture 10">
+            <a:extLst>
+              <a:ext uri="{FF2B5EF4-FFF2-40B4-BE49-F238E27FC236}">
+                <a16:creationId xmlns:a16="http://schemas.microsoft.com/office/drawing/2014/main" id="{D8EEEAAE-6437-6348-B81C-0B7C1972ACD5}"/>
               </a:ext>
             </a:extLst>
           </p:cNvPr>
@@ -8754,24 +8797,539 @@
         </p:blipFill>
         <p:spPr>
           <a:xfrm>
-            <a:off x="2708015" y="2860597"/>
-            <a:ext cx="6775969" cy="3149910"/>
+            <a:off x="1165085" y="2787372"/>
+            <a:ext cx="1975679" cy="2182093"/>
           </a:xfrm>
           <a:prstGeom prst="rect">
             <a:avLst/>
           </a:prstGeom>
         </p:spPr>
       </p:pic>
+      <p:pic>
+        <p:nvPicPr>
+          <p:cNvPr id="13" name="Picture 12">
+            <a:extLst>
+              <a:ext uri="{FF2B5EF4-FFF2-40B4-BE49-F238E27FC236}">
+                <a16:creationId xmlns:a16="http://schemas.microsoft.com/office/drawing/2014/main" id="{4E89B40A-DD12-A541-9C8E-7C6F74131B59}"/>
+              </a:ext>
+            </a:extLst>
+          </p:cNvPr>
+          <p:cNvPicPr>
+            <a:picLocks noChangeAspect="1"/>
+          </p:cNvPicPr>
+          <p:nvPr/>
+        </p:nvPicPr>
+        <p:blipFill>
+          <a:blip r:embed="rId3"/>
+          <a:stretch>
+            <a:fillRect/>
+          </a:stretch>
+        </p:blipFill>
+        <p:spPr>
+          <a:xfrm>
+            <a:off x="6390032" y="2700959"/>
+            <a:ext cx="1714500" cy="2171700"/>
+          </a:xfrm>
+          <a:prstGeom prst="rect">
+            <a:avLst/>
+          </a:prstGeom>
+        </p:spPr>
+      </p:pic>
+      <p:sp>
+        <p:nvSpPr>
+          <p:cNvPr id="14" name="TextBox 13">
+            <a:extLst>
+              <a:ext uri="{FF2B5EF4-FFF2-40B4-BE49-F238E27FC236}">
+                <a16:creationId xmlns:a16="http://schemas.microsoft.com/office/drawing/2014/main" id="{89530B14-C65F-554D-B9E1-23C5234144B7}"/>
+              </a:ext>
+            </a:extLst>
+          </p:cNvPr>
+          <p:cNvSpPr txBox="1"/>
+          <p:nvPr/>
+        </p:nvSpPr>
+        <p:spPr>
+          <a:xfrm>
+            <a:off x="6380093" y="4966827"/>
+            <a:ext cx="2741456" cy="461665"/>
+          </a:xfrm>
+          <a:prstGeom prst="rect">
+            <a:avLst/>
+          </a:prstGeom>
+          <a:noFill/>
+        </p:spPr>
+        <p:txBody>
+          <a:bodyPr wrap="none" rtlCol="0">
+            <a:spAutoFit/>
+          </a:bodyPr>
+          <a:lstStyle/>
+          <a:p>
+            <a:r>
+              <a:rPr lang="en-US" sz="2400" dirty="0"/>
+              <a:t>What's the output?</a:t>
+            </a:r>
+          </a:p>
+        </p:txBody>
+      </p:sp>
+      <p:sp>
+        <p:nvSpPr>
+          <p:cNvPr id="15" name="TextBox 14">
+            <a:extLst>
+              <a:ext uri="{FF2B5EF4-FFF2-40B4-BE49-F238E27FC236}">
+                <a16:creationId xmlns:a16="http://schemas.microsoft.com/office/drawing/2014/main" id="{E2D72171-3833-B042-9348-274DEDCA5D91}"/>
+              </a:ext>
+            </a:extLst>
+          </p:cNvPr>
+          <p:cNvSpPr txBox="1"/>
+          <p:nvPr/>
+        </p:nvSpPr>
+        <p:spPr>
+          <a:xfrm>
+            <a:off x="1165085" y="5480903"/>
+            <a:ext cx="527709" cy="830997"/>
+          </a:xfrm>
+          <a:prstGeom prst="rect">
+            <a:avLst/>
+          </a:prstGeom>
+          <a:noFill/>
+        </p:spPr>
+        <p:txBody>
+          <a:bodyPr wrap="none" rtlCol="0">
+            <a:spAutoFit/>
+          </a:bodyPr>
+          <a:lstStyle/>
+          <a:p>
+            <a:r>
+              <a:rPr lang="en-US" sz="2400" b="1" dirty="0">
+                <a:latin typeface="Consolas" panose="020B0609020204030204" pitchFamily="49" charset="0"/>
+                <a:cs typeface="Consolas" panose="020B0609020204030204" pitchFamily="49" charset="0"/>
+              </a:rPr>
+              <a:t>99</a:t>
+            </a:r>
+          </a:p>
+          <a:p>
+            <a:r>
+              <a:rPr lang="en-US" sz="2400" b="1" dirty="0">
+                <a:latin typeface="Consolas" panose="020B0609020204030204" pitchFamily="49" charset="0"/>
+                <a:cs typeface="Consolas" panose="020B0609020204030204" pitchFamily="49" charset="0"/>
+              </a:rPr>
+              <a:t>0</a:t>
+            </a:r>
+          </a:p>
+        </p:txBody>
+      </p:sp>
+      <p:sp>
+        <p:nvSpPr>
+          <p:cNvPr id="16" name="TextBox 15">
+            <a:extLst>
+              <a:ext uri="{FF2B5EF4-FFF2-40B4-BE49-F238E27FC236}">
+                <a16:creationId xmlns:a16="http://schemas.microsoft.com/office/drawing/2014/main" id="{A4D720C9-4EB3-224D-9DA4-3064CF289BC8}"/>
+              </a:ext>
+            </a:extLst>
+          </p:cNvPr>
+          <p:cNvSpPr txBox="1"/>
+          <p:nvPr/>
+        </p:nvSpPr>
+        <p:spPr>
+          <a:xfrm>
+            <a:off x="6390032" y="5350806"/>
+            <a:ext cx="527709" cy="830997"/>
+          </a:xfrm>
+          <a:prstGeom prst="rect">
+            <a:avLst/>
+          </a:prstGeom>
+          <a:noFill/>
+        </p:spPr>
+        <p:txBody>
+          <a:bodyPr wrap="none" rtlCol="0">
+            <a:spAutoFit/>
+          </a:bodyPr>
+          <a:lstStyle/>
+          <a:p>
+            <a:r>
+              <a:rPr lang="en-US" sz="2400" b="1" dirty="0">
+                <a:latin typeface="Consolas" panose="020B0609020204030204" pitchFamily="49" charset="0"/>
+                <a:cs typeface="Consolas" panose="020B0609020204030204" pitchFamily="49" charset="0"/>
+              </a:rPr>
+              <a:t>99</a:t>
+            </a:r>
+          </a:p>
+          <a:p>
+            <a:r>
+              <a:rPr lang="en-US" sz="2400" b="1" dirty="0">
+                <a:latin typeface="Consolas" panose="020B0609020204030204" pitchFamily="49" charset="0"/>
+                <a:cs typeface="Consolas" panose="020B0609020204030204" pitchFamily="49" charset="0"/>
+              </a:rPr>
+              <a:t>99</a:t>
+            </a:r>
+          </a:p>
+        </p:txBody>
+      </p:sp>
+      <p:sp>
+        <p:nvSpPr>
+          <p:cNvPr id="17" name="TextBox 16">
+            <a:extLst>
+              <a:ext uri="{FF2B5EF4-FFF2-40B4-BE49-F238E27FC236}">
+                <a16:creationId xmlns:a16="http://schemas.microsoft.com/office/drawing/2014/main" id="{E525607E-5403-F04E-9FA2-86DB3BF0308E}"/>
+              </a:ext>
+            </a:extLst>
+          </p:cNvPr>
+          <p:cNvSpPr txBox="1"/>
+          <p:nvPr/>
+        </p:nvSpPr>
+        <p:spPr>
+          <a:xfrm>
+            <a:off x="3635298" y="2787372"/>
+            <a:ext cx="1672253" cy="369332"/>
+          </a:xfrm>
+          <a:prstGeom prst="rect">
+            <a:avLst/>
+          </a:prstGeom>
+          <a:noFill/>
+        </p:spPr>
+        <p:txBody>
+          <a:bodyPr wrap="none" rtlCol="0">
+            <a:spAutoFit/>
+          </a:bodyPr>
+          <a:lstStyle/>
+          <a:p>
+            <a:r>
+              <a:rPr lang="en-US" dirty="0"/>
+              <a:t>Creates global</a:t>
+            </a:r>
+          </a:p>
+        </p:txBody>
+      </p:sp>
+      <p:cxnSp>
+        <p:nvCxnSpPr>
+          <p:cNvPr id="18" name="Straight Arrow Connector 17">
+            <a:extLst>
+              <a:ext uri="{FF2B5EF4-FFF2-40B4-BE49-F238E27FC236}">
+                <a16:creationId xmlns:a16="http://schemas.microsoft.com/office/drawing/2014/main" id="{413216F6-8CF8-4547-985E-E12F79C962C5}"/>
+              </a:ext>
+            </a:extLst>
+          </p:cNvPr>
+          <p:cNvCxnSpPr>
+            <a:cxnSpLocks/>
+            <a:stCxn id="17" idx="1"/>
+          </p:cNvCxnSpPr>
+          <p:nvPr/>
+        </p:nvCxnSpPr>
+        <p:spPr>
+          <a:xfrm flipH="1">
+            <a:off x="2074128" y="2972038"/>
+            <a:ext cx="1561170" cy="105699"/>
+          </a:xfrm>
+          <a:prstGeom prst="straightConnector1">
+            <a:avLst/>
+          </a:prstGeom>
+          <a:ln>
+            <a:solidFill>
+              <a:srgbClr val="E4754F"/>
+            </a:solidFill>
+            <a:tailEnd type="triangle"/>
+          </a:ln>
+        </p:spPr>
+        <p:style>
+          <a:lnRef idx="1">
+            <a:schemeClr val="accent1"/>
+          </a:lnRef>
+          <a:fillRef idx="0">
+            <a:schemeClr val="accent1"/>
+          </a:fillRef>
+          <a:effectRef idx="0">
+            <a:schemeClr val="accent1"/>
+          </a:effectRef>
+          <a:fontRef idx="minor">
+            <a:schemeClr val="tx1"/>
+          </a:fontRef>
+        </p:style>
+      </p:cxnSp>
+      <p:sp>
+        <p:nvSpPr>
+          <p:cNvPr id="21" name="TextBox 20">
+            <a:extLst>
+              <a:ext uri="{FF2B5EF4-FFF2-40B4-BE49-F238E27FC236}">
+                <a16:creationId xmlns:a16="http://schemas.microsoft.com/office/drawing/2014/main" id="{039D9C69-D266-8449-9FCB-E969E0154B9A}"/>
+              </a:ext>
+            </a:extLst>
+          </p:cNvPr>
+          <p:cNvSpPr txBox="1"/>
+          <p:nvPr/>
+        </p:nvSpPr>
+        <p:spPr>
+          <a:xfrm>
+            <a:off x="3635298" y="3469603"/>
+            <a:ext cx="1672253" cy="646331"/>
+          </a:xfrm>
+          <a:prstGeom prst="rect">
+            <a:avLst/>
+          </a:prstGeom>
+          <a:noFill/>
+        </p:spPr>
+        <p:txBody>
+          <a:bodyPr wrap="square" rtlCol="0">
+            <a:spAutoFit/>
+          </a:bodyPr>
+          <a:lstStyle/>
+          <a:p>
+            <a:r>
+              <a:rPr lang="en-US" dirty="0"/>
+              <a:t>Creates local or sets global?</a:t>
+            </a:r>
+          </a:p>
+        </p:txBody>
+      </p:sp>
+      <p:cxnSp>
+        <p:nvCxnSpPr>
+          <p:cNvPr id="22" name="Straight Arrow Connector 21">
+            <a:extLst>
+              <a:ext uri="{FF2B5EF4-FFF2-40B4-BE49-F238E27FC236}">
+                <a16:creationId xmlns:a16="http://schemas.microsoft.com/office/drawing/2014/main" id="{3C24AB04-561F-4F49-B350-5F6123A398E5}"/>
+              </a:ext>
+            </a:extLst>
+          </p:cNvPr>
+          <p:cNvCxnSpPr>
+            <a:cxnSpLocks/>
+          </p:cNvCxnSpPr>
+          <p:nvPr/>
+        </p:nvCxnSpPr>
+        <p:spPr>
+          <a:xfrm flipH="1">
+            <a:off x="2776654" y="3687070"/>
+            <a:ext cx="858644" cy="14229"/>
+          </a:xfrm>
+          <a:prstGeom prst="straightConnector1">
+            <a:avLst/>
+          </a:prstGeom>
+          <a:ln>
+            <a:solidFill>
+              <a:srgbClr val="E4754F"/>
+            </a:solidFill>
+            <a:tailEnd type="triangle"/>
+          </a:ln>
+        </p:spPr>
+        <p:style>
+          <a:lnRef idx="1">
+            <a:schemeClr val="accent1"/>
+          </a:lnRef>
+          <a:fillRef idx="0">
+            <a:schemeClr val="accent1"/>
+          </a:fillRef>
+          <a:effectRef idx="0">
+            <a:schemeClr val="accent1"/>
+          </a:effectRef>
+          <a:fontRef idx="minor">
+            <a:schemeClr val="tx1"/>
+          </a:fontRef>
+        </p:style>
+      </p:cxnSp>
     </p:spTree>
     <p:extLst>
       <p:ext uri="{BB962C8B-B14F-4D97-AF65-F5344CB8AC3E}">
-        <p14:creationId xmlns:p14="http://schemas.microsoft.com/office/powerpoint/2010/main" val="2763545099"/>
+        <p14:creationId xmlns:p14="http://schemas.microsoft.com/office/powerpoint/2010/main" val="4060009158"/>
       </p:ext>
     </p:extLst>
   </p:cSld>
   <p:clrMapOvr>
     <a:masterClrMapping/>
   </p:clrMapOvr>
+  <p:timing>
+    <p:tnLst>
+      <p:par>
+        <p:cTn id="1" dur="indefinite" restart="never" nodeType="tmRoot">
+          <p:childTnLst>
+            <p:seq concurrent="1" nextAc="seek">
+              <p:cTn id="2" dur="indefinite" nodeType="mainSeq">
+                <p:childTnLst>
+                  <p:par>
+                    <p:cTn id="3" fill="hold">
+                      <p:stCondLst>
+                        <p:cond delay="indefinite"/>
+                      </p:stCondLst>
+                      <p:childTnLst>
+                        <p:par>
+                          <p:cTn id="4" fill="hold">
+                            <p:stCondLst>
+                              <p:cond delay="0"/>
+                            </p:stCondLst>
+                            <p:childTnLst>
+                              <p:par>
+                                <p:cTn id="5" presetID="1" presetClass="entr" presetSubtype="0" fill="hold" grpId="0" nodeType="clickEffect">
+                                  <p:stCondLst>
+                                    <p:cond delay="0"/>
+                                  </p:stCondLst>
+                                  <p:childTnLst>
+                                    <p:set>
+                                      <p:cBhvr>
+                                        <p:cTn id="6" dur="1" fill="hold">
+                                          <p:stCondLst>
+                                            <p:cond delay="0"/>
+                                          </p:stCondLst>
+                                        </p:cTn>
+                                        <p:tgtEl>
+                                          <p:spTgt spid="15"/>
+                                        </p:tgtEl>
+                                        <p:attrNameLst>
+                                          <p:attrName>style.visibility</p:attrName>
+                                        </p:attrNameLst>
+                                      </p:cBhvr>
+                                      <p:to>
+                                        <p:strVal val="visible"/>
+                                      </p:to>
+                                    </p:set>
+                                  </p:childTnLst>
+                                </p:cTn>
+                              </p:par>
+                            </p:childTnLst>
+                          </p:cTn>
+                        </p:par>
+                      </p:childTnLst>
+                    </p:cTn>
+                  </p:par>
+                  <p:par>
+                    <p:cTn id="7" fill="hold">
+                      <p:stCondLst>
+                        <p:cond delay="indefinite"/>
+                      </p:stCondLst>
+                      <p:childTnLst>
+                        <p:par>
+                          <p:cTn id="8" fill="hold">
+                            <p:stCondLst>
+                              <p:cond delay="0"/>
+                            </p:stCondLst>
+                            <p:childTnLst>
+                              <p:par>
+                                <p:cTn id="9" presetID="1" presetClass="entr" presetSubtype="0" fill="hold" nodeType="clickEffect">
+                                  <p:stCondLst>
+                                    <p:cond delay="0"/>
+                                  </p:stCondLst>
+                                  <p:childTnLst>
+                                    <p:set>
+                                      <p:cBhvr>
+                                        <p:cTn id="10" dur="1" fill="hold">
+                                          <p:stCondLst>
+                                            <p:cond delay="0"/>
+                                          </p:stCondLst>
+                                        </p:cTn>
+                                        <p:tgtEl>
+                                          <p:spTgt spid="13"/>
+                                        </p:tgtEl>
+                                        <p:attrNameLst>
+                                          <p:attrName>style.visibility</p:attrName>
+                                        </p:attrNameLst>
+                                      </p:cBhvr>
+                                      <p:to>
+                                        <p:strVal val="visible"/>
+                                      </p:to>
+                                    </p:set>
+                                  </p:childTnLst>
+                                </p:cTn>
+                              </p:par>
+                              <p:par>
+                                <p:cTn id="11" presetID="1" presetClass="entr" presetSubtype="0" fill="hold" grpId="0" nodeType="withEffect">
+                                  <p:stCondLst>
+                                    <p:cond delay="0"/>
+                                  </p:stCondLst>
+                                  <p:childTnLst>
+                                    <p:set>
+                                      <p:cBhvr>
+                                        <p:cTn id="12" dur="1" fill="hold">
+                                          <p:stCondLst>
+                                            <p:cond delay="0"/>
+                                          </p:stCondLst>
+                                        </p:cTn>
+                                        <p:tgtEl>
+                                          <p:spTgt spid="14"/>
+                                        </p:tgtEl>
+                                        <p:attrNameLst>
+                                          <p:attrName>style.visibility</p:attrName>
+                                        </p:attrNameLst>
+                                      </p:cBhvr>
+                                      <p:to>
+                                        <p:strVal val="visible"/>
+                                      </p:to>
+                                    </p:set>
+                                  </p:childTnLst>
+                                </p:cTn>
+                              </p:par>
+                            </p:childTnLst>
+                          </p:cTn>
+                        </p:par>
+                      </p:childTnLst>
+                    </p:cTn>
+                  </p:par>
+                  <p:par>
+                    <p:cTn id="13" fill="hold">
+                      <p:stCondLst>
+                        <p:cond delay="indefinite"/>
+                      </p:stCondLst>
+                      <p:childTnLst>
+                        <p:par>
+                          <p:cTn id="14" fill="hold">
+                            <p:stCondLst>
+                              <p:cond delay="0"/>
+                            </p:stCondLst>
+                            <p:childTnLst>
+                              <p:par>
+                                <p:cTn id="15" presetID="1" presetClass="entr" presetSubtype="0" fill="hold" grpId="0" nodeType="clickEffect">
+                                  <p:stCondLst>
+                                    <p:cond delay="0"/>
+                                  </p:stCondLst>
+                                  <p:childTnLst>
+                                    <p:set>
+                                      <p:cBhvr>
+                                        <p:cTn id="16" dur="1" fill="hold">
+                                          <p:stCondLst>
+                                            <p:cond delay="0"/>
+                                          </p:stCondLst>
+                                        </p:cTn>
+                                        <p:tgtEl>
+                                          <p:spTgt spid="16"/>
+                                        </p:tgtEl>
+                                        <p:attrNameLst>
+                                          <p:attrName>style.visibility</p:attrName>
+                                        </p:attrNameLst>
+                                      </p:cBhvr>
+                                      <p:to>
+                                        <p:strVal val="visible"/>
+                                      </p:to>
+                                    </p:set>
+                                  </p:childTnLst>
+                                </p:cTn>
+                              </p:par>
+                            </p:childTnLst>
+                          </p:cTn>
+                        </p:par>
+                      </p:childTnLst>
+                    </p:cTn>
+                  </p:par>
+                </p:childTnLst>
+              </p:cTn>
+              <p:prevCondLst>
+                <p:cond evt="onPrev" delay="0">
+                  <p:tgtEl>
+                    <p:sldTgt/>
+                  </p:tgtEl>
+                </p:cond>
+              </p:prevCondLst>
+              <p:nextCondLst>
+                <p:cond evt="onNext" delay="0">
+                  <p:tgtEl>
+                    <p:sldTgt/>
+                  </p:tgtEl>
+                </p:cond>
+              </p:nextCondLst>
+            </p:seq>
+          </p:childTnLst>
+        </p:cTn>
+      </p:par>
+    </p:tnLst>
+    <p:bldLst>
+      <p:bldP spid="14" grpId="0"/>
+      <p:bldP spid="15" grpId="0"/>
+      <p:bldP spid="16" grpId="0"/>
+    </p:bldLst>
+  </p:timing>
 </p:sld>
 </file>
 
@@ -8797,6 +9355,122 @@
           <p:cNvPr id="2" name="Title 1">
             <a:extLst>
               <a:ext uri="{FF2B5EF4-FFF2-40B4-BE49-F238E27FC236}">
+                <a16:creationId xmlns:a16="http://schemas.microsoft.com/office/drawing/2014/main" id="{DC433FEA-F796-3C4F-9553-A6290D594406}"/>
+              </a:ext>
+            </a:extLst>
+          </p:cNvPr>
+          <p:cNvSpPr>
+            <a:spLocks noGrp="1"/>
+          </p:cNvSpPr>
+          <p:nvPr>
+            <p:ph type="title"/>
+          </p:nvPr>
+        </p:nvSpPr>
+        <p:spPr/>
+        <p:txBody>
+          <a:bodyPr/>
+          <a:lstStyle/>
+          <a:p>
+            <a:r>
+              <a:rPr lang="en-US" dirty="0"/>
+              <a:t>How functions return to invocation sites</a:t>
+            </a:r>
+          </a:p>
+        </p:txBody>
+      </p:sp>
+      <p:sp>
+        <p:nvSpPr>
+          <p:cNvPr id="3" name="Content Placeholder 2">
+            <a:extLst>
+              <a:ext uri="{FF2B5EF4-FFF2-40B4-BE49-F238E27FC236}">
+                <a16:creationId xmlns:a16="http://schemas.microsoft.com/office/drawing/2014/main" id="{557D8D30-82C7-0F48-9F65-54C617850442}"/>
+              </a:ext>
+            </a:extLst>
+          </p:cNvPr>
+          <p:cNvSpPr>
+            <a:spLocks noGrp="1"/>
+          </p:cNvSpPr>
+          <p:nvPr>
+            <p:ph idx="1"/>
+          </p:nvPr>
+        </p:nvSpPr>
+        <p:spPr/>
+        <p:txBody>
+          <a:bodyPr/>
+          <a:lstStyle/>
+          <a:p>
+            <a:r>
+              <a:rPr lang="en-US" dirty="0"/>
+              <a:t>Calling a function not only jumps to the function code, it remembers the call site so it can continue where it left off</a:t>
+            </a:r>
+          </a:p>
+        </p:txBody>
+      </p:sp>
+      <p:pic>
+        <p:nvPicPr>
+          <p:cNvPr id="7" name="Picture 6">
+            <a:extLst>
+              <a:ext uri="{FF2B5EF4-FFF2-40B4-BE49-F238E27FC236}">
+                <a16:creationId xmlns:a16="http://schemas.microsoft.com/office/drawing/2014/main" id="{F0071DD0-420D-0644-9F33-AF6502610C5E}"/>
+              </a:ext>
+            </a:extLst>
+          </p:cNvPr>
+          <p:cNvPicPr>
+            <a:picLocks noChangeAspect="1"/>
+          </p:cNvPicPr>
+          <p:nvPr/>
+        </p:nvPicPr>
+        <p:blipFill>
+          <a:blip r:embed="rId2"/>
+          <a:stretch>
+            <a:fillRect/>
+          </a:stretch>
+        </p:blipFill>
+        <p:spPr>
+          <a:xfrm>
+            <a:off x="2708015" y="2860597"/>
+            <a:ext cx="6775969" cy="3149910"/>
+          </a:xfrm>
+          <a:prstGeom prst="rect">
+            <a:avLst/>
+          </a:prstGeom>
+        </p:spPr>
+      </p:pic>
+    </p:spTree>
+    <p:extLst>
+      <p:ext uri="{BB962C8B-B14F-4D97-AF65-F5344CB8AC3E}">
+        <p14:creationId xmlns:p14="http://schemas.microsoft.com/office/powerpoint/2010/main" val="2763545099"/>
+      </p:ext>
+    </p:extLst>
+  </p:cSld>
+  <p:clrMapOvr>
+    <a:masterClrMapping/>
+  </p:clrMapOvr>
+</p:sld>
+</file>
+
+<file path=ppt/slides/slide27.xml><?xml version="1.0" encoding="utf-8"?>
+<p:sld xmlns:a="http://schemas.openxmlformats.org/drawingml/2006/main" xmlns:r="http://schemas.openxmlformats.org/officeDocument/2006/relationships" xmlns:p="http://schemas.openxmlformats.org/presentationml/2006/main">
+  <p:cSld>
+    <p:spTree>
+      <p:nvGrpSpPr>
+        <p:cNvPr id="1" name=""/>
+        <p:cNvGrpSpPr/>
+        <p:nvPr/>
+      </p:nvGrpSpPr>
+      <p:grpSpPr>
+        <a:xfrm>
+          <a:off x="0" y="0"/>
+          <a:ext cx="0" cy="0"/>
+          <a:chOff x="0" y="0"/>
+          <a:chExt cx="0" cy="0"/>
+        </a:xfrm>
+      </p:grpSpPr>
+      <p:sp>
+        <p:nvSpPr>
+          <p:cNvPr id="2" name="Title 1">
+            <a:extLst>
+              <a:ext uri="{FF2B5EF4-FFF2-40B4-BE49-F238E27FC236}">
                 <a16:creationId xmlns:a16="http://schemas.microsoft.com/office/drawing/2014/main" id="{020E53E1-851D-C645-A59F-FEA87B5ED714}"/>
               </a:ext>
             </a:extLst>
@@ -9071,7 +9745,7 @@
 </p:sld>
 </file>
 
-<file path=ppt/slides/slide27.xml><?xml version="1.0" encoding="utf-8"?>
+<file path=ppt/slides/slide28.xml><?xml version="1.0" encoding="utf-8"?>
 <p:sld xmlns:a="http://schemas.openxmlformats.org/drawingml/2006/main" xmlns:r="http://schemas.openxmlformats.org/officeDocument/2006/relationships" xmlns:p="http://schemas.openxmlformats.org/presentationml/2006/main">
   <p:cSld>
     <p:spTree>
@@ -9832,8 +10506,12 @@
           </a:p>
           <a:p>
             <a:r>
-              <a:rPr lang="en-US" dirty="0"/>
-              <a:t>Top-down design: solve overall problem with high-level tasks, then design those subtasks</a:t>
+              <a:rPr lang="en-US" i="1" dirty="0"/>
+              <a:t>Top-down design</a:t>
+            </a:r>
+            <a:r>
+              <a:rPr lang="en-US" dirty="0"/>
+              <a:t>: solve overall problem with high-level tasks, then design those subtasks</a:t>
             </a:r>
           </a:p>
           <a:p>
@@ -9988,6 +10666,13 @@
               <a:rPr lang="en-US" dirty="0"/>
               <a:t>Lets us focus on just the behavior inside the function, which helps reduce what we have to think about at once</a:t>
             </a:r>
+            <a:br>
+              <a:rPr lang="en-US" dirty="0"/>
+            </a:br>
+            <a:r>
+              <a:rPr lang="en-US" dirty="0"/>
+              <a:t>(this is also the motivation to avoid side-effects)</a:t>
+            </a:r>
           </a:p>
           <a:p>
             <a:r>
@@ -10145,13 +10830,27 @@
           <a:p>
             <a:r>
               <a:rPr lang="en-US" dirty="0"/>
-              <a:t>Write some sample function invocations to show what data goes in and what data comes out</a:t>
-            </a:r>
-          </a:p>
-          <a:p>
-            <a:r>
-              <a:rPr lang="en-US" dirty="0"/>
-              <a:t>Then try to work out the steps, possibly working from the return value backwards</a:t>
+              <a:t>Write some sample function invocations to show</a:t>
+            </a:r>
+            <a:br>
+              <a:rPr lang="en-US" dirty="0"/>
+            </a:br>
+            <a:r>
+              <a:rPr lang="en-US" dirty="0"/>
+              <a:t>what data goes in and what data comes out</a:t>
+            </a:r>
+          </a:p>
+          <a:p>
+            <a:r>
+              <a:rPr lang="en-US" dirty="0"/>
+              <a:t>Then try to work out the steps, possibly working</a:t>
+            </a:r>
+            <a:br>
+              <a:rPr lang="en-US" dirty="0"/>
+            </a:br>
+            <a:r>
+              <a:rPr lang="en-US" dirty="0"/>
+              <a:t>from the return value backwards</a:t>
             </a:r>
           </a:p>
           <a:p>
@@ -10162,6 +10861,53 @@
           </a:p>
           <a:p>
             <a:endParaRPr lang="en-US" dirty="0"/>
+          </a:p>
+        </p:txBody>
+      </p:sp>
+      <p:sp>
+        <p:nvSpPr>
+          <p:cNvPr id="4" name="TextBox 3">
+            <a:extLst>
+              <a:ext uri="{FF2B5EF4-FFF2-40B4-BE49-F238E27FC236}">
+                <a16:creationId xmlns:a16="http://schemas.microsoft.com/office/drawing/2014/main" id="{49328112-26F3-6C47-8C8D-11B8DD9D1423}"/>
+              </a:ext>
+            </a:extLst>
+          </p:cNvPr>
+          <p:cNvSpPr txBox="1"/>
+          <p:nvPr/>
+        </p:nvSpPr>
+        <p:spPr>
+          <a:xfrm>
+            <a:off x="8786192" y="3906078"/>
+            <a:ext cx="2315057" cy="830997"/>
+          </a:xfrm>
+          <a:prstGeom prst="rect">
+            <a:avLst/>
+          </a:prstGeom>
+          <a:noFill/>
+        </p:spPr>
+        <p:txBody>
+          <a:bodyPr wrap="none" rtlCol="0">
+            <a:spAutoFit/>
+          </a:bodyPr>
+          <a:lstStyle/>
+          <a:p>
+            <a:r>
+              <a:rPr lang="en-US" sz="2400" dirty="0">
+                <a:latin typeface="Consolas" panose="020B0609020204030204" pitchFamily="49" charset="0"/>
+                <a:cs typeface="Consolas" panose="020B0609020204030204" pitchFamily="49" charset="0"/>
+              </a:rPr>
+              <a:t>pow2(3) ☞ 8</a:t>
+            </a:r>
+          </a:p>
+          <a:p>
+            <a:r>
+              <a:rPr lang="en-US" sz="2400" dirty="0">
+                <a:latin typeface="Consolas" panose="020B0609020204030204" pitchFamily="49" charset="0"/>
+                <a:cs typeface="Consolas" panose="020B0609020204030204" pitchFamily="49" charset="0"/>
+              </a:rPr>
+              <a:t>pow2(8) ☞ 64</a:t>
+            </a:r>
           </a:p>
         </p:txBody>
       </p:sp>

--- a/slides/functions.pptx
+++ b/slides/functions.pptx
@@ -5,10 +5,10 @@
     <p:sldMasterId id="2147483672" r:id="rId1"/>
   </p:sldMasterIdLst>
   <p:notesMasterIdLst>
-    <p:notesMasterId r:id="rId30"/>
+    <p:notesMasterId r:id="rId31"/>
   </p:notesMasterIdLst>
   <p:handoutMasterIdLst>
-    <p:handoutMasterId r:id="rId31"/>
+    <p:handoutMasterId r:id="rId32"/>
   </p:handoutMasterIdLst>
   <p:sldIdLst>
     <p:sldId id="256" r:id="rId2"/>
@@ -36,9 +36,10 @@
     <p:sldId id="280" r:id="rId24"/>
     <p:sldId id="282" r:id="rId25"/>
     <p:sldId id="284" r:id="rId26"/>
-    <p:sldId id="281" r:id="rId27"/>
-    <p:sldId id="257" r:id="rId28"/>
-    <p:sldId id="258" r:id="rId29"/>
+    <p:sldId id="285" r:id="rId27"/>
+    <p:sldId id="281" r:id="rId28"/>
+    <p:sldId id="257" r:id="rId29"/>
+    <p:sldId id="258" r:id="rId30"/>
   </p:sldIdLst>
   <p:sldSz cx="12192000" cy="6858000"/>
   <p:notesSz cx="9144000" cy="6858000"/>
@@ -233,7 +234,7 @@
           <a:p>
             <a:fld id="{8A1B613A-EFF1-404F-BEE8-EFAE84A4E5E2}" type="datetimeFigureOut">
               <a:rPr lang="en-US" smtClean="0"/>
-              <a:t>7/20/21</a:t>
+              <a:t>7/25/21</a:t>
             </a:fld>
             <a:endParaRPr lang="en-US"/>
           </a:p>
@@ -398,7 +399,7 @@
           <a:p>
             <a:fld id="{690847EA-AC25-3D4E-89E1-FD3F6A9702B6}" type="datetimeFigureOut">
               <a:rPr lang="en-US" smtClean="0"/>
-              <a:t>7/20/21</a:t>
+              <a:t>7/25/21</a:t>
             </a:fld>
             <a:endParaRPr lang="en-US"/>
           </a:p>
@@ -812,7 +813,7 @@
           <a:p>
             <a:fld id="{BE5295ED-3BAF-1140-8495-3D368771D6B1}" type="datetimeFigureOut">
               <a:rPr lang="en-US" smtClean="0"/>
-              <a:t>7/20/21</a:t>
+              <a:t>7/25/21</a:t>
             </a:fld>
             <a:endParaRPr lang="en-US"/>
           </a:p>
@@ -1010,7 +1011,7 @@
           <a:p>
             <a:fld id="{BE5295ED-3BAF-1140-8495-3D368771D6B1}" type="datetimeFigureOut">
               <a:rPr lang="en-US" smtClean="0"/>
-              <a:t>7/20/21</a:t>
+              <a:t>7/25/21</a:t>
             </a:fld>
             <a:endParaRPr lang="en-US"/>
           </a:p>
@@ -1218,7 +1219,7 @@
           <a:p>
             <a:fld id="{BE5295ED-3BAF-1140-8495-3D368771D6B1}" type="datetimeFigureOut">
               <a:rPr lang="en-US" smtClean="0"/>
-              <a:t>7/20/21</a:t>
+              <a:t>7/25/21</a:t>
             </a:fld>
             <a:endParaRPr lang="en-US"/>
           </a:p>
@@ -1416,7 +1417,7 @@
           <a:p>
             <a:fld id="{BE5295ED-3BAF-1140-8495-3D368771D6B1}" type="datetimeFigureOut">
               <a:rPr lang="en-US" smtClean="0"/>
-              <a:t>7/20/21</a:t>
+              <a:t>7/25/21</a:t>
             </a:fld>
             <a:endParaRPr lang="en-US"/>
           </a:p>
@@ -1691,7 +1692,7 @@
           <a:p>
             <a:fld id="{BE5295ED-3BAF-1140-8495-3D368771D6B1}" type="datetimeFigureOut">
               <a:rPr lang="en-US" smtClean="0"/>
-              <a:t>7/20/21</a:t>
+              <a:t>7/25/21</a:t>
             </a:fld>
             <a:endParaRPr lang="en-US"/>
           </a:p>
@@ -1956,7 +1957,7 @@
           <a:p>
             <a:fld id="{BE5295ED-3BAF-1140-8495-3D368771D6B1}" type="datetimeFigureOut">
               <a:rPr lang="en-US" smtClean="0"/>
-              <a:t>7/20/21</a:t>
+              <a:t>7/25/21</a:t>
             </a:fld>
             <a:endParaRPr lang="en-US"/>
           </a:p>
@@ -2368,7 +2369,7 @@
           <a:p>
             <a:fld id="{BE5295ED-3BAF-1140-8495-3D368771D6B1}" type="datetimeFigureOut">
               <a:rPr lang="en-US" smtClean="0"/>
-              <a:t>7/20/21</a:t>
+              <a:t>7/25/21</a:t>
             </a:fld>
             <a:endParaRPr lang="en-US"/>
           </a:p>
@@ -2509,7 +2510,7 @@
           <a:p>
             <a:fld id="{BE5295ED-3BAF-1140-8495-3D368771D6B1}" type="datetimeFigureOut">
               <a:rPr lang="en-US" smtClean="0"/>
-              <a:t>7/20/21</a:t>
+              <a:t>7/25/21</a:t>
             </a:fld>
             <a:endParaRPr lang="en-US"/>
           </a:p>
@@ -2622,7 +2623,7 @@
           <a:p>
             <a:fld id="{BE5295ED-3BAF-1140-8495-3D368771D6B1}" type="datetimeFigureOut">
               <a:rPr lang="en-US" smtClean="0"/>
-              <a:t>7/20/21</a:t>
+              <a:t>7/25/21</a:t>
             </a:fld>
             <a:endParaRPr lang="en-US"/>
           </a:p>
@@ -2933,7 +2934,7 @@
           <a:p>
             <a:fld id="{BE5295ED-3BAF-1140-8495-3D368771D6B1}" type="datetimeFigureOut">
               <a:rPr lang="en-US" smtClean="0"/>
-              <a:t>7/20/21</a:t>
+              <a:t>7/25/21</a:t>
             </a:fld>
             <a:endParaRPr lang="en-US"/>
           </a:p>
@@ -3224,7 +3225,7 @@
           <a:p>
             <a:fld id="{BE5295ED-3BAF-1140-8495-3D368771D6B1}" type="datetimeFigureOut">
               <a:rPr lang="en-US" smtClean="0"/>
-              <a:t>7/20/21</a:t>
+              <a:t>7/25/21</a:t>
             </a:fld>
             <a:endParaRPr lang="en-US"/>
           </a:p>
@@ -3465,7 +3466,7 @@
           <a:p>
             <a:fld id="{BE5295ED-3BAF-1140-8495-3D368771D6B1}" type="datetimeFigureOut">
               <a:rPr lang="en-US" smtClean="0"/>
-              <a:t>7/20/21</a:t>
+              <a:t>7/25/21</a:t>
             </a:fld>
             <a:endParaRPr lang="en-US"/>
           </a:p>
@@ -8330,8 +8331,13 @@
           <a:p>
             <a:r>
               <a:rPr lang="en-US" dirty="0"/>
-              <a:t>Watch out for functions that modify data structure arguments</a:t>
-            </a:r>
+              <a:t>Watch out for functions that modify data structure arguments </a:t>
+            </a:r>
+            <a:r>
+              <a:rPr lang="en-US" i="1" dirty="0"/>
+              <a:t>(review)</a:t>
+            </a:r>
+            <a:endParaRPr lang="en-US" dirty="0"/>
           </a:p>
         </p:txBody>
       </p:sp>
@@ -8637,6 +8643,13 @@
             <a:r>
               <a:rPr lang="en-US" dirty="0"/>
               <a:t>Main programs cannot see variables and arguments inside functions; just because a main program can call a function, doesn't mean it can see the inner workings</a:t>
+            </a:r>
+            <a:br>
+              <a:rPr lang="en-US" dirty="0"/>
+            </a:br>
+            <a:r>
+              <a:rPr lang="en-US" dirty="0"/>
+              <a:t>(Information hiding is a key concept for large projects)</a:t>
             </a:r>
           </a:p>
           <a:p>
@@ -9350,68 +9363,12 @@
           <a:chExt cx="0" cy="0"/>
         </a:xfrm>
       </p:grpSpPr>
-      <p:sp>
-        <p:nvSpPr>
-          <p:cNvPr id="2" name="Title 1">
-            <a:extLst>
-              <a:ext uri="{FF2B5EF4-FFF2-40B4-BE49-F238E27FC236}">
-                <a16:creationId xmlns:a16="http://schemas.microsoft.com/office/drawing/2014/main" id="{DC433FEA-F796-3C4F-9553-A6290D594406}"/>
-              </a:ext>
-            </a:extLst>
-          </p:cNvPr>
-          <p:cNvSpPr>
-            <a:spLocks noGrp="1"/>
-          </p:cNvSpPr>
-          <p:nvPr>
-            <p:ph type="title"/>
-          </p:nvPr>
-        </p:nvSpPr>
-        <p:spPr/>
-        <p:txBody>
-          <a:bodyPr/>
-          <a:lstStyle/>
-          <a:p>
-            <a:r>
-              <a:rPr lang="en-US" dirty="0"/>
-              <a:t>How functions return to invocation sites</a:t>
-            </a:r>
-          </a:p>
-        </p:txBody>
-      </p:sp>
-      <p:sp>
-        <p:nvSpPr>
-          <p:cNvPr id="3" name="Content Placeholder 2">
-            <a:extLst>
-              <a:ext uri="{FF2B5EF4-FFF2-40B4-BE49-F238E27FC236}">
-                <a16:creationId xmlns:a16="http://schemas.microsoft.com/office/drawing/2014/main" id="{557D8D30-82C7-0F48-9F65-54C617850442}"/>
-              </a:ext>
-            </a:extLst>
-          </p:cNvPr>
-          <p:cNvSpPr>
-            <a:spLocks noGrp="1"/>
-          </p:cNvSpPr>
-          <p:nvPr>
-            <p:ph idx="1"/>
-          </p:nvPr>
-        </p:nvSpPr>
-        <p:spPr/>
-        <p:txBody>
-          <a:bodyPr/>
-          <a:lstStyle/>
-          <a:p>
-            <a:r>
-              <a:rPr lang="en-US" dirty="0"/>
-              <a:t>Calling a function not only jumps to the function code, it remembers the call site so it can continue where it left off</a:t>
-            </a:r>
-          </a:p>
-        </p:txBody>
-      </p:sp>
       <p:pic>
         <p:nvPicPr>
-          <p:cNvPr id="7" name="Picture 6">
-            <a:extLst>
-              <a:ext uri="{FF2B5EF4-FFF2-40B4-BE49-F238E27FC236}">
-                <a16:creationId xmlns:a16="http://schemas.microsoft.com/office/drawing/2014/main" id="{F0071DD0-420D-0644-9F33-AF6502610C5E}"/>
+          <p:cNvPr id="6" name="Picture 5">
+            <a:extLst>
+              <a:ext uri="{FF2B5EF4-FFF2-40B4-BE49-F238E27FC236}">
+                <a16:creationId xmlns:a16="http://schemas.microsoft.com/office/drawing/2014/main" id="{7B5BB024-1A8B-154E-806F-2A85BEFDB095}"/>
               </a:ext>
             </a:extLst>
           </p:cNvPr>
@@ -9428,8 +9385,372 @@
         </p:blipFill>
         <p:spPr>
           <a:xfrm>
-            <a:off x="2708015" y="2860597"/>
-            <a:ext cx="6775969" cy="3149910"/>
+            <a:off x="6884451" y="2619429"/>
+            <a:ext cx="2133600" cy="1905000"/>
+          </a:xfrm>
+          <a:prstGeom prst="rect">
+            <a:avLst/>
+          </a:prstGeom>
+        </p:spPr>
+      </p:pic>
+      <p:pic>
+        <p:nvPicPr>
+          <p:cNvPr id="10" name="Picture 9">
+            <a:extLst>
+              <a:ext uri="{FF2B5EF4-FFF2-40B4-BE49-F238E27FC236}">
+                <a16:creationId xmlns:a16="http://schemas.microsoft.com/office/drawing/2014/main" id="{E1A1FAB6-581C-EE43-BA13-A532C3A2C6B7}"/>
+              </a:ext>
+            </a:extLst>
+          </p:cNvPr>
+          <p:cNvPicPr>
+            <a:picLocks noChangeAspect="1"/>
+          </p:cNvPicPr>
+          <p:nvPr/>
+        </p:nvPicPr>
+        <p:blipFill>
+          <a:blip r:embed="rId3"/>
+          <a:stretch>
+            <a:fillRect/>
+          </a:stretch>
+        </p:blipFill>
+        <p:spPr>
+          <a:xfrm>
+            <a:off x="1107874" y="2726745"/>
+            <a:ext cx="2835999" cy="1945109"/>
+          </a:xfrm>
+          <a:prstGeom prst="rect">
+            <a:avLst/>
+          </a:prstGeom>
+        </p:spPr>
+      </p:pic>
+      <p:sp>
+        <p:nvSpPr>
+          <p:cNvPr id="2" name="Title 1">
+            <a:extLst>
+              <a:ext uri="{FF2B5EF4-FFF2-40B4-BE49-F238E27FC236}">
+                <a16:creationId xmlns:a16="http://schemas.microsoft.com/office/drawing/2014/main" id="{ADF0D47D-91FD-E847-B469-22991C3A8536}"/>
+              </a:ext>
+            </a:extLst>
+          </p:cNvPr>
+          <p:cNvSpPr>
+            <a:spLocks noGrp="1"/>
+          </p:cNvSpPr>
+          <p:nvPr>
+            <p:ph type="title"/>
+          </p:nvPr>
+        </p:nvSpPr>
+        <p:spPr/>
+        <p:txBody>
+          <a:bodyPr/>
+          <a:lstStyle/>
+          <a:p>
+            <a:r>
+              <a:rPr lang="en-US" dirty="0"/>
+              <a:t>More variable references in functions</a:t>
+            </a:r>
+          </a:p>
+        </p:txBody>
+      </p:sp>
+      <p:sp>
+        <p:nvSpPr>
+          <p:cNvPr id="7" name="Content Placeholder 6">
+            <a:extLst>
+              <a:ext uri="{FF2B5EF4-FFF2-40B4-BE49-F238E27FC236}">
+                <a16:creationId xmlns:a16="http://schemas.microsoft.com/office/drawing/2014/main" id="{8FD9722C-E4E1-4E4C-8C96-340756186B51}"/>
+              </a:ext>
+            </a:extLst>
+          </p:cNvPr>
+          <p:cNvSpPr>
+            <a:spLocks noGrp="1"/>
+          </p:cNvSpPr>
+          <p:nvPr>
+            <p:ph idx="1"/>
+          </p:nvPr>
+        </p:nvSpPr>
+        <p:spPr/>
+        <p:txBody>
+          <a:bodyPr/>
+          <a:lstStyle/>
+          <a:p>
+            <a:r>
+              <a:rPr lang="en-US" dirty="0"/>
+              <a:t>Assigning to a variable for the first time creates that variable</a:t>
+            </a:r>
+            <a:br>
+              <a:rPr lang="en-US" dirty="0"/>
+            </a:br>
+            <a:r>
+              <a:rPr lang="en-US" dirty="0"/>
+              <a:t>(almost always, that is)</a:t>
+            </a:r>
+          </a:p>
+        </p:txBody>
+      </p:sp>
+      <p:sp>
+        <p:nvSpPr>
+          <p:cNvPr id="9" name="TextBox 8">
+            <a:extLst>
+              <a:ext uri="{FF2B5EF4-FFF2-40B4-BE49-F238E27FC236}">
+                <a16:creationId xmlns:a16="http://schemas.microsoft.com/office/drawing/2014/main" id="{832EDBAD-7AAA-C34F-9FF1-3EF7B050BB0C}"/>
+              </a:ext>
+            </a:extLst>
+          </p:cNvPr>
+          <p:cNvSpPr txBox="1"/>
+          <p:nvPr/>
+        </p:nvSpPr>
+        <p:spPr>
+          <a:xfrm>
+            <a:off x="1155146" y="4969465"/>
+            <a:ext cx="2741456" cy="461665"/>
+          </a:xfrm>
+          <a:prstGeom prst="rect">
+            <a:avLst/>
+          </a:prstGeom>
+          <a:noFill/>
+        </p:spPr>
+        <p:txBody>
+          <a:bodyPr wrap="none" rtlCol="0">
+            <a:spAutoFit/>
+          </a:bodyPr>
+          <a:lstStyle/>
+          <a:p>
+            <a:r>
+              <a:rPr lang="en-US" sz="2400" dirty="0"/>
+              <a:t>What's the output?</a:t>
+            </a:r>
+          </a:p>
+        </p:txBody>
+      </p:sp>
+      <p:sp>
+        <p:nvSpPr>
+          <p:cNvPr id="14" name="TextBox 13">
+            <a:extLst>
+              <a:ext uri="{FF2B5EF4-FFF2-40B4-BE49-F238E27FC236}">
+                <a16:creationId xmlns:a16="http://schemas.microsoft.com/office/drawing/2014/main" id="{89530B14-C65F-554D-B9E1-23C5234144B7}"/>
+              </a:ext>
+            </a:extLst>
+          </p:cNvPr>
+          <p:cNvSpPr txBox="1"/>
+          <p:nvPr/>
+        </p:nvSpPr>
+        <p:spPr>
+          <a:xfrm>
+            <a:off x="6202888" y="5030739"/>
+            <a:ext cx="2741456" cy="461665"/>
+          </a:xfrm>
+          <a:prstGeom prst="rect">
+            <a:avLst/>
+          </a:prstGeom>
+          <a:noFill/>
+        </p:spPr>
+        <p:txBody>
+          <a:bodyPr wrap="none" rtlCol="0">
+            <a:spAutoFit/>
+          </a:bodyPr>
+          <a:lstStyle/>
+          <a:p>
+            <a:r>
+              <a:rPr lang="en-US" sz="2400" dirty="0"/>
+              <a:t>What's the output?</a:t>
+            </a:r>
+          </a:p>
+        </p:txBody>
+      </p:sp>
+      <p:sp>
+        <p:nvSpPr>
+          <p:cNvPr id="15" name="TextBox 14">
+            <a:extLst>
+              <a:ext uri="{FF2B5EF4-FFF2-40B4-BE49-F238E27FC236}">
+                <a16:creationId xmlns:a16="http://schemas.microsoft.com/office/drawing/2014/main" id="{E2D72171-3833-B042-9348-274DEDCA5D91}"/>
+              </a:ext>
+            </a:extLst>
+          </p:cNvPr>
+          <p:cNvSpPr txBox="1"/>
+          <p:nvPr/>
+        </p:nvSpPr>
+        <p:spPr>
+          <a:xfrm>
+            <a:off x="1165085" y="5480903"/>
+            <a:ext cx="694421" cy="830997"/>
+          </a:xfrm>
+          <a:prstGeom prst="rect">
+            <a:avLst/>
+          </a:prstGeom>
+          <a:noFill/>
+        </p:spPr>
+        <p:txBody>
+          <a:bodyPr wrap="none" rtlCol="0">
+            <a:spAutoFit/>
+          </a:bodyPr>
+          <a:lstStyle/>
+          <a:p>
+            <a:r>
+              <a:rPr lang="en-US" sz="2400" b="1" dirty="0">
+                <a:latin typeface="Consolas" panose="020B0609020204030204" pitchFamily="49" charset="0"/>
+                <a:cs typeface="Consolas" panose="020B0609020204030204" pitchFamily="49" charset="0"/>
+              </a:rPr>
+              <a:t>101</a:t>
+            </a:r>
+          </a:p>
+          <a:p>
+            <a:r>
+              <a:rPr lang="en-US" sz="2400" b="1" dirty="0">
+                <a:latin typeface="Consolas" panose="020B0609020204030204" pitchFamily="49" charset="0"/>
+                <a:cs typeface="Consolas" panose="020B0609020204030204" pitchFamily="49" charset="0"/>
+              </a:rPr>
+              <a:t>1</a:t>
+            </a:r>
+          </a:p>
+        </p:txBody>
+      </p:sp>
+      <p:cxnSp>
+        <p:nvCxnSpPr>
+          <p:cNvPr id="18" name="Straight Arrow Connector 17">
+            <a:extLst>
+              <a:ext uri="{FF2B5EF4-FFF2-40B4-BE49-F238E27FC236}">
+                <a16:creationId xmlns:a16="http://schemas.microsoft.com/office/drawing/2014/main" id="{413216F6-8CF8-4547-985E-E12F79C962C5}"/>
+              </a:ext>
+            </a:extLst>
+          </p:cNvPr>
+          <p:cNvCxnSpPr>
+            <a:cxnSpLocks/>
+          </p:cNvCxnSpPr>
+          <p:nvPr/>
+        </p:nvCxnSpPr>
+        <p:spPr>
+          <a:xfrm flipH="1">
+            <a:off x="2899762" y="3130826"/>
+            <a:ext cx="1431400" cy="526190"/>
+          </a:xfrm>
+          <a:prstGeom prst="straightConnector1">
+            <a:avLst/>
+          </a:prstGeom>
+          <a:ln>
+            <a:solidFill>
+              <a:srgbClr val="E4754F"/>
+            </a:solidFill>
+            <a:tailEnd type="triangle"/>
+          </a:ln>
+        </p:spPr>
+        <p:style>
+          <a:lnRef idx="1">
+            <a:schemeClr val="accent1"/>
+          </a:lnRef>
+          <a:fillRef idx="0">
+            <a:schemeClr val="accent1"/>
+          </a:fillRef>
+          <a:effectRef idx="0">
+            <a:schemeClr val="accent1"/>
+          </a:effectRef>
+          <a:fontRef idx="minor">
+            <a:schemeClr val="tx1"/>
+          </a:fontRef>
+        </p:style>
+      </p:cxnSp>
+      <p:cxnSp>
+        <p:nvCxnSpPr>
+          <p:cNvPr id="22" name="Straight Arrow Connector 21">
+            <a:extLst>
+              <a:ext uri="{FF2B5EF4-FFF2-40B4-BE49-F238E27FC236}">
+                <a16:creationId xmlns:a16="http://schemas.microsoft.com/office/drawing/2014/main" id="{3C24AB04-561F-4F49-B350-5F6123A398E5}"/>
+              </a:ext>
+            </a:extLst>
+          </p:cNvPr>
+          <p:cNvCxnSpPr>
+            <a:cxnSpLocks/>
+            <a:stCxn id="19" idx="3"/>
+          </p:cNvCxnSpPr>
+          <p:nvPr/>
+        </p:nvCxnSpPr>
+        <p:spPr>
+          <a:xfrm>
+            <a:off x="6075971" y="3093637"/>
+            <a:ext cx="1408194" cy="335363"/>
+          </a:xfrm>
+          <a:prstGeom prst="straightConnector1">
+            <a:avLst/>
+          </a:prstGeom>
+          <a:ln>
+            <a:solidFill>
+              <a:srgbClr val="E4754F"/>
+            </a:solidFill>
+            <a:tailEnd type="triangle"/>
+          </a:ln>
+        </p:spPr>
+        <p:style>
+          <a:lnRef idx="1">
+            <a:schemeClr val="accent1"/>
+          </a:lnRef>
+          <a:fillRef idx="0">
+            <a:schemeClr val="accent1"/>
+          </a:fillRef>
+          <a:effectRef idx="0">
+            <a:schemeClr val="accent1"/>
+          </a:effectRef>
+          <a:fontRef idx="minor">
+            <a:schemeClr val="tx1"/>
+          </a:fontRef>
+        </p:style>
+      </p:cxnSp>
+      <p:sp>
+        <p:nvSpPr>
+          <p:cNvPr id="19" name="TextBox 18">
+            <a:extLst>
+              <a:ext uri="{FF2B5EF4-FFF2-40B4-BE49-F238E27FC236}">
+                <a16:creationId xmlns:a16="http://schemas.microsoft.com/office/drawing/2014/main" id="{5CA64A24-3E29-434B-A911-409DB29907F4}"/>
+              </a:ext>
+            </a:extLst>
+          </p:cNvPr>
+          <p:cNvSpPr txBox="1"/>
+          <p:nvPr/>
+        </p:nvSpPr>
+        <p:spPr>
+          <a:xfrm>
+            <a:off x="4339598" y="2908971"/>
+            <a:ext cx="1736373" cy="369332"/>
+          </a:xfrm>
+          <a:prstGeom prst="rect">
+            <a:avLst/>
+          </a:prstGeom>
+          <a:noFill/>
+        </p:spPr>
+        <p:txBody>
+          <a:bodyPr wrap="none" rtlCol="0">
+            <a:spAutoFit/>
+          </a:bodyPr>
+          <a:lstStyle/>
+          <a:p>
+            <a:r>
+              <a:rPr lang="en-US" dirty="0"/>
+              <a:t>global or local?</a:t>
+            </a:r>
+          </a:p>
+        </p:txBody>
+      </p:sp>
+      <p:pic>
+        <p:nvPicPr>
+          <p:cNvPr id="26" name="Picture 25">
+            <a:extLst>
+              <a:ext uri="{FF2B5EF4-FFF2-40B4-BE49-F238E27FC236}">
+                <a16:creationId xmlns:a16="http://schemas.microsoft.com/office/drawing/2014/main" id="{EC35F24B-041E-F842-95BE-3E64187891BC}"/>
+              </a:ext>
+            </a:extLst>
+          </p:cNvPr>
+          <p:cNvPicPr>
+            <a:picLocks noChangeAspect="1"/>
+          </p:cNvPicPr>
+          <p:nvPr/>
+        </p:nvPicPr>
+        <p:blipFill>
+          <a:blip r:embed="rId4"/>
+          <a:stretch>
+            <a:fillRect/>
+          </a:stretch>
+        </p:blipFill>
+        <p:spPr>
+          <a:xfrm>
+            <a:off x="6286500" y="5627341"/>
+            <a:ext cx="5905500" cy="330200"/>
           </a:xfrm>
           <a:prstGeom prst="rect">
             <a:avLst/>
@@ -9439,13 +9760,136 @@
     </p:spTree>
     <p:extLst>
       <p:ext uri="{BB962C8B-B14F-4D97-AF65-F5344CB8AC3E}">
-        <p14:creationId xmlns:p14="http://schemas.microsoft.com/office/powerpoint/2010/main" val="2763545099"/>
+        <p14:creationId xmlns:p14="http://schemas.microsoft.com/office/powerpoint/2010/main" val="2696318161"/>
       </p:ext>
     </p:extLst>
   </p:cSld>
   <p:clrMapOvr>
     <a:masterClrMapping/>
   </p:clrMapOvr>
+  <p:timing>
+    <p:tnLst>
+      <p:par>
+        <p:cTn id="1" dur="indefinite" restart="never" nodeType="tmRoot">
+          <p:childTnLst>
+            <p:seq concurrent="1" nextAc="seek">
+              <p:cTn id="2" dur="indefinite" nodeType="mainSeq">
+                <p:childTnLst>
+                  <p:par>
+                    <p:cTn id="3" fill="hold">
+                      <p:stCondLst>
+                        <p:cond delay="indefinite"/>
+                      </p:stCondLst>
+                      <p:childTnLst>
+                        <p:par>
+                          <p:cTn id="4" fill="hold">
+                            <p:stCondLst>
+                              <p:cond delay="0"/>
+                            </p:stCondLst>
+                            <p:childTnLst>
+                              <p:par>
+                                <p:cTn id="5" presetID="1" presetClass="entr" presetSubtype="0" fill="hold" grpId="0" nodeType="clickEffect">
+                                  <p:stCondLst>
+                                    <p:cond delay="0"/>
+                                  </p:stCondLst>
+                                  <p:childTnLst>
+                                    <p:set>
+                                      <p:cBhvr>
+                                        <p:cTn id="6" dur="1" fill="hold">
+                                          <p:stCondLst>
+                                            <p:cond delay="0"/>
+                                          </p:stCondLst>
+                                        </p:cTn>
+                                        <p:tgtEl>
+                                          <p:spTgt spid="15"/>
+                                        </p:tgtEl>
+                                        <p:attrNameLst>
+                                          <p:attrName>style.visibility</p:attrName>
+                                        </p:attrNameLst>
+                                      </p:cBhvr>
+                                      <p:to>
+                                        <p:strVal val="visible"/>
+                                      </p:to>
+                                    </p:set>
+                                  </p:childTnLst>
+                                </p:cTn>
+                              </p:par>
+                            </p:childTnLst>
+                          </p:cTn>
+                        </p:par>
+                      </p:childTnLst>
+                    </p:cTn>
+                  </p:par>
+                  <p:par>
+                    <p:cTn id="7" fill="hold">
+                      <p:stCondLst>
+                        <p:cond delay="indefinite"/>
+                      </p:stCondLst>
+                      <p:childTnLst>
+                        <p:par>
+                          <p:cTn id="8" fill="hold">
+                            <p:stCondLst>
+                              <p:cond delay="0"/>
+                            </p:stCondLst>
+                            <p:childTnLst>
+                              <p:par>
+                                <p:cTn id="9" presetID="1" presetClass="entr" presetSubtype="0" fill="hold" nodeType="clickEffect">
+                                  <p:stCondLst>
+                                    <p:cond delay="0"/>
+                                  </p:stCondLst>
+                                  <p:childTnLst>
+                                    <p:set>
+                                      <p:cBhvr>
+                                        <p:cTn id="10" dur="1" fill="hold">
+                                          <p:stCondLst>
+                                            <p:cond delay="0"/>
+                                          </p:stCondLst>
+                                        </p:cTn>
+                                        <p:tgtEl>
+                                          <p:spTgt spid="26"/>
+                                        </p:tgtEl>
+                                        <p:attrNameLst>
+                                          <p:attrName>style.visibility</p:attrName>
+                                        </p:attrNameLst>
+                                      </p:cBhvr>
+                                      <p:to>
+                                        <p:strVal val="visible"/>
+                                      </p:to>
+                                    </p:set>
+                                  </p:childTnLst>
+                                </p:cTn>
+                              </p:par>
+                            </p:childTnLst>
+                          </p:cTn>
+                        </p:par>
+                      </p:childTnLst>
+                    </p:cTn>
+                  </p:par>
+                </p:childTnLst>
+              </p:cTn>
+              <p:prevCondLst>
+                <p:cond evt="onPrev" delay="0">
+                  <p:tgtEl>
+                    <p:sldTgt/>
+                  </p:tgtEl>
+                </p:cond>
+              </p:prevCondLst>
+              <p:nextCondLst>
+                <p:cond evt="onNext" delay="0">
+                  <p:tgtEl>
+                    <p:sldTgt/>
+                  </p:tgtEl>
+                </p:cond>
+              </p:nextCondLst>
+            </p:seq>
+          </p:childTnLst>
+        </p:cTn>
+      </p:par>
+    </p:tnLst>
+    <p:bldLst>
+      <p:bldP spid="15" grpId="0"/>
+    </p:bldLst>
+  </p:timing>
 </p:sld>
 </file>
 
@@ -9471,6 +9915,161 @@
           <p:cNvPr id="2" name="Title 1">
             <a:extLst>
               <a:ext uri="{FF2B5EF4-FFF2-40B4-BE49-F238E27FC236}">
+                <a16:creationId xmlns:a16="http://schemas.microsoft.com/office/drawing/2014/main" id="{DC433FEA-F796-3C4F-9553-A6290D594406}"/>
+              </a:ext>
+            </a:extLst>
+          </p:cNvPr>
+          <p:cNvSpPr>
+            <a:spLocks noGrp="1"/>
+          </p:cNvSpPr>
+          <p:nvPr>
+            <p:ph type="title"/>
+          </p:nvPr>
+        </p:nvSpPr>
+        <p:spPr/>
+        <p:txBody>
+          <a:bodyPr/>
+          <a:lstStyle/>
+          <a:p>
+            <a:r>
+              <a:rPr lang="en-US" dirty="0"/>
+              <a:t>How functions return to invocation sites</a:t>
+            </a:r>
+          </a:p>
+        </p:txBody>
+      </p:sp>
+      <p:sp>
+        <p:nvSpPr>
+          <p:cNvPr id="3" name="Content Placeholder 2">
+            <a:extLst>
+              <a:ext uri="{FF2B5EF4-FFF2-40B4-BE49-F238E27FC236}">
+                <a16:creationId xmlns:a16="http://schemas.microsoft.com/office/drawing/2014/main" id="{557D8D30-82C7-0F48-9F65-54C617850442}"/>
+              </a:ext>
+            </a:extLst>
+          </p:cNvPr>
+          <p:cNvSpPr>
+            <a:spLocks noGrp="1"/>
+          </p:cNvSpPr>
+          <p:nvPr>
+            <p:ph idx="1"/>
+          </p:nvPr>
+        </p:nvSpPr>
+        <p:spPr/>
+        <p:txBody>
+          <a:bodyPr/>
+          <a:lstStyle/>
+          <a:p>
+            <a:r>
+              <a:rPr lang="en-US" dirty="0"/>
+              <a:t>Calling a function not only jumps to the function code, it remembers the call site so it can continue where it left off</a:t>
+            </a:r>
+          </a:p>
+        </p:txBody>
+      </p:sp>
+      <p:pic>
+        <p:nvPicPr>
+          <p:cNvPr id="7" name="Picture 6">
+            <a:extLst>
+              <a:ext uri="{FF2B5EF4-FFF2-40B4-BE49-F238E27FC236}">
+                <a16:creationId xmlns:a16="http://schemas.microsoft.com/office/drawing/2014/main" id="{F0071DD0-420D-0644-9F33-AF6502610C5E}"/>
+              </a:ext>
+            </a:extLst>
+          </p:cNvPr>
+          <p:cNvPicPr>
+            <a:picLocks noChangeAspect="1"/>
+          </p:cNvPicPr>
+          <p:nvPr/>
+        </p:nvPicPr>
+        <p:blipFill>
+          <a:blip r:embed="rId2"/>
+          <a:stretch>
+            <a:fillRect/>
+          </a:stretch>
+        </p:blipFill>
+        <p:spPr>
+          <a:xfrm>
+            <a:off x="2708015" y="2741329"/>
+            <a:ext cx="6775969" cy="3149910"/>
+          </a:xfrm>
+          <a:prstGeom prst="rect">
+            <a:avLst/>
+          </a:prstGeom>
+        </p:spPr>
+      </p:pic>
+      <p:sp>
+        <p:nvSpPr>
+          <p:cNvPr id="4" name="TextBox 3">
+            <a:extLst>
+              <a:ext uri="{FF2B5EF4-FFF2-40B4-BE49-F238E27FC236}">
+                <a16:creationId xmlns:a16="http://schemas.microsoft.com/office/drawing/2014/main" id="{9A22FA57-F29A-FC41-86DC-4FA0F7422A7A}"/>
+              </a:ext>
+            </a:extLst>
+          </p:cNvPr>
+          <p:cNvSpPr txBox="1"/>
+          <p:nvPr/>
+        </p:nvSpPr>
+        <p:spPr>
+          <a:xfrm>
+            <a:off x="1053547" y="5946130"/>
+            <a:ext cx="8633325" cy="461665"/>
+          </a:xfrm>
+          <a:prstGeom prst="rect">
+            <a:avLst/>
+          </a:prstGeom>
+          <a:noFill/>
+        </p:spPr>
+        <p:txBody>
+          <a:bodyPr wrap="none" rtlCol="0">
+            <a:spAutoFit/>
+          </a:bodyPr>
+          <a:lstStyle/>
+          <a:p>
+            <a:r>
+              <a:rPr lang="en-US" sz="2400" dirty="0"/>
+              <a:t>We remember call site by pushing return address onto a </a:t>
+            </a:r>
+            <a:r>
+              <a:rPr lang="en-US" sz="2400" i="1" dirty="0"/>
+              <a:t>stack</a:t>
+            </a:r>
+          </a:p>
+        </p:txBody>
+      </p:sp>
+    </p:spTree>
+    <p:extLst>
+      <p:ext uri="{BB962C8B-B14F-4D97-AF65-F5344CB8AC3E}">
+        <p14:creationId xmlns:p14="http://schemas.microsoft.com/office/powerpoint/2010/main" val="2763545099"/>
+      </p:ext>
+    </p:extLst>
+  </p:cSld>
+  <p:clrMapOvr>
+    <a:masterClrMapping/>
+  </p:clrMapOvr>
+</p:sld>
+</file>
+
+<file path=ppt/slides/slide28.xml><?xml version="1.0" encoding="utf-8"?>
+<p:sld xmlns:a="http://schemas.openxmlformats.org/drawingml/2006/main" xmlns:r="http://schemas.openxmlformats.org/officeDocument/2006/relationships" xmlns:p="http://schemas.openxmlformats.org/presentationml/2006/main">
+  <p:cSld>
+    <p:spTree>
+      <p:nvGrpSpPr>
+        <p:cNvPr id="1" name=""/>
+        <p:cNvGrpSpPr/>
+        <p:nvPr/>
+      </p:nvGrpSpPr>
+      <p:grpSpPr>
+        <a:xfrm>
+          <a:off x="0" y="0"/>
+          <a:ext cx="0" cy="0"/>
+          <a:chOff x="0" y="0"/>
+          <a:chExt cx="0" cy="0"/>
+        </a:xfrm>
+      </p:grpSpPr>
+      <p:sp>
+        <p:nvSpPr>
+          <p:cNvPr id="2" name="Title 1">
+            <a:extLst>
+              <a:ext uri="{FF2B5EF4-FFF2-40B4-BE49-F238E27FC236}">
                 <a16:creationId xmlns:a16="http://schemas.microsoft.com/office/drawing/2014/main" id="{020E53E1-851D-C645-A59F-FEA87B5ED714}"/>
               </a:ext>
             </a:extLst>
@@ -9745,7 +10344,7 @@
 </p:sld>
 </file>
 
-<file path=ppt/slides/slide28.xml><?xml version="1.0" encoding="utf-8"?>
+<file path=ppt/slides/slide29.xml><?xml version="1.0" encoding="utf-8"?>
 <p:sld xmlns:a="http://schemas.openxmlformats.org/drawingml/2006/main" xmlns:r="http://schemas.openxmlformats.org/officeDocument/2006/relationships" xmlns:p="http://schemas.openxmlformats.org/presentationml/2006/main">
   <p:cSld>
     <p:spTree>
